--- a/docs/drawings.pptx
+++ b/docs/drawings.pptx
@@ -8,6 +8,7 @@
     <p:sldId id="263" r:id="rId2"/>
     <p:sldId id="264" r:id="rId3"/>
     <p:sldId id="265" r:id="rId4"/>
+    <p:sldId id="266" r:id="rId5"/>
   </p:sldIdLst>
   <p:sldSz cx="12192000" cy="6858000"/>
   <p:notesSz cx="7315200" cy="9601200"/>
@@ -269,7 +270,7 @@
           <a:p>
             <a:fld id="{EEB5A699-4281-42A6-A7CC-966666C96966}" type="datetimeFigureOut">
               <a:rPr lang="en-US" smtClean="0"/>
-              <a:t>1/21/2022</a:t>
+              <a:t>1/24/2022</a:t>
             </a:fld>
             <a:endParaRPr lang="en-US"/>
           </a:p>
@@ -467,7 +468,7 @@
           <a:p>
             <a:fld id="{EEB5A699-4281-42A6-A7CC-966666C96966}" type="datetimeFigureOut">
               <a:rPr lang="en-US" smtClean="0"/>
-              <a:t>1/21/2022</a:t>
+              <a:t>1/24/2022</a:t>
             </a:fld>
             <a:endParaRPr lang="en-US"/>
           </a:p>
@@ -675,7 +676,7 @@
           <a:p>
             <a:fld id="{EEB5A699-4281-42A6-A7CC-966666C96966}" type="datetimeFigureOut">
               <a:rPr lang="en-US" smtClean="0"/>
-              <a:t>1/21/2022</a:t>
+              <a:t>1/24/2022</a:t>
             </a:fld>
             <a:endParaRPr lang="en-US"/>
           </a:p>
@@ -873,7 +874,7 @@
           <a:p>
             <a:fld id="{EEB5A699-4281-42A6-A7CC-966666C96966}" type="datetimeFigureOut">
               <a:rPr lang="en-US" smtClean="0"/>
-              <a:t>1/21/2022</a:t>
+              <a:t>1/24/2022</a:t>
             </a:fld>
             <a:endParaRPr lang="en-US"/>
           </a:p>
@@ -1148,7 +1149,7 @@
           <a:p>
             <a:fld id="{EEB5A699-4281-42A6-A7CC-966666C96966}" type="datetimeFigureOut">
               <a:rPr lang="en-US" smtClean="0"/>
-              <a:t>1/21/2022</a:t>
+              <a:t>1/24/2022</a:t>
             </a:fld>
             <a:endParaRPr lang="en-US"/>
           </a:p>
@@ -1413,7 +1414,7 @@
           <a:p>
             <a:fld id="{EEB5A699-4281-42A6-A7CC-966666C96966}" type="datetimeFigureOut">
               <a:rPr lang="en-US" smtClean="0"/>
-              <a:t>1/21/2022</a:t>
+              <a:t>1/24/2022</a:t>
             </a:fld>
             <a:endParaRPr lang="en-US"/>
           </a:p>
@@ -1825,7 +1826,7 @@
           <a:p>
             <a:fld id="{EEB5A699-4281-42A6-A7CC-966666C96966}" type="datetimeFigureOut">
               <a:rPr lang="en-US" smtClean="0"/>
-              <a:t>1/21/2022</a:t>
+              <a:t>1/24/2022</a:t>
             </a:fld>
             <a:endParaRPr lang="en-US"/>
           </a:p>
@@ -1966,7 +1967,7 @@
           <a:p>
             <a:fld id="{EEB5A699-4281-42A6-A7CC-966666C96966}" type="datetimeFigureOut">
               <a:rPr lang="en-US" smtClean="0"/>
-              <a:t>1/21/2022</a:t>
+              <a:t>1/24/2022</a:t>
             </a:fld>
             <a:endParaRPr lang="en-US"/>
           </a:p>
@@ -2079,7 +2080,7 @@
           <a:p>
             <a:fld id="{EEB5A699-4281-42A6-A7CC-966666C96966}" type="datetimeFigureOut">
               <a:rPr lang="en-US" smtClean="0"/>
-              <a:t>1/21/2022</a:t>
+              <a:t>1/24/2022</a:t>
             </a:fld>
             <a:endParaRPr lang="en-US"/>
           </a:p>
@@ -2390,7 +2391,7 @@
           <a:p>
             <a:fld id="{EEB5A699-4281-42A6-A7CC-966666C96966}" type="datetimeFigureOut">
               <a:rPr lang="en-US" smtClean="0"/>
-              <a:t>1/21/2022</a:t>
+              <a:t>1/24/2022</a:t>
             </a:fld>
             <a:endParaRPr lang="en-US"/>
           </a:p>
@@ -2678,7 +2679,7 @@
           <a:p>
             <a:fld id="{EEB5A699-4281-42A6-A7CC-966666C96966}" type="datetimeFigureOut">
               <a:rPr lang="en-US" smtClean="0"/>
-              <a:t>1/21/2022</a:t>
+              <a:t>1/24/2022</a:t>
             </a:fld>
             <a:endParaRPr lang="en-US"/>
           </a:p>
@@ -2919,7 +2920,7 @@
           <a:p>
             <a:fld id="{EEB5A699-4281-42A6-A7CC-966666C96966}" type="datetimeFigureOut">
               <a:rPr lang="en-US" smtClean="0"/>
-              <a:t>1/21/2022</a:t>
+              <a:t>1/24/2022</a:t>
             </a:fld>
             <a:endParaRPr lang="en-US"/>
           </a:p>
@@ -7260,6 +7261,2342 @@
 </p:sld>
 </file>
 
+<file path=ppt/slides/slide4.xml><?xml version="1.0" encoding="utf-8"?>
+<p:sld xmlns:a="http://schemas.openxmlformats.org/drawingml/2006/main" xmlns:r="http://schemas.openxmlformats.org/officeDocument/2006/relationships" xmlns:p="http://schemas.openxmlformats.org/presentationml/2006/main">
+  <p:cSld>
+    <p:spTree>
+      <p:nvGrpSpPr>
+        <p:cNvPr id="1" name=""/>
+        <p:cNvGrpSpPr/>
+        <p:nvPr/>
+      </p:nvGrpSpPr>
+      <p:grpSpPr>
+        <a:xfrm>
+          <a:off x="0" y="0"/>
+          <a:ext cx="0" cy="0"/>
+          <a:chOff x="0" y="0"/>
+          <a:chExt cx="0" cy="0"/>
+        </a:xfrm>
+      </p:grpSpPr>
+      <p:sp>
+        <p:nvSpPr>
+          <p:cNvPr id="8" name="Rectangle 7">
+            <a:extLst>
+              <a:ext uri="{FF2B5EF4-FFF2-40B4-BE49-F238E27FC236}">
+                <a16:creationId xmlns:a16="http://schemas.microsoft.com/office/drawing/2014/main" id="{3C193924-C71D-40E3-A6DB-67EDB888C004}"/>
+              </a:ext>
+            </a:extLst>
+          </p:cNvPr>
+          <p:cNvSpPr/>
+          <p:nvPr/>
+        </p:nvSpPr>
+        <p:spPr>
+          <a:xfrm>
+            <a:off x="2215112" y="4073419"/>
+            <a:ext cx="7728988" cy="2676554"/>
+          </a:xfrm>
+          <a:prstGeom prst="rect">
+            <a:avLst/>
+          </a:prstGeom>
+        </p:spPr>
+        <p:style>
+          <a:lnRef idx="2">
+            <a:schemeClr val="accent1"/>
+          </a:lnRef>
+          <a:fillRef idx="1">
+            <a:schemeClr val="lt1"/>
+          </a:fillRef>
+          <a:effectRef idx="0">
+            <a:schemeClr val="accent1"/>
+          </a:effectRef>
+          <a:fontRef idx="minor">
+            <a:schemeClr val="dk1"/>
+          </a:fontRef>
+        </p:style>
+        <p:txBody>
+          <a:bodyPr rtlCol="0" anchor="ctr"/>
+          <a:lstStyle/>
+          <a:p>
+            <a:pPr algn="ctr"/>
+            <a:endParaRPr lang="en-US" dirty="0"/>
+          </a:p>
+        </p:txBody>
+      </p:sp>
+      <p:sp>
+        <p:nvSpPr>
+          <p:cNvPr id="50" name="Rectangle 49">
+            <a:extLst>
+              <a:ext uri="{FF2B5EF4-FFF2-40B4-BE49-F238E27FC236}">
+                <a16:creationId xmlns:a16="http://schemas.microsoft.com/office/drawing/2014/main" id="{8AEF91B3-317A-4AC7-9752-3F5D697AC46D}"/>
+              </a:ext>
+            </a:extLst>
+          </p:cNvPr>
+          <p:cNvSpPr/>
+          <p:nvPr/>
+        </p:nvSpPr>
+        <p:spPr>
+          <a:xfrm>
+            <a:off x="2667742" y="4307309"/>
+            <a:ext cx="4025368" cy="1852860"/>
+          </a:xfrm>
+          <a:prstGeom prst="rect">
+            <a:avLst/>
+          </a:prstGeom>
+          <a:ln>
+            <a:prstDash val="sysDash"/>
+          </a:ln>
+        </p:spPr>
+        <p:style>
+          <a:lnRef idx="2">
+            <a:schemeClr val="accent1"/>
+          </a:lnRef>
+          <a:fillRef idx="1">
+            <a:schemeClr val="lt1"/>
+          </a:fillRef>
+          <a:effectRef idx="0">
+            <a:schemeClr val="accent1"/>
+          </a:effectRef>
+          <a:fontRef idx="minor">
+            <a:schemeClr val="dk1"/>
+          </a:fontRef>
+        </p:style>
+        <p:txBody>
+          <a:bodyPr rtlCol="0" anchor="ctr"/>
+          <a:lstStyle/>
+          <a:p>
+            <a:pPr algn="ctr"/>
+            <a:endParaRPr lang="en-US" dirty="0"/>
+          </a:p>
+        </p:txBody>
+      </p:sp>
+      <p:grpSp>
+        <p:nvGrpSpPr>
+          <p:cNvPr id="21" name="Group 20">
+            <a:extLst>
+              <a:ext uri="{FF2B5EF4-FFF2-40B4-BE49-F238E27FC236}">
+                <a16:creationId xmlns:a16="http://schemas.microsoft.com/office/drawing/2014/main" id="{8AFC29AB-BAF8-4DF9-A1B2-0E1B11F74D9E}"/>
+              </a:ext>
+            </a:extLst>
+          </p:cNvPr>
+          <p:cNvGrpSpPr/>
+          <p:nvPr/>
+        </p:nvGrpSpPr>
+        <p:grpSpPr>
+          <a:xfrm>
+            <a:off x="4774895" y="139299"/>
+            <a:ext cx="1475084" cy="740601"/>
+            <a:chOff x="4304628" y="841206"/>
+            <a:chExt cx="1475084" cy="740601"/>
+          </a:xfrm>
+        </p:grpSpPr>
+        <p:pic>
+          <p:nvPicPr>
+            <p:cNvPr id="1030" name="Picture 6" descr="See the source image">
+              <a:extLst>
+                <a:ext uri="{FF2B5EF4-FFF2-40B4-BE49-F238E27FC236}">
+                  <a16:creationId xmlns:a16="http://schemas.microsoft.com/office/drawing/2014/main" id="{2A09822F-2DC0-4F1B-BB9E-84F8191D47CC}"/>
+                </a:ext>
+              </a:extLst>
+            </p:cNvPr>
+            <p:cNvPicPr>
+              <a:picLocks noChangeAspect="1" noChangeArrowheads="1"/>
+            </p:cNvPicPr>
+            <p:nvPr/>
+          </p:nvPicPr>
+          <p:blipFill rotWithShape="1">
+            <a:blip r:embed="rId2">
+              <a:extLst>
+                <a:ext uri="{28A0092B-C50C-407E-A947-70E740481C1C}">
+                  <a14:useLocalDpi xmlns:a14="http://schemas.microsoft.com/office/drawing/2010/main" val="0"/>
+                </a:ext>
+              </a:extLst>
+            </a:blip>
+            <a:srcRect l="17920" t="6762" r="18882" b="6381"/>
+            <a:stretch/>
+          </p:blipFill>
+          <p:spPr bwMode="auto">
+            <a:xfrm>
+              <a:off x="4720010" y="841206"/>
+              <a:ext cx="552079" cy="479216"/>
+            </a:xfrm>
+            <a:prstGeom prst="rect">
+              <a:avLst/>
+            </a:prstGeom>
+            <a:noFill/>
+            <a:extLst>
+              <a:ext uri="{909E8E84-426E-40DD-AFC4-6F175D3DCCD1}">
+                <a14:hiddenFill xmlns:a14="http://schemas.microsoft.com/office/drawing/2010/main">
+                  <a:solidFill>
+                    <a:srgbClr val="FFFFFF"/>
+                  </a:solidFill>
+                </a14:hiddenFill>
+              </a:ext>
+            </a:extLst>
+          </p:spPr>
+        </p:pic>
+        <p:sp>
+          <p:nvSpPr>
+            <p:cNvPr id="4" name="TextBox 3">
+              <a:extLst>
+                <a:ext uri="{FF2B5EF4-FFF2-40B4-BE49-F238E27FC236}">
+                  <a16:creationId xmlns:a16="http://schemas.microsoft.com/office/drawing/2014/main" id="{C18C1812-13AD-48CC-B0D3-9431E0898AF4}"/>
+                </a:ext>
+              </a:extLst>
+            </p:cNvPr>
+            <p:cNvSpPr txBox="1"/>
+            <p:nvPr/>
+          </p:nvSpPr>
+          <p:spPr>
+            <a:xfrm>
+              <a:off x="4304628" y="1335586"/>
+              <a:ext cx="1475084" cy="246221"/>
+            </a:xfrm>
+            <a:prstGeom prst="rect">
+              <a:avLst/>
+            </a:prstGeom>
+            <a:noFill/>
+          </p:spPr>
+          <p:txBody>
+            <a:bodyPr wrap="none" rtlCol="0">
+              <a:spAutoFit/>
+            </a:bodyPr>
+            <a:lstStyle/>
+            <a:p>
+              <a:r>
+                <a:rPr lang="en-US" sz="1000" dirty="0"/>
+                <a:t>Azure Container Registry</a:t>
+              </a:r>
+            </a:p>
+          </p:txBody>
+        </p:sp>
+      </p:grpSp>
+      <p:grpSp>
+        <p:nvGrpSpPr>
+          <p:cNvPr id="19" name="Group 18">
+            <a:extLst>
+              <a:ext uri="{FF2B5EF4-FFF2-40B4-BE49-F238E27FC236}">
+                <a16:creationId xmlns:a16="http://schemas.microsoft.com/office/drawing/2014/main" id="{98ACBFC6-029D-47F1-A1D0-1ED06685DC36}"/>
+              </a:ext>
+            </a:extLst>
+          </p:cNvPr>
+          <p:cNvGrpSpPr/>
+          <p:nvPr/>
+        </p:nvGrpSpPr>
+        <p:grpSpPr>
+          <a:xfrm>
+            <a:off x="5879975" y="1953581"/>
+            <a:ext cx="1314784" cy="805788"/>
+            <a:chOff x="6235002" y="769945"/>
+            <a:chExt cx="1314784" cy="805788"/>
+          </a:xfrm>
+        </p:grpSpPr>
+        <p:pic>
+          <p:nvPicPr>
+            <p:cNvPr id="6" name="Picture 5">
+              <a:extLst>
+                <a:ext uri="{FF2B5EF4-FFF2-40B4-BE49-F238E27FC236}">
+                  <a16:creationId xmlns:a16="http://schemas.microsoft.com/office/drawing/2014/main" id="{1DE2DFB2-1CA0-409B-8C30-6233579847E5}"/>
+                </a:ext>
+              </a:extLst>
+            </p:cNvPr>
+            <p:cNvPicPr>
+              <a:picLocks noChangeAspect="1"/>
+            </p:cNvPicPr>
+            <p:nvPr/>
+          </p:nvPicPr>
+          <p:blipFill>
+            <a:blip r:embed="rId3">
+              <a:clrChange>
+                <a:clrFrom>
+                  <a:srgbClr val="FFFFFF"/>
+                </a:clrFrom>
+                <a:clrTo>
+                  <a:srgbClr val="FFFFFF">
+                    <a:alpha val="0"/>
+                  </a:srgbClr>
+                </a:clrTo>
+              </a:clrChange>
+            </a:blip>
+            <a:stretch>
+              <a:fillRect/>
+            </a:stretch>
+          </p:blipFill>
+          <p:spPr>
+            <a:xfrm>
+              <a:off x="6545093" y="769945"/>
+              <a:ext cx="659280" cy="612189"/>
+            </a:xfrm>
+            <a:prstGeom prst="rect">
+              <a:avLst/>
+            </a:prstGeom>
+          </p:spPr>
+        </p:pic>
+        <p:sp>
+          <p:nvSpPr>
+            <p:cNvPr id="7" name="TextBox 6">
+              <a:extLst>
+                <a:ext uri="{FF2B5EF4-FFF2-40B4-BE49-F238E27FC236}">
+                  <a16:creationId xmlns:a16="http://schemas.microsoft.com/office/drawing/2014/main" id="{D5527EA6-243A-406D-BFD9-0A9E374D205A}"/>
+                </a:ext>
+              </a:extLst>
+            </p:cNvPr>
+            <p:cNvSpPr txBox="1"/>
+            <p:nvPr/>
+          </p:nvSpPr>
+          <p:spPr>
+            <a:xfrm>
+              <a:off x="6235002" y="1329512"/>
+              <a:ext cx="1314784" cy="246221"/>
+            </a:xfrm>
+            <a:prstGeom prst="rect">
+              <a:avLst/>
+            </a:prstGeom>
+            <a:noFill/>
+          </p:spPr>
+          <p:txBody>
+            <a:bodyPr wrap="none" rtlCol="0">
+              <a:spAutoFit/>
+            </a:bodyPr>
+            <a:lstStyle/>
+            <a:p>
+              <a:r>
+                <a:rPr lang="en-US" sz="1000" dirty="0"/>
+                <a:t>Azure Container Apps</a:t>
+              </a:r>
+            </a:p>
+          </p:txBody>
+        </p:sp>
+      </p:grpSp>
+      <p:pic>
+        <p:nvPicPr>
+          <p:cNvPr id="1026" name="Picture 2" descr="See the source image">
+            <a:extLst>
+              <a:ext uri="{FF2B5EF4-FFF2-40B4-BE49-F238E27FC236}">
+                <a16:creationId xmlns:a16="http://schemas.microsoft.com/office/drawing/2014/main" id="{D877793F-3423-4985-A4F8-20C4FDCAAC98}"/>
+              </a:ext>
+            </a:extLst>
+          </p:cNvPr>
+          <p:cNvPicPr>
+            <a:picLocks noChangeAspect="1" noChangeArrowheads="1"/>
+          </p:cNvPicPr>
+          <p:nvPr/>
+        </p:nvPicPr>
+        <p:blipFill rotWithShape="1">
+          <a:blip r:embed="rId4">
+            <a:extLst>
+              <a:ext uri="{28A0092B-C50C-407E-A947-70E740481C1C}">
+                <a14:useLocalDpi xmlns:a14="http://schemas.microsoft.com/office/drawing/2010/main" val="0"/>
+              </a:ext>
+            </a:extLst>
+          </a:blip>
+          <a:srcRect l="23418" t="10038" r="25450" b="10287"/>
+          <a:stretch/>
+        </p:blipFill>
+        <p:spPr bwMode="auto">
+          <a:xfrm>
+            <a:off x="9686022" y="6313358"/>
+            <a:ext cx="503613" cy="533629"/>
+          </a:xfrm>
+          <a:prstGeom prst="rect">
+            <a:avLst/>
+          </a:prstGeom>
+          <a:noFill/>
+          <a:extLst>
+            <a:ext uri="{909E8E84-426E-40DD-AFC4-6F175D3DCCD1}">
+              <a14:hiddenFill xmlns:a14="http://schemas.microsoft.com/office/drawing/2010/main">
+                <a:solidFill>
+                  <a:srgbClr val="FFFFFF"/>
+                </a:solidFill>
+              </a14:hiddenFill>
+            </a:ext>
+          </a:extLst>
+        </p:spPr>
+      </p:pic>
+      <p:sp>
+        <p:nvSpPr>
+          <p:cNvPr id="9" name="TextBox 8">
+            <a:extLst>
+              <a:ext uri="{FF2B5EF4-FFF2-40B4-BE49-F238E27FC236}">
+                <a16:creationId xmlns:a16="http://schemas.microsoft.com/office/drawing/2014/main" id="{7651D2E4-69F0-4A99-8563-0C5DC63588D4}"/>
+              </a:ext>
+            </a:extLst>
+          </p:cNvPr>
+          <p:cNvSpPr txBox="1"/>
+          <p:nvPr/>
+        </p:nvSpPr>
+        <p:spPr>
+          <a:xfrm>
+            <a:off x="10178344" y="6472973"/>
+            <a:ext cx="1109663" cy="276999"/>
+          </a:xfrm>
+          <a:prstGeom prst="rect">
+            <a:avLst/>
+          </a:prstGeom>
+          <a:noFill/>
+        </p:spPr>
+        <p:txBody>
+          <a:bodyPr wrap="none" rtlCol="0">
+            <a:spAutoFit/>
+          </a:bodyPr>
+          <a:lstStyle/>
+          <a:p>
+            <a:r>
+              <a:rPr lang="en-US" sz="1200" dirty="0"/>
+              <a:t>Azure IoT Edge</a:t>
+            </a:r>
+          </a:p>
+        </p:txBody>
+      </p:sp>
+      <p:grpSp>
+        <p:nvGrpSpPr>
+          <p:cNvPr id="15" name="Group 14">
+            <a:extLst>
+              <a:ext uri="{FF2B5EF4-FFF2-40B4-BE49-F238E27FC236}">
+                <a16:creationId xmlns:a16="http://schemas.microsoft.com/office/drawing/2014/main" id="{9A510F61-56ED-42E0-87A5-B090FDBB45C2}"/>
+              </a:ext>
+            </a:extLst>
+          </p:cNvPr>
+          <p:cNvGrpSpPr/>
+          <p:nvPr/>
+        </p:nvGrpSpPr>
+        <p:grpSpPr>
+          <a:xfrm>
+            <a:off x="2007186" y="2026656"/>
+            <a:ext cx="920445" cy="757927"/>
+            <a:chOff x="8056429" y="808366"/>
+            <a:chExt cx="920445" cy="757927"/>
+          </a:xfrm>
+        </p:grpSpPr>
+        <p:pic>
+          <p:nvPicPr>
+            <p:cNvPr id="1032" name="Picture 8" descr="See the source image">
+              <a:extLst>
+                <a:ext uri="{FF2B5EF4-FFF2-40B4-BE49-F238E27FC236}">
+                  <a16:creationId xmlns:a16="http://schemas.microsoft.com/office/drawing/2014/main" id="{CEA7BEC5-A5F6-4C1C-AEF8-2C1D2F04CC97}"/>
+                </a:ext>
+              </a:extLst>
+            </p:cNvPr>
+            <p:cNvPicPr>
+              <a:picLocks noChangeAspect="1" noChangeArrowheads="1"/>
+            </p:cNvPicPr>
+            <p:nvPr/>
+          </p:nvPicPr>
+          <p:blipFill>
+            <a:blip r:embed="rId5">
+              <a:clrChange>
+                <a:clrFrom>
+                  <a:srgbClr val="FDFDFD"/>
+                </a:clrFrom>
+                <a:clrTo>
+                  <a:srgbClr val="FDFDFD">
+                    <a:alpha val="0"/>
+                  </a:srgbClr>
+                </a:clrTo>
+              </a:clrChange>
+              <a:extLst>
+                <a:ext uri="{28A0092B-C50C-407E-A947-70E740481C1C}">
+                  <a14:useLocalDpi xmlns:a14="http://schemas.microsoft.com/office/drawing/2010/main" val="0"/>
+                </a:ext>
+              </a:extLst>
+            </a:blip>
+            <a:srcRect/>
+            <a:stretch>
+              <a:fillRect/>
+            </a:stretch>
+          </p:blipFill>
+          <p:spPr bwMode="auto">
+            <a:xfrm>
+              <a:off x="8264355" y="808366"/>
+              <a:ext cx="508704" cy="470478"/>
+            </a:xfrm>
+            <a:prstGeom prst="rect">
+              <a:avLst/>
+            </a:prstGeom>
+            <a:noFill/>
+            <a:extLst>
+              <a:ext uri="{909E8E84-426E-40DD-AFC4-6F175D3DCCD1}">
+                <a14:hiddenFill xmlns:a14="http://schemas.microsoft.com/office/drawing/2010/main">
+                  <a:solidFill>
+                    <a:srgbClr val="FFFFFF"/>
+                  </a:solidFill>
+                </a14:hiddenFill>
+              </a:ext>
+            </a:extLst>
+          </p:spPr>
+        </p:pic>
+        <p:sp>
+          <p:nvSpPr>
+            <p:cNvPr id="10" name="TextBox 9">
+              <a:extLst>
+                <a:ext uri="{FF2B5EF4-FFF2-40B4-BE49-F238E27FC236}">
+                  <a16:creationId xmlns:a16="http://schemas.microsoft.com/office/drawing/2014/main" id="{5F01C87A-1A6C-464E-9B93-C047BB13FAA6}"/>
+                </a:ext>
+              </a:extLst>
+            </p:cNvPr>
+            <p:cNvSpPr txBox="1"/>
+            <p:nvPr/>
+          </p:nvSpPr>
+          <p:spPr>
+            <a:xfrm>
+              <a:off x="8056429" y="1320072"/>
+              <a:ext cx="920445" cy="246221"/>
+            </a:xfrm>
+            <a:prstGeom prst="rect">
+              <a:avLst/>
+            </a:prstGeom>
+            <a:noFill/>
+          </p:spPr>
+          <p:txBody>
+            <a:bodyPr wrap="none" rtlCol="0">
+              <a:spAutoFit/>
+            </a:bodyPr>
+            <a:lstStyle/>
+            <a:p>
+              <a:r>
+                <a:rPr lang="en-US" sz="1000" dirty="0"/>
+                <a:t>Azure IoT Hub</a:t>
+              </a:r>
+            </a:p>
+          </p:txBody>
+        </p:sp>
+      </p:grpSp>
+      <p:grpSp>
+        <p:nvGrpSpPr>
+          <p:cNvPr id="25" name="Group 24">
+            <a:extLst>
+              <a:ext uri="{FF2B5EF4-FFF2-40B4-BE49-F238E27FC236}">
+                <a16:creationId xmlns:a16="http://schemas.microsoft.com/office/drawing/2014/main" id="{40674AD4-3B93-4CE7-8588-F15AB4A4D551}"/>
+              </a:ext>
+            </a:extLst>
+          </p:cNvPr>
+          <p:cNvGrpSpPr/>
+          <p:nvPr/>
+        </p:nvGrpSpPr>
+        <p:grpSpPr>
+          <a:xfrm>
+            <a:off x="5825272" y="3350617"/>
+            <a:ext cx="1392882" cy="689397"/>
+            <a:chOff x="9235805" y="863086"/>
+            <a:chExt cx="1392882" cy="689397"/>
+          </a:xfrm>
+        </p:grpSpPr>
+        <p:pic>
+          <p:nvPicPr>
+            <p:cNvPr id="1036" name="Picture 12" descr="See the source image">
+              <a:extLst>
+                <a:ext uri="{FF2B5EF4-FFF2-40B4-BE49-F238E27FC236}">
+                  <a16:creationId xmlns:a16="http://schemas.microsoft.com/office/drawing/2014/main" id="{2A90732C-F539-41DC-BBBE-8EE70183D17C}"/>
+                </a:ext>
+              </a:extLst>
+            </p:cNvPr>
+            <p:cNvPicPr>
+              <a:picLocks noChangeAspect="1" noChangeArrowheads="1"/>
+            </p:cNvPicPr>
+            <p:nvPr/>
+          </p:nvPicPr>
+          <p:blipFill>
+            <a:blip r:embed="rId6">
+              <a:extLst>
+                <a:ext uri="{28A0092B-C50C-407E-A947-70E740481C1C}">
+                  <a14:useLocalDpi xmlns:a14="http://schemas.microsoft.com/office/drawing/2010/main" val="0"/>
+                </a:ext>
+              </a:extLst>
+            </a:blip>
+            <a:srcRect/>
+            <a:stretch>
+              <a:fillRect/>
+            </a:stretch>
+          </p:blipFill>
+          <p:spPr bwMode="auto">
+            <a:xfrm>
+              <a:off x="9732893" y="863086"/>
+              <a:ext cx="430015" cy="430015"/>
+            </a:xfrm>
+            <a:prstGeom prst="rect">
+              <a:avLst/>
+            </a:prstGeom>
+            <a:noFill/>
+            <a:extLst>
+              <a:ext uri="{909E8E84-426E-40DD-AFC4-6F175D3DCCD1}">
+                <a14:hiddenFill xmlns:a14="http://schemas.microsoft.com/office/drawing/2010/main">
+                  <a:solidFill>
+                    <a:srgbClr val="FFFFFF"/>
+                  </a:solidFill>
+                </a14:hiddenFill>
+              </a:ext>
+            </a:extLst>
+          </p:spPr>
+        </p:pic>
+        <p:sp>
+          <p:nvSpPr>
+            <p:cNvPr id="11" name="TextBox 10">
+              <a:extLst>
+                <a:ext uri="{FF2B5EF4-FFF2-40B4-BE49-F238E27FC236}">
+                  <a16:creationId xmlns:a16="http://schemas.microsoft.com/office/drawing/2014/main" id="{4DC526A7-C1F0-4B75-8C88-78E682792851}"/>
+                </a:ext>
+              </a:extLst>
+            </p:cNvPr>
+            <p:cNvSpPr txBox="1"/>
+            <p:nvPr/>
+          </p:nvSpPr>
+          <p:spPr>
+            <a:xfrm>
+              <a:off x="9235805" y="1275484"/>
+              <a:ext cx="1392882" cy="276999"/>
+            </a:xfrm>
+            <a:prstGeom prst="rect">
+              <a:avLst/>
+            </a:prstGeom>
+            <a:noFill/>
+          </p:spPr>
+          <p:txBody>
+            <a:bodyPr wrap="none" rtlCol="0">
+              <a:spAutoFit/>
+            </a:bodyPr>
+            <a:lstStyle/>
+            <a:p>
+              <a:r>
+                <a:rPr lang="en-US" sz="1200" dirty="0"/>
+                <a:t>Azure Log Analytics</a:t>
+              </a:r>
+            </a:p>
+          </p:txBody>
+        </p:sp>
+      </p:grpSp>
+      <p:grpSp>
+        <p:nvGrpSpPr>
+          <p:cNvPr id="17" name="Group 16">
+            <a:extLst>
+              <a:ext uri="{FF2B5EF4-FFF2-40B4-BE49-F238E27FC236}">
+                <a16:creationId xmlns:a16="http://schemas.microsoft.com/office/drawing/2014/main" id="{B0FE710E-9F19-40C0-AC5C-1CD451BC91F3}"/>
+              </a:ext>
+            </a:extLst>
+          </p:cNvPr>
+          <p:cNvGrpSpPr/>
+          <p:nvPr/>
+        </p:nvGrpSpPr>
+        <p:grpSpPr>
+          <a:xfrm>
+            <a:off x="3792195" y="2326023"/>
+            <a:ext cx="1059906" cy="805254"/>
+            <a:chOff x="10587444" y="764507"/>
+            <a:chExt cx="1059906" cy="805254"/>
+          </a:xfrm>
+        </p:grpSpPr>
+        <p:pic>
+          <p:nvPicPr>
+            <p:cNvPr id="1034" name="Picture 10" descr="See related image detail">
+              <a:extLst>
+                <a:ext uri="{FF2B5EF4-FFF2-40B4-BE49-F238E27FC236}">
+                  <a16:creationId xmlns:a16="http://schemas.microsoft.com/office/drawing/2014/main" id="{BB75325C-BE80-4716-B3AB-888FDA93A36B}"/>
+                </a:ext>
+              </a:extLst>
+            </p:cNvPr>
+            <p:cNvPicPr>
+              <a:picLocks noChangeAspect="1" noChangeArrowheads="1"/>
+            </p:cNvPicPr>
+            <p:nvPr/>
+          </p:nvPicPr>
+          <p:blipFill>
+            <a:blip r:embed="rId7">
+              <a:clrChange>
+                <a:clrFrom>
+                  <a:srgbClr val="FDFDFD"/>
+                </a:clrFrom>
+                <a:clrTo>
+                  <a:srgbClr val="FDFDFD">
+                    <a:alpha val="0"/>
+                  </a:srgbClr>
+                </a:clrTo>
+              </a:clrChange>
+              <a:extLst>
+                <a:ext uri="{28A0092B-C50C-407E-A947-70E740481C1C}">
+                  <a14:useLocalDpi xmlns:a14="http://schemas.microsoft.com/office/drawing/2010/main" val="0"/>
+                </a:ext>
+              </a:extLst>
+            </a:blip>
+            <a:srcRect/>
+            <a:stretch>
+              <a:fillRect/>
+            </a:stretch>
+          </p:blipFill>
+          <p:spPr bwMode="auto">
+            <a:xfrm>
+              <a:off x="10824907" y="764507"/>
+              <a:ext cx="584980" cy="584980"/>
+            </a:xfrm>
+            <a:prstGeom prst="rect">
+              <a:avLst/>
+            </a:prstGeom>
+            <a:noFill/>
+            <a:extLst>
+              <a:ext uri="{909E8E84-426E-40DD-AFC4-6F175D3DCCD1}">
+                <a14:hiddenFill xmlns:a14="http://schemas.microsoft.com/office/drawing/2010/main">
+                  <a:solidFill>
+                    <a:srgbClr val="FFFFFF"/>
+                  </a:solidFill>
+                </a14:hiddenFill>
+              </a:ext>
+            </a:extLst>
+          </p:spPr>
+        </p:pic>
+        <p:sp>
+          <p:nvSpPr>
+            <p:cNvPr id="12" name="TextBox 11">
+              <a:extLst>
+                <a:ext uri="{FF2B5EF4-FFF2-40B4-BE49-F238E27FC236}">
+                  <a16:creationId xmlns:a16="http://schemas.microsoft.com/office/drawing/2014/main" id="{42ACD0CC-6F04-4067-8439-7BB4106B3467}"/>
+                </a:ext>
+              </a:extLst>
+            </p:cNvPr>
+            <p:cNvSpPr txBox="1"/>
+            <p:nvPr/>
+          </p:nvSpPr>
+          <p:spPr>
+            <a:xfrm>
+              <a:off x="10587444" y="1323540"/>
+              <a:ext cx="1059906" cy="246221"/>
+            </a:xfrm>
+            <a:prstGeom prst="rect">
+              <a:avLst/>
+            </a:prstGeom>
+            <a:noFill/>
+          </p:spPr>
+          <p:txBody>
+            <a:bodyPr wrap="none" rtlCol="0">
+              <a:spAutoFit/>
+            </a:bodyPr>
+            <a:lstStyle/>
+            <a:p>
+              <a:r>
+                <a:rPr lang="en-US" sz="1000" dirty="0"/>
+                <a:t>Azure Event Grid</a:t>
+              </a:r>
+            </a:p>
+          </p:txBody>
+        </p:sp>
+      </p:grpSp>
+      <p:grpSp>
+        <p:nvGrpSpPr>
+          <p:cNvPr id="23" name="Group 22">
+            <a:extLst>
+              <a:ext uri="{FF2B5EF4-FFF2-40B4-BE49-F238E27FC236}">
+                <a16:creationId xmlns:a16="http://schemas.microsoft.com/office/drawing/2014/main" id="{E4D241D0-F5D6-4665-9CD5-6C50C04D2831}"/>
+              </a:ext>
+            </a:extLst>
+          </p:cNvPr>
+          <p:cNvGrpSpPr/>
+          <p:nvPr/>
+        </p:nvGrpSpPr>
+        <p:grpSpPr>
+          <a:xfrm>
+            <a:off x="8318586" y="2022848"/>
+            <a:ext cx="976549" cy="736521"/>
+            <a:chOff x="3100254" y="834058"/>
+            <a:chExt cx="976549" cy="736521"/>
+          </a:xfrm>
+        </p:grpSpPr>
+        <p:pic>
+          <p:nvPicPr>
+            <p:cNvPr id="1028" name="Picture 4" descr="See related image detail">
+              <a:extLst>
+                <a:ext uri="{FF2B5EF4-FFF2-40B4-BE49-F238E27FC236}">
+                  <a16:creationId xmlns:a16="http://schemas.microsoft.com/office/drawing/2014/main" id="{650EC945-E073-4979-BA21-343CE6D70BB9}"/>
+                </a:ext>
+              </a:extLst>
+            </p:cNvPr>
+            <p:cNvPicPr>
+              <a:picLocks noChangeAspect="1" noChangeArrowheads="1"/>
+            </p:cNvPicPr>
+            <p:nvPr/>
+          </p:nvPicPr>
+          <p:blipFill>
+            <a:blip r:embed="rId8">
+              <a:clrChange>
+                <a:clrFrom>
+                  <a:srgbClr val="FDFDFD"/>
+                </a:clrFrom>
+                <a:clrTo>
+                  <a:srgbClr val="FDFDFD">
+                    <a:alpha val="0"/>
+                  </a:srgbClr>
+                </a:clrTo>
+              </a:clrChange>
+              <a:extLst>
+                <a:ext uri="{28A0092B-C50C-407E-A947-70E740481C1C}">
+                  <a14:useLocalDpi xmlns:a14="http://schemas.microsoft.com/office/drawing/2010/main" val="0"/>
+                </a:ext>
+              </a:extLst>
+            </a:blip>
+            <a:srcRect/>
+            <a:stretch>
+              <a:fillRect/>
+            </a:stretch>
+          </p:blipFill>
+          <p:spPr bwMode="auto">
+            <a:xfrm>
+              <a:off x="3373522" y="834058"/>
+              <a:ext cx="430015" cy="472114"/>
+            </a:xfrm>
+            <a:prstGeom prst="rect">
+              <a:avLst/>
+            </a:prstGeom>
+            <a:noFill/>
+            <a:extLst>
+              <a:ext uri="{909E8E84-426E-40DD-AFC4-6F175D3DCCD1}">
+                <a14:hiddenFill xmlns:a14="http://schemas.microsoft.com/office/drawing/2010/main">
+                  <a:solidFill>
+                    <a:srgbClr val="FFFFFF"/>
+                  </a:solidFill>
+                </a14:hiddenFill>
+              </a:ext>
+            </a:extLst>
+          </p:spPr>
+        </p:pic>
+        <p:sp>
+          <p:nvSpPr>
+            <p:cNvPr id="14" name="TextBox 13">
+              <a:extLst>
+                <a:ext uri="{FF2B5EF4-FFF2-40B4-BE49-F238E27FC236}">
+                  <a16:creationId xmlns:a16="http://schemas.microsoft.com/office/drawing/2014/main" id="{226FE8E9-8258-4E11-90B2-20FF286B149A}"/>
+                </a:ext>
+              </a:extLst>
+            </p:cNvPr>
+            <p:cNvSpPr txBox="1"/>
+            <p:nvPr/>
+          </p:nvSpPr>
+          <p:spPr>
+            <a:xfrm>
+              <a:off x="3100254" y="1324358"/>
+              <a:ext cx="976549" cy="246221"/>
+            </a:xfrm>
+            <a:prstGeom prst="rect">
+              <a:avLst/>
+            </a:prstGeom>
+            <a:noFill/>
+          </p:spPr>
+          <p:txBody>
+            <a:bodyPr wrap="none" rtlCol="0">
+              <a:spAutoFit/>
+            </a:bodyPr>
+            <a:lstStyle/>
+            <a:p>
+              <a:r>
+                <a:rPr lang="en-US" sz="1000" dirty="0"/>
+                <a:t>Azure </a:t>
+              </a:r>
+              <a:r>
+                <a:rPr lang="en-US" sz="1000" dirty="0" err="1"/>
+                <a:t>KeyVault</a:t>
+              </a:r>
+              <a:endParaRPr lang="en-US" sz="1000" dirty="0"/>
+            </a:p>
+          </p:txBody>
+        </p:sp>
+      </p:grpSp>
+      <p:cxnSp>
+        <p:nvCxnSpPr>
+          <p:cNvPr id="27" name="Straight Arrow Connector 26">
+            <a:extLst>
+              <a:ext uri="{FF2B5EF4-FFF2-40B4-BE49-F238E27FC236}">
+                <a16:creationId xmlns:a16="http://schemas.microsoft.com/office/drawing/2014/main" id="{12ED6B8A-00D3-415B-B3FC-88FC4EA40FE5}"/>
+              </a:ext>
+            </a:extLst>
+          </p:cNvPr>
+          <p:cNvCxnSpPr>
+            <a:stCxn id="6" idx="3"/>
+            <a:endCxn id="1028" idx="1"/>
+          </p:cNvCxnSpPr>
+          <p:nvPr/>
+        </p:nvCxnSpPr>
+        <p:spPr>
+          <a:xfrm flipV="1">
+            <a:off x="6849346" y="2258905"/>
+            <a:ext cx="1742508" cy="771"/>
+          </a:xfrm>
+          <a:prstGeom prst="straightConnector1">
+            <a:avLst/>
+          </a:prstGeom>
+          <a:ln>
+            <a:headEnd type="triangle"/>
+            <a:tailEnd type="triangle"/>
+          </a:ln>
+        </p:spPr>
+        <p:style>
+          <a:lnRef idx="1">
+            <a:schemeClr val="accent1"/>
+          </a:lnRef>
+          <a:fillRef idx="0">
+            <a:schemeClr val="accent1"/>
+          </a:fillRef>
+          <a:effectRef idx="0">
+            <a:schemeClr val="accent1"/>
+          </a:effectRef>
+          <a:fontRef idx="minor">
+            <a:schemeClr val="tx1"/>
+          </a:fontRef>
+        </p:style>
+      </p:cxnSp>
+      <p:sp>
+        <p:nvSpPr>
+          <p:cNvPr id="52" name="TextBox 51">
+            <a:extLst>
+              <a:ext uri="{FF2B5EF4-FFF2-40B4-BE49-F238E27FC236}">
+                <a16:creationId xmlns:a16="http://schemas.microsoft.com/office/drawing/2014/main" id="{67EED9E1-480A-4671-854A-21865EDA3022}"/>
+              </a:ext>
+            </a:extLst>
+          </p:cNvPr>
+          <p:cNvSpPr txBox="1"/>
+          <p:nvPr/>
+        </p:nvSpPr>
+        <p:spPr>
+          <a:xfrm>
+            <a:off x="6547052" y="2906046"/>
+            <a:ext cx="1224769" cy="246221"/>
+          </a:xfrm>
+          <a:prstGeom prst="rect">
+            <a:avLst/>
+          </a:prstGeom>
+          <a:noFill/>
+        </p:spPr>
+        <p:txBody>
+          <a:bodyPr wrap="square">
+            <a:spAutoFit/>
+          </a:bodyPr>
+          <a:lstStyle/>
+          <a:p>
+            <a:r>
+              <a:rPr lang="en-US" sz="1000" dirty="0"/>
+              <a:t>AUDIT TRAIL</a:t>
+            </a:r>
+          </a:p>
+        </p:txBody>
+      </p:sp>
+      <p:sp>
+        <p:nvSpPr>
+          <p:cNvPr id="51" name="TextBox 50">
+            <a:extLst>
+              <a:ext uri="{FF2B5EF4-FFF2-40B4-BE49-F238E27FC236}">
+                <a16:creationId xmlns:a16="http://schemas.microsoft.com/office/drawing/2014/main" id="{196903A7-7DD1-4371-B726-E349FB0FACC7}"/>
+              </a:ext>
+            </a:extLst>
+          </p:cNvPr>
+          <p:cNvSpPr txBox="1"/>
+          <p:nvPr/>
+        </p:nvSpPr>
+        <p:spPr>
+          <a:xfrm>
+            <a:off x="7149751" y="2025482"/>
+            <a:ext cx="1224769" cy="246221"/>
+          </a:xfrm>
+          <a:prstGeom prst="rect">
+            <a:avLst/>
+          </a:prstGeom>
+          <a:noFill/>
+        </p:spPr>
+        <p:txBody>
+          <a:bodyPr wrap="square">
+            <a:spAutoFit/>
+          </a:bodyPr>
+          <a:lstStyle>
+            <a:defPPr>
+              <a:defRPr lang="en-US"/>
+            </a:defPPr>
+            <a:lvl1pPr>
+              <a:defRPr sz="1000"/>
+            </a:lvl1pPr>
+          </a:lstStyle>
+          <a:p>
+            <a:pPr algn="ctr"/>
+            <a:r>
+              <a:rPr lang="en-US" dirty="0"/>
+              <a:t>SECRETS</a:t>
+            </a:r>
+          </a:p>
+        </p:txBody>
+      </p:sp>
+      <p:cxnSp>
+        <p:nvCxnSpPr>
+          <p:cNvPr id="56" name="Straight Arrow Connector 55">
+            <a:extLst>
+              <a:ext uri="{FF2B5EF4-FFF2-40B4-BE49-F238E27FC236}">
+                <a16:creationId xmlns:a16="http://schemas.microsoft.com/office/drawing/2014/main" id="{D51341B5-6EDA-4998-9416-7E25780EA541}"/>
+              </a:ext>
+            </a:extLst>
+          </p:cNvPr>
+          <p:cNvCxnSpPr>
+            <a:cxnSpLocks/>
+            <a:stCxn id="7" idx="2"/>
+            <a:endCxn id="1036" idx="0"/>
+          </p:cNvCxnSpPr>
+          <p:nvPr/>
+        </p:nvCxnSpPr>
+        <p:spPr>
+          <a:xfrm>
+            <a:off x="6537367" y="2759369"/>
+            <a:ext cx="1" cy="591248"/>
+          </a:xfrm>
+          <a:prstGeom prst="straightConnector1">
+            <a:avLst/>
+          </a:prstGeom>
+          <a:ln>
+            <a:tailEnd type="triangle"/>
+          </a:ln>
+        </p:spPr>
+        <p:style>
+          <a:lnRef idx="1">
+            <a:schemeClr val="accent1"/>
+          </a:lnRef>
+          <a:fillRef idx="0">
+            <a:schemeClr val="accent1"/>
+          </a:fillRef>
+          <a:effectRef idx="0">
+            <a:schemeClr val="accent1"/>
+          </a:effectRef>
+          <a:fontRef idx="minor">
+            <a:schemeClr val="tx1"/>
+          </a:fontRef>
+        </p:style>
+      </p:cxnSp>
+      <p:cxnSp>
+        <p:nvCxnSpPr>
+          <p:cNvPr id="71" name="Connector: Elbow 70">
+            <a:extLst>
+              <a:ext uri="{FF2B5EF4-FFF2-40B4-BE49-F238E27FC236}">
+                <a16:creationId xmlns:a16="http://schemas.microsoft.com/office/drawing/2014/main" id="{36B34FA8-545A-4AD4-AD4D-FC55CABA9898}"/>
+              </a:ext>
+            </a:extLst>
+          </p:cNvPr>
+          <p:cNvCxnSpPr>
+            <a:cxnSpLocks/>
+            <a:endCxn id="1034" idx="1"/>
+          </p:cNvCxnSpPr>
+          <p:nvPr/>
+        </p:nvCxnSpPr>
+        <p:spPr>
+          <a:xfrm>
+            <a:off x="2848176" y="2381061"/>
+            <a:ext cx="1181482" cy="237452"/>
+          </a:xfrm>
+          <a:prstGeom prst="bentConnector3">
+            <a:avLst>
+              <a:gd name="adj1" fmla="val 50000"/>
+            </a:avLst>
+          </a:prstGeom>
+          <a:ln>
+            <a:tailEnd type="triangle"/>
+          </a:ln>
+        </p:spPr>
+        <p:style>
+          <a:lnRef idx="1">
+            <a:schemeClr val="accent1"/>
+          </a:lnRef>
+          <a:fillRef idx="0">
+            <a:schemeClr val="accent1"/>
+          </a:fillRef>
+          <a:effectRef idx="0">
+            <a:schemeClr val="accent1"/>
+          </a:effectRef>
+          <a:fontRef idx="minor">
+            <a:schemeClr val="tx1"/>
+          </a:fontRef>
+        </p:style>
+      </p:cxnSp>
+      <p:cxnSp>
+        <p:nvCxnSpPr>
+          <p:cNvPr id="80" name="Straight Arrow Connector 79">
+            <a:extLst>
+              <a:ext uri="{FF2B5EF4-FFF2-40B4-BE49-F238E27FC236}">
+                <a16:creationId xmlns:a16="http://schemas.microsoft.com/office/drawing/2014/main" id="{0FA12451-5CF3-4ECF-B2F8-9BADEEE76E0C}"/>
+              </a:ext>
+            </a:extLst>
+          </p:cNvPr>
+          <p:cNvCxnSpPr>
+            <a:cxnSpLocks/>
+          </p:cNvCxnSpPr>
+          <p:nvPr/>
+        </p:nvCxnSpPr>
+        <p:spPr>
+          <a:xfrm flipV="1">
+            <a:off x="4622479" y="5827487"/>
+            <a:ext cx="2442349" cy="13506"/>
+          </a:xfrm>
+          <a:prstGeom prst="straightConnector1">
+            <a:avLst/>
+          </a:prstGeom>
+          <a:ln>
+            <a:headEnd type="triangle"/>
+            <a:tailEnd type="triangle"/>
+          </a:ln>
+        </p:spPr>
+        <p:style>
+          <a:lnRef idx="1">
+            <a:schemeClr val="accent1"/>
+          </a:lnRef>
+          <a:fillRef idx="0">
+            <a:schemeClr val="accent1"/>
+          </a:fillRef>
+          <a:effectRef idx="0">
+            <a:schemeClr val="accent1"/>
+          </a:effectRef>
+          <a:fontRef idx="minor">
+            <a:schemeClr val="tx1"/>
+          </a:fontRef>
+        </p:style>
+      </p:cxnSp>
+      <p:cxnSp>
+        <p:nvCxnSpPr>
+          <p:cNvPr id="89" name="Straight Arrow Connector 88">
+            <a:extLst>
+              <a:ext uri="{FF2B5EF4-FFF2-40B4-BE49-F238E27FC236}">
+                <a16:creationId xmlns:a16="http://schemas.microsoft.com/office/drawing/2014/main" id="{05E9D7D3-6FCB-4911-9430-8D214BDDF5E6}"/>
+              </a:ext>
+            </a:extLst>
+          </p:cNvPr>
+          <p:cNvCxnSpPr>
+            <a:cxnSpLocks/>
+            <a:stCxn id="38" idx="3"/>
+          </p:cNvCxnSpPr>
+          <p:nvPr/>
+        </p:nvCxnSpPr>
+        <p:spPr>
+          <a:xfrm>
+            <a:off x="4614638" y="4675794"/>
+            <a:ext cx="4282715" cy="0"/>
+          </a:xfrm>
+          <a:prstGeom prst="straightConnector1">
+            <a:avLst/>
+          </a:prstGeom>
+          <a:ln>
+            <a:headEnd type="triangle"/>
+            <a:tailEnd type="triangle"/>
+          </a:ln>
+        </p:spPr>
+        <p:style>
+          <a:lnRef idx="1">
+            <a:schemeClr val="accent1"/>
+          </a:lnRef>
+          <a:fillRef idx="0">
+            <a:schemeClr val="accent1"/>
+          </a:fillRef>
+          <a:effectRef idx="0">
+            <a:schemeClr val="accent1"/>
+          </a:effectRef>
+          <a:fontRef idx="minor">
+            <a:schemeClr val="tx1"/>
+          </a:fontRef>
+        </p:style>
+      </p:cxnSp>
+      <p:sp>
+        <p:nvSpPr>
+          <p:cNvPr id="102" name="TextBox 101">
+            <a:extLst>
+              <a:ext uri="{FF2B5EF4-FFF2-40B4-BE49-F238E27FC236}">
+                <a16:creationId xmlns:a16="http://schemas.microsoft.com/office/drawing/2014/main" id="{6AFAB64A-C9D6-413B-A8C5-37D668E936B1}"/>
+              </a:ext>
+            </a:extLst>
+          </p:cNvPr>
+          <p:cNvSpPr txBox="1"/>
+          <p:nvPr/>
+        </p:nvSpPr>
+        <p:spPr>
+          <a:xfrm>
+            <a:off x="7397643" y="5609916"/>
+            <a:ext cx="1834733" cy="276999"/>
+          </a:xfrm>
+          <a:prstGeom prst="rect">
+            <a:avLst/>
+          </a:prstGeom>
+          <a:noFill/>
+        </p:spPr>
+        <p:txBody>
+          <a:bodyPr wrap="square">
+            <a:spAutoFit/>
+          </a:bodyPr>
+          <a:lstStyle/>
+          <a:p>
+            <a:r>
+              <a:rPr lang="en-US" sz="1200" dirty="0"/>
+              <a:t>encrypted secrets store</a:t>
+            </a:r>
+          </a:p>
+        </p:txBody>
+      </p:sp>
+      <p:pic>
+        <p:nvPicPr>
+          <p:cNvPr id="1040" name="Picture 16" descr="See the source image">
+            <a:extLst>
+              <a:ext uri="{FF2B5EF4-FFF2-40B4-BE49-F238E27FC236}">
+                <a16:creationId xmlns:a16="http://schemas.microsoft.com/office/drawing/2014/main" id="{9AE115E1-77A8-47CC-AD9C-C8C64FF2EFB4}"/>
+              </a:ext>
+            </a:extLst>
+          </p:cNvPr>
+          <p:cNvPicPr>
+            <a:picLocks noChangeAspect="1" noChangeArrowheads="1"/>
+          </p:cNvPicPr>
+          <p:nvPr/>
+        </p:nvPicPr>
+        <p:blipFill>
+          <a:blip r:embed="rId9">
+            <a:extLst>
+              <a:ext uri="{28A0092B-C50C-407E-A947-70E740481C1C}">
+                <a14:useLocalDpi xmlns:a14="http://schemas.microsoft.com/office/drawing/2010/main" val="0"/>
+              </a:ext>
+            </a:extLst>
+          </a:blip>
+          <a:srcRect/>
+          <a:stretch>
+            <a:fillRect/>
+          </a:stretch>
+        </p:blipFill>
+        <p:spPr bwMode="auto">
+          <a:xfrm>
+            <a:off x="7064828" y="5635971"/>
+            <a:ext cx="339558" cy="360947"/>
+          </a:xfrm>
+          <a:prstGeom prst="rect">
+            <a:avLst/>
+          </a:prstGeom>
+          <a:noFill/>
+          <a:extLst>
+            <a:ext uri="{909E8E84-426E-40DD-AFC4-6F175D3DCCD1}">
+              <a14:hiddenFill xmlns:a14="http://schemas.microsoft.com/office/drawing/2010/main">
+                <a:solidFill>
+                  <a:srgbClr val="FFFFFF"/>
+                </a:solidFill>
+              </a14:hiddenFill>
+            </a:ext>
+          </a:extLst>
+        </p:spPr>
+      </p:pic>
+      <p:sp>
+        <p:nvSpPr>
+          <p:cNvPr id="93" name="Rectangle 92">
+            <a:extLst>
+              <a:ext uri="{FF2B5EF4-FFF2-40B4-BE49-F238E27FC236}">
+                <a16:creationId xmlns:a16="http://schemas.microsoft.com/office/drawing/2014/main" id="{1400136E-BEBB-486F-82D4-515152FAFBB4}"/>
+              </a:ext>
+            </a:extLst>
+          </p:cNvPr>
+          <p:cNvSpPr/>
+          <p:nvPr/>
+        </p:nvSpPr>
+        <p:spPr>
+          <a:xfrm>
+            <a:off x="2781828" y="6281699"/>
+            <a:ext cx="1832810" cy="319950"/>
+          </a:xfrm>
+          <a:prstGeom prst="rect">
+            <a:avLst/>
+          </a:prstGeom>
+        </p:spPr>
+        <p:style>
+          <a:lnRef idx="2">
+            <a:schemeClr val="accent1"/>
+          </a:lnRef>
+          <a:fillRef idx="1">
+            <a:schemeClr val="lt1"/>
+          </a:fillRef>
+          <a:effectRef idx="0">
+            <a:schemeClr val="accent1"/>
+          </a:effectRef>
+          <a:fontRef idx="minor">
+            <a:schemeClr val="dk1"/>
+          </a:fontRef>
+        </p:style>
+        <p:txBody>
+          <a:bodyPr rtlCol="0" anchor="ctr"/>
+          <a:lstStyle/>
+          <a:p>
+            <a:pPr algn="ctr"/>
+            <a:r>
+              <a:rPr lang="en-US" sz="1200" dirty="0" err="1"/>
+              <a:t>CryptoProvider</a:t>
+            </a:r>
+            <a:endParaRPr lang="en-US" sz="1200" dirty="0"/>
+          </a:p>
+        </p:txBody>
+      </p:sp>
+      <p:cxnSp>
+        <p:nvCxnSpPr>
+          <p:cNvPr id="101" name="Connector: Elbow 100">
+            <a:extLst>
+              <a:ext uri="{FF2B5EF4-FFF2-40B4-BE49-F238E27FC236}">
+                <a16:creationId xmlns:a16="http://schemas.microsoft.com/office/drawing/2014/main" id="{B3B75856-403A-4275-8D25-969A82F5CCC0}"/>
+              </a:ext>
+            </a:extLst>
+          </p:cNvPr>
+          <p:cNvCxnSpPr>
+            <a:cxnSpLocks/>
+            <a:stCxn id="1034" idx="3"/>
+          </p:cNvCxnSpPr>
+          <p:nvPr/>
+        </p:nvCxnSpPr>
+        <p:spPr>
+          <a:xfrm flipV="1">
+            <a:off x="4614638" y="2381015"/>
+            <a:ext cx="1513657" cy="237498"/>
+          </a:xfrm>
+          <a:prstGeom prst="bentConnector3">
+            <a:avLst>
+              <a:gd name="adj1" fmla="val 50000"/>
+            </a:avLst>
+          </a:prstGeom>
+          <a:ln>
+            <a:tailEnd type="triangle"/>
+          </a:ln>
+        </p:spPr>
+        <p:style>
+          <a:lnRef idx="1">
+            <a:schemeClr val="accent1"/>
+          </a:lnRef>
+          <a:fillRef idx="0">
+            <a:schemeClr val="accent1"/>
+          </a:fillRef>
+          <a:effectRef idx="0">
+            <a:schemeClr val="accent1"/>
+          </a:effectRef>
+          <a:fontRef idx="minor">
+            <a:schemeClr val="tx1"/>
+          </a:fontRef>
+        </p:style>
+      </p:cxnSp>
+      <p:cxnSp>
+        <p:nvCxnSpPr>
+          <p:cNvPr id="109" name="Straight Arrow Connector 108">
+            <a:extLst>
+              <a:ext uri="{FF2B5EF4-FFF2-40B4-BE49-F238E27FC236}">
+                <a16:creationId xmlns:a16="http://schemas.microsoft.com/office/drawing/2014/main" id="{58FEBA7C-7356-4206-AA52-F9116A41C8D1}"/>
+              </a:ext>
+            </a:extLst>
+          </p:cNvPr>
+          <p:cNvCxnSpPr>
+            <a:cxnSpLocks/>
+          </p:cNvCxnSpPr>
+          <p:nvPr/>
+        </p:nvCxnSpPr>
+        <p:spPr>
+          <a:xfrm flipH="1">
+            <a:off x="2789321" y="2140894"/>
+            <a:ext cx="3303804" cy="7698"/>
+          </a:xfrm>
+          <a:prstGeom prst="straightConnector1">
+            <a:avLst/>
+          </a:prstGeom>
+          <a:ln>
+            <a:tailEnd type="triangle"/>
+          </a:ln>
+        </p:spPr>
+        <p:style>
+          <a:lnRef idx="1">
+            <a:schemeClr val="accent1"/>
+          </a:lnRef>
+          <a:fillRef idx="0">
+            <a:schemeClr val="accent1"/>
+          </a:fillRef>
+          <a:effectRef idx="0">
+            <a:schemeClr val="accent1"/>
+          </a:effectRef>
+          <a:fontRef idx="minor">
+            <a:schemeClr val="tx1"/>
+          </a:fontRef>
+        </p:style>
+      </p:cxnSp>
+      <p:grpSp>
+        <p:nvGrpSpPr>
+          <p:cNvPr id="118" name="Group 117">
+            <a:extLst>
+              <a:ext uri="{FF2B5EF4-FFF2-40B4-BE49-F238E27FC236}">
+                <a16:creationId xmlns:a16="http://schemas.microsoft.com/office/drawing/2014/main" id="{5AD48EC0-E17F-40DA-B39F-FD73D4679917}"/>
+              </a:ext>
+            </a:extLst>
+          </p:cNvPr>
+          <p:cNvGrpSpPr/>
+          <p:nvPr/>
+        </p:nvGrpSpPr>
+        <p:grpSpPr>
+          <a:xfrm>
+            <a:off x="7100606" y="108027"/>
+            <a:ext cx="1350050" cy="767878"/>
+            <a:chOff x="4042380" y="358243"/>
+            <a:chExt cx="1350050" cy="767878"/>
+          </a:xfrm>
+        </p:grpSpPr>
+        <p:pic>
+          <p:nvPicPr>
+            <p:cNvPr id="1044" name="Picture 20" descr="See the source image">
+              <a:extLst>
+                <a:ext uri="{FF2B5EF4-FFF2-40B4-BE49-F238E27FC236}">
+                  <a16:creationId xmlns:a16="http://schemas.microsoft.com/office/drawing/2014/main" id="{642512C5-E240-40AD-9E97-6A7B5AE4D95E}"/>
+                </a:ext>
+              </a:extLst>
+            </p:cNvPr>
+            <p:cNvPicPr>
+              <a:picLocks noChangeAspect="1" noChangeArrowheads="1"/>
+            </p:cNvPicPr>
+            <p:nvPr/>
+          </p:nvPicPr>
+          <p:blipFill rotWithShape="1">
+            <a:blip r:embed="rId10">
+              <a:extLst>
+                <a:ext uri="{28A0092B-C50C-407E-A947-70E740481C1C}">
+                  <a14:useLocalDpi xmlns:a14="http://schemas.microsoft.com/office/drawing/2010/main" val="0"/>
+                </a:ext>
+              </a:extLst>
+            </a:blip>
+            <a:srcRect l="6123" r="62635"/>
+            <a:stretch/>
+          </p:blipFill>
+          <p:spPr bwMode="auto">
+            <a:xfrm>
+              <a:off x="4441224" y="358243"/>
+              <a:ext cx="561472" cy="543437"/>
+            </a:xfrm>
+            <a:prstGeom prst="rect">
+              <a:avLst/>
+            </a:prstGeom>
+            <a:noFill/>
+            <a:extLst>
+              <a:ext uri="{909E8E84-426E-40DD-AFC4-6F175D3DCCD1}">
+                <a14:hiddenFill xmlns:a14="http://schemas.microsoft.com/office/drawing/2010/main">
+                  <a:solidFill>
+                    <a:srgbClr val="FFFFFF"/>
+                  </a:solidFill>
+                </a14:hiddenFill>
+              </a:ext>
+            </a:extLst>
+          </p:spPr>
+        </p:pic>
+        <p:sp>
+          <p:nvSpPr>
+            <p:cNvPr id="116" name="TextBox 115">
+              <a:extLst>
+                <a:ext uri="{FF2B5EF4-FFF2-40B4-BE49-F238E27FC236}">
+                  <a16:creationId xmlns:a16="http://schemas.microsoft.com/office/drawing/2014/main" id="{793721C3-602F-4139-B2D3-C05133142935}"/>
+                </a:ext>
+              </a:extLst>
+            </p:cNvPr>
+            <p:cNvSpPr txBox="1"/>
+            <p:nvPr/>
+          </p:nvSpPr>
+          <p:spPr>
+            <a:xfrm>
+              <a:off x="4042380" y="879900"/>
+              <a:ext cx="1350050" cy="246221"/>
+            </a:xfrm>
+            <a:prstGeom prst="rect">
+              <a:avLst/>
+            </a:prstGeom>
+            <a:noFill/>
+          </p:spPr>
+          <p:txBody>
+            <a:bodyPr wrap="none" rtlCol="0">
+              <a:spAutoFit/>
+            </a:bodyPr>
+            <a:lstStyle/>
+            <a:p>
+              <a:r>
+                <a:rPr lang="en-US" sz="1000" dirty="0"/>
+                <a:t>Azure Active Directory</a:t>
+              </a:r>
+            </a:p>
+          </p:txBody>
+        </p:sp>
+      </p:grpSp>
+      <p:cxnSp>
+        <p:nvCxnSpPr>
+          <p:cNvPr id="120" name="Connector: Elbow 119">
+            <a:extLst>
+              <a:ext uri="{FF2B5EF4-FFF2-40B4-BE49-F238E27FC236}">
+                <a16:creationId xmlns:a16="http://schemas.microsoft.com/office/drawing/2014/main" id="{BA30DD14-653D-4781-808D-170AE61C2995}"/>
+              </a:ext>
+            </a:extLst>
+          </p:cNvPr>
+          <p:cNvCxnSpPr>
+            <a:cxnSpLocks/>
+            <a:stCxn id="4" idx="2"/>
+          </p:cNvCxnSpPr>
+          <p:nvPr/>
+        </p:nvCxnSpPr>
+        <p:spPr>
+          <a:xfrm rot="16200000" flipH="1">
+            <a:off x="5381288" y="1011048"/>
+            <a:ext cx="1114317" cy="852019"/>
+          </a:xfrm>
+          <a:prstGeom prst="bentConnector3">
+            <a:avLst>
+              <a:gd name="adj1" fmla="val 50000"/>
+            </a:avLst>
+          </a:prstGeom>
+          <a:ln>
+            <a:tailEnd type="triangle"/>
+          </a:ln>
+        </p:spPr>
+        <p:style>
+          <a:lnRef idx="1">
+            <a:schemeClr val="accent1"/>
+          </a:lnRef>
+          <a:fillRef idx="0">
+            <a:schemeClr val="accent1"/>
+          </a:fillRef>
+          <a:effectRef idx="0">
+            <a:schemeClr val="accent1"/>
+          </a:effectRef>
+          <a:fontRef idx="minor">
+            <a:schemeClr val="tx1"/>
+          </a:fontRef>
+        </p:style>
+      </p:cxnSp>
+      <p:cxnSp>
+        <p:nvCxnSpPr>
+          <p:cNvPr id="123" name="Connector: Elbow 122">
+            <a:extLst>
+              <a:ext uri="{FF2B5EF4-FFF2-40B4-BE49-F238E27FC236}">
+                <a16:creationId xmlns:a16="http://schemas.microsoft.com/office/drawing/2014/main" id="{82AD2820-68B8-4E6E-920A-3707DBBDE40A}"/>
+              </a:ext>
+            </a:extLst>
+          </p:cNvPr>
+          <p:cNvCxnSpPr>
+            <a:cxnSpLocks/>
+          </p:cNvCxnSpPr>
+          <p:nvPr/>
+        </p:nvCxnSpPr>
+        <p:spPr>
+          <a:xfrm rot="5400000">
+            <a:off x="6561645" y="1018986"/>
+            <a:ext cx="1082964" cy="820034"/>
+          </a:xfrm>
+          <a:prstGeom prst="bentConnector3">
+            <a:avLst>
+              <a:gd name="adj1" fmla="val 50000"/>
+            </a:avLst>
+          </a:prstGeom>
+          <a:ln>
+            <a:tailEnd type="triangle"/>
+          </a:ln>
+        </p:spPr>
+        <p:style>
+          <a:lnRef idx="1">
+            <a:schemeClr val="accent1"/>
+          </a:lnRef>
+          <a:fillRef idx="0">
+            <a:schemeClr val="accent1"/>
+          </a:fillRef>
+          <a:effectRef idx="0">
+            <a:schemeClr val="accent1"/>
+          </a:effectRef>
+          <a:fontRef idx="minor">
+            <a:schemeClr val="tx1"/>
+          </a:fontRef>
+        </p:style>
+      </p:cxnSp>
+      <p:cxnSp>
+        <p:nvCxnSpPr>
+          <p:cNvPr id="1024" name="Connector: Elbow 1023">
+            <a:extLst>
+              <a:ext uri="{FF2B5EF4-FFF2-40B4-BE49-F238E27FC236}">
+                <a16:creationId xmlns:a16="http://schemas.microsoft.com/office/drawing/2014/main" id="{2762904E-E081-4E0C-8842-D4056B630364}"/>
+              </a:ext>
+            </a:extLst>
+          </p:cNvPr>
+          <p:cNvCxnSpPr>
+            <a:cxnSpLocks/>
+          </p:cNvCxnSpPr>
+          <p:nvPr/>
+        </p:nvCxnSpPr>
+        <p:spPr>
+          <a:xfrm rot="16200000" flipH="1">
+            <a:off x="7844146" y="1017720"/>
+            <a:ext cx="1069660" cy="820036"/>
+          </a:xfrm>
+          <a:prstGeom prst="bentConnector3">
+            <a:avLst>
+              <a:gd name="adj1" fmla="val 50000"/>
+            </a:avLst>
+          </a:prstGeom>
+          <a:ln>
+            <a:tailEnd type="triangle"/>
+          </a:ln>
+        </p:spPr>
+        <p:style>
+          <a:lnRef idx="1">
+            <a:schemeClr val="accent1"/>
+          </a:lnRef>
+          <a:fillRef idx="0">
+            <a:schemeClr val="accent1"/>
+          </a:fillRef>
+          <a:effectRef idx="0">
+            <a:schemeClr val="accent1"/>
+          </a:effectRef>
+          <a:fontRef idx="minor">
+            <a:schemeClr val="tx1"/>
+          </a:fontRef>
+        </p:style>
+      </p:cxnSp>
+      <p:sp>
+        <p:nvSpPr>
+          <p:cNvPr id="1039" name="TextBox 1038">
+            <a:extLst>
+              <a:ext uri="{FF2B5EF4-FFF2-40B4-BE49-F238E27FC236}">
+                <a16:creationId xmlns:a16="http://schemas.microsoft.com/office/drawing/2014/main" id="{FD16AE4A-F49E-4CC4-B196-877BC70D302C}"/>
+              </a:ext>
+            </a:extLst>
+          </p:cNvPr>
+          <p:cNvSpPr txBox="1"/>
+          <p:nvPr/>
+        </p:nvSpPr>
+        <p:spPr>
+          <a:xfrm>
+            <a:off x="7780186" y="903468"/>
+            <a:ext cx="1224769" cy="400110"/>
+          </a:xfrm>
+          <a:prstGeom prst="rect">
+            <a:avLst/>
+          </a:prstGeom>
+          <a:noFill/>
+        </p:spPr>
+        <p:txBody>
+          <a:bodyPr wrap="square">
+            <a:spAutoFit/>
+          </a:bodyPr>
+          <a:lstStyle>
+            <a:defPPr>
+              <a:defRPr lang="en-US"/>
+            </a:defPPr>
+            <a:lvl1pPr algn="ctr">
+              <a:defRPr sz="1000"/>
+            </a:lvl1pPr>
+          </a:lstStyle>
+          <a:p>
+            <a:r>
+              <a:rPr lang="en-US" dirty="0"/>
+              <a:t>APP SERVICE PRINCIPAL</a:t>
+            </a:r>
+          </a:p>
+        </p:txBody>
+      </p:sp>
+      <p:sp>
+        <p:nvSpPr>
+          <p:cNvPr id="5" name="TextBox 4">
+            <a:extLst>
+              <a:ext uri="{FF2B5EF4-FFF2-40B4-BE49-F238E27FC236}">
+                <a16:creationId xmlns:a16="http://schemas.microsoft.com/office/drawing/2014/main" id="{0254268D-6166-4529-B134-DA207A20F5DF}"/>
+              </a:ext>
+            </a:extLst>
+          </p:cNvPr>
+          <p:cNvSpPr txBox="1"/>
+          <p:nvPr/>
+        </p:nvSpPr>
+        <p:spPr>
+          <a:xfrm>
+            <a:off x="5472090" y="1005265"/>
+            <a:ext cx="1224769" cy="246221"/>
+          </a:xfrm>
+          <a:prstGeom prst="rect">
+            <a:avLst/>
+          </a:prstGeom>
+          <a:noFill/>
+        </p:spPr>
+        <p:txBody>
+          <a:bodyPr wrap="square">
+            <a:spAutoFit/>
+          </a:bodyPr>
+          <a:lstStyle>
+            <a:defPPr>
+              <a:defRPr lang="en-US"/>
+            </a:defPPr>
+            <a:lvl1pPr algn="ctr">
+              <a:defRPr sz="1000"/>
+            </a:lvl1pPr>
+          </a:lstStyle>
+          <a:p>
+            <a:pPr algn="l"/>
+            <a:r>
+              <a:rPr lang="en-US" dirty="0"/>
+              <a:t>APP IMAGE</a:t>
+            </a:r>
+          </a:p>
+        </p:txBody>
+      </p:sp>
+      <p:pic>
+        <p:nvPicPr>
+          <p:cNvPr id="18" name="Picture 2" descr="See related image detail">
+            <a:extLst>
+              <a:ext uri="{FF2B5EF4-FFF2-40B4-BE49-F238E27FC236}">
+                <a16:creationId xmlns:a16="http://schemas.microsoft.com/office/drawing/2014/main" id="{1C691ACB-EADE-4C97-B0B1-9807C68EA70E}"/>
+              </a:ext>
+            </a:extLst>
+          </p:cNvPr>
+          <p:cNvPicPr>
+            <a:picLocks noChangeAspect="1" noChangeArrowheads="1"/>
+          </p:cNvPicPr>
+          <p:nvPr/>
+        </p:nvPicPr>
+        <p:blipFill>
+          <a:blip r:embed="rId11">
+            <a:clrChange>
+              <a:clrFrom>
+                <a:srgbClr val="F6F6F6"/>
+              </a:clrFrom>
+              <a:clrTo>
+                <a:srgbClr val="F6F6F6">
+                  <a:alpha val="0"/>
+                </a:srgbClr>
+              </a:clrTo>
+            </a:clrChange>
+            <a:extLst>
+              <a:ext uri="{28A0092B-C50C-407E-A947-70E740481C1C}">
+                <a14:useLocalDpi xmlns:a14="http://schemas.microsoft.com/office/drawing/2010/main" val="0"/>
+              </a:ext>
+            </a:extLst>
+          </a:blip>
+          <a:srcRect/>
+          <a:stretch>
+            <a:fillRect/>
+          </a:stretch>
+        </p:blipFill>
+        <p:spPr bwMode="auto">
+          <a:xfrm>
+            <a:off x="8897353" y="4380343"/>
+            <a:ext cx="458245" cy="564461"/>
+          </a:xfrm>
+          <a:prstGeom prst="rect">
+            <a:avLst/>
+          </a:prstGeom>
+          <a:noFill/>
+          <a:extLst>
+            <a:ext uri="{909E8E84-426E-40DD-AFC4-6F175D3DCCD1}">
+              <a14:hiddenFill xmlns:a14="http://schemas.microsoft.com/office/drawing/2010/main">
+                <a:solidFill>
+                  <a:srgbClr val="FFFFFF"/>
+                </a:solidFill>
+              </a14:hiddenFill>
+            </a:ext>
+          </a:extLst>
+        </p:spPr>
+      </p:pic>
+      <p:sp>
+        <p:nvSpPr>
+          <p:cNvPr id="54" name="TextBox 53">
+            <a:extLst>
+              <a:ext uri="{FF2B5EF4-FFF2-40B4-BE49-F238E27FC236}">
+                <a16:creationId xmlns:a16="http://schemas.microsoft.com/office/drawing/2014/main" id="{54E692B2-A5E1-4DF6-9FF8-EFE62655F428}"/>
+              </a:ext>
+            </a:extLst>
+          </p:cNvPr>
+          <p:cNvSpPr txBox="1"/>
+          <p:nvPr/>
+        </p:nvSpPr>
+        <p:spPr>
+          <a:xfrm>
+            <a:off x="7397643" y="5798175"/>
+            <a:ext cx="2606132" cy="230832"/>
+          </a:xfrm>
+          <a:prstGeom prst="rect">
+            <a:avLst/>
+          </a:prstGeom>
+          <a:noFill/>
+        </p:spPr>
+        <p:txBody>
+          <a:bodyPr wrap="square">
+            <a:spAutoFit/>
+          </a:bodyPr>
+          <a:lstStyle/>
+          <a:p>
+            <a:r>
+              <a:rPr lang="en-US" sz="900" b="0" dirty="0">
+                <a:solidFill>
+                  <a:srgbClr val="CE9178"/>
+                </a:solidFill>
+                <a:effectLst/>
+                <a:latin typeface="Consolas" panose="020B0609020204030204" pitchFamily="49" charset="0"/>
+              </a:rPr>
+              <a:t>"/</a:t>
+            </a:r>
+            <a:r>
+              <a:rPr lang="en-US" sz="900" b="0" dirty="0" err="1">
+                <a:solidFill>
+                  <a:srgbClr val="CE9178"/>
+                </a:solidFill>
+                <a:effectLst/>
+                <a:latin typeface="Consolas" panose="020B0609020204030204" pitchFamily="49" charset="0"/>
+              </a:rPr>
+              <a:t>usr</a:t>
+            </a:r>
+            <a:r>
+              <a:rPr lang="en-US" sz="900" b="0" dirty="0">
+                <a:solidFill>
+                  <a:srgbClr val="CE9178"/>
+                </a:solidFill>
+                <a:effectLst/>
+                <a:latin typeface="Consolas" panose="020B0609020204030204" pitchFamily="49" charset="0"/>
+              </a:rPr>
+              <a:t>/local/cache/</a:t>
+            </a:r>
+            <a:r>
+              <a:rPr lang="en-US" sz="900" b="0" dirty="0" err="1">
+                <a:solidFill>
+                  <a:srgbClr val="CE9178"/>
+                </a:solidFill>
+                <a:effectLst/>
+                <a:latin typeface="Consolas" panose="020B0609020204030204" pitchFamily="49" charset="0"/>
+              </a:rPr>
+              <a:t>secrets.json</a:t>
+            </a:r>
+            <a:r>
+              <a:rPr lang="en-US" sz="900" b="0" dirty="0">
+                <a:solidFill>
+                  <a:srgbClr val="CE9178"/>
+                </a:solidFill>
+                <a:effectLst/>
+                <a:latin typeface="Consolas" panose="020B0609020204030204" pitchFamily="49" charset="0"/>
+              </a:rPr>
+              <a:t>"</a:t>
+            </a:r>
+            <a:endParaRPr lang="en-US" sz="900" b="0" dirty="0">
+              <a:solidFill>
+                <a:srgbClr val="D4D4D4"/>
+              </a:solidFill>
+              <a:effectLst/>
+              <a:latin typeface="Consolas" panose="020B0609020204030204" pitchFamily="49" charset="0"/>
+            </a:endParaRPr>
+          </a:p>
+        </p:txBody>
+      </p:sp>
+      <p:sp>
+        <p:nvSpPr>
+          <p:cNvPr id="26" name="Rectangle 25">
+            <a:extLst>
+              <a:ext uri="{FF2B5EF4-FFF2-40B4-BE49-F238E27FC236}">
+                <a16:creationId xmlns:a16="http://schemas.microsoft.com/office/drawing/2014/main" id="{C2696ED8-823C-4AC1-A0BB-1B2DF4BEF8D2}"/>
+              </a:ext>
+            </a:extLst>
+          </p:cNvPr>
+          <p:cNvSpPr/>
+          <p:nvPr/>
+        </p:nvSpPr>
+        <p:spPr>
+          <a:xfrm>
+            <a:off x="2781828" y="5601026"/>
+            <a:ext cx="1832810" cy="452921"/>
+          </a:xfrm>
+          <a:prstGeom prst="rect">
+            <a:avLst/>
+          </a:prstGeom>
+        </p:spPr>
+        <p:style>
+          <a:lnRef idx="2">
+            <a:schemeClr val="accent1"/>
+          </a:lnRef>
+          <a:fillRef idx="1">
+            <a:schemeClr val="lt1"/>
+          </a:fillRef>
+          <a:effectRef idx="0">
+            <a:schemeClr val="accent1"/>
+          </a:effectRef>
+          <a:fontRef idx="minor">
+            <a:schemeClr val="dk1"/>
+          </a:fontRef>
+        </p:style>
+        <p:txBody>
+          <a:bodyPr rtlCol="0" anchor="ctr"/>
+          <a:lstStyle/>
+          <a:p>
+            <a:pPr algn="ctr"/>
+            <a:r>
+              <a:rPr lang="en-US" sz="1200" dirty="0" err="1"/>
+              <a:t>SecretManagerClient</a:t>
+            </a:r>
+            <a:endParaRPr lang="en-US" sz="1200" dirty="0"/>
+          </a:p>
+        </p:txBody>
+      </p:sp>
+      <p:cxnSp>
+        <p:nvCxnSpPr>
+          <p:cNvPr id="28" name="Connector: Elbow 27">
+            <a:extLst>
+              <a:ext uri="{FF2B5EF4-FFF2-40B4-BE49-F238E27FC236}">
+                <a16:creationId xmlns:a16="http://schemas.microsoft.com/office/drawing/2014/main" id="{DA5A1B8B-17E9-49BC-9AF4-91D75F460E54}"/>
+              </a:ext>
+            </a:extLst>
+          </p:cNvPr>
+          <p:cNvCxnSpPr>
+            <a:cxnSpLocks/>
+            <a:stCxn id="10" idx="2"/>
+            <a:endCxn id="26" idx="1"/>
+          </p:cNvCxnSpPr>
+          <p:nvPr/>
+        </p:nvCxnSpPr>
+        <p:spPr>
+          <a:xfrm rot="16200000" flipH="1">
+            <a:off x="1103166" y="4148825"/>
+            <a:ext cx="3042904" cy="314419"/>
+          </a:xfrm>
+          <a:prstGeom prst="bentConnector2">
+            <a:avLst/>
+          </a:prstGeom>
+          <a:ln>
+            <a:tailEnd type="triangle"/>
+          </a:ln>
+        </p:spPr>
+        <p:style>
+          <a:lnRef idx="1">
+            <a:schemeClr val="accent1"/>
+          </a:lnRef>
+          <a:fillRef idx="0">
+            <a:schemeClr val="accent1"/>
+          </a:fillRef>
+          <a:effectRef idx="0">
+            <a:schemeClr val="accent1"/>
+          </a:effectRef>
+          <a:fontRef idx="minor">
+            <a:schemeClr val="tx1"/>
+          </a:fontRef>
+        </p:style>
+      </p:cxnSp>
+      <p:cxnSp>
+        <p:nvCxnSpPr>
+          <p:cNvPr id="33" name="Straight Arrow Connector 32">
+            <a:extLst>
+              <a:ext uri="{FF2B5EF4-FFF2-40B4-BE49-F238E27FC236}">
+                <a16:creationId xmlns:a16="http://schemas.microsoft.com/office/drawing/2014/main" id="{C7E996ED-F63C-4500-A7DC-FD168CF2B0F8}"/>
+              </a:ext>
+            </a:extLst>
+          </p:cNvPr>
+          <p:cNvCxnSpPr>
+            <a:cxnSpLocks/>
+          </p:cNvCxnSpPr>
+          <p:nvPr/>
+        </p:nvCxnSpPr>
+        <p:spPr>
+          <a:xfrm flipV="1">
+            <a:off x="2964302" y="6053947"/>
+            <a:ext cx="0" cy="227752"/>
+          </a:xfrm>
+          <a:prstGeom prst="straightConnector1">
+            <a:avLst/>
+          </a:prstGeom>
+          <a:ln>
+            <a:headEnd type="triangle"/>
+            <a:tailEnd type="triangle"/>
+          </a:ln>
+        </p:spPr>
+        <p:style>
+          <a:lnRef idx="1">
+            <a:schemeClr val="accent1"/>
+          </a:lnRef>
+          <a:fillRef idx="0">
+            <a:schemeClr val="accent1"/>
+          </a:fillRef>
+          <a:effectRef idx="0">
+            <a:schemeClr val="accent1"/>
+          </a:effectRef>
+          <a:fontRef idx="minor">
+            <a:schemeClr val="tx1"/>
+          </a:fontRef>
+        </p:style>
+      </p:cxnSp>
+      <p:sp>
+        <p:nvSpPr>
+          <p:cNvPr id="38" name="Rectangle 37">
+            <a:extLst>
+              <a:ext uri="{FF2B5EF4-FFF2-40B4-BE49-F238E27FC236}">
+                <a16:creationId xmlns:a16="http://schemas.microsoft.com/office/drawing/2014/main" id="{3F41CE74-8BD1-4E0A-AFE9-FC7EE38B3BD7}"/>
+              </a:ext>
+            </a:extLst>
+          </p:cNvPr>
+          <p:cNvSpPr/>
+          <p:nvPr/>
+        </p:nvSpPr>
+        <p:spPr>
+          <a:xfrm>
+            <a:off x="2781828" y="4381567"/>
+            <a:ext cx="1832810" cy="588453"/>
+          </a:xfrm>
+          <a:prstGeom prst="rect">
+            <a:avLst/>
+          </a:prstGeom>
+        </p:spPr>
+        <p:style>
+          <a:lnRef idx="2">
+            <a:schemeClr val="accent1"/>
+          </a:lnRef>
+          <a:fillRef idx="1">
+            <a:schemeClr val="lt1"/>
+          </a:fillRef>
+          <a:effectRef idx="0">
+            <a:schemeClr val="accent1"/>
+          </a:effectRef>
+          <a:fontRef idx="minor">
+            <a:schemeClr val="dk1"/>
+          </a:fontRef>
+        </p:style>
+        <p:txBody>
+          <a:bodyPr rtlCol="0" anchor="ctr"/>
+          <a:lstStyle/>
+          <a:p>
+            <a:pPr algn="ctr"/>
+            <a:r>
+              <a:rPr lang="en-US" sz="1200" dirty="0" err="1"/>
+              <a:t>SecretManagerClient</a:t>
+            </a:r>
+            <a:endParaRPr lang="en-US" sz="1200" dirty="0"/>
+          </a:p>
+        </p:txBody>
+      </p:sp>
+      <p:cxnSp>
+        <p:nvCxnSpPr>
+          <p:cNvPr id="41" name="Straight Arrow Connector 40">
+            <a:extLst>
+              <a:ext uri="{FF2B5EF4-FFF2-40B4-BE49-F238E27FC236}">
+                <a16:creationId xmlns:a16="http://schemas.microsoft.com/office/drawing/2014/main" id="{4A222ED1-049E-4F09-AC1F-C6375493776E}"/>
+              </a:ext>
+            </a:extLst>
+          </p:cNvPr>
+          <p:cNvCxnSpPr>
+            <a:cxnSpLocks/>
+          </p:cNvCxnSpPr>
+          <p:nvPr/>
+        </p:nvCxnSpPr>
+        <p:spPr>
+          <a:xfrm flipV="1">
+            <a:off x="2964302" y="4970020"/>
+            <a:ext cx="0" cy="631006"/>
+          </a:xfrm>
+          <a:prstGeom prst="straightConnector1">
+            <a:avLst/>
+          </a:prstGeom>
+          <a:ln>
+            <a:headEnd type="triangle"/>
+            <a:tailEnd type="triangle"/>
+          </a:ln>
+        </p:spPr>
+        <p:style>
+          <a:lnRef idx="1">
+            <a:schemeClr val="accent1"/>
+          </a:lnRef>
+          <a:fillRef idx="0">
+            <a:schemeClr val="accent1"/>
+          </a:fillRef>
+          <a:effectRef idx="0">
+            <a:schemeClr val="accent1"/>
+          </a:effectRef>
+          <a:fontRef idx="minor">
+            <a:schemeClr val="tx1"/>
+          </a:fontRef>
+        </p:style>
+      </p:cxnSp>
+      <p:sp>
+        <p:nvSpPr>
+          <p:cNvPr id="78" name="TextBox 77">
+            <a:extLst>
+              <a:ext uri="{FF2B5EF4-FFF2-40B4-BE49-F238E27FC236}">
+                <a16:creationId xmlns:a16="http://schemas.microsoft.com/office/drawing/2014/main" id="{3E0DBE02-3996-496A-829D-58141B527E06}"/>
+              </a:ext>
+            </a:extLst>
+          </p:cNvPr>
+          <p:cNvSpPr txBox="1"/>
+          <p:nvPr/>
+        </p:nvSpPr>
+        <p:spPr>
+          <a:xfrm>
+            <a:off x="2981279" y="4982327"/>
+            <a:ext cx="3563893" cy="577081"/>
+          </a:xfrm>
+          <a:prstGeom prst="rect">
+            <a:avLst/>
+          </a:prstGeom>
+          <a:noFill/>
+        </p:spPr>
+        <p:txBody>
+          <a:bodyPr wrap="square">
+            <a:spAutoFit/>
+          </a:bodyPr>
+          <a:lstStyle/>
+          <a:p>
+            <a:r>
+              <a:rPr lang="en-US" sz="1050" b="0" dirty="0" err="1">
+                <a:solidFill>
+                  <a:srgbClr val="9CDCFE"/>
+                </a:solidFill>
+                <a:effectLst/>
+                <a:latin typeface="Consolas" panose="020B0609020204030204" pitchFamily="49" charset="0"/>
+              </a:rPr>
+              <a:t>dbConnectionString</a:t>
+            </a:r>
+            <a:r>
+              <a:rPr lang="en-US" sz="1050" b="0" dirty="0">
+                <a:solidFill>
+                  <a:srgbClr val="D4D4D4"/>
+                </a:solidFill>
+                <a:effectLst/>
+                <a:latin typeface="Consolas" panose="020B0609020204030204" pitchFamily="49" charset="0"/>
+              </a:rPr>
+              <a:t> = </a:t>
+            </a:r>
+            <a:r>
+              <a:rPr lang="en-US" sz="1050" b="0" dirty="0">
+                <a:solidFill>
+                  <a:srgbClr val="569CD6"/>
+                </a:solidFill>
+                <a:effectLst/>
+                <a:latin typeface="Consolas" panose="020B0609020204030204" pitchFamily="49" charset="0"/>
+              </a:rPr>
+              <a:t>await</a:t>
+            </a:r>
+            <a:r>
+              <a:rPr lang="en-US" sz="1050" b="0" dirty="0">
+                <a:solidFill>
+                  <a:srgbClr val="D4D4D4"/>
+                </a:solidFill>
+                <a:effectLst/>
+                <a:latin typeface="Consolas" panose="020B0609020204030204" pitchFamily="49" charset="0"/>
+              </a:rPr>
+              <a:t> </a:t>
+            </a:r>
+          </a:p>
+          <a:p>
+            <a:r>
+              <a:rPr lang="en-US" sz="1050" b="0" dirty="0" err="1">
+                <a:solidFill>
+                  <a:srgbClr val="9CDCFE"/>
+                </a:solidFill>
+                <a:effectLst/>
+                <a:latin typeface="Consolas" panose="020B0609020204030204" pitchFamily="49" charset="0"/>
+              </a:rPr>
+              <a:t>secretManagerClient</a:t>
+            </a:r>
+            <a:r>
+              <a:rPr lang="en-US" sz="1050" b="0" dirty="0" err="1">
+                <a:solidFill>
+                  <a:srgbClr val="D4D4D4"/>
+                </a:solidFill>
+                <a:effectLst/>
+                <a:latin typeface="Consolas" panose="020B0609020204030204" pitchFamily="49" charset="0"/>
+              </a:rPr>
+              <a:t>.</a:t>
+            </a:r>
+            <a:r>
+              <a:rPr lang="en-US" sz="1050" b="0" dirty="0" err="1">
+                <a:solidFill>
+                  <a:srgbClr val="DCDCAA"/>
+                </a:solidFill>
+                <a:effectLst/>
+                <a:latin typeface="Consolas" panose="020B0609020204030204" pitchFamily="49" charset="0"/>
+              </a:rPr>
+              <a:t>GetSecretValueAsync</a:t>
+            </a:r>
+            <a:r>
+              <a:rPr lang="en-US" sz="1050" b="0" dirty="0">
+                <a:solidFill>
+                  <a:srgbClr val="D4D4D4"/>
+                </a:solidFill>
+                <a:effectLst/>
+                <a:latin typeface="Consolas" panose="020B0609020204030204" pitchFamily="49" charset="0"/>
+              </a:rPr>
+              <a:t>(</a:t>
+            </a:r>
+            <a:br>
+              <a:rPr lang="en-US" sz="1050" b="0" dirty="0">
+                <a:solidFill>
+                  <a:srgbClr val="D4D4D4"/>
+                </a:solidFill>
+                <a:effectLst/>
+                <a:latin typeface="Consolas" panose="020B0609020204030204" pitchFamily="49" charset="0"/>
+              </a:rPr>
+            </a:br>
+            <a:r>
+              <a:rPr lang="en-US" sz="1050" b="0" dirty="0">
+                <a:solidFill>
+                  <a:srgbClr val="CE9178"/>
+                </a:solidFill>
+                <a:effectLst/>
+                <a:latin typeface="Consolas" panose="020B0609020204030204" pitchFamily="49" charset="0"/>
+              </a:rPr>
+              <a:t>"</a:t>
+            </a:r>
+            <a:r>
+              <a:rPr lang="en-US" sz="1050" b="0" dirty="0" err="1">
+                <a:solidFill>
+                  <a:srgbClr val="CE9178"/>
+                </a:solidFill>
+                <a:effectLst/>
+                <a:latin typeface="Consolas" panose="020B0609020204030204" pitchFamily="49" charset="0"/>
+              </a:rPr>
+              <a:t>FabrikamConnectionString</a:t>
+            </a:r>
+            <a:r>
+              <a:rPr lang="en-US" sz="1050" b="0" dirty="0">
+                <a:solidFill>
+                  <a:srgbClr val="CE9178"/>
+                </a:solidFill>
+                <a:effectLst/>
+                <a:latin typeface="Consolas" panose="020B0609020204030204" pitchFamily="49" charset="0"/>
+              </a:rPr>
+              <a:t>“, …</a:t>
+            </a:r>
+            <a:r>
+              <a:rPr lang="en-US" sz="1050" b="0" dirty="0">
+                <a:solidFill>
+                  <a:srgbClr val="D4D4D4"/>
+                </a:solidFill>
+                <a:effectLst/>
+                <a:latin typeface="Consolas" panose="020B0609020204030204" pitchFamily="49" charset="0"/>
+              </a:rPr>
+              <a:t>)</a:t>
+            </a:r>
+          </a:p>
+        </p:txBody>
+      </p:sp>
+      <p:sp>
+        <p:nvSpPr>
+          <p:cNvPr id="83" name="TextBox 82">
+            <a:extLst>
+              <a:ext uri="{FF2B5EF4-FFF2-40B4-BE49-F238E27FC236}">
+                <a16:creationId xmlns:a16="http://schemas.microsoft.com/office/drawing/2014/main" id="{E8ECB9F5-4306-4A18-BADC-850CE7D59900}"/>
+              </a:ext>
+            </a:extLst>
+          </p:cNvPr>
+          <p:cNvSpPr txBox="1"/>
+          <p:nvPr/>
+        </p:nvSpPr>
+        <p:spPr>
+          <a:xfrm>
+            <a:off x="4767085" y="4434247"/>
+            <a:ext cx="3337467" cy="461665"/>
+          </a:xfrm>
+          <a:prstGeom prst="rect">
+            <a:avLst/>
+          </a:prstGeom>
+          <a:noFill/>
+        </p:spPr>
+        <p:txBody>
+          <a:bodyPr wrap="square">
+            <a:spAutoFit/>
+          </a:bodyPr>
+          <a:lstStyle/>
+          <a:p>
+            <a:r>
+              <a:rPr lang="en-US" sz="1200" b="0" dirty="0">
+                <a:solidFill>
+                  <a:srgbClr val="569CD6"/>
+                </a:solidFill>
+                <a:effectLst/>
+                <a:latin typeface="Consolas" panose="020B0609020204030204" pitchFamily="49" charset="0"/>
+              </a:rPr>
+              <a:t>new</a:t>
+            </a:r>
+            <a:r>
+              <a:rPr lang="en-US" sz="1200" b="0" dirty="0">
+                <a:solidFill>
+                  <a:srgbClr val="D4D4D4"/>
+                </a:solidFill>
+                <a:effectLst/>
+                <a:latin typeface="Consolas" panose="020B0609020204030204" pitchFamily="49" charset="0"/>
+              </a:rPr>
+              <a:t> </a:t>
+            </a:r>
+            <a:r>
+              <a:rPr lang="en-US" sz="1200" b="0" dirty="0" err="1">
+                <a:solidFill>
+                  <a:srgbClr val="9CDCFE"/>
+                </a:solidFill>
+                <a:effectLst/>
+                <a:latin typeface="Consolas" panose="020B0609020204030204" pitchFamily="49" charset="0"/>
+              </a:rPr>
+              <a:t>SqlConnection</a:t>
+            </a:r>
+            <a:r>
+              <a:rPr lang="en-US" sz="1200" b="0" dirty="0">
+                <a:solidFill>
+                  <a:srgbClr val="D4D4D4"/>
+                </a:solidFill>
+                <a:effectLst/>
+                <a:latin typeface="Consolas" panose="020B0609020204030204" pitchFamily="49" charset="0"/>
+              </a:rPr>
+              <a:t>(</a:t>
+            </a:r>
+            <a:br>
+              <a:rPr lang="en-US" sz="1200" b="0" dirty="0">
+                <a:solidFill>
+                  <a:srgbClr val="D4D4D4"/>
+                </a:solidFill>
+                <a:effectLst/>
+                <a:latin typeface="Consolas" panose="020B0609020204030204" pitchFamily="49" charset="0"/>
+              </a:rPr>
+            </a:br>
+            <a:r>
+              <a:rPr lang="en-US" sz="1200" b="0" dirty="0" err="1">
+                <a:solidFill>
+                  <a:srgbClr val="9CDCFE"/>
+                </a:solidFill>
+                <a:effectLst/>
+                <a:latin typeface="Consolas" panose="020B0609020204030204" pitchFamily="49" charset="0"/>
+              </a:rPr>
+              <a:t>dbConnectionString</a:t>
+            </a:r>
+            <a:r>
+              <a:rPr lang="en-US" sz="1200" b="0" dirty="0">
+                <a:solidFill>
+                  <a:srgbClr val="D4D4D4"/>
+                </a:solidFill>
+                <a:effectLst/>
+                <a:latin typeface="Consolas" panose="020B0609020204030204" pitchFamily="49" charset="0"/>
+              </a:rPr>
+              <a:t>)</a:t>
+            </a:r>
+          </a:p>
+        </p:txBody>
+      </p:sp>
+      <p:sp>
+        <p:nvSpPr>
+          <p:cNvPr id="92" name="TextBox 91">
+            <a:extLst>
+              <a:ext uri="{FF2B5EF4-FFF2-40B4-BE49-F238E27FC236}">
+                <a16:creationId xmlns:a16="http://schemas.microsoft.com/office/drawing/2014/main" id="{60581664-4C4F-41AC-8809-6029FD5C0470}"/>
+              </a:ext>
+            </a:extLst>
+          </p:cNvPr>
+          <p:cNvSpPr txBox="1"/>
+          <p:nvPr/>
+        </p:nvSpPr>
+        <p:spPr>
+          <a:xfrm>
+            <a:off x="2568863" y="4045368"/>
+            <a:ext cx="6097002" cy="307777"/>
+          </a:xfrm>
+          <a:prstGeom prst="rect">
+            <a:avLst/>
+          </a:prstGeom>
+          <a:noFill/>
+        </p:spPr>
+        <p:txBody>
+          <a:bodyPr wrap="square">
+            <a:spAutoFit/>
+          </a:bodyPr>
+          <a:lstStyle/>
+          <a:p>
+            <a:r>
+              <a:rPr lang="en-US" sz="1400" dirty="0" err="1"/>
+              <a:t>SecretManager.Edge</a:t>
+            </a:r>
+            <a:endParaRPr lang="en-US" sz="1400" dirty="0"/>
+          </a:p>
+        </p:txBody>
+      </p:sp>
+    </p:spTree>
+    <p:extLst>
+      <p:ext uri="{BB962C8B-B14F-4D97-AF65-F5344CB8AC3E}">
+        <p14:creationId xmlns:p14="http://schemas.microsoft.com/office/powerpoint/2010/main" val="3565122964"/>
+      </p:ext>
+    </p:extLst>
+  </p:cSld>
+  <p:clrMapOvr>
+    <a:masterClrMapping/>
+  </p:clrMapOvr>
+</p:sld>
+</file>
+
 <file path=ppt/theme/theme1.xml><?xml version="1.0" encoding="utf-8"?>
 <a:theme xmlns:a="http://schemas.openxmlformats.org/drawingml/2006/main" name="Office Theme">
   <a:themeElements>

--- a/docs/drawings.pptx
+++ b/docs/drawings.pptx
@@ -7280,10 +7280,10 @@
       </p:grpSpPr>
       <p:sp>
         <p:nvSpPr>
-          <p:cNvPr id="8" name="Rectangle 7">
-            <a:extLst>
-              <a:ext uri="{FF2B5EF4-FFF2-40B4-BE49-F238E27FC236}">
-                <a16:creationId xmlns:a16="http://schemas.microsoft.com/office/drawing/2014/main" id="{3C193924-C71D-40E3-A6DB-67EDB888C004}"/>
+          <p:cNvPr id="32" name="Rectangle: Rounded Corners 31">
+            <a:extLst>
+              <a:ext uri="{FF2B5EF4-FFF2-40B4-BE49-F238E27FC236}">
+                <a16:creationId xmlns:a16="http://schemas.microsoft.com/office/drawing/2014/main" id="{278B6650-E555-466B-82DD-BFAA9EE21385}"/>
               </a:ext>
             </a:extLst>
           </p:cNvPr>
@@ -7292,11 +7292,13 @@
         </p:nvSpPr>
         <p:spPr>
           <a:xfrm>
-            <a:off x="2215112" y="4073419"/>
-            <a:ext cx="7728988" cy="2676554"/>
-          </a:xfrm>
-          <a:prstGeom prst="rect">
-            <a:avLst/>
+            <a:off x="1696454" y="3771900"/>
+            <a:ext cx="8307322" cy="2978072"/>
+          </a:xfrm>
+          <a:prstGeom prst="roundRect">
+            <a:avLst>
+              <a:gd name="adj" fmla="val 4345"/>
+            </a:avLst>
           </a:prstGeom>
         </p:spPr>
         <p:style>
@@ -7318,7 +7320,7 @@
           <a:lstStyle/>
           <a:p>
             <a:pPr algn="ctr"/>
-            <a:endParaRPr lang="en-US" dirty="0"/>
+            <a:endParaRPr lang="en-US"/>
           </a:p>
         </p:txBody>
       </p:sp>
@@ -7336,8 +7338,8 @@
         </p:nvSpPr>
         <p:spPr>
           <a:xfrm>
-            <a:off x="2667742" y="4307309"/>
-            <a:ext cx="4025368" cy="1852860"/>
+            <a:off x="2568863" y="4150900"/>
+            <a:ext cx="4124247" cy="1948158"/>
           </a:xfrm>
           <a:prstGeom prst="rect">
             <a:avLst/>
@@ -7661,7 +7663,7 @@
         </p:nvGrpSpPr>
         <p:grpSpPr>
           <a:xfrm>
-            <a:off x="2007186" y="2026656"/>
+            <a:off x="1784599" y="2026656"/>
             <a:ext cx="920445" cy="757927"/>
             <a:chOff x="8056429" y="808366"/>
             <a:chExt cx="920445" cy="757927"/>
@@ -7774,10 +7776,10 @@
         </p:nvGrpSpPr>
         <p:grpSpPr>
           <a:xfrm>
-            <a:off x="5825272" y="3350617"/>
-            <a:ext cx="1392882" cy="689397"/>
-            <a:chOff x="9235805" y="863086"/>
-            <a:chExt cx="1392882" cy="689397"/>
+            <a:off x="8193318" y="2874078"/>
+            <a:ext cx="1191352" cy="671562"/>
+            <a:chOff x="9368201" y="863086"/>
+            <a:chExt cx="1191352" cy="671562"/>
           </a:xfrm>
         </p:grpSpPr>
         <p:pic>
@@ -7841,8 +7843,8 @@
           </p:nvSpPr>
           <p:spPr>
             <a:xfrm>
-              <a:off x="9235805" y="1275484"/>
-              <a:ext cx="1392882" cy="276999"/>
+              <a:off x="9368201" y="1288427"/>
+              <a:ext cx="1191352" cy="246221"/>
             </a:xfrm>
             <a:prstGeom prst="rect">
               <a:avLst/>
@@ -7853,10 +7855,17 @@
             <a:bodyPr wrap="none" rtlCol="0">
               <a:spAutoFit/>
             </a:bodyPr>
-            <a:lstStyle/>
+            <a:lstStyle>
+              <a:defPPr>
+                <a:defRPr lang="en-US"/>
+              </a:defPPr>
+              <a:lvl1pPr>
+                <a:defRPr sz="1000"/>
+              </a:lvl1pPr>
+            </a:lstStyle>
             <a:p>
               <a:r>
-                <a:rPr lang="en-US" sz="1200" dirty="0"/>
+                <a:rPr lang="en-US" dirty="0"/>
                 <a:t>Azure Log Analytics</a:t>
               </a:r>
             </a:p>
@@ -8151,7 +8160,7 @@
         </p:nvSpPr>
         <p:spPr>
           <a:xfrm>
-            <a:off x="6547052" y="2906046"/>
+            <a:off x="7193117" y="3059101"/>
             <a:ext cx="1224769" cy="246221"/>
           </a:xfrm>
           <a:prstGeom prst="rect">
@@ -8186,7 +8195,7 @@
         </p:nvSpPr>
         <p:spPr>
           <a:xfrm>
-            <a:off x="7149751" y="2025482"/>
+            <a:off x="6971581" y="2037353"/>
             <a:ext cx="1224769" cy="246221"/>
           </a:xfrm>
           <a:prstGeom prst="rect">
@@ -8217,49 +8226,6 @@
       </p:sp>
       <p:cxnSp>
         <p:nvCxnSpPr>
-          <p:cNvPr id="56" name="Straight Arrow Connector 55">
-            <a:extLst>
-              <a:ext uri="{FF2B5EF4-FFF2-40B4-BE49-F238E27FC236}">
-                <a16:creationId xmlns:a16="http://schemas.microsoft.com/office/drawing/2014/main" id="{D51341B5-6EDA-4998-9416-7E25780EA541}"/>
-              </a:ext>
-            </a:extLst>
-          </p:cNvPr>
-          <p:cNvCxnSpPr>
-            <a:cxnSpLocks/>
-            <a:stCxn id="7" idx="2"/>
-            <a:endCxn id="1036" idx="0"/>
-          </p:cNvCxnSpPr>
-          <p:nvPr/>
-        </p:nvCxnSpPr>
-        <p:spPr>
-          <a:xfrm>
-            <a:off x="6537367" y="2759369"/>
-            <a:ext cx="1" cy="591248"/>
-          </a:xfrm>
-          <a:prstGeom prst="straightConnector1">
-            <a:avLst/>
-          </a:prstGeom>
-          <a:ln>
-            <a:tailEnd type="triangle"/>
-          </a:ln>
-        </p:spPr>
-        <p:style>
-          <a:lnRef idx="1">
-            <a:schemeClr val="accent1"/>
-          </a:lnRef>
-          <a:fillRef idx="0">
-            <a:schemeClr val="accent1"/>
-          </a:fillRef>
-          <a:effectRef idx="0">
-            <a:schemeClr val="accent1"/>
-          </a:effectRef>
-          <a:fontRef idx="minor">
-            <a:schemeClr val="tx1"/>
-          </a:fontRef>
-        </p:style>
-      </p:cxnSp>
-      <p:cxnSp>
-        <p:nvCxnSpPr>
           <p:cNvPr id="71" name="Connector: Elbow 70">
             <a:extLst>
               <a:ext uri="{FF2B5EF4-FFF2-40B4-BE49-F238E27FC236}">
@@ -8275,8 +8241,8 @@
         </p:nvCxnSpPr>
         <p:spPr>
           <a:xfrm>
-            <a:off x="2848176" y="2381061"/>
-            <a:ext cx="1181482" cy="237452"/>
+            <a:off x="2563000" y="2372292"/>
+            <a:ext cx="1466658" cy="246221"/>
           </a:xfrm>
           <a:prstGeom prst="bentConnector3">
             <a:avLst>
@@ -8318,7 +8284,7 @@
         </p:nvCxnSpPr>
         <p:spPr>
           <a:xfrm flipV="1">
-            <a:off x="4622479" y="5827487"/>
+            <a:off x="4622479" y="5671078"/>
             <a:ext cx="2442349" cy="13506"/>
           </a:xfrm>
           <a:prstGeom prst="straightConnector1">
@@ -8356,13 +8322,14 @@
           <p:cNvCxnSpPr>
             <a:cxnSpLocks/>
             <a:stCxn id="38" idx="3"/>
+            <a:endCxn id="18" idx="1"/>
           </p:cNvCxnSpPr>
           <p:nvPr/>
         </p:nvCxnSpPr>
         <p:spPr>
-          <a:xfrm>
-            <a:off x="4614638" y="4675794"/>
-            <a:ext cx="4282715" cy="0"/>
+          <a:xfrm flipV="1">
+            <a:off x="4614638" y="4515915"/>
+            <a:ext cx="2356943" cy="3470"/>
           </a:xfrm>
           <a:prstGeom prst="straightConnector1">
             <a:avLst/>
@@ -8401,7 +8368,7 @@
         </p:nvSpPr>
         <p:spPr>
           <a:xfrm>
-            <a:off x="7397643" y="5609916"/>
+            <a:off x="7397643" y="5453507"/>
             <a:ext cx="1834733" cy="276999"/>
           </a:xfrm>
           <a:prstGeom prst="rect">
@@ -8451,7 +8418,7 @@
         </p:blipFill>
         <p:spPr bwMode="auto">
           <a:xfrm>
-            <a:off x="7064828" y="5635971"/>
+            <a:off x="7064828" y="5479562"/>
             <a:ext cx="339558" cy="360947"/>
           </a:xfrm>
           <a:prstGeom prst="rect">
@@ -8577,8 +8544,8 @@
         </p:nvCxnSpPr>
         <p:spPr>
           <a:xfrm flipH="1">
-            <a:off x="2789321" y="2140894"/>
-            <a:ext cx="3303804" cy="7698"/>
+            <a:off x="2563000" y="2140894"/>
+            <a:ext cx="3530125" cy="0"/>
           </a:xfrm>
           <a:prstGeom prst="straightConnector1">
             <a:avLst/>
@@ -8815,6 +8782,7 @@
             </a:avLst>
           </a:prstGeom>
           <a:ln>
+            <a:prstDash val="dash"/>
             <a:tailEnd type="triangle"/>
           </a:ln>
         </p:spPr>
@@ -8835,10 +8803,10 @@
       </p:cxnSp>
       <p:sp>
         <p:nvSpPr>
-          <p:cNvPr id="1039" name="TextBox 1038">
-            <a:extLst>
-              <a:ext uri="{FF2B5EF4-FFF2-40B4-BE49-F238E27FC236}">
-                <a16:creationId xmlns:a16="http://schemas.microsoft.com/office/drawing/2014/main" id="{FD16AE4A-F49E-4CC4-B196-877BC70D302C}"/>
+          <p:cNvPr id="5" name="TextBox 4">
+            <a:extLst>
+              <a:ext uri="{FF2B5EF4-FFF2-40B4-BE49-F238E27FC236}">
+                <a16:creationId xmlns:a16="http://schemas.microsoft.com/office/drawing/2014/main" id="{0254268D-6166-4529-B134-DA207A20F5DF}"/>
               </a:ext>
             </a:extLst>
           </p:cNvPr>
@@ -8847,50 +8815,8 @@
         </p:nvSpPr>
         <p:spPr>
           <a:xfrm>
-            <a:off x="7780186" y="903468"/>
-            <a:ext cx="1224769" cy="400110"/>
-          </a:xfrm>
-          <a:prstGeom prst="rect">
-            <a:avLst/>
-          </a:prstGeom>
-          <a:noFill/>
-        </p:spPr>
-        <p:txBody>
-          <a:bodyPr wrap="square">
-            <a:spAutoFit/>
-          </a:bodyPr>
-          <a:lstStyle>
-            <a:defPPr>
-              <a:defRPr lang="en-US"/>
-            </a:defPPr>
-            <a:lvl1pPr algn="ctr">
-              <a:defRPr sz="1000"/>
-            </a:lvl1pPr>
-          </a:lstStyle>
-          <a:p>
-            <a:r>
-              <a:rPr lang="en-US" dirty="0"/>
-              <a:t>APP SERVICE PRINCIPAL</a:t>
-            </a:r>
-          </a:p>
-        </p:txBody>
-      </p:sp>
-      <p:sp>
-        <p:nvSpPr>
-          <p:cNvPr id="5" name="TextBox 4">
-            <a:extLst>
-              <a:ext uri="{FF2B5EF4-FFF2-40B4-BE49-F238E27FC236}">
-                <a16:creationId xmlns:a16="http://schemas.microsoft.com/office/drawing/2014/main" id="{0254268D-6166-4529-B134-DA207A20F5DF}"/>
-              </a:ext>
-            </a:extLst>
-          </p:cNvPr>
-          <p:cNvSpPr txBox="1"/>
-          <p:nvPr/>
-        </p:nvSpPr>
-        <p:spPr>
-          <a:xfrm>
-            <a:off x="5472090" y="1005265"/>
-            <a:ext cx="1224769" cy="246221"/>
+            <a:off x="5484665" y="928904"/>
+            <a:ext cx="717976" cy="400110"/>
           </a:xfrm>
           <a:prstGeom prst="rect">
             <a:avLst/>
@@ -8957,7 +8883,7 @@
         </p:blipFill>
         <p:spPr bwMode="auto">
           <a:xfrm>
-            <a:off x="8897353" y="4380343"/>
+            <a:off x="6971581" y="4233684"/>
             <a:ext cx="458245" cy="564461"/>
           </a:xfrm>
           <a:prstGeom prst="rect">
@@ -8989,7 +8915,7 @@
         </p:nvSpPr>
         <p:spPr>
           <a:xfrm>
-            <a:off x="7397643" y="5798175"/>
+            <a:off x="7397643" y="5641766"/>
             <a:ext cx="2606132" cy="230832"/>
           </a:xfrm>
           <a:prstGeom prst="rect">
@@ -9077,7 +9003,7 @@
         </p:nvSpPr>
         <p:spPr>
           <a:xfrm>
-            <a:off x="2781828" y="5601026"/>
+            <a:off x="2781828" y="5444617"/>
             <a:ext cx="1832810" cy="452921"/>
           </a:xfrm>
           <a:prstGeom prst="rect">
@@ -9129,8 +9055,8 @@
         </p:nvCxnSpPr>
         <p:spPr>
           <a:xfrm rot="16200000" flipH="1">
-            <a:off x="1103166" y="4148825"/>
-            <a:ext cx="3042904" cy="314419"/>
+            <a:off x="1070078" y="3959327"/>
+            <a:ext cx="2886495" cy="537006"/>
           </a:xfrm>
           <a:prstGeom prst="bentConnector2">
             <a:avLst/>
@@ -9170,8 +9096,8 @@
         </p:nvCxnSpPr>
         <p:spPr>
           <a:xfrm flipV="1">
-            <a:off x="2964302" y="6053947"/>
-            <a:ext cx="0" cy="227752"/>
+            <a:off x="2964302" y="5872598"/>
+            <a:ext cx="0" cy="409101"/>
           </a:xfrm>
           <a:prstGeom prst="straightConnector1">
             <a:avLst/>
@@ -9210,7 +9136,7 @@
         </p:nvSpPr>
         <p:spPr>
           <a:xfrm>
-            <a:off x="2781828" y="4381567"/>
+            <a:off x="2781828" y="4225158"/>
             <a:ext cx="1832810" cy="588453"/>
           </a:xfrm>
           <a:prstGeom prst="rect">
@@ -9260,7 +9186,7 @@
         </p:nvCxnSpPr>
         <p:spPr>
           <a:xfrm flipV="1">
-            <a:off x="2964302" y="4970020"/>
+            <a:off x="2964302" y="4813611"/>
             <a:ext cx="0" cy="631006"/>
           </a:xfrm>
           <a:prstGeom prst="straightConnector1">
@@ -9300,7 +9226,7 @@
         </p:nvSpPr>
         <p:spPr>
           <a:xfrm>
-            <a:off x="2981279" y="4982327"/>
+            <a:off x="2981279" y="4825918"/>
             <a:ext cx="3563893" cy="577081"/>
           </a:xfrm>
           <a:prstGeom prst="rect">
@@ -9462,7 +9388,7 @@
         </p:nvSpPr>
         <p:spPr>
           <a:xfrm>
-            <a:off x="4767085" y="4434247"/>
+            <a:off x="4767085" y="4277838"/>
             <a:ext cx="3337467" cy="461665"/>
           </a:xfrm>
           <a:prstGeom prst="rect">
@@ -9562,7 +9488,7 @@
         </p:nvSpPr>
         <p:spPr>
           <a:xfrm>
-            <a:off x="2568863" y="4045368"/>
+            <a:off x="2568863" y="3888959"/>
             <a:ext cx="6097002" cy="307777"/>
           </a:xfrm>
           <a:prstGeom prst="rect">
@@ -9581,6 +9507,138 @@
               <a:t>SecretManager.Edge</a:t>
             </a:r>
             <a:endParaRPr lang="en-US" sz="1400" dirty="0"/>
+          </a:p>
+        </p:txBody>
+      </p:sp>
+      <p:cxnSp>
+        <p:nvCxnSpPr>
+          <p:cNvPr id="2" name="Connector: Elbow 1">
+            <a:extLst>
+              <a:ext uri="{FF2B5EF4-FFF2-40B4-BE49-F238E27FC236}">
+                <a16:creationId xmlns:a16="http://schemas.microsoft.com/office/drawing/2014/main" id="{9FABF8EA-A0B1-4B1E-AB68-3A9895C3F009}"/>
+              </a:ext>
+            </a:extLst>
+          </p:cNvPr>
+          <p:cNvCxnSpPr>
+            <a:cxnSpLocks/>
+            <a:stCxn id="7" idx="2"/>
+            <a:endCxn id="1036" idx="1"/>
+          </p:cNvCxnSpPr>
+          <p:nvPr/>
+        </p:nvCxnSpPr>
+        <p:spPr>
+          <a:xfrm rot="16200000" flipH="1">
+            <a:off x="7382830" y="1913905"/>
+            <a:ext cx="329717" cy="2020643"/>
+          </a:xfrm>
+          <a:prstGeom prst="bentConnector2">
+            <a:avLst/>
+          </a:prstGeom>
+          <a:ln>
+            <a:tailEnd type="triangle"/>
+          </a:ln>
+        </p:spPr>
+        <p:style>
+          <a:lnRef idx="1">
+            <a:schemeClr val="accent1"/>
+          </a:lnRef>
+          <a:fillRef idx="0">
+            <a:schemeClr val="accent1"/>
+          </a:fillRef>
+          <a:effectRef idx="0">
+            <a:schemeClr val="accent1"/>
+          </a:effectRef>
+          <a:fontRef idx="minor">
+            <a:schemeClr val="tx1"/>
+          </a:fontRef>
+        </p:style>
+      </p:cxnSp>
+      <p:cxnSp>
+        <p:nvCxnSpPr>
+          <p:cNvPr id="16" name="Connector: Elbow 15">
+            <a:extLst>
+              <a:ext uri="{FF2B5EF4-FFF2-40B4-BE49-F238E27FC236}">
+                <a16:creationId xmlns:a16="http://schemas.microsoft.com/office/drawing/2014/main" id="{9B6241DC-AA1E-4F86-934B-B31D545992E6}"/>
+              </a:ext>
+            </a:extLst>
+          </p:cNvPr>
+          <p:cNvCxnSpPr>
+            <a:cxnSpLocks/>
+            <a:stCxn id="1044" idx="1"/>
+            <a:endCxn id="1030" idx="3"/>
+          </p:cNvCxnSpPr>
+          <p:nvPr/>
+        </p:nvCxnSpPr>
+        <p:spPr>
+          <a:xfrm rot="10800000">
+            <a:off x="5742356" y="378908"/>
+            <a:ext cx="1757094" cy="839"/>
+          </a:xfrm>
+          <a:prstGeom prst="bentConnector3">
+            <a:avLst>
+              <a:gd name="adj1" fmla="val 50000"/>
+            </a:avLst>
+          </a:prstGeom>
+          <a:ln>
+            <a:prstDash val="dash"/>
+            <a:tailEnd type="triangle"/>
+          </a:ln>
+        </p:spPr>
+        <p:style>
+          <a:lnRef idx="1">
+            <a:schemeClr val="accent1"/>
+          </a:lnRef>
+          <a:fillRef idx="0">
+            <a:schemeClr val="accent1"/>
+          </a:fillRef>
+          <a:effectRef idx="0">
+            <a:schemeClr val="accent1"/>
+          </a:effectRef>
+          <a:fontRef idx="minor">
+            <a:schemeClr val="tx1"/>
+          </a:fontRef>
+        </p:style>
+      </p:cxnSp>
+      <p:sp>
+        <p:nvSpPr>
+          <p:cNvPr id="24" name="TextBox 23">
+            <a:extLst>
+              <a:ext uri="{FF2B5EF4-FFF2-40B4-BE49-F238E27FC236}">
+                <a16:creationId xmlns:a16="http://schemas.microsoft.com/office/drawing/2014/main" id="{5ED60FD2-74FB-46B5-B426-EADA78B5C274}"/>
+              </a:ext>
+            </a:extLst>
+          </p:cNvPr>
+          <p:cNvSpPr txBox="1"/>
+          <p:nvPr/>
+        </p:nvSpPr>
+        <p:spPr>
+          <a:xfrm>
+            <a:off x="6680865" y="939073"/>
+            <a:ext cx="852019" cy="400110"/>
+          </a:xfrm>
+          <a:prstGeom prst="rect">
+            <a:avLst/>
+          </a:prstGeom>
+          <a:noFill/>
+        </p:spPr>
+        <p:txBody>
+          <a:bodyPr wrap="square">
+            <a:spAutoFit/>
+          </a:bodyPr>
+          <a:lstStyle>
+            <a:defPPr>
+              <a:defRPr lang="en-US"/>
+            </a:defPPr>
+            <a:lvl1pPr algn="ctr">
+              <a:defRPr sz="1000"/>
+            </a:lvl1pPr>
+          </a:lstStyle>
+          <a:p>
+            <a:pPr algn="r"/>
+            <a:r>
+              <a:rPr lang="en-US" dirty="0"/>
+              <a:t>SERVICE PRINCIPAL</a:t>
+            </a:r>
           </a:p>
         </p:txBody>
       </p:sp>

--- a/docs/drawings.pptx
+++ b/docs/drawings.pptx
@@ -8583,7 +8583,7 @@
         </p:nvGrpSpPr>
         <p:grpSpPr>
           <a:xfrm>
-            <a:off x="7100606" y="108027"/>
+            <a:off x="8788994" y="110341"/>
             <a:ext cx="1350050" cy="767878"/>
             <a:chOff x="4042380" y="358243"/>
             <a:chExt cx="1350050" cy="767878"/>
@@ -9553,26 +9553,121 @@
           </a:fontRef>
         </p:style>
       </p:cxnSp>
+      <p:grpSp>
+        <p:nvGrpSpPr>
+          <p:cNvPr id="40" name="Group 39">
+            <a:extLst>
+              <a:ext uri="{FF2B5EF4-FFF2-40B4-BE49-F238E27FC236}">
+                <a16:creationId xmlns:a16="http://schemas.microsoft.com/office/drawing/2014/main" id="{22CE497F-9CBA-4588-A3F3-812EAE5F16B5}"/>
+              </a:ext>
+            </a:extLst>
+          </p:cNvPr>
+          <p:cNvGrpSpPr/>
+          <p:nvPr/>
+        </p:nvGrpSpPr>
+        <p:grpSpPr>
+          <a:xfrm>
+            <a:off x="7239837" y="123085"/>
+            <a:ext cx="1034257" cy="723885"/>
+            <a:chOff x="10465573" y="2088106"/>
+            <a:chExt cx="1034257" cy="723885"/>
+          </a:xfrm>
+        </p:grpSpPr>
+        <p:pic>
+          <p:nvPicPr>
+            <p:cNvPr id="37" name="Picture 36">
+              <a:extLst>
+                <a:ext uri="{FF2B5EF4-FFF2-40B4-BE49-F238E27FC236}">
+                  <a16:creationId xmlns:a16="http://schemas.microsoft.com/office/drawing/2014/main" id="{0FE0D012-38B4-4F64-826A-10B63FE206B9}"/>
+                </a:ext>
+              </a:extLst>
+            </p:cNvPr>
+            <p:cNvPicPr>
+              <a:picLocks noChangeAspect="1"/>
+            </p:cNvPicPr>
+            <p:nvPr/>
+          </p:nvPicPr>
+          <p:blipFill>
+            <a:blip r:embed="rId12"/>
+            <a:stretch>
+              <a:fillRect/>
+            </a:stretch>
+          </p:blipFill>
+          <p:spPr>
+            <a:xfrm>
+              <a:off x="10715989" y="2088106"/>
+              <a:ext cx="533427" cy="520727"/>
+            </a:xfrm>
+            <a:prstGeom prst="rect">
+              <a:avLst/>
+            </a:prstGeom>
+          </p:spPr>
+        </p:pic>
+        <p:sp>
+          <p:nvSpPr>
+            <p:cNvPr id="73" name="TextBox 72">
+              <a:extLst>
+                <a:ext uri="{FF2B5EF4-FFF2-40B4-BE49-F238E27FC236}">
+                  <a16:creationId xmlns:a16="http://schemas.microsoft.com/office/drawing/2014/main" id="{9123938A-CC83-4815-AAFE-2EEB2D9A0FED}"/>
+                </a:ext>
+              </a:extLst>
+            </p:cNvPr>
+            <p:cNvSpPr txBox="1"/>
+            <p:nvPr/>
+          </p:nvSpPr>
+          <p:spPr>
+            <a:xfrm>
+              <a:off x="10465573" y="2565770"/>
+              <a:ext cx="1034257" cy="246221"/>
+            </a:xfrm>
+            <a:prstGeom prst="rect">
+              <a:avLst/>
+            </a:prstGeom>
+            <a:solidFill>
+              <a:schemeClr val="bg1"/>
+            </a:solidFill>
+          </p:spPr>
+          <p:txBody>
+            <a:bodyPr wrap="none" rtlCol="0">
+              <a:spAutoFit/>
+            </a:bodyPr>
+            <a:lstStyle>
+              <a:defPPr>
+                <a:defRPr lang="en-US"/>
+              </a:defPPr>
+              <a:lvl1pPr>
+                <a:defRPr sz="1000"/>
+              </a:lvl1pPr>
+            </a:lstStyle>
+            <a:p>
+              <a:r>
+                <a:rPr lang="en-US" dirty="0"/>
+                <a:t>Service Principal</a:t>
+              </a:r>
+            </a:p>
+          </p:txBody>
+        </p:sp>
+      </p:grpSp>
       <p:cxnSp>
         <p:nvCxnSpPr>
-          <p:cNvPr id="16" name="Connector: Elbow 15">
-            <a:extLst>
-              <a:ext uri="{FF2B5EF4-FFF2-40B4-BE49-F238E27FC236}">
-                <a16:creationId xmlns:a16="http://schemas.microsoft.com/office/drawing/2014/main" id="{9B6241DC-AA1E-4F86-934B-B31D545992E6}"/>
+          <p:cNvPr id="43" name="Connector: Elbow 42">
+            <a:extLst>
+              <a:ext uri="{FF2B5EF4-FFF2-40B4-BE49-F238E27FC236}">
+                <a16:creationId xmlns:a16="http://schemas.microsoft.com/office/drawing/2014/main" id="{85812B80-F87B-4D13-85CE-4D773FA65B15}"/>
               </a:ext>
             </a:extLst>
           </p:cNvPr>
           <p:cNvCxnSpPr>
             <a:cxnSpLocks/>
-            <a:stCxn id="1044" idx="1"/>
+            <a:stCxn id="37" idx="1"/>
             <a:endCxn id="1030" idx="3"/>
           </p:cNvCxnSpPr>
           <p:nvPr/>
         </p:nvCxnSpPr>
         <p:spPr>
           <a:xfrm rot="10800000">
-            <a:off x="5742356" y="378908"/>
-            <a:ext cx="1757094" cy="839"/>
+            <a:off x="5742357" y="378907"/>
+            <a:ext cx="1747897" cy="4542"/>
           </a:xfrm>
           <a:prstGeom prst="bentConnector3">
             <a:avLst>
@@ -9599,12 +9694,57 @@
           </a:fontRef>
         </p:style>
       </p:cxnSp>
-      <p:sp>
-        <p:nvSpPr>
-          <p:cNvPr id="24" name="TextBox 23">
-            <a:extLst>
-              <a:ext uri="{FF2B5EF4-FFF2-40B4-BE49-F238E27FC236}">
-                <a16:creationId xmlns:a16="http://schemas.microsoft.com/office/drawing/2014/main" id="{5ED60FD2-74FB-46B5-B426-EADA78B5C274}"/>
+      <p:cxnSp>
+        <p:nvCxnSpPr>
+          <p:cNvPr id="46" name="Connector: Elbow 45">
+            <a:extLst>
+              <a:ext uri="{FF2B5EF4-FFF2-40B4-BE49-F238E27FC236}">
+                <a16:creationId xmlns:a16="http://schemas.microsoft.com/office/drawing/2014/main" id="{34DE0772-6EE8-4F55-B2A0-8AAAC8C2721F}"/>
+              </a:ext>
+            </a:extLst>
+          </p:cNvPr>
+          <p:cNvCxnSpPr>
+            <a:cxnSpLocks/>
+            <a:stCxn id="1044" idx="1"/>
+            <a:endCxn id="37" idx="3"/>
+          </p:cNvCxnSpPr>
+          <p:nvPr/>
+        </p:nvCxnSpPr>
+        <p:spPr>
+          <a:xfrm rot="10800000" flipV="1">
+            <a:off x="8023680" y="382059"/>
+            <a:ext cx="1164158" cy="1389"/>
+          </a:xfrm>
+          <a:prstGeom prst="bentConnector3">
+            <a:avLst>
+              <a:gd name="adj1" fmla="val 50000"/>
+            </a:avLst>
+          </a:prstGeom>
+          <a:ln>
+            <a:tailEnd type="triangle"/>
+          </a:ln>
+        </p:spPr>
+        <p:style>
+          <a:lnRef idx="1">
+            <a:schemeClr val="accent1"/>
+          </a:lnRef>
+          <a:fillRef idx="0">
+            <a:schemeClr val="accent1"/>
+          </a:fillRef>
+          <a:effectRef idx="0">
+            <a:schemeClr val="accent1"/>
+          </a:effectRef>
+          <a:fontRef idx="minor">
+            <a:schemeClr val="tx1"/>
+          </a:fontRef>
+        </p:style>
+      </p:cxnSp>
+      <p:sp>
+        <p:nvSpPr>
+          <p:cNvPr id="49" name="TextBox 48">
+            <a:extLst>
+              <a:ext uri="{FF2B5EF4-FFF2-40B4-BE49-F238E27FC236}">
+                <a16:creationId xmlns:a16="http://schemas.microsoft.com/office/drawing/2014/main" id="{0787A1DF-D659-4A42-A7BD-C539F9891149}"/>
               </a:ext>
             </a:extLst>
           </p:cNvPr>
@@ -9613,8 +9753,8 @@
         </p:nvSpPr>
         <p:spPr>
           <a:xfrm>
-            <a:off x="6680865" y="939073"/>
-            <a:ext cx="852019" cy="400110"/>
+            <a:off x="6380839" y="159740"/>
+            <a:ext cx="782587" cy="246221"/>
           </a:xfrm>
           <a:prstGeom prst="rect">
             <a:avLst/>
@@ -9622,22 +9762,67 @@
           <a:noFill/>
         </p:spPr>
         <p:txBody>
-          <a:bodyPr wrap="square">
+          <a:bodyPr wrap="none" rtlCol="0">
             <a:spAutoFit/>
           </a:bodyPr>
           <a:lstStyle>
             <a:defPPr>
               <a:defRPr lang="en-US"/>
             </a:defPPr>
-            <a:lvl1pPr algn="ctr">
+            <a:lvl1pPr>
               <a:defRPr sz="1000"/>
             </a:lvl1pPr>
           </a:lstStyle>
           <a:p>
-            <a:pPr algn="r"/>
+            <a:r>
+              <a:rPr lang="en-US" dirty="0" err="1"/>
+              <a:t>AcrPull</a:t>
+            </a:r>
             <a:r>
               <a:rPr lang="en-US" dirty="0"/>
-              <a:t>SERVICE PRINCIPAL</a:t>
+              <a:t> role</a:t>
+            </a:r>
+          </a:p>
+        </p:txBody>
+      </p:sp>
+      <p:sp>
+        <p:nvSpPr>
+          <p:cNvPr id="53" name="TextBox 52">
+            <a:extLst>
+              <a:ext uri="{FF2B5EF4-FFF2-40B4-BE49-F238E27FC236}">
+                <a16:creationId xmlns:a16="http://schemas.microsoft.com/office/drawing/2014/main" id="{79F0F370-A794-4566-B378-7C1AB72BE06C}"/>
+              </a:ext>
+            </a:extLst>
+          </p:cNvPr>
+          <p:cNvSpPr txBox="1"/>
+          <p:nvPr/>
+        </p:nvSpPr>
+        <p:spPr>
+          <a:xfrm>
+            <a:off x="8149222" y="1201169"/>
+            <a:ext cx="537327" cy="246221"/>
+          </a:xfrm>
+          <a:prstGeom prst="rect">
+            <a:avLst/>
+          </a:prstGeom>
+          <a:noFill/>
+        </p:spPr>
+        <p:txBody>
+          <a:bodyPr wrap="none" rtlCol="0">
+            <a:spAutoFit/>
+          </a:bodyPr>
+          <a:lstStyle>
+            <a:defPPr>
+              <a:defRPr lang="en-US"/>
+            </a:defPPr>
+            <a:lvl1pPr>
+              <a:defRPr sz="1000"/>
+            </a:lvl1pPr>
+          </a:lstStyle>
+          <a:p>
+            <a:r>
+              <a:rPr lang="en-US" dirty="0"/>
+              <a:t>?? role</a:t>
             </a:r>
           </a:p>
         </p:txBody>

--- a/docs/drawings.pptx
+++ b/docs/drawings.pptx
@@ -270,7 +270,7 @@
           <a:p>
             <a:fld id="{EEB5A699-4281-42A6-A7CC-966666C96966}" type="datetimeFigureOut">
               <a:rPr lang="en-US" smtClean="0"/>
-              <a:t>1/24/2022</a:t>
+              <a:t>1/25/2022</a:t>
             </a:fld>
             <a:endParaRPr lang="en-US"/>
           </a:p>
@@ -468,7 +468,7 @@
           <a:p>
             <a:fld id="{EEB5A699-4281-42A6-A7CC-966666C96966}" type="datetimeFigureOut">
               <a:rPr lang="en-US" smtClean="0"/>
-              <a:t>1/24/2022</a:t>
+              <a:t>1/25/2022</a:t>
             </a:fld>
             <a:endParaRPr lang="en-US"/>
           </a:p>
@@ -676,7 +676,7 @@
           <a:p>
             <a:fld id="{EEB5A699-4281-42A6-A7CC-966666C96966}" type="datetimeFigureOut">
               <a:rPr lang="en-US" smtClean="0"/>
-              <a:t>1/24/2022</a:t>
+              <a:t>1/25/2022</a:t>
             </a:fld>
             <a:endParaRPr lang="en-US"/>
           </a:p>
@@ -874,7 +874,7 @@
           <a:p>
             <a:fld id="{EEB5A699-4281-42A6-A7CC-966666C96966}" type="datetimeFigureOut">
               <a:rPr lang="en-US" smtClean="0"/>
-              <a:t>1/24/2022</a:t>
+              <a:t>1/25/2022</a:t>
             </a:fld>
             <a:endParaRPr lang="en-US"/>
           </a:p>
@@ -1149,7 +1149,7 @@
           <a:p>
             <a:fld id="{EEB5A699-4281-42A6-A7CC-966666C96966}" type="datetimeFigureOut">
               <a:rPr lang="en-US" smtClean="0"/>
-              <a:t>1/24/2022</a:t>
+              <a:t>1/25/2022</a:t>
             </a:fld>
             <a:endParaRPr lang="en-US"/>
           </a:p>
@@ -1414,7 +1414,7 @@
           <a:p>
             <a:fld id="{EEB5A699-4281-42A6-A7CC-966666C96966}" type="datetimeFigureOut">
               <a:rPr lang="en-US" smtClean="0"/>
-              <a:t>1/24/2022</a:t>
+              <a:t>1/25/2022</a:t>
             </a:fld>
             <a:endParaRPr lang="en-US"/>
           </a:p>
@@ -1826,7 +1826,7 @@
           <a:p>
             <a:fld id="{EEB5A699-4281-42A6-A7CC-966666C96966}" type="datetimeFigureOut">
               <a:rPr lang="en-US" smtClean="0"/>
-              <a:t>1/24/2022</a:t>
+              <a:t>1/25/2022</a:t>
             </a:fld>
             <a:endParaRPr lang="en-US"/>
           </a:p>
@@ -1967,7 +1967,7 @@
           <a:p>
             <a:fld id="{EEB5A699-4281-42A6-A7CC-966666C96966}" type="datetimeFigureOut">
               <a:rPr lang="en-US" smtClean="0"/>
-              <a:t>1/24/2022</a:t>
+              <a:t>1/25/2022</a:t>
             </a:fld>
             <a:endParaRPr lang="en-US"/>
           </a:p>
@@ -2080,7 +2080,7 @@
           <a:p>
             <a:fld id="{EEB5A699-4281-42A6-A7CC-966666C96966}" type="datetimeFigureOut">
               <a:rPr lang="en-US" smtClean="0"/>
-              <a:t>1/24/2022</a:t>
+              <a:t>1/25/2022</a:t>
             </a:fld>
             <a:endParaRPr lang="en-US"/>
           </a:p>
@@ -2391,7 +2391,7 @@
           <a:p>
             <a:fld id="{EEB5A699-4281-42A6-A7CC-966666C96966}" type="datetimeFigureOut">
               <a:rPr lang="en-US" smtClean="0"/>
-              <a:t>1/24/2022</a:t>
+              <a:t>1/25/2022</a:t>
             </a:fld>
             <a:endParaRPr lang="en-US"/>
           </a:p>
@@ -2679,7 +2679,7 @@
           <a:p>
             <a:fld id="{EEB5A699-4281-42A6-A7CC-966666C96966}" type="datetimeFigureOut">
               <a:rPr lang="en-US" smtClean="0"/>
-              <a:t>1/24/2022</a:t>
+              <a:t>1/25/2022</a:t>
             </a:fld>
             <a:endParaRPr lang="en-US"/>
           </a:p>
@@ -2920,7 +2920,7 @@
           <a:p>
             <a:fld id="{EEB5A699-4281-42A6-A7CC-966666C96966}" type="datetimeFigureOut">
               <a:rPr lang="en-US" smtClean="0"/>
-              <a:t>1/24/2022</a:t>
+              <a:t>1/25/2022</a:t>
             </a:fld>
             <a:endParaRPr lang="en-US"/>
           </a:p>
@@ -9248,7 +9248,7 @@
                 <a:effectLst/>
                 <a:latin typeface="Consolas" panose="020B0609020204030204" pitchFamily="49" charset="0"/>
               </a:rPr>
-              <a:t>dbConnectionString</a:t>
+              <a:t>dbPassword</a:t>
             </a:r>
             <a:r>
               <a:rPr lang="en-US" sz="1050" b="0" dirty="0">
@@ -9339,7 +9339,7 @@
                 <a:effectLst/>
                 <a:latin typeface="Consolas" panose="020B0609020204030204" pitchFamily="49" charset="0"/>
               </a:rPr>
-              <a:t>"</a:t>
+              <a:t>“</a:t>
             </a:r>
             <a:r>
               <a:rPr lang="en-US" sz="1050" b="0" dirty="0" err="1">
@@ -9349,7 +9349,7 @@
                 <a:effectLst/>
                 <a:latin typeface="Consolas" panose="020B0609020204030204" pitchFamily="49" charset="0"/>
               </a:rPr>
-              <a:t>FabrikamConnectionString</a:t>
+              <a:t>InfluxDbPassword</a:t>
             </a:r>
             <a:r>
               <a:rPr lang="en-US" sz="1050" b="0" dirty="0">
@@ -9388,8 +9388,8 @@
         </p:nvSpPr>
         <p:spPr>
           <a:xfrm>
-            <a:off x="4767085" y="4277838"/>
-            <a:ext cx="3337467" cy="461665"/>
+            <a:off x="4648604" y="4161917"/>
+            <a:ext cx="3337467" cy="553998"/>
           </a:xfrm>
           <a:prstGeom prst="rect">
             <a:avLst/>
@@ -9403,74 +9403,94 @@
           <a:lstStyle/>
           <a:p>
             <a:r>
-              <a:rPr lang="en-US" sz="1200" b="0" dirty="0">
+              <a:rPr lang="en-US" sz="1000" b="0" dirty="0" err="1">
                 <a:solidFill>
                   <a:srgbClr val="569CD6"/>
                 </a:solidFill>
                 <a:effectLst/>
                 <a:latin typeface="Consolas" panose="020B0609020204030204" pitchFamily="49" charset="0"/>
               </a:rPr>
-              <a:t>new</a:t>
-            </a:r>
-            <a:r>
-              <a:rPr lang="en-US" sz="1200" b="0" dirty="0">
+              <a:t>influxDBClient</a:t>
+            </a:r>
+            <a:r>
+              <a:rPr lang="en-US" sz="1000" b="0" dirty="0">
                 <a:solidFill>
-                  <a:srgbClr val="D4D4D4"/>
+                  <a:srgbClr val="569CD6"/>
                 </a:solidFill>
                 <a:effectLst/>
                 <a:latin typeface="Consolas" panose="020B0609020204030204" pitchFamily="49" charset="0"/>
               </a:rPr>
-              <a:t> </a:t>
-            </a:r>
-            <a:r>
-              <a:rPr lang="en-US" sz="1200" b="0" dirty="0" err="1">
+              <a:t> = </a:t>
+            </a:r>
+            <a:r>
+              <a:rPr lang="en-US" sz="1000" b="0" dirty="0" err="1">
                 <a:solidFill>
-                  <a:srgbClr val="9CDCFE"/>
+                  <a:srgbClr val="569CD6"/>
                 </a:solidFill>
                 <a:effectLst/>
                 <a:latin typeface="Consolas" panose="020B0609020204030204" pitchFamily="49" charset="0"/>
               </a:rPr>
-              <a:t>SqlConnection</a:t>
-            </a:r>
-            <a:r>
-              <a:rPr lang="en-US" sz="1200" b="0" dirty="0">
+              <a:t>InfluxDBClientFactory.Create</a:t>
+            </a:r>
+            <a:r>
+              <a:rPr lang="en-US" sz="1000" b="0" dirty="0">
                 <a:solidFill>
-                  <a:srgbClr val="D4D4D4"/>
+                  <a:srgbClr val="569CD6"/>
                 </a:solidFill>
                 <a:effectLst/>
                 <a:latin typeface="Consolas" panose="020B0609020204030204" pitchFamily="49" charset="0"/>
               </a:rPr>
               <a:t>(</a:t>
             </a:r>
-            <a:br>
-              <a:rPr lang="en-US" sz="1200" b="0" dirty="0">
+          </a:p>
+          <a:p>
+            <a:r>
+              <a:rPr lang="en-US" sz="1000" b="0" dirty="0" err="1">
                 <a:solidFill>
-                  <a:srgbClr val="D4D4D4"/>
+                  <a:srgbClr val="569CD6"/>
                 </a:solidFill>
                 <a:effectLst/>
                 <a:latin typeface="Consolas" panose="020B0609020204030204" pitchFamily="49" charset="0"/>
               </a:rPr>
-            </a:br>
-            <a:r>
-              <a:rPr lang="en-US" sz="1200" b="0" dirty="0" err="1">
+              <a:t>url</a:t>
+            </a:r>
+            <a:r>
+              <a:rPr lang="en-US" sz="1000" b="0" dirty="0">
                 <a:solidFill>
-                  <a:srgbClr val="9CDCFE"/>
+                  <a:srgbClr val="569CD6"/>
                 </a:solidFill>
                 <a:effectLst/>
                 <a:latin typeface="Consolas" panose="020B0609020204030204" pitchFamily="49" charset="0"/>
               </a:rPr>
-              <a:t>dbConnectionString</a:t>
-            </a:r>
-            <a:r>
-              <a:rPr lang="en-US" sz="1200" b="0" dirty="0">
+              <a:t>, username, </a:t>
+            </a:r>
+            <a:r>
+              <a:rPr lang="en-US" sz="1000" b="0" dirty="0" err="1">
                 <a:solidFill>
-                  <a:srgbClr val="D4D4D4"/>
+                  <a:srgbClr val="569CD6"/>
                 </a:solidFill>
                 <a:effectLst/>
                 <a:latin typeface="Consolas" panose="020B0609020204030204" pitchFamily="49" charset="0"/>
               </a:rPr>
-              <a:t>)</a:t>
-            </a:r>
+              <a:t>dbPassword</a:t>
+            </a:r>
+            <a:r>
+              <a:rPr lang="en-US" sz="1000" b="0" dirty="0">
+                <a:solidFill>
+                  <a:srgbClr val="569CD6"/>
+                </a:solidFill>
+                <a:effectLst/>
+                <a:latin typeface="Consolas" panose="020B0609020204030204" pitchFamily="49" charset="0"/>
+              </a:rPr>
+              <a:t>);</a:t>
+            </a:r>
+            <a:endParaRPr lang="en-US" sz="1000" b="0" dirty="0">
+              <a:solidFill>
+                <a:srgbClr val="D4D4D4"/>
+              </a:solidFill>
+              <a:effectLst/>
+              <a:latin typeface="Consolas" panose="020B0609020204030204" pitchFamily="49" charset="0"/>
+            </a:endParaRPr>
           </a:p>
         </p:txBody>
       </p:sp>
@@ -9827,6 +9847,51 @@
           </a:p>
         </p:txBody>
       </p:sp>
+      <p:pic>
+        <p:nvPicPr>
+          <p:cNvPr id="3" name="Picture 2" descr="See the source image">
+            <a:extLst>
+              <a:ext uri="{FF2B5EF4-FFF2-40B4-BE49-F238E27FC236}">
+                <a16:creationId xmlns:a16="http://schemas.microsoft.com/office/drawing/2014/main" id="{AA859BBB-7220-4F45-915A-743FC1FEBFA7}"/>
+              </a:ext>
+            </a:extLst>
+          </p:cNvPr>
+          <p:cNvPicPr>
+            <a:picLocks noChangeAspect="1" noChangeArrowheads="1"/>
+          </p:cNvPicPr>
+          <p:nvPr/>
+        </p:nvPicPr>
+        <p:blipFill rotWithShape="1">
+          <a:blip r:embed="rId13">
+            <a:extLst>
+              <a:ext uri="{28A0092B-C50C-407E-A947-70E740481C1C}">
+                <a14:useLocalDpi xmlns:a14="http://schemas.microsoft.com/office/drawing/2010/main" val="0"/>
+              </a:ext>
+            </a:extLst>
+          </a:blip>
+          <a:srcRect l="10421" t="38880" r="8904" b="36363"/>
+          <a:stretch/>
+        </p:blipFill>
+        <p:spPr bwMode="auto">
+          <a:xfrm>
+            <a:off x="7463792" y="4352439"/>
+            <a:ext cx="1443582" cy="354394"/>
+          </a:xfrm>
+          <a:prstGeom prst="rect">
+            <a:avLst/>
+          </a:prstGeom>
+          <a:noFill/>
+          <a:extLst>
+            <a:ext uri="{909E8E84-426E-40DD-AFC4-6F175D3DCCD1}">
+              <a14:hiddenFill xmlns:a14="http://schemas.microsoft.com/office/drawing/2010/main">
+                <a:solidFill>
+                  <a:srgbClr val="FFFFFF"/>
+                </a:solidFill>
+              </a14:hiddenFill>
+            </a:ext>
+          </a:extLst>
+        </p:spPr>
+      </p:pic>
     </p:spTree>
     <p:extLst>
       <p:ext uri="{BB962C8B-B14F-4D97-AF65-F5344CB8AC3E}">

--- a/docs/drawings.pptx
+++ b/docs/drawings.pptx
@@ -7292,8 +7292,8 @@
         </p:nvSpPr>
         <p:spPr>
           <a:xfrm>
-            <a:off x="1696454" y="3771900"/>
-            <a:ext cx="8307322" cy="2978072"/>
+            <a:off x="1696454" y="3648118"/>
+            <a:ext cx="8307322" cy="3101854"/>
           </a:xfrm>
           <a:prstGeom prst="roundRect">
             <a:avLst>
@@ -7338,8 +7338,8 @@
         </p:nvSpPr>
         <p:spPr>
           <a:xfrm>
-            <a:off x="2568863" y="4150900"/>
-            <a:ext cx="4124247" cy="1948158"/>
+            <a:off x="2568863" y="4047038"/>
+            <a:ext cx="4216859" cy="2052020"/>
           </a:xfrm>
           <a:prstGeom prst="rect">
             <a:avLst/>
@@ -8321,14 +8321,12 @@
           </p:cNvPr>
           <p:cNvCxnSpPr>
             <a:cxnSpLocks/>
-            <a:stCxn id="38" idx="3"/>
-            <a:endCxn id="18" idx="1"/>
           </p:cNvCxnSpPr>
           <p:nvPr/>
         </p:nvCxnSpPr>
         <p:spPr>
           <a:xfrm flipV="1">
-            <a:off x="4614638" y="4515915"/>
+            <a:off x="4620071" y="4677595"/>
             <a:ext cx="2356943" cy="3470"/>
           </a:xfrm>
           <a:prstGeom prst="straightConnector1">
@@ -9030,10 +9028,22 @@
           <a:p>
             <a:pPr algn="ctr"/>
             <a:r>
-              <a:rPr lang="en-US" sz="1200" dirty="0" err="1"/>
+              <a:rPr lang="en-US" sz="1100" dirty="0" err="1">
+                <a:solidFill>
+                  <a:srgbClr val="569CD6"/>
+                </a:solidFill>
+                <a:latin typeface="Cascadia Code" panose="020B0609020000020004" pitchFamily="49" charset="0"/>
+                <a:cs typeface="Cascadia Code" panose="020B0609020000020004" pitchFamily="49" charset="0"/>
+              </a:rPr>
               <a:t>SecretManagerClient</a:t>
             </a:r>
-            <a:endParaRPr lang="en-US" sz="1200" dirty="0"/>
+            <a:endParaRPr lang="en-US" sz="1100" dirty="0">
+              <a:solidFill>
+                <a:srgbClr val="569CD6"/>
+              </a:solidFill>
+              <a:latin typeface="Cascadia Code" panose="020B0609020000020004" pitchFamily="49" charset="0"/>
+              <a:cs typeface="Cascadia Code" panose="020B0609020000020004" pitchFamily="49" charset="0"/>
+            </a:endParaRPr>
           </a:p>
         </p:txBody>
       </p:sp>
@@ -9163,8 +9173,15 @@
           <a:p>
             <a:pPr algn="ctr"/>
             <a:r>
-              <a:rPr lang="en-US" sz="1200" dirty="0" err="1"/>
-              <a:t>SecretManagerClient</a:t>
+              <a:rPr lang="en-US" sz="1200" b="0" dirty="0" err="1">
+                <a:solidFill>
+                  <a:srgbClr val="569CD6"/>
+                </a:solidFill>
+                <a:effectLst/>
+                <a:latin typeface="Cascadia Code" panose="020B0609020000020004" pitchFamily="49" charset="0"/>
+                <a:cs typeface="Cascadia Code" panose="020B0609020000020004" pitchFamily="49" charset="0"/>
+              </a:rPr>
+              <a:t>InfluxDBClient</a:t>
             </a:r>
             <a:endParaRPr lang="en-US" sz="1200" dirty="0"/>
           </a:p>
@@ -9226,8 +9243,8 @@
         </p:nvSpPr>
         <p:spPr>
           <a:xfrm>
-            <a:off x="2981279" y="4825918"/>
-            <a:ext cx="3563893" cy="577081"/>
+            <a:off x="2965662" y="4867113"/>
+            <a:ext cx="3563893" cy="507831"/>
           </a:xfrm>
           <a:prstGeom prst="rect">
             <a:avLst/>
@@ -9238,138 +9255,54 @@
           <a:bodyPr wrap="square">
             <a:spAutoFit/>
           </a:bodyPr>
-          <a:lstStyle/>
-          <a:p>
-            <a:r>
-              <a:rPr lang="en-US" sz="1050" b="0" dirty="0" err="1">
-                <a:solidFill>
-                  <a:srgbClr val="9CDCFE"/>
-                </a:solidFill>
-                <a:effectLst/>
-                <a:latin typeface="Consolas" panose="020B0609020204030204" pitchFamily="49" charset="0"/>
-              </a:rPr>
-              <a:t>dbPassword</a:t>
-            </a:r>
-            <a:r>
-              <a:rPr lang="en-US" sz="1050" b="0" dirty="0">
-                <a:solidFill>
-                  <a:srgbClr val="D4D4D4"/>
-                </a:solidFill>
-                <a:effectLst/>
-                <a:latin typeface="Consolas" panose="020B0609020204030204" pitchFamily="49" charset="0"/>
-              </a:rPr>
-              <a:t> = </a:t>
-            </a:r>
-            <a:r>
-              <a:rPr lang="en-US" sz="1050" b="0" dirty="0">
+          <a:lstStyle>
+            <a:defPPr>
+              <a:defRPr lang="en-US"/>
+            </a:defPPr>
+            <a:lvl1pPr>
+              <a:defRPr sz="900" b="0">
                 <a:solidFill>
                   <a:srgbClr val="569CD6"/>
                 </a:solidFill>
                 <a:effectLst/>
-                <a:latin typeface="Consolas" panose="020B0609020204030204" pitchFamily="49" charset="0"/>
-              </a:rPr>
-              <a:t>await</a:t>
-            </a:r>
-            <a:r>
-              <a:rPr lang="en-US" sz="1050" b="0" dirty="0">
-                <a:solidFill>
-                  <a:srgbClr val="D4D4D4"/>
-                </a:solidFill>
-                <a:effectLst/>
-                <a:latin typeface="Consolas" panose="020B0609020204030204" pitchFamily="49" charset="0"/>
-              </a:rPr>
-              <a:t> </a:t>
-            </a:r>
-          </a:p>
-          <a:p>
-            <a:r>
-              <a:rPr lang="en-US" sz="1050" b="0" dirty="0" err="1">
-                <a:solidFill>
-                  <a:srgbClr val="9CDCFE"/>
-                </a:solidFill>
-                <a:effectLst/>
-                <a:latin typeface="Consolas" panose="020B0609020204030204" pitchFamily="49" charset="0"/>
-              </a:rPr>
-              <a:t>secretManagerClient</a:t>
-            </a:r>
-            <a:r>
-              <a:rPr lang="en-US" sz="1050" b="0" dirty="0" err="1">
-                <a:solidFill>
-                  <a:srgbClr val="D4D4D4"/>
-                </a:solidFill>
-                <a:effectLst/>
-                <a:latin typeface="Consolas" panose="020B0609020204030204" pitchFamily="49" charset="0"/>
-              </a:rPr>
-              <a:t>.</a:t>
-            </a:r>
-            <a:r>
-              <a:rPr lang="en-US" sz="1050" b="0" dirty="0" err="1">
-                <a:solidFill>
-                  <a:srgbClr val="DCDCAA"/>
-                </a:solidFill>
-                <a:effectLst/>
-                <a:latin typeface="Consolas" panose="020B0609020204030204" pitchFamily="49" charset="0"/>
-              </a:rPr>
-              <a:t>GetSecretValueAsync</a:t>
-            </a:r>
-            <a:r>
-              <a:rPr lang="en-US" sz="1050" b="0" dirty="0">
-                <a:solidFill>
-                  <a:srgbClr val="D4D4D4"/>
-                </a:solidFill>
-                <a:effectLst/>
-                <a:latin typeface="Consolas" panose="020B0609020204030204" pitchFamily="49" charset="0"/>
-              </a:rPr>
+                <a:latin typeface="Cascadia Code" panose="020B0609020000020004" pitchFamily="49" charset="0"/>
+                <a:cs typeface="Cascadia Code" panose="020B0609020000020004" pitchFamily="49" charset="0"/>
+              </a:defRPr>
+            </a:lvl1pPr>
+          </a:lstStyle>
+          <a:p>
+            <a:r>
+              <a:rPr lang="en-US" dirty="0" err="1"/>
+              <a:t>dbPassword</a:t>
+            </a:r>
+            <a:r>
+              <a:rPr lang="en-US" dirty="0"/>
+              <a:t> = await </a:t>
+            </a:r>
+          </a:p>
+          <a:p>
+            <a:r>
+              <a:rPr lang="en-US" dirty="0" err="1"/>
+              <a:t>secretManagerClient.GetSecretValueAsync</a:t>
+            </a:r>
+            <a:r>
+              <a:rPr lang="en-US" dirty="0"/>
               <a:t>(</a:t>
             </a:r>
             <a:br>
-              <a:rPr lang="en-US" sz="1050" b="0" dirty="0">
-                <a:solidFill>
-                  <a:srgbClr val="D4D4D4"/>
-                </a:solidFill>
-                <a:effectLst/>
-                <a:latin typeface="Consolas" panose="020B0609020204030204" pitchFamily="49" charset="0"/>
-              </a:rPr>
+              <a:rPr lang="en-US" dirty="0"/>
             </a:br>
             <a:r>
-              <a:rPr lang="en-US" sz="1050" b="0" dirty="0">
-                <a:solidFill>
-                  <a:srgbClr val="CE9178"/>
-                </a:solidFill>
-                <a:effectLst/>
-                <a:latin typeface="Consolas" panose="020B0609020204030204" pitchFamily="49" charset="0"/>
-              </a:rPr>
+              <a:rPr lang="en-US" dirty="0"/>
               <a:t>“</a:t>
             </a:r>
             <a:r>
-              <a:rPr lang="en-US" sz="1050" b="0" dirty="0" err="1">
-                <a:solidFill>
-                  <a:srgbClr val="CE9178"/>
-                </a:solidFill>
-                <a:effectLst/>
-                <a:latin typeface="Consolas" panose="020B0609020204030204" pitchFamily="49" charset="0"/>
-              </a:rPr>
+              <a:rPr lang="en-US" dirty="0" err="1"/>
               <a:t>InfluxDbPassword</a:t>
             </a:r>
             <a:r>
-              <a:rPr lang="en-US" sz="1050" b="0" dirty="0">
-                <a:solidFill>
-                  <a:srgbClr val="CE9178"/>
-                </a:solidFill>
-                <a:effectLst/>
-                <a:latin typeface="Consolas" panose="020B0609020204030204" pitchFamily="49" charset="0"/>
-              </a:rPr>
-              <a:t>“, …</a:t>
-            </a:r>
-            <a:r>
-              <a:rPr lang="en-US" sz="1050" b="0" dirty="0">
-                <a:solidFill>
-                  <a:srgbClr val="D4D4D4"/>
-                </a:solidFill>
-                <a:effectLst/>
-                <a:latin typeface="Consolas" panose="020B0609020204030204" pitchFamily="49" charset="0"/>
-              </a:rPr>
-              <a:t>)</a:t>
+              <a:rPr lang="en-US" dirty="0"/>
+              <a:t>“, …)</a:t>
             </a:r>
           </a:p>
         </p:txBody>
@@ -9388,8 +9321,8 @@
         </p:nvSpPr>
         <p:spPr>
           <a:xfrm>
-            <a:off x="4648604" y="4161917"/>
-            <a:ext cx="3337467" cy="553998"/>
+            <a:off x="4614638" y="4150900"/>
+            <a:ext cx="2416224" cy="507831"/>
           </a:xfrm>
           <a:prstGeom prst="rect">
             <a:avLst/>
@@ -9403,93 +9336,102 @@
           <a:lstStyle/>
           <a:p>
             <a:r>
-              <a:rPr lang="en-US" sz="1000" b="0" dirty="0" err="1">
+              <a:rPr lang="en-US" sz="900" b="0" dirty="0" err="1">
                 <a:solidFill>
                   <a:srgbClr val="569CD6"/>
                 </a:solidFill>
                 <a:effectLst/>
-                <a:latin typeface="Consolas" panose="020B0609020204030204" pitchFamily="49" charset="0"/>
+                <a:latin typeface="Cascadia Code" panose="020B0609020000020004" pitchFamily="49" charset="0"/>
+                <a:cs typeface="Cascadia Code" panose="020B0609020000020004" pitchFamily="49" charset="0"/>
               </a:rPr>
               <a:t>influxDBClient</a:t>
             </a:r>
             <a:r>
-              <a:rPr lang="en-US" sz="1000" b="0" dirty="0">
+              <a:rPr lang="en-US" sz="900" b="0" dirty="0">
                 <a:solidFill>
                   <a:srgbClr val="569CD6"/>
                 </a:solidFill>
                 <a:effectLst/>
-                <a:latin typeface="Consolas" panose="020B0609020204030204" pitchFamily="49" charset="0"/>
+                <a:latin typeface="Cascadia Code" panose="020B0609020000020004" pitchFamily="49" charset="0"/>
+                <a:cs typeface="Cascadia Code" panose="020B0609020000020004" pitchFamily="49" charset="0"/>
               </a:rPr>
               <a:t> = </a:t>
             </a:r>
             <a:r>
-              <a:rPr lang="en-US" sz="1000" b="0" dirty="0" err="1">
+              <a:rPr lang="en-US" sz="900" b="0" dirty="0" err="1">
                 <a:solidFill>
                   <a:srgbClr val="569CD6"/>
                 </a:solidFill>
                 <a:effectLst/>
-                <a:latin typeface="Consolas" panose="020B0609020204030204" pitchFamily="49" charset="0"/>
+                <a:latin typeface="Cascadia Code" panose="020B0609020000020004" pitchFamily="49" charset="0"/>
+                <a:cs typeface="Cascadia Code" panose="020B0609020000020004" pitchFamily="49" charset="0"/>
               </a:rPr>
               <a:t>InfluxDBClientFactory.Create</a:t>
             </a:r>
             <a:r>
-              <a:rPr lang="en-US" sz="1000" b="0" dirty="0">
+              <a:rPr lang="en-US" sz="900" b="0" dirty="0">
                 <a:solidFill>
                   <a:srgbClr val="569CD6"/>
                 </a:solidFill>
                 <a:effectLst/>
-                <a:latin typeface="Consolas" panose="020B0609020204030204" pitchFamily="49" charset="0"/>
+                <a:latin typeface="Cascadia Code" panose="020B0609020000020004" pitchFamily="49" charset="0"/>
+                <a:cs typeface="Cascadia Code" panose="020B0609020000020004" pitchFamily="49" charset="0"/>
               </a:rPr>
               <a:t>(</a:t>
             </a:r>
           </a:p>
           <a:p>
             <a:r>
-              <a:rPr lang="en-US" sz="1000" b="0" dirty="0" err="1">
+              <a:rPr lang="en-US" sz="900" b="0" dirty="0" err="1">
                 <a:solidFill>
                   <a:srgbClr val="569CD6"/>
                 </a:solidFill>
                 <a:effectLst/>
-                <a:latin typeface="Consolas" panose="020B0609020204030204" pitchFamily="49" charset="0"/>
+                <a:latin typeface="Cascadia Code" panose="020B0609020000020004" pitchFamily="49" charset="0"/>
+                <a:cs typeface="Cascadia Code" panose="020B0609020000020004" pitchFamily="49" charset="0"/>
               </a:rPr>
               <a:t>url</a:t>
             </a:r>
             <a:r>
-              <a:rPr lang="en-US" sz="1000" b="0" dirty="0">
+              <a:rPr lang="en-US" sz="900" b="0" dirty="0">
                 <a:solidFill>
                   <a:srgbClr val="569CD6"/>
                 </a:solidFill>
                 <a:effectLst/>
-                <a:latin typeface="Consolas" panose="020B0609020204030204" pitchFamily="49" charset="0"/>
+                <a:latin typeface="Cascadia Code" panose="020B0609020000020004" pitchFamily="49" charset="0"/>
+                <a:cs typeface="Cascadia Code" panose="020B0609020000020004" pitchFamily="49" charset="0"/>
               </a:rPr>
               <a:t>, username, </a:t>
             </a:r>
             <a:r>
-              <a:rPr lang="en-US" sz="1000" b="0" dirty="0" err="1">
+              <a:rPr lang="en-US" sz="900" b="0" dirty="0" err="1">
                 <a:solidFill>
                   <a:srgbClr val="569CD6"/>
                 </a:solidFill>
                 <a:effectLst/>
-                <a:latin typeface="Consolas" panose="020B0609020204030204" pitchFamily="49" charset="0"/>
+                <a:latin typeface="Cascadia Code" panose="020B0609020000020004" pitchFamily="49" charset="0"/>
+                <a:cs typeface="Cascadia Code" panose="020B0609020000020004" pitchFamily="49" charset="0"/>
               </a:rPr>
               <a:t>dbPassword</a:t>
             </a:r>
             <a:r>
-              <a:rPr lang="en-US" sz="1000" b="0" dirty="0">
+              <a:rPr lang="en-US" sz="900" b="0" dirty="0">
                 <a:solidFill>
                   <a:srgbClr val="569CD6"/>
                 </a:solidFill>
                 <a:effectLst/>
-                <a:latin typeface="Consolas" panose="020B0609020204030204" pitchFamily="49" charset="0"/>
+                <a:latin typeface="Cascadia Code" panose="020B0609020000020004" pitchFamily="49" charset="0"/>
+                <a:cs typeface="Cascadia Code" panose="020B0609020000020004" pitchFamily="49" charset="0"/>
               </a:rPr>
               <a:t>);</a:t>
             </a:r>
-            <a:endParaRPr lang="en-US" sz="1000" b="0" dirty="0">
+            <a:endParaRPr lang="en-US" sz="900" b="0" dirty="0">
               <a:solidFill>
                 <a:srgbClr val="D4D4D4"/>
               </a:solidFill>
               <a:effectLst/>
-              <a:latin typeface="Consolas" panose="020B0609020204030204" pitchFamily="49" charset="0"/>
+              <a:latin typeface="Cascadia Code" panose="020B0609020000020004" pitchFamily="49" charset="0"/>
+              <a:cs typeface="Cascadia Code" panose="020B0609020000020004" pitchFamily="49" charset="0"/>
             </a:endParaRPr>
           </a:p>
         </p:txBody>
@@ -9508,7 +9450,7 @@
         </p:nvSpPr>
         <p:spPr>
           <a:xfrm>
-            <a:off x="2568863" y="3888959"/>
+            <a:off x="2563000" y="3774538"/>
             <a:ext cx="6097002" cy="307777"/>
           </a:xfrm>
           <a:prstGeom prst="rect">

--- a/docs/drawings.pptx
+++ b/docs/drawings.pptx
@@ -270,7 +270,7 @@
           <a:p>
             <a:fld id="{EEB5A699-4281-42A6-A7CC-966666C96966}" type="datetimeFigureOut">
               <a:rPr lang="en-US" smtClean="0"/>
-              <a:t>1/25/2022</a:t>
+              <a:t>1/28/2022</a:t>
             </a:fld>
             <a:endParaRPr lang="en-US"/>
           </a:p>
@@ -468,7 +468,7 @@
           <a:p>
             <a:fld id="{EEB5A699-4281-42A6-A7CC-966666C96966}" type="datetimeFigureOut">
               <a:rPr lang="en-US" smtClean="0"/>
-              <a:t>1/25/2022</a:t>
+              <a:t>1/28/2022</a:t>
             </a:fld>
             <a:endParaRPr lang="en-US"/>
           </a:p>
@@ -676,7 +676,7 @@
           <a:p>
             <a:fld id="{EEB5A699-4281-42A6-A7CC-966666C96966}" type="datetimeFigureOut">
               <a:rPr lang="en-US" smtClean="0"/>
-              <a:t>1/25/2022</a:t>
+              <a:t>1/28/2022</a:t>
             </a:fld>
             <a:endParaRPr lang="en-US"/>
           </a:p>
@@ -874,7 +874,7 @@
           <a:p>
             <a:fld id="{EEB5A699-4281-42A6-A7CC-966666C96966}" type="datetimeFigureOut">
               <a:rPr lang="en-US" smtClean="0"/>
-              <a:t>1/25/2022</a:t>
+              <a:t>1/28/2022</a:t>
             </a:fld>
             <a:endParaRPr lang="en-US"/>
           </a:p>
@@ -1149,7 +1149,7 @@
           <a:p>
             <a:fld id="{EEB5A699-4281-42A6-A7CC-966666C96966}" type="datetimeFigureOut">
               <a:rPr lang="en-US" smtClean="0"/>
-              <a:t>1/25/2022</a:t>
+              <a:t>1/28/2022</a:t>
             </a:fld>
             <a:endParaRPr lang="en-US"/>
           </a:p>
@@ -1414,7 +1414,7 @@
           <a:p>
             <a:fld id="{EEB5A699-4281-42A6-A7CC-966666C96966}" type="datetimeFigureOut">
               <a:rPr lang="en-US" smtClean="0"/>
-              <a:t>1/25/2022</a:t>
+              <a:t>1/28/2022</a:t>
             </a:fld>
             <a:endParaRPr lang="en-US"/>
           </a:p>
@@ -1826,7 +1826,7 @@
           <a:p>
             <a:fld id="{EEB5A699-4281-42A6-A7CC-966666C96966}" type="datetimeFigureOut">
               <a:rPr lang="en-US" smtClean="0"/>
-              <a:t>1/25/2022</a:t>
+              <a:t>1/28/2022</a:t>
             </a:fld>
             <a:endParaRPr lang="en-US"/>
           </a:p>
@@ -1967,7 +1967,7 @@
           <a:p>
             <a:fld id="{EEB5A699-4281-42A6-A7CC-966666C96966}" type="datetimeFigureOut">
               <a:rPr lang="en-US" smtClean="0"/>
-              <a:t>1/25/2022</a:t>
+              <a:t>1/28/2022</a:t>
             </a:fld>
             <a:endParaRPr lang="en-US"/>
           </a:p>
@@ -2080,7 +2080,7 @@
           <a:p>
             <a:fld id="{EEB5A699-4281-42A6-A7CC-966666C96966}" type="datetimeFigureOut">
               <a:rPr lang="en-US" smtClean="0"/>
-              <a:t>1/25/2022</a:t>
+              <a:t>1/28/2022</a:t>
             </a:fld>
             <a:endParaRPr lang="en-US"/>
           </a:p>
@@ -2391,7 +2391,7 @@
           <a:p>
             <a:fld id="{EEB5A699-4281-42A6-A7CC-966666C96966}" type="datetimeFigureOut">
               <a:rPr lang="en-US" smtClean="0"/>
-              <a:t>1/25/2022</a:t>
+              <a:t>1/28/2022</a:t>
             </a:fld>
             <a:endParaRPr lang="en-US"/>
           </a:p>
@@ -2679,7 +2679,7 @@
           <a:p>
             <a:fld id="{EEB5A699-4281-42A6-A7CC-966666C96966}" type="datetimeFigureOut">
               <a:rPr lang="en-US" smtClean="0"/>
-              <a:t>1/25/2022</a:t>
+              <a:t>1/28/2022</a:t>
             </a:fld>
             <a:endParaRPr lang="en-US"/>
           </a:p>
@@ -2920,7 +2920,7 @@
           <a:p>
             <a:fld id="{EEB5A699-4281-42A6-A7CC-966666C96966}" type="datetimeFigureOut">
               <a:rPr lang="en-US" smtClean="0"/>
-              <a:t>1/25/2022</a:t>
+              <a:t>1/28/2022</a:t>
             </a:fld>
             <a:endParaRPr lang="en-US"/>
           </a:p>
@@ -7280,10 +7280,10 @@
       </p:grpSpPr>
       <p:sp>
         <p:nvSpPr>
-          <p:cNvPr id="32" name="Rectangle: Rounded Corners 31">
-            <a:extLst>
-              <a:ext uri="{FF2B5EF4-FFF2-40B4-BE49-F238E27FC236}">
-                <a16:creationId xmlns:a16="http://schemas.microsoft.com/office/drawing/2014/main" id="{278B6650-E555-466B-82DD-BFAA9EE21385}"/>
+          <p:cNvPr id="22" name="Rectangle: Rounded Corners 21">
+            <a:extLst>
+              <a:ext uri="{FF2B5EF4-FFF2-40B4-BE49-F238E27FC236}">
+                <a16:creationId xmlns:a16="http://schemas.microsoft.com/office/drawing/2014/main" id="{4C75B854-4144-4F0E-B1D8-706342EFDACF}"/>
               </a:ext>
             </a:extLst>
           </p:cNvPr>
@@ -7292,8 +7292,8 @@
         </p:nvSpPr>
         <p:spPr>
           <a:xfrm>
-            <a:off x="1696454" y="3648118"/>
-            <a:ext cx="8307322" cy="3101854"/>
+            <a:off x="1798685" y="6315039"/>
+            <a:ext cx="8162580" cy="484542"/>
           </a:xfrm>
           <a:prstGeom prst="roundRect">
             <a:avLst>
@@ -7321,6 +7321,99 @@
           <a:p>
             <a:pPr algn="ctr"/>
             <a:endParaRPr lang="en-US"/>
+          </a:p>
+        </p:txBody>
+      </p:sp>
+      <p:sp>
+        <p:nvSpPr>
+          <p:cNvPr id="32" name="Rectangle: Rounded Corners 31">
+            <a:extLst>
+              <a:ext uri="{FF2B5EF4-FFF2-40B4-BE49-F238E27FC236}">
+                <a16:creationId xmlns:a16="http://schemas.microsoft.com/office/drawing/2014/main" id="{278B6650-E555-466B-82DD-BFAA9EE21385}"/>
+              </a:ext>
+            </a:extLst>
+          </p:cNvPr>
+          <p:cNvSpPr/>
+          <p:nvPr/>
+        </p:nvSpPr>
+        <p:spPr>
+          <a:xfrm>
+            <a:off x="1784599" y="3648118"/>
+            <a:ext cx="8162580" cy="2563010"/>
+          </a:xfrm>
+          <a:prstGeom prst="roundRect">
+            <a:avLst>
+              <a:gd name="adj" fmla="val 4345"/>
+            </a:avLst>
+          </a:prstGeom>
+        </p:spPr>
+        <p:style>
+          <a:lnRef idx="2">
+            <a:schemeClr val="accent1"/>
+          </a:lnRef>
+          <a:fillRef idx="1">
+            <a:schemeClr val="lt1"/>
+          </a:fillRef>
+          <a:effectRef idx="0">
+            <a:schemeClr val="accent1"/>
+          </a:effectRef>
+          <a:fontRef idx="minor">
+            <a:schemeClr val="dk1"/>
+          </a:fontRef>
+        </p:style>
+        <p:txBody>
+          <a:bodyPr rtlCol="0" anchor="ctr"/>
+          <a:lstStyle/>
+          <a:p>
+            <a:pPr algn="ctr"/>
+            <a:endParaRPr lang="en-US"/>
+          </a:p>
+        </p:txBody>
+      </p:sp>
+      <p:sp>
+        <p:nvSpPr>
+          <p:cNvPr id="8" name="Rectangle 7">
+            <a:extLst>
+              <a:ext uri="{FF2B5EF4-FFF2-40B4-BE49-F238E27FC236}">
+                <a16:creationId xmlns:a16="http://schemas.microsoft.com/office/drawing/2014/main" id="{C3640122-F9F0-4651-B039-C234418BF22D}"/>
+              </a:ext>
+            </a:extLst>
+          </p:cNvPr>
+          <p:cNvSpPr/>
+          <p:nvPr/>
+        </p:nvSpPr>
+        <p:spPr>
+          <a:xfrm>
+            <a:off x="7030862" y="4040958"/>
+            <a:ext cx="2195476" cy="997844"/>
+          </a:xfrm>
+          <a:prstGeom prst="rect">
+            <a:avLst/>
+          </a:prstGeom>
+          <a:ln>
+            <a:prstDash val="sysDash"/>
+          </a:ln>
+        </p:spPr>
+        <p:style>
+          <a:lnRef idx="2">
+            <a:schemeClr val="accent1"/>
+          </a:lnRef>
+          <a:fillRef idx="1">
+            <a:schemeClr val="lt1"/>
+          </a:fillRef>
+          <a:effectRef idx="0">
+            <a:schemeClr val="accent1"/>
+          </a:effectRef>
+          <a:fontRef idx="minor">
+            <a:schemeClr val="dk1"/>
+          </a:fontRef>
+        </p:style>
+        <p:txBody>
+          <a:bodyPr rtlCol="0" anchor="ctr"/>
+          <a:lstStyle/>
+          <a:p>
+            <a:pPr algn="ctr"/>
+            <a:endParaRPr lang="en-US" dirty="0"/>
           </a:p>
         </p:txBody>
       </p:sp>
@@ -7569,86 +7662,6 @@
           </p:txBody>
         </p:sp>
       </p:grpSp>
-      <p:pic>
-        <p:nvPicPr>
-          <p:cNvPr id="1026" name="Picture 2" descr="See the source image">
-            <a:extLst>
-              <a:ext uri="{FF2B5EF4-FFF2-40B4-BE49-F238E27FC236}">
-                <a16:creationId xmlns:a16="http://schemas.microsoft.com/office/drawing/2014/main" id="{D877793F-3423-4985-A4F8-20C4FDCAAC98}"/>
-              </a:ext>
-            </a:extLst>
-          </p:cNvPr>
-          <p:cNvPicPr>
-            <a:picLocks noChangeAspect="1" noChangeArrowheads="1"/>
-          </p:cNvPicPr>
-          <p:nvPr/>
-        </p:nvPicPr>
-        <p:blipFill rotWithShape="1">
-          <a:blip r:embed="rId4">
-            <a:extLst>
-              <a:ext uri="{28A0092B-C50C-407E-A947-70E740481C1C}">
-                <a14:useLocalDpi xmlns:a14="http://schemas.microsoft.com/office/drawing/2010/main" val="0"/>
-              </a:ext>
-            </a:extLst>
-          </a:blip>
-          <a:srcRect l="23418" t="10038" r="25450" b="10287"/>
-          <a:stretch/>
-        </p:blipFill>
-        <p:spPr bwMode="auto">
-          <a:xfrm>
-            <a:off x="9686022" y="6313358"/>
-            <a:ext cx="503613" cy="533629"/>
-          </a:xfrm>
-          <a:prstGeom prst="rect">
-            <a:avLst/>
-          </a:prstGeom>
-          <a:noFill/>
-          <a:extLst>
-            <a:ext uri="{909E8E84-426E-40DD-AFC4-6F175D3DCCD1}">
-              <a14:hiddenFill xmlns:a14="http://schemas.microsoft.com/office/drawing/2010/main">
-                <a:solidFill>
-                  <a:srgbClr val="FFFFFF"/>
-                </a:solidFill>
-              </a14:hiddenFill>
-            </a:ext>
-          </a:extLst>
-        </p:spPr>
-      </p:pic>
-      <p:sp>
-        <p:nvSpPr>
-          <p:cNvPr id="9" name="TextBox 8">
-            <a:extLst>
-              <a:ext uri="{FF2B5EF4-FFF2-40B4-BE49-F238E27FC236}">
-                <a16:creationId xmlns:a16="http://schemas.microsoft.com/office/drawing/2014/main" id="{7651D2E4-69F0-4A99-8563-0C5DC63588D4}"/>
-              </a:ext>
-            </a:extLst>
-          </p:cNvPr>
-          <p:cNvSpPr txBox="1"/>
-          <p:nvPr/>
-        </p:nvSpPr>
-        <p:spPr>
-          <a:xfrm>
-            <a:off x="10178344" y="6472973"/>
-            <a:ext cx="1109663" cy="276999"/>
-          </a:xfrm>
-          <a:prstGeom prst="rect">
-            <a:avLst/>
-          </a:prstGeom>
-          <a:noFill/>
-        </p:spPr>
-        <p:txBody>
-          <a:bodyPr wrap="none" rtlCol="0">
-            <a:spAutoFit/>
-          </a:bodyPr>
-          <a:lstStyle/>
-          <a:p>
-            <a:r>
-              <a:rPr lang="en-US" sz="1200" dirty="0"/>
-              <a:t>Azure IoT Edge</a:t>
-            </a:r>
-          </a:p>
-        </p:txBody>
-      </p:sp>
       <p:grpSp>
         <p:nvGrpSpPr>
           <p:cNvPr id="15" name="Group 14">
@@ -7684,7 +7697,7 @@
             <p:nvPr/>
           </p:nvPicPr>
           <p:blipFill>
-            <a:blip r:embed="rId5">
+            <a:blip r:embed="rId4">
               <a:clrChange>
                 <a:clrFrom>
                   <a:srgbClr val="FDFDFD"/>
@@ -7797,7 +7810,7 @@
             <p:nvPr/>
           </p:nvPicPr>
           <p:blipFill>
-            <a:blip r:embed="rId6">
+            <a:blip r:embed="rId5">
               <a:extLst>
                 <a:ext uri="{28A0092B-C50C-407E-A947-70E740481C1C}">
                   <a14:useLocalDpi xmlns:a14="http://schemas.microsoft.com/office/drawing/2010/main" val="0"/>
@@ -7907,7 +7920,7 @@
             <p:nvPr/>
           </p:nvPicPr>
           <p:blipFill>
-            <a:blip r:embed="rId7">
+            <a:blip r:embed="rId6">
               <a:clrChange>
                 <a:clrFrom>
                   <a:srgbClr val="FDFDFD"/>
@@ -8020,7 +8033,7 @@
             <p:nvPr/>
           </p:nvPicPr>
           <p:blipFill>
-            <a:blip r:embed="rId8">
+            <a:blip r:embed="rId7">
               <a:clrChange>
                 <a:clrFrom>
                   <a:srgbClr val="FDFDFD"/>
@@ -8325,9 +8338,9 @@
           <p:nvPr/>
         </p:nvCxnSpPr>
         <p:spPr>
-          <a:xfrm flipV="1">
-            <a:off x="4620071" y="4677595"/>
-            <a:ext cx="2356943" cy="3470"/>
+          <a:xfrm>
+            <a:off x="4620071" y="4681065"/>
+            <a:ext cx="2585800" cy="10036"/>
           </a:xfrm>
           <a:prstGeom prst="straightConnector1">
             <a:avLst/>
@@ -8402,7 +8415,7 @@
           <p:nvPr/>
         </p:nvPicPr>
         <p:blipFill>
-          <a:blip r:embed="rId9">
+          <a:blip r:embed="rId8">
             <a:extLst>
               <a:ext uri="{28A0092B-C50C-407E-A947-70E740481C1C}">
                 <a14:useLocalDpi xmlns:a14="http://schemas.microsoft.com/office/drawing/2010/main" val="0"/>
@@ -8434,54 +8447,6 @@
           </a:extLst>
         </p:spPr>
       </p:pic>
-      <p:sp>
-        <p:nvSpPr>
-          <p:cNvPr id="93" name="Rectangle 92">
-            <a:extLst>
-              <a:ext uri="{FF2B5EF4-FFF2-40B4-BE49-F238E27FC236}">
-                <a16:creationId xmlns:a16="http://schemas.microsoft.com/office/drawing/2014/main" id="{1400136E-BEBB-486F-82D4-515152FAFBB4}"/>
-              </a:ext>
-            </a:extLst>
-          </p:cNvPr>
-          <p:cNvSpPr/>
-          <p:nvPr/>
-        </p:nvSpPr>
-        <p:spPr>
-          <a:xfrm>
-            <a:off x="2781828" y="6281699"/>
-            <a:ext cx="1832810" cy="319950"/>
-          </a:xfrm>
-          <a:prstGeom prst="rect">
-            <a:avLst/>
-          </a:prstGeom>
-        </p:spPr>
-        <p:style>
-          <a:lnRef idx="2">
-            <a:schemeClr val="accent1"/>
-          </a:lnRef>
-          <a:fillRef idx="1">
-            <a:schemeClr val="lt1"/>
-          </a:fillRef>
-          <a:effectRef idx="0">
-            <a:schemeClr val="accent1"/>
-          </a:effectRef>
-          <a:fontRef idx="minor">
-            <a:schemeClr val="dk1"/>
-          </a:fontRef>
-        </p:style>
-        <p:txBody>
-          <a:bodyPr rtlCol="0" anchor="ctr"/>
-          <a:lstStyle/>
-          <a:p>
-            <a:pPr algn="ctr"/>
-            <a:r>
-              <a:rPr lang="en-US" sz="1200" dirty="0" err="1"/>
-              <a:t>CryptoProvider</a:t>
-            </a:r>
-            <a:endParaRPr lang="en-US" sz="1200" dirty="0"/>
-          </a:p>
-        </p:txBody>
-      </p:sp>
       <p:cxnSp>
         <p:nvCxnSpPr>
           <p:cNvPr id="101" name="Connector: Elbow 100">
@@ -8602,7 +8567,7 @@
             <p:nvPr/>
           </p:nvPicPr>
           <p:blipFill rotWithShape="1">
-            <a:blip r:embed="rId10">
+            <a:blip r:embed="rId9">
               <a:extLst>
                 <a:ext uri="{28A0092B-C50C-407E-A947-70E740481C1C}">
                   <a14:useLocalDpi xmlns:a14="http://schemas.microsoft.com/office/drawing/2010/main" val="0"/>
@@ -8857,7 +8822,7 @@
           <p:nvPr/>
         </p:nvPicPr>
         <p:blipFill>
-          <a:blip r:embed="rId11">
+          <a:blip r:embed="rId10">
             <a:clrChange>
               <a:clrFrom>
                 <a:srgbClr val="F6F6F6"/>
@@ -8881,7 +8846,7 @@
         </p:blipFill>
         <p:spPr bwMode="auto">
           <a:xfrm>
-            <a:off x="6971581" y="4233684"/>
+            <a:off x="7257785" y="4245568"/>
             <a:ext cx="458245" cy="564461"/>
           </a:xfrm>
           <a:prstGeom prst="rect">
@@ -9107,7 +9072,7 @@
         <p:spPr>
           <a:xfrm flipV="1">
             <a:off x="2964302" y="5872598"/>
-            <a:ext cx="0" cy="409101"/>
+            <a:ext cx="0" cy="534732"/>
           </a:xfrm>
           <a:prstGeom prst="straightConnector1">
             <a:avLst/>
@@ -9465,10 +9430,17 @@
           <a:lstStyle/>
           <a:p>
             <a:r>
+              <a:rPr lang="en-US" sz="1400" dirty="0"/>
+              <a:t>“</a:t>
+            </a:r>
+            <a:r>
               <a:rPr lang="en-US" sz="1400" dirty="0" err="1"/>
-              <a:t>SecretManager.Edge</a:t>
-            </a:r>
-            <a:endParaRPr lang="en-US" sz="1400" dirty="0"/>
+              <a:t>sampleApp</a:t>
+            </a:r>
+            <a:r>
+              <a:rPr lang="en-US" sz="1400" dirty="0"/>
+              <a:t>” module</a:t>
+            </a:r>
           </a:p>
         </p:txBody>
       </p:sp>
@@ -9550,7 +9522,7 @@
             <p:nvPr/>
           </p:nvPicPr>
           <p:blipFill>
-            <a:blip r:embed="rId12"/>
+            <a:blip r:embed="rId11"/>
             <a:stretch>
               <a:fillRect/>
             </a:stretch>
@@ -9804,7 +9776,7 @@
           <p:nvPr/>
         </p:nvPicPr>
         <p:blipFill rotWithShape="1">
-          <a:blip r:embed="rId13">
+          <a:blip r:embed="rId12">
             <a:extLst>
               <a:ext uri="{28A0092B-C50C-407E-A947-70E740481C1C}">
                 <a14:useLocalDpi xmlns:a14="http://schemas.microsoft.com/office/drawing/2010/main" val="0"/>
@@ -9816,7 +9788,7 @@
         </p:blipFill>
         <p:spPr bwMode="auto">
           <a:xfrm>
-            <a:off x="7463792" y="4352439"/>
+            <a:off x="7732048" y="4345878"/>
             <a:ext cx="1443582" cy="354394"/>
           </a:xfrm>
           <a:prstGeom prst="rect">
@@ -9834,6 +9806,220 @@
           </a:extLst>
         </p:spPr>
       </p:pic>
+      <p:sp>
+        <p:nvSpPr>
+          <p:cNvPr id="16" name="TextBox 15">
+            <a:extLst>
+              <a:ext uri="{FF2B5EF4-FFF2-40B4-BE49-F238E27FC236}">
+                <a16:creationId xmlns:a16="http://schemas.microsoft.com/office/drawing/2014/main" id="{150664F6-D638-4BBA-B82E-64EF9BCA251F}"/>
+              </a:ext>
+            </a:extLst>
+          </p:cNvPr>
+          <p:cNvSpPr txBox="1"/>
+          <p:nvPr/>
+        </p:nvSpPr>
+        <p:spPr>
+          <a:xfrm>
+            <a:off x="6914476" y="3758493"/>
+            <a:ext cx="1832810" cy="307777"/>
+          </a:xfrm>
+          <a:prstGeom prst="rect">
+            <a:avLst/>
+          </a:prstGeom>
+          <a:noFill/>
+        </p:spPr>
+        <p:txBody>
+          <a:bodyPr wrap="square">
+            <a:spAutoFit/>
+          </a:bodyPr>
+          <a:lstStyle/>
+          <a:p>
+            <a:r>
+              <a:rPr lang="en-US" sz="1400" dirty="0"/>
+              <a:t>“</a:t>
+            </a:r>
+            <a:r>
+              <a:rPr lang="en-US" sz="1400" dirty="0" err="1"/>
+              <a:t>influxdb</a:t>
+            </a:r>
+            <a:r>
+              <a:rPr lang="en-US" sz="1400" dirty="0"/>
+              <a:t>” module</a:t>
+            </a:r>
+          </a:p>
+        </p:txBody>
+      </p:sp>
+      <p:sp>
+        <p:nvSpPr>
+          <p:cNvPr id="20" name="TextBox 19">
+            <a:extLst>
+              <a:ext uri="{FF2B5EF4-FFF2-40B4-BE49-F238E27FC236}">
+                <a16:creationId xmlns:a16="http://schemas.microsoft.com/office/drawing/2014/main" id="{BE935596-3BEF-491F-B484-8B1B4CED8529}"/>
+              </a:ext>
+            </a:extLst>
+          </p:cNvPr>
+          <p:cNvSpPr txBox="1"/>
+          <p:nvPr/>
+        </p:nvSpPr>
+        <p:spPr>
+          <a:xfrm>
+            <a:off x="2359420" y="3376583"/>
+            <a:ext cx="4160286" cy="307777"/>
+          </a:xfrm>
+          <a:prstGeom prst="rect">
+            <a:avLst/>
+          </a:prstGeom>
+          <a:noFill/>
+        </p:spPr>
+        <p:txBody>
+          <a:bodyPr wrap="square">
+            <a:spAutoFit/>
+          </a:bodyPr>
+          <a:lstStyle/>
+          <a:p>
+            <a:r>
+              <a:rPr lang="en-US" sz="1400" dirty="0"/>
+              <a:t>“</a:t>
+            </a:r>
+            <a:r>
+              <a:rPr lang="en-US" sz="1400" dirty="0" err="1"/>
+              <a:t>deployment.influxdb.template.json</a:t>
+            </a:r>
+            <a:r>
+              <a:rPr lang="en-US" sz="1400" dirty="0"/>
+              <a:t>” edge solution</a:t>
+            </a:r>
+          </a:p>
+        </p:txBody>
+      </p:sp>
+      <p:pic>
+        <p:nvPicPr>
+          <p:cNvPr id="1026" name="Picture 2" descr="See the source image">
+            <a:extLst>
+              <a:ext uri="{FF2B5EF4-FFF2-40B4-BE49-F238E27FC236}">
+                <a16:creationId xmlns:a16="http://schemas.microsoft.com/office/drawing/2014/main" id="{D877793F-3423-4985-A4F8-20C4FDCAAC98}"/>
+              </a:ext>
+            </a:extLst>
+          </p:cNvPr>
+          <p:cNvPicPr>
+            <a:picLocks noChangeAspect="1" noChangeArrowheads="1"/>
+          </p:cNvPicPr>
+          <p:nvPr/>
+        </p:nvPicPr>
+        <p:blipFill rotWithShape="1">
+          <a:blip r:embed="rId13">
+            <a:extLst>
+              <a:ext uri="{28A0092B-C50C-407E-A947-70E740481C1C}">
+                <a14:useLocalDpi xmlns:a14="http://schemas.microsoft.com/office/drawing/2010/main" val="0"/>
+              </a:ext>
+            </a:extLst>
+          </a:blip>
+          <a:srcRect l="23418" t="10038" r="25450" b="10287"/>
+          <a:stretch/>
+        </p:blipFill>
+        <p:spPr bwMode="auto">
+          <a:xfrm>
+            <a:off x="7822946" y="6367208"/>
+            <a:ext cx="377684" cy="400194"/>
+          </a:xfrm>
+          <a:prstGeom prst="rect">
+            <a:avLst/>
+          </a:prstGeom>
+          <a:noFill/>
+          <a:extLst>
+            <a:ext uri="{909E8E84-426E-40DD-AFC4-6F175D3DCCD1}">
+              <a14:hiddenFill xmlns:a14="http://schemas.microsoft.com/office/drawing/2010/main">
+                <a:solidFill>
+                  <a:srgbClr val="FFFFFF"/>
+                </a:solidFill>
+              </a14:hiddenFill>
+            </a:ext>
+          </a:extLst>
+        </p:spPr>
+      </p:pic>
+      <p:sp>
+        <p:nvSpPr>
+          <p:cNvPr id="9" name="TextBox 8">
+            <a:extLst>
+              <a:ext uri="{FF2B5EF4-FFF2-40B4-BE49-F238E27FC236}">
+                <a16:creationId xmlns:a16="http://schemas.microsoft.com/office/drawing/2014/main" id="{7651D2E4-69F0-4A99-8563-0C5DC63588D4}"/>
+              </a:ext>
+            </a:extLst>
+          </p:cNvPr>
+          <p:cNvSpPr txBox="1"/>
+          <p:nvPr/>
+        </p:nvSpPr>
+        <p:spPr>
+          <a:xfrm>
+            <a:off x="8218185" y="6352427"/>
+            <a:ext cx="1109663" cy="461665"/>
+          </a:xfrm>
+          <a:prstGeom prst="rect">
+            <a:avLst/>
+          </a:prstGeom>
+          <a:noFill/>
+        </p:spPr>
+        <p:txBody>
+          <a:bodyPr wrap="square" rtlCol="0">
+            <a:spAutoFit/>
+          </a:bodyPr>
+          <a:lstStyle/>
+          <a:p>
+            <a:r>
+              <a:rPr lang="en-US" sz="1200" dirty="0"/>
+              <a:t>Azure IoT Edge RUNTIME</a:t>
+            </a:r>
+          </a:p>
+        </p:txBody>
+      </p:sp>
+      <p:sp>
+        <p:nvSpPr>
+          <p:cNvPr id="93" name="Rectangle 92">
+            <a:extLst>
+              <a:ext uri="{FF2B5EF4-FFF2-40B4-BE49-F238E27FC236}">
+                <a16:creationId xmlns:a16="http://schemas.microsoft.com/office/drawing/2014/main" id="{1400136E-BEBB-486F-82D4-515152FAFBB4}"/>
+              </a:ext>
+            </a:extLst>
+          </p:cNvPr>
+          <p:cNvSpPr/>
+          <p:nvPr/>
+        </p:nvSpPr>
+        <p:spPr>
+          <a:xfrm>
+            <a:off x="2780386" y="6407330"/>
+            <a:ext cx="1832810" cy="319950"/>
+          </a:xfrm>
+          <a:prstGeom prst="rect">
+            <a:avLst/>
+          </a:prstGeom>
+        </p:spPr>
+        <p:style>
+          <a:lnRef idx="2">
+            <a:schemeClr val="accent1"/>
+          </a:lnRef>
+          <a:fillRef idx="1">
+            <a:schemeClr val="lt1"/>
+          </a:fillRef>
+          <a:effectRef idx="0">
+            <a:schemeClr val="accent1"/>
+          </a:effectRef>
+          <a:fontRef idx="minor">
+            <a:schemeClr val="dk1"/>
+          </a:fontRef>
+        </p:style>
+        <p:txBody>
+          <a:bodyPr rtlCol="0" anchor="ctr"/>
+          <a:lstStyle/>
+          <a:p>
+            <a:pPr algn="ctr"/>
+            <a:r>
+              <a:rPr lang="en-US" sz="1200" dirty="0" err="1"/>
+              <a:t>CryptoProvider</a:t>
+            </a:r>
+            <a:endParaRPr lang="en-US" sz="1200" dirty="0"/>
+          </a:p>
+        </p:txBody>
+      </p:sp>
     </p:spTree>
     <p:extLst>
       <p:ext uri="{BB962C8B-B14F-4D97-AF65-F5344CB8AC3E}">

--- a/docs/drawings.pptx
+++ b/docs/drawings.pptx
@@ -9,6 +9,8 @@
     <p:sldId id="264" r:id="rId3"/>
     <p:sldId id="265" r:id="rId4"/>
     <p:sldId id="266" r:id="rId5"/>
+    <p:sldId id="268" r:id="rId6"/>
+    <p:sldId id="267" r:id="rId7"/>
   </p:sldIdLst>
   <p:sldSz cx="12192000" cy="6858000"/>
   <p:notesSz cx="7315200" cy="9601200"/>
@@ -10033,6 +10035,2723 @@
 </p:sld>
 </file>
 
+<file path=ppt/slides/slide5.xml><?xml version="1.0" encoding="utf-8"?>
+<p:sld xmlns:a="http://schemas.openxmlformats.org/drawingml/2006/main" xmlns:r="http://schemas.openxmlformats.org/officeDocument/2006/relationships" xmlns:p="http://schemas.openxmlformats.org/presentationml/2006/main">
+  <p:cSld>
+    <p:spTree>
+      <p:nvGrpSpPr>
+        <p:cNvPr id="1" name=""/>
+        <p:cNvGrpSpPr/>
+        <p:nvPr/>
+      </p:nvGrpSpPr>
+      <p:grpSpPr>
+        <a:xfrm>
+          <a:off x="0" y="0"/>
+          <a:ext cx="0" cy="0"/>
+          <a:chOff x="0" y="0"/>
+          <a:chExt cx="0" cy="0"/>
+        </a:xfrm>
+      </p:grpSpPr>
+      <p:sp>
+        <p:nvSpPr>
+          <p:cNvPr id="29" name="Rectangle 28">
+            <a:extLst>
+              <a:ext uri="{FF2B5EF4-FFF2-40B4-BE49-F238E27FC236}">
+                <a16:creationId xmlns:a16="http://schemas.microsoft.com/office/drawing/2014/main" id="{7C60881A-3147-4024-8B19-E7C746A159A4}"/>
+              </a:ext>
+            </a:extLst>
+          </p:cNvPr>
+          <p:cNvSpPr/>
+          <p:nvPr/>
+        </p:nvSpPr>
+        <p:spPr>
+          <a:xfrm>
+            <a:off x="4647165" y="1407694"/>
+            <a:ext cx="1636818" cy="918909"/>
+          </a:xfrm>
+          <a:prstGeom prst="rect">
+            <a:avLst/>
+          </a:prstGeom>
+          <a:ln>
+            <a:solidFill>
+              <a:srgbClr val="FF0000"/>
+            </a:solidFill>
+            <a:prstDash val="sysDash"/>
+          </a:ln>
+        </p:spPr>
+        <p:style>
+          <a:lnRef idx="2">
+            <a:schemeClr val="accent1"/>
+          </a:lnRef>
+          <a:fillRef idx="1">
+            <a:schemeClr val="lt1"/>
+          </a:fillRef>
+          <a:effectRef idx="0">
+            <a:schemeClr val="accent1"/>
+          </a:effectRef>
+          <a:fontRef idx="minor">
+            <a:schemeClr val="dk1"/>
+          </a:fontRef>
+        </p:style>
+        <p:txBody>
+          <a:bodyPr rtlCol="0" anchor="ctr"/>
+          <a:lstStyle/>
+          <a:p>
+            <a:pPr algn="ctr"/>
+            <a:endParaRPr lang="en-US" dirty="0"/>
+          </a:p>
+        </p:txBody>
+      </p:sp>
+      <p:sp>
+        <p:nvSpPr>
+          <p:cNvPr id="13" name="Rectangle 12">
+            <a:extLst>
+              <a:ext uri="{FF2B5EF4-FFF2-40B4-BE49-F238E27FC236}">
+                <a16:creationId xmlns:a16="http://schemas.microsoft.com/office/drawing/2014/main" id="{E532D6D0-D8D8-4497-82A5-3552DB4D9497}"/>
+              </a:ext>
+            </a:extLst>
+          </p:cNvPr>
+          <p:cNvSpPr/>
+          <p:nvPr/>
+        </p:nvSpPr>
+        <p:spPr>
+          <a:xfrm>
+            <a:off x="1522031" y="3157995"/>
+            <a:ext cx="7952838" cy="1835110"/>
+          </a:xfrm>
+          <a:prstGeom prst="rect">
+            <a:avLst/>
+          </a:prstGeom>
+          <a:ln>
+            <a:solidFill>
+              <a:srgbClr val="00B050"/>
+            </a:solidFill>
+            <a:prstDash val="sysDash"/>
+          </a:ln>
+        </p:spPr>
+        <p:style>
+          <a:lnRef idx="2">
+            <a:schemeClr val="accent1"/>
+          </a:lnRef>
+          <a:fillRef idx="1">
+            <a:schemeClr val="lt1"/>
+          </a:fillRef>
+          <a:effectRef idx="0">
+            <a:schemeClr val="accent1"/>
+          </a:effectRef>
+          <a:fontRef idx="minor">
+            <a:schemeClr val="dk1"/>
+          </a:fontRef>
+        </p:style>
+        <p:txBody>
+          <a:bodyPr rtlCol="0" anchor="ctr"/>
+          <a:lstStyle/>
+          <a:p>
+            <a:pPr algn="ctr"/>
+            <a:endParaRPr lang="en-US" dirty="0"/>
+          </a:p>
+        </p:txBody>
+      </p:sp>
+      <p:grpSp>
+        <p:nvGrpSpPr>
+          <p:cNvPr id="21" name="Group 20">
+            <a:extLst>
+              <a:ext uri="{FF2B5EF4-FFF2-40B4-BE49-F238E27FC236}">
+                <a16:creationId xmlns:a16="http://schemas.microsoft.com/office/drawing/2014/main" id="{8AFC29AB-BAF8-4DF9-A1B2-0E1B11F74D9E}"/>
+              </a:ext>
+            </a:extLst>
+          </p:cNvPr>
+          <p:cNvGrpSpPr/>
+          <p:nvPr/>
+        </p:nvGrpSpPr>
+        <p:grpSpPr>
+          <a:xfrm>
+            <a:off x="4732785" y="1541643"/>
+            <a:ext cx="1475084" cy="740601"/>
+            <a:chOff x="4304628" y="841206"/>
+            <a:chExt cx="1475084" cy="740601"/>
+          </a:xfrm>
+        </p:grpSpPr>
+        <p:pic>
+          <p:nvPicPr>
+            <p:cNvPr id="1030" name="Picture 6" descr="See the source image">
+              <a:extLst>
+                <a:ext uri="{FF2B5EF4-FFF2-40B4-BE49-F238E27FC236}">
+                  <a16:creationId xmlns:a16="http://schemas.microsoft.com/office/drawing/2014/main" id="{2A09822F-2DC0-4F1B-BB9E-84F8191D47CC}"/>
+                </a:ext>
+              </a:extLst>
+            </p:cNvPr>
+            <p:cNvPicPr>
+              <a:picLocks noChangeAspect="1" noChangeArrowheads="1"/>
+            </p:cNvPicPr>
+            <p:nvPr/>
+          </p:nvPicPr>
+          <p:blipFill rotWithShape="1">
+            <a:blip r:embed="rId2">
+              <a:extLst>
+                <a:ext uri="{28A0092B-C50C-407E-A947-70E740481C1C}">
+                  <a14:useLocalDpi xmlns:a14="http://schemas.microsoft.com/office/drawing/2010/main" val="0"/>
+                </a:ext>
+              </a:extLst>
+            </a:blip>
+            <a:srcRect l="17920" t="6762" r="18882" b="6381"/>
+            <a:stretch/>
+          </p:blipFill>
+          <p:spPr bwMode="auto">
+            <a:xfrm>
+              <a:off x="4720010" y="841206"/>
+              <a:ext cx="552079" cy="479216"/>
+            </a:xfrm>
+            <a:prstGeom prst="rect">
+              <a:avLst/>
+            </a:prstGeom>
+            <a:noFill/>
+            <a:extLst>
+              <a:ext uri="{909E8E84-426E-40DD-AFC4-6F175D3DCCD1}">
+                <a14:hiddenFill xmlns:a14="http://schemas.microsoft.com/office/drawing/2010/main">
+                  <a:solidFill>
+                    <a:srgbClr val="FFFFFF"/>
+                  </a:solidFill>
+                </a14:hiddenFill>
+              </a:ext>
+            </a:extLst>
+          </p:spPr>
+        </p:pic>
+        <p:sp>
+          <p:nvSpPr>
+            <p:cNvPr id="4" name="TextBox 3">
+              <a:extLst>
+                <a:ext uri="{FF2B5EF4-FFF2-40B4-BE49-F238E27FC236}">
+                  <a16:creationId xmlns:a16="http://schemas.microsoft.com/office/drawing/2014/main" id="{C18C1812-13AD-48CC-B0D3-9431E0898AF4}"/>
+                </a:ext>
+              </a:extLst>
+            </p:cNvPr>
+            <p:cNvSpPr txBox="1"/>
+            <p:nvPr/>
+          </p:nvSpPr>
+          <p:spPr>
+            <a:xfrm>
+              <a:off x="4304628" y="1335586"/>
+              <a:ext cx="1475084" cy="246221"/>
+            </a:xfrm>
+            <a:prstGeom prst="rect">
+              <a:avLst/>
+            </a:prstGeom>
+            <a:noFill/>
+          </p:spPr>
+          <p:txBody>
+            <a:bodyPr wrap="none" rtlCol="0">
+              <a:spAutoFit/>
+            </a:bodyPr>
+            <a:lstStyle/>
+            <a:p>
+              <a:r>
+                <a:rPr lang="en-US" sz="1000" dirty="0"/>
+                <a:t>Azure Container Registry</a:t>
+              </a:r>
+            </a:p>
+          </p:txBody>
+        </p:sp>
+      </p:grpSp>
+      <p:grpSp>
+        <p:nvGrpSpPr>
+          <p:cNvPr id="19" name="Group 18">
+            <a:extLst>
+              <a:ext uri="{FF2B5EF4-FFF2-40B4-BE49-F238E27FC236}">
+                <a16:creationId xmlns:a16="http://schemas.microsoft.com/office/drawing/2014/main" id="{98ACBFC6-029D-47F1-A1D0-1ED06685DC36}"/>
+              </a:ext>
+            </a:extLst>
+          </p:cNvPr>
+          <p:cNvGrpSpPr/>
+          <p:nvPr/>
+        </p:nvGrpSpPr>
+        <p:grpSpPr>
+          <a:xfrm>
+            <a:off x="5837865" y="3355925"/>
+            <a:ext cx="1314784" cy="805788"/>
+            <a:chOff x="6235002" y="769945"/>
+            <a:chExt cx="1314784" cy="805788"/>
+          </a:xfrm>
+        </p:grpSpPr>
+        <p:pic>
+          <p:nvPicPr>
+            <p:cNvPr id="6" name="Picture 5">
+              <a:extLst>
+                <a:ext uri="{FF2B5EF4-FFF2-40B4-BE49-F238E27FC236}">
+                  <a16:creationId xmlns:a16="http://schemas.microsoft.com/office/drawing/2014/main" id="{1DE2DFB2-1CA0-409B-8C30-6233579847E5}"/>
+                </a:ext>
+              </a:extLst>
+            </p:cNvPr>
+            <p:cNvPicPr>
+              <a:picLocks noChangeAspect="1"/>
+            </p:cNvPicPr>
+            <p:nvPr/>
+          </p:nvPicPr>
+          <p:blipFill>
+            <a:blip r:embed="rId3">
+              <a:clrChange>
+                <a:clrFrom>
+                  <a:srgbClr val="FFFFFF"/>
+                </a:clrFrom>
+                <a:clrTo>
+                  <a:srgbClr val="FFFFFF">
+                    <a:alpha val="0"/>
+                  </a:srgbClr>
+                </a:clrTo>
+              </a:clrChange>
+            </a:blip>
+            <a:stretch>
+              <a:fillRect/>
+            </a:stretch>
+          </p:blipFill>
+          <p:spPr>
+            <a:xfrm>
+              <a:off x="6545093" y="769945"/>
+              <a:ext cx="659280" cy="612189"/>
+            </a:xfrm>
+            <a:prstGeom prst="rect">
+              <a:avLst/>
+            </a:prstGeom>
+          </p:spPr>
+        </p:pic>
+        <p:sp>
+          <p:nvSpPr>
+            <p:cNvPr id="7" name="TextBox 6">
+              <a:extLst>
+                <a:ext uri="{FF2B5EF4-FFF2-40B4-BE49-F238E27FC236}">
+                  <a16:creationId xmlns:a16="http://schemas.microsoft.com/office/drawing/2014/main" id="{D5527EA6-243A-406D-BFD9-0A9E374D205A}"/>
+                </a:ext>
+              </a:extLst>
+            </p:cNvPr>
+            <p:cNvSpPr txBox="1"/>
+            <p:nvPr/>
+          </p:nvSpPr>
+          <p:spPr>
+            <a:xfrm>
+              <a:off x="6235002" y="1329512"/>
+              <a:ext cx="1314784" cy="246221"/>
+            </a:xfrm>
+            <a:prstGeom prst="rect">
+              <a:avLst/>
+            </a:prstGeom>
+            <a:noFill/>
+          </p:spPr>
+          <p:txBody>
+            <a:bodyPr wrap="none" rtlCol="0">
+              <a:spAutoFit/>
+            </a:bodyPr>
+            <a:lstStyle/>
+            <a:p>
+              <a:r>
+                <a:rPr lang="en-US" sz="1000" dirty="0"/>
+                <a:t>Azure Container Apps</a:t>
+              </a:r>
+            </a:p>
+          </p:txBody>
+        </p:sp>
+      </p:grpSp>
+      <p:grpSp>
+        <p:nvGrpSpPr>
+          <p:cNvPr id="15" name="Group 14">
+            <a:extLst>
+              <a:ext uri="{FF2B5EF4-FFF2-40B4-BE49-F238E27FC236}">
+                <a16:creationId xmlns:a16="http://schemas.microsoft.com/office/drawing/2014/main" id="{9A510F61-56ED-42E0-87A5-B090FDBB45C2}"/>
+              </a:ext>
+            </a:extLst>
+          </p:cNvPr>
+          <p:cNvGrpSpPr/>
+          <p:nvPr/>
+        </p:nvGrpSpPr>
+        <p:grpSpPr>
+          <a:xfrm>
+            <a:off x="1742489" y="3429000"/>
+            <a:ext cx="920445" cy="757927"/>
+            <a:chOff x="8056429" y="808366"/>
+            <a:chExt cx="920445" cy="757927"/>
+          </a:xfrm>
+        </p:grpSpPr>
+        <p:pic>
+          <p:nvPicPr>
+            <p:cNvPr id="1032" name="Picture 8" descr="See the source image">
+              <a:extLst>
+                <a:ext uri="{FF2B5EF4-FFF2-40B4-BE49-F238E27FC236}">
+                  <a16:creationId xmlns:a16="http://schemas.microsoft.com/office/drawing/2014/main" id="{CEA7BEC5-A5F6-4C1C-AEF8-2C1D2F04CC97}"/>
+                </a:ext>
+              </a:extLst>
+            </p:cNvPr>
+            <p:cNvPicPr>
+              <a:picLocks noChangeAspect="1" noChangeArrowheads="1"/>
+            </p:cNvPicPr>
+            <p:nvPr/>
+          </p:nvPicPr>
+          <p:blipFill>
+            <a:blip r:embed="rId4">
+              <a:clrChange>
+                <a:clrFrom>
+                  <a:srgbClr val="FDFDFD"/>
+                </a:clrFrom>
+                <a:clrTo>
+                  <a:srgbClr val="FDFDFD">
+                    <a:alpha val="0"/>
+                  </a:srgbClr>
+                </a:clrTo>
+              </a:clrChange>
+              <a:extLst>
+                <a:ext uri="{28A0092B-C50C-407E-A947-70E740481C1C}">
+                  <a14:useLocalDpi xmlns:a14="http://schemas.microsoft.com/office/drawing/2010/main" val="0"/>
+                </a:ext>
+              </a:extLst>
+            </a:blip>
+            <a:srcRect/>
+            <a:stretch>
+              <a:fillRect/>
+            </a:stretch>
+          </p:blipFill>
+          <p:spPr bwMode="auto">
+            <a:xfrm>
+              <a:off x="8264355" y="808366"/>
+              <a:ext cx="508704" cy="470478"/>
+            </a:xfrm>
+            <a:prstGeom prst="rect">
+              <a:avLst/>
+            </a:prstGeom>
+            <a:noFill/>
+            <a:extLst>
+              <a:ext uri="{909E8E84-426E-40DD-AFC4-6F175D3DCCD1}">
+                <a14:hiddenFill xmlns:a14="http://schemas.microsoft.com/office/drawing/2010/main">
+                  <a:solidFill>
+                    <a:srgbClr val="FFFFFF"/>
+                  </a:solidFill>
+                </a14:hiddenFill>
+              </a:ext>
+            </a:extLst>
+          </p:spPr>
+        </p:pic>
+        <p:sp>
+          <p:nvSpPr>
+            <p:cNvPr id="10" name="TextBox 9">
+              <a:extLst>
+                <a:ext uri="{FF2B5EF4-FFF2-40B4-BE49-F238E27FC236}">
+                  <a16:creationId xmlns:a16="http://schemas.microsoft.com/office/drawing/2014/main" id="{5F01C87A-1A6C-464E-9B93-C047BB13FAA6}"/>
+                </a:ext>
+              </a:extLst>
+            </p:cNvPr>
+            <p:cNvSpPr txBox="1"/>
+            <p:nvPr/>
+          </p:nvSpPr>
+          <p:spPr>
+            <a:xfrm>
+              <a:off x="8056429" y="1320072"/>
+              <a:ext cx="920445" cy="246221"/>
+            </a:xfrm>
+            <a:prstGeom prst="rect">
+              <a:avLst/>
+            </a:prstGeom>
+            <a:noFill/>
+          </p:spPr>
+          <p:txBody>
+            <a:bodyPr wrap="none" rtlCol="0">
+              <a:spAutoFit/>
+            </a:bodyPr>
+            <a:lstStyle/>
+            <a:p>
+              <a:r>
+                <a:rPr lang="en-US" sz="1000" dirty="0"/>
+                <a:t>Azure IoT Hub</a:t>
+              </a:r>
+            </a:p>
+          </p:txBody>
+        </p:sp>
+      </p:grpSp>
+      <p:grpSp>
+        <p:nvGrpSpPr>
+          <p:cNvPr id="25" name="Group 24">
+            <a:extLst>
+              <a:ext uri="{FF2B5EF4-FFF2-40B4-BE49-F238E27FC236}">
+                <a16:creationId xmlns:a16="http://schemas.microsoft.com/office/drawing/2014/main" id="{40674AD4-3B93-4CE7-8588-F15AB4A4D551}"/>
+              </a:ext>
+            </a:extLst>
+          </p:cNvPr>
+          <p:cNvGrpSpPr/>
+          <p:nvPr/>
+        </p:nvGrpSpPr>
+        <p:grpSpPr>
+          <a:xfrm>
+            <a:off x="8151208" y="4276422"/>
+            <a:ext cx="1191352" cy="671562"/>
+            <a:chOff x="9368201" y="863086"/>
+            <a:chExt cx="1191352" cy="671562"/>
+          </a:xfrm>
+        </p:grpSpPr>
+        <p:pic>
+          <p:nvPicPr>
+            <p:cNvPr id="1036" name="Picture 12" descr="See the source image">
+              <a:extLst>
+                <a:ext uri="{FF2B5EF4-FFF2-40B4-BE49-F238E27FC236}">
+                  <a16:creationId xmlns:a16="http://schemas.microsoft.com/office/drawing/2014/main" id="{2A90732C-F539-41DC-BBBE-8EE70183D17C}"/>
+                </a:ext>
+              </a:extLst>
+            </p:cNvPr>
+            <p:cNvPicPr>
+              <a:picLocks noChangeAspect="1" noChangeArrowheads="1"/>
+            </p:cNvPicPr>
+            <p:nvPr/>
+          </p:nvPicPr>
+          <p:blipFill>
+            <a:blip r:embed="rId5">
+              <a:extLst>
+                <a:ext uri="{28A0092B-C50C-407E-A947-70E740481C1C}">
+                  <a14:useLocalDpi xmlns:a14="http://schemas.microsoft.com/office/drawing/2010/main" val="0"/>
+                </a:ext>
+              </a:extLst>
+            </a:blip>
+            <a:srcRect/>
+            <a:stretch>
+              <a:fillRect/>
+            </a:stretch>
+          </p:blipFill>
+          <p:spPr bwMode="auto">
+            <a:xfrm>
+              <a:off x="9732893" y="863086"/>
+              <a:ext cx="430015" cy="430015"/>
+            </a:xfrm>
+            <a:prstGeom prst="rect">
+              <a:avLst/>
+            </a:prstGeom>
+            <a:noFill/>
+            <a:extLst>
+              <a:ext uri="{909E8E84-426E-40DD-AFC4-6F175D3DCCD1}">
+                <a14:hiddenFill xmlns:a14="http://schemas.microsoft.com/office/drawing/2010/main">
+                  <a:solidFill>
+                    <a:srgbClr val="FFFFFF"/>
+                  </a:solidFill>
+                </a14:hiddenFill>
+              </a:ext>
+            </a:extLst>
+          </p:spPr>
+        </p:pic>
+        <p:sp>
+          <p:nvSpPr>
+            <p:cNvPr id="11" name="TextBox 10">
+              <a:extLst>
+                <a:ext uri="{FF2B5EF4-FFF2-40B4-BE49-F238E27FC236}">
+                  <a16:creationId xmlns:a16="http://schemas.microsoft.com/office/drawing/2014/main" id="{4DC526A7-C1F0-4B75-8C88-78E682792851}"/>
+                </a:ext>
+              </a:extLst>
+            </p:cNvPr>
+            <p:cNvSpPr txBox="1"/>
+            <p:nvPr/>
+          </p:nvSpPr>
+          <p:spPr>
+            <a:xfrm>
+              <a:off x="9368201" y="1288427"/>
+              <a:ext cx="1191352" cy="246221"/>
+            </a:xfrm>
+            <a:prstGeom prst="rect">
+              <a:avLst/>
+            </a:prstGeom>
+            <a:noFill/>
+          </p:spPr>
+          <p:txBody>
+            <a:bodyPr wrap="none" rtlCol="0">
+              <a:spAutoFit/>
+            </a:bodyPr>
+            <a:lstStyle>
+              <a:defPPr>
+                <a:defRPr lang="en-US"/>
+              </a:defPPr>
+              <a:lvl1pPr>
+                <a:defRPr sz="1000"/>
+              </a:lvl1pPr>
+            </a:lstStyle>
+            <a:p>
+              <a:r>
+                <a:rPr lang="en-US" dirty="0"/>
+                <a:t>Azure Log Analytics</a:t>
+              </a:r>
+            </a:p>
+          </p:txBody>
+        </p:sp>
+      </p:grpSp>
+      <p:grpSp>
+        <p:nvGrpSpPr>
+          <p:cNvPr id="17" name="Group 16">
+            <a:extLst>
+              <a:ext uri="{FF2B5EF4-FFF2-40B4-BE49-F238E27FC236}">
+                <a16:creationId xmlns:a16="http://schemas.microsoft.com/office/drawing/2014/main" id="{B0FE710E-9F19-40C0-AC5C-1CD451BC91F3}"/>
+              </a:ext>
+            </a:extLst>
+          </p:cNvPr>
+          <p:cNvGrpSpPr/>
+          <p:nvPr/>
+        </p:nvGrpSpPr>
+        <p:grpSpPr>
+          <a:xfrm>
+            <a:off x="3750085" y="3728367"/>
+            <a:ext cx="1059906" cy="805254"/>
+            <a:chOff x="10587444" y="764507"/>
+            <a:chExt cx="1059906" cy="805254"/>
+          </a:xfrm>
+        </p:grpSpPr>
+        <p:pic>
+          <p:nvPicPr>
+            <p:cNvPr id="1034" name="Picture 10" descr="See related image detail">
+              <a:extLst>
+                <a:ext uri="{FF2B5EF4-FFF2-40B4-BE49-F238E27FC236}">
+                  <a16:creationId xmlns:a16="http://schemas.microsoft.com/office/drawing/2014/main" id="{BB75325C-BE80-4716-B3AB-888FDA93A36B}"/>
+                </a:ext>
+              </a:extLst>
+            </p:cNvPr>
+            <p:cNvPicPr>
+              <a:picLocks noChangeAspect="1" noChangeArrowheads="1"/>
+            </p:cNvPicPr>
+            <p:nvPr/>
+          </p:nvPicPr>
+          <p:blipFill>
+            <a:blip r:embed="rId6">
+              <a:clrChange>
+                <a:clrFrom>
+                  <a:srgbClr val="FDFDFD"/>
+                </a:clrFrom>
+                <a:clrTo>
+                  <a:srgbClr val="FDFDFD">
+                    <a:alpha val="0"/>
+                  </a:srgbClr>
+                </a:clrTo>
+              </a:clrChange>
+              <a:extLst>
+                <a:ext uri="{28A0092B-C50C-407E-A947-70E740481C1C}">
+                  <a14:useLocalDpi xmlns:a14="http://schemas.microsoft.com/office/drawing/2010/main" val="0"/>
+                </a:ext>
+              </a:extLst>
+            </a:blip>
+            <a:srcRect/>
+            <a:stretch>
+              <a:fillRect/>
+            </a:stretch>
+          </p:blipFill>
+          <p:spPr bwMode="auto">
+            <a:xfrm>
+              <a:off x="10824907" y="764507"/>
+              <a:ext cx="584980" cy="584980"/>
+            </a:xfrm>
+            <a:prstGeom prst="rect">
+              <a:avLst/>
+            </a:prstGeom>
+            <a:noFill/>
+            <a:extLst>
+              <a:ext uri="{909E8E84-426E-40DD-AFC4-6F175D3DCCD1}">
+                <a14:hiddenFill xmlns:a14="http://schemas.microsoft.com/office/drawing/2010/main">
+                  <a:solidFill>
+                    <a:srgbClr val="FFFFFF"/>
+                  </a:solidFill>
+                </a14:hiddenFill>
+              </a:ext>
+            </a:extLst>
+          </p:spPr>
+        </p:pic>
+        <p:sp>
+          <p:nvSpPr>
+            <p:cNvPr id="12" name="TextBox 11">
+              <a:extLst>
+                <a:ext uri="{FF2B5EF4-FFF2-40B4-BE49-F238E27FC236}">
+                  <a16:creationId xmlns:a16="http://schemas.microsoft.com/office/drawing/2014/main" id="{42ACD0CC-6F04-4067-8439-7BB4106B3467}"/>
+                </a:ext>
+              </a:extLst>
+            </p:cNvPr>
+            <p:cNvSpPr txBox="1"/>
+            <p:nvPr/>
+          </p:nvSpPr>
+          <p:spPr>
+            <a:xfrm>
+              <a:off x="10587444" y="1323540"/>
+              <a:ext cx="1059906" cy="246221"/>
+            </a:xfrm>
+            <a:prstGeom prst="rect">
+              <a:avLst/>
+            </a:prstGeom>
+            <a:noFill/>
+          </p:spPr>
+          <p:txBody>
+            <a:bodyPr wrap="none" rtlCol="0">
+              <a:spAutoFit/>
+            </a:bodyPr>
+            <a:lstStyle/>
+            <a:p>
+              <a:r>
+                <a:rPr lang="en-US" sz="1000" dirty="0"/>
+                <a:t>Azure Event Grid</a:t>
+              </a:r>
+            </a:p>
+          </p:txBody>
+        </p:sp>
+      </p:grpSp>
+      <p:grpSp>
+        <p:nvGrpSpPr>
+          <p:cNvPr id="23" name="Group 22">
+            <a:extLst>
+              <a:ext uri="{FF2B5EF4-FFF2-40B4-BE49-F238E27FC236}">
+                <a16:creationId xmlns:a16="http://schemas.microsoft.com/office/drawing/2014/main" id="{E4D241D0-F5D6-4665-9CD5-6C50C04D2831}"/>
+              </a:ext>
+            </a:extLst>
+          </p:cNvPr>
+          <p:cNvGrpSpPr/>
+          <p:nvPr/>
+        </p:nvGrpSpPr>
+        <p:grpSpPr>
+          <a:xfrm>
+            <a:off x="8276476" y="3425192"/>
+            <a:ext cx="976549" cy="736521"/>
+            <a:chOff x="3100254" y="834058"/>
+            <a:chExt cx="976549" cy="736521"/>
+          </a:xfrm>
+        </p:grpSpPr>
+        <p:pic>
+          <p:nvPicPr>
+            <p:cNvPr id="1028" name="Picture 4" descr="See related image detail">
+              <a:extLst>
+                <a:ext uri="{FF2B5EF4-FFF2-40B4-BE49-F238E27FC236}">
+                  <a16:creationId xmlns:a16="http://schemas.microsoft.com/office/drawing/2014/main" id="{650EC945-E073-4979-BA21-343CE6D70BB9}"/>
+                </a:ext>
+              </a:extLst>
+            </p:cNvPr>
+            <p:cNvPicPr>
+              <a:picLocks noChangeAspect="1" noChangeArrowheads="1"/>
+            </p:cNvPicPr>
+            <p:nvPr/>
+          </p:nvPicPr>
+          <p:blipFill>
+            <a:blip r:embed="rId7">
+              <a:clrChange>
+                <a:clrFrom>
+                  <a:srgbClr val="FDFDFD"/>
+                </a:clrFrom>
+                <a:clrTo>
+                  <a:srgbClr val="FDFDFD">
+                    <a:alpha val="0"/>
+                  </a:srgbClr>
+                </a:clrTo>
+              </a:clrChange>
+              <a:extLst>
+                <a:ext uri="{28A0092B-C50C-407E-A947-70E740481C1C}">
+                  <a14:useLocalDpi xmlns:a14="http://schemas.microsoft.com/office/drawing/2010/main" val="0"/>
+                </a:ext>
+              </a:extLst>
+            </a:blip>
+            <a:srcRect/>
+            <a:stretch>
+              <a:fillRect/>
+            </a:stretch>
+          </p:blipFill>
+          <p:spPr bwMode="auto">
+            <a:xfrm>
+              <a:off x="3373522" y="834058"/>
+              <a:ext cx="430015" cy="472114"/>
+            </a:xfrm>
+            <a:prstGeom prst="rect">
+              <a:avLst/>
+            </a:prstGeom>
+            <a:noFill/>
+            <a:extLst>
+              <a:ext uri="{909E8E84-426E-40DD-AFC4-6F175D3DCCD1}">
+                <a14:hiddenFill xmlns:a14="http://schemas.microsoft.com/office/drawing/2010/main">
+                  <a:solidFill>
+                    <a:srgbClr val="FFFFFF"/>
+                  </a:solidFill>
+                </a14:hiddenFill>
+              </a:ext>
+            </a:extLst>
+          </p:spPr>
+        </p:pic>
+        <p:sp>
+          <p:nvSpPr>
+            <p:cNvPr id="14" name="TextBox 13">
+              <a:extLst>
+                <a:ext uri="{FF2B5EF4-FFF2-40B4-BE49-F238E27FC236}">
+                  <a16:creationId xmlns:a16="http://schemas.microsoft.com/office/drawing/2014/main" id="{226FE8E9-8258-4E11-90B2-20FF286B149A}"/>
+                </a:ext>
+              </a:extLst>
+            </p:cNvPr>
+            <p:cNvSpPr txBox="1"/>
+            <p:nvPr/>
+          </p:nvSpPr>
+          <p:spPr>
+            <a:xfrm>
+              <a:off x="3100254" y="1324358"/>
+              <a:ext cx="976549" cy="246221"/>
+            </a:xfrm>
+            <a:prstGeom prst="rect">
+              <a:avLst/>
+            </a:prstGeom>
+            <a:noFill/>
+          </p:spPr>
+          <p:txBody>
+            <a:bodyPr wrap="none" rtlCol="0">
+              <a:spAutoFit/>
+            </a:bodyPr>
+            <a:lstStyle/>
+            <a:p>
+              <a:r>
+                <a:rPr lang="en-US" sz="1000" dirty="0"/>
+                <a:t>Azure </a:t>
+              </a:r>
+              <a:r>
+                <a:rPr lang="en-US" sz="1000" dirty="0" err="1"/>
+                <a:t>KeyVault</a:t>
+              </a:r>
+              <a:endParaRPr lang="en-US" sz="1000" dirty="0"/>
+            </a:p>
+          </p:txBody>
+        </p:sp>
+      </p:grpSp>
+      <p:cxnSp>
+        <p:nvCxnSpPr>
+          <p:cNvPr id="27" name="Straight Arrow Connector 26">
+            <a:extLst>
+              <a:ext uri="{FF2B5EF4-FFF2-40B4-BE49-F238E27FC236}">
+                <a16:creationId xmlns:a16="http://schemas.microsoft.com/office/drawing/2014/main" id="{12ED6B8A-00D3-415B-B3FC-88FC4EA40FE5}"/>
+              </a:ext>
+            </a:extLst>
+          </p:cNvPr>
+          <p:cNvCxnSpPr>
+            <a:stCxn id="6" idx="3"/>
+            <a:endCxn id="1028" idx="1"/>
+          </p:cNvCxnSpPr>
+          <p:nvPr/>
+        </p:nvCxnSpPr>
+        <p:spPr>
+          <a:xfrm flipV="1">
+            <a:off x="6807236" y="3661249"/>
+            <a:ext cx="1742508" cy="771"/>
+          </a:xfrm>
+          <a:prstGeom prst="straightConnector1">
+            <a:avLst/>
+          </a:prstGeom>
+          <a:ln>
+            <a:headEnd type="triangle"/>
+            <a:tailEnd type="triangle"/>
+          </a:ln>
+        </p:spPr>
+        <p:style>
+          <a:lnRef idx="1">
+            <a:schemeClr val="accent1"/>
+          </a:lnRef>
+          <a:fillRef idx="0">
+            <a:schemeClr val="accent1"/>
+          </a:fillRef>
+          <a:effectRef idx="0">
+            <a:schemeClr val="accent1"/>
+          </a:effectRef>
+          <a:fontRef idx="minor">
+            <a:schemeClr val="tx1"/>
+          </a:fontRef>
+        </p:style>
+      </p:cxnSp>
+      <p:sp>
+        <p:nvSpPr>
+          <p:cNvPr id="52" name="TextBox 51">
+            <a:extLst>
+              <a:ext uri="{FF2B5EF4-FFF2-40B4-BE49-F238E27FC236}">
+                <a16:creationId xmlns:a16="http://schemas.microsoft.com/office/drawing/2014/main" id="{67EED9E1-480A-4671-854A-21865EDA3022}"/>
+              </a:ext>
+            </a:extLst>
+          </p:cNvPr>
+          <p:cNvSpPr txBox="1"/>
+          <p:nvPr/>
+        </p:nvSpPr>
+        <p:spPr>
+          <a:xfrm>
+            <a:off x="7151007" y="4461445"/>
+            <a:ext cx="1224769" cy="246221"/>
+          </a:xfrm>
+          <a:prstGeom prst="rect">
+            <a:avLst/>
+          </a:prstGeom>
+          <a:noFill/>
+        </p:spPr>
+        <p:txBody>
+          <a:bodyPr wrap="square">
+            <a:spAutoFit/>
+          </a:bodyPr>
+          <a:lstStyle/>
+          <a:p>
+            <a:r>
+              <a:rPr lang="en-US" sz="1000" dirty="0"/>
+              <a:t>AUDIT TRAIL</a:t>
+            </a:r>
+          </a:p>
+        </p:txBody>
+      </p:sp>
+      <p:sp>
+        <p:nvSpPr>
+          <p:cNvPr id="51" name="TextBox 50">
+            <a:extLst>
+              <a:ext uri="{FF2B5EF4-FFF2-40B4-BE49-F238E27FC236}">
+                <a16:creationId xmlns:a16="http://schemas.microsoft.com/office/drawing/2014/main" id="{196903A7-7DD1-4371-B726-E349FB0FACC7}"/>
+              </a:ext>
+            </a:extLst>
+          </p:cNvPr>
+          <p:cNvSpPr txBox="1"/>
+          <p:nvPr/>
+        </p:nvSpPr>
+        <p:spPr>
+          <a:xfrm>
+            <a:off x="6929471" y="3439697"/>
+            <a:ext cx="1224769" cy="246221"/>
+          </a:xfrm>
+          <a:prstGeom prst="rect">
+            <a:avLst/>
+          </a:prstGeom>
+          <a:noFill/>
+        </p:spPr>
+        <p:txBody>
+          <a:bodyPr wrap="square">
+            <a:spAutoFit/>
+          </a:bodyPr>
+          <a:lstStyle>
+            <a:defPPr>
+              <a:defRPr lang="en-US"/>
+            </a:defPPr>
+            <a:lvl1pPr>
+              <a:defRPr sz="1000"/>
+            </a:lvl1pPr>
+          </a:lstStyle>
+          <a:p>
+            <a:pPr algn="ctr"/>
+            <a:r>
+              <a:rPr lang="en-US" dirty="0"/>
+              <a:t>SECRETS</a:t>
+            </a:r>
+          </a:p>
+        </p:txBody>
+      </p:sp>
+      <p:cxnSp>
+        <p:nvCxnSpPr>
+          <p:cNvPr id="71" name="Connector: Elbow 70">
+            <a:extLst>
+              <a:ext uri="{FF2B5EF4-FFF2-40B4-BE49-F238E27FC236}">
+                <a16:creationId xmlns:a16="http://schemas.microsoft.com/office/drawing/2014/main" id="{36B34FA8-545A-4AD4-AD4D-FC55CABA9898}"/>
+              </a:ext>
+            </a:extLst>
+          </p:cNvPr>
+          <p:cNvCxnSpPr>
+            <a:cxnSpLocks/>
+            <a:endCxn id="1034" idx="1"/>
+          </p:cNvCxnSpPr>
+          <p:nvPr/>
+        </p:nvCxnSpPr>
+        <p:spPr>
+          <a:xfrm>
+            <a:off x="2520890" y="3774636"/>
+            <a:ext cx="1466658" cy="246221"/>
+          </a:xfrm>
+          <a:prstGeom prst="bentConnector3">
+            <a:avLst>
+              <a:gd name="adj1" fmla="val 50000"/>
+            </a:avLst>
+          </a:prstGeom>
+          <a:ln>
+            <a:tailEnd type="triangle"/>
+          </a:ln>
+        </p:spPr>
+        <p:style>
+          <a:lnRef idx="1">
+            <a:schemeClr val="accent1"/>
+          </a:lnRef>
+          <a:fillRef idx="0">
+            <a:schemeClr val="accent1"/>
+          </a:fillRef>
+          <a:effectRef idx="0">
+            <a:schemeClr val="accent1"/>
+          </a:effectRef>
+          <a:fontRef idx="minor">
+            <a:schemeClr val="tx1"/>
+          </a:fontRef>
+        </p:style>
+      </p:cxnSp>
+      <p:cxnSp>
+        <p:nvCxnSpPr>
+          <p:cNvPr id="101" name="Connector: Elbow 100">
+            <a:extLst>
+              <a:ext uri="{FF2B5EF4-FFF2-40B4-BE49-F238E27FC236}">
+                <a16:creationId xmlns:a16="http://schemas.microsoft.com/office/drawing/2014/main" id="{B3B75856-403A-4275-8D25-969A82F5CCC0}"/>
+              </a:ext>
+            </a:extLst>
+          </p:cNvPr>
+          <p:cNvCxnSpPr>
+            <a:cxnSpLocks/>
+            <a:stCxn id="1034" idx="3"/>
+          </p:cNvCxnSpPr>
+          <p:nvPr/>
+        </p:nvCxnSpPr>
+        <p:spPr>
+          <a:xfrm flipV="1">
+            <a:off x="4572528" y="3783359"/>
+            <a:ext cx="1513657" cy="237498"/>
+          </a:xfrm>
+          <a:prstGeom prst="bentConnector3">
+            <a:avLst>
+              <a:gd name="adj1" fmla="val 50000"/>
+            </a:avLst>
+          </a:prstGeom>
+          <a:ln>
+            <a:tailEnd type="triangle"/>
+          </a:ln>
+        </p:spPr>
+        <p:style>
+          <a:lnRef idx="1">
+            <a:schemeClr val="accent1"/>
+          </a:lnRef>
+          <a:fillRef idx="0">
+            <a:schemeClr val="accent1"/>
+          </a:fillRef>
+          <a:effectRef idx="0">
+            <a:schemeClr val="accent1"/>
+          </a:effectRef>
+          <a:fontRef idx="minor">
+            <a:schemeClr val="tx1"/>
+          </a:fontRef>
+        </p:style>
+      </p:cxnSp>
+      <p:cxnSp>
+        <p:nvCxnSpPr>
+          <p:cNvPr id="109" name="Straight Arrow Connector 108">
+            <a:extLst>
+              <a:ext uri="{FF2B5EF4-FFF2-40B4-BE49-F238E27FC236}">
+                <a16:creationId xmlns:a16="http://schemas.microsoft.com/office/drawing/2014/main" id="{58FEBA7C-7356-4206-AA52-F9116A41C8D1}"/>
+              </a:ext>
+            </a:extLst>
+          </p:cNvPr>
+          <p:cNvCxnSpPr>
+            <a:cxnSpLocks/>
+          </p:cNvCxnSpPr>
+          <p:nvPr/>
+        </p:nvCxnSpPr>
+        <p:spPr>
+          <a:xfrm flipH="1">
+            <a:off x="2520890" y="3543238"/>
+            <a:ext cx="3530125" cy="0"/>
+          </a:xfrm>
+          <a:prstGeom prst="straightConnector1">
+            <a:avLst/>
+          </a:prstGeom>
+          <a:ln>
+            <a:tailEnd type="triangle"/>
+          </a:ln>
+        </p:spPr>
+        <p:style>
+          <a:lnRef idx="1">
+            <a:schemeClr val="accent1"/>
+          </a:lnRef>
+          <a:fillRef idx="0">
+            <a:schemeClr val="accent1"/>
+          </a:fillRef>
+          <a:effectRef idx="0">
+            <a:schemeClr val="accent1"/>
+          </a:effectRef>
+          <a:fontRef idx="minor">
+            <a:schemeClr val="tx1"/>
+          </a:fontRef>
+        </p:style>
+      </p:cxnSp>
+      <p:grpSp>
+        <p:nvGrpSpPr>
+          <p:cNvPr id="118" name="Group 117">
+            <a:extLst>
+              <a:ext uri="{FF2B5EF4-FFF2-40B4-BE49-F238E27FC236}">
+                <a16:creationId xmlns:a16="http://schemas.microsoft.com/office/drawing/2014/main" id="{5AD48EC0-E17F-40DA-B39F-FD73D4679917}"/>
+              </a:ext>
+            </a:extLst>
+          </p:cNvPr>
+          <p:cNvGrpSpPr/>
+          <p:nvPr/>
+        </p:nvGrpSpPr>
+        <p:grpSpPr>
+          <a:xfrm>
+            <a:off x="8746884" y="1512685"/>
+            <a:ext cx="1350050" cy="767878"/>
+            <a:chOff x="4042380" y="358243"/>
+            <a:chExt cx="1350050" cy="767878"/>
+          </a:xfrm>
+        </p:grpSpPr>
+        <p:pic>
+          <p:nvPicPr>
+            <p:cNvPr id="1044" name="Picture 20" descr="See the source image">
+              <a:extLst>
+                <a:ext uri="{FF2B5EF4-FFF2-40B4-BE49-F238E27FC236}">
+                  <a16:creationId xmlns:a16="http://schemas.microsoft.com/office/drawing/2014/main" id="{642512C5-E240-40AD-9E97-6A7B5AE4D95E}"/>
+                </a:ext>
+              </a:extLst>
+            </p:cNvPr>
+            <p:cNvPicPr>
+              <a:picLocks noChangeAspect="1" noChangeArrowheads="1"/>
+            </p:cNvPicPr>
+            <p:nvPr/>
+          </p:nvPicPr>
+          <p:blipFill rotWithShape="1">
+            <a:blip r:embed="rId8">
+              <a:extLst>
+                <a:ext uri="{28A0092B-C50C-407E-A947-70E740481C1C}">
+                  <a14:useLocalDpi xmlns:a14="http://schemas.microsoft.com/office/drawing/2010/main" val="0"/>
+                </a:ext>
+              </a:extLst>
+            </a:blip>
+            <a:srcRect l="6123" r="62635"/>
+            <a:stretch/>
+          </p:blipFill>
+          <p:spPr bwMode="auto">
+            <a:xfrm>
+              <a:off x="4441224" y="358243"/>
+              <a:ext cx="561472" cy="543437"/>
+            </a:xfrm>
+            <a:prstGeom prst="rect">
+              <a:avLst/>
+            </a:prstGeom>
+            <a:noFill/>
+            <a:extLst>
+              <a:ext uri="{909E8E84-426E-40DD-AFC4-6F175D3DCCD1}">
+                <a14:hiddenFill xmlns:a14="http://schemas.microsoft.com/office/drawing/2010/main">
+                  <a:solidFill>
+                    <a:srgbClr val="FFFFFF"/>
+                  </a:solidFill>
+                </a14:hiddenFill>
+              </a:ext>
+            </a:extLst>
+          </p:spPr>
+        </p:pic>
+        <p:sp>
+          <p:nvSpPr>
+            <p:cNvPr id="116" name="TextBox 115">
+              <a:extLst>
+                <a:ext uri="{FF2B5EF4-FFF2-40B4-BE49-F238E27FC236}">
+                  <a16:creationId xmlns:a16="http://schemas.microsoft.com/office/drawing/2014/main" id="{793721C3-602F-4139-B2D3-C05133142935}"/>
+                </a:ext>
+              </a:extLst>
+            </p:cNvPr>
+            <p:cNvSpPr txBox="1"/>
+            <p:nvPr/>
+          </p:nvSpPr>
+          <p:spPr>
+            <a:xfrm>
+              <a:off x="4042380" y="879900"/>
+              <a:ext cx="1350050" cy="246221"/>
+            </a:xfrm>
+            <a:prstGeom prst="rect">
+              <a:avLst/>
+            </a:prstGeom>
+            <a:noFill/>
+          </p:spPr>
+          <p:txBody>
+            <a:bodyPr wrap="none" rtlCol="0">
+              <a:spAutoFit/>
+            </a:bodyPr>
+            <a:lstStyle/>
+            <a:p>
+              <a:r>
+                <a:rPr lang="en-US" sz="1000" dirty="0"/>
+                <a:t>Azure Active Directory</a:t>
+              </a:r>
+            </a:p>
+          </p:txBody>
+        </p:sp>
+      </p:grpSp>
+      <p:cxnSp>
+        <p:nvCxnSpPr>
+          <p:cNvPr id="120" name="Connector: Elbow 119">
+            <a:extLst>
+              <a:ext uri="{FF2B5EF4-FFF2-40B4-BE49-F238E27FC236}">
+                <a16:creationId xmlns:a16="http://schemas.microsoft.com/office/drawing/2014/main" id="{BA30DD14-653D-4781-808D-170AE61C2995}"/>
+              </a:ext>
+            </a:extLst>
+          </p:cNvPr>
+          <p:cNvCxnSpPr>
+            <a:cxnSpLocks/>
+            <a:stCxn id="4" idx="2"/>
+          </p:cNvCxnSpPr>
+          <p:nvPr/>
+        </p:nvCxnSpPr>
+        <p:spPr>
+          <a:xfrm rot="16200000" flipH="1">
+            <a:off x="5339178" y="2413392"/>
+            <a:ext cx="1114317" cy="852019"/>
+          </a:xfrm>
+          <a:prstGeom prst="bentConnector3">
+            <a:avLst>
+              <a:gd name="adj1" fmla="val 50000"/>
+            </a:avLst>
+          </a:prstGeom>
+          <a:ln>
+            <a:tailEnd type="triangle"/>
+          </a:ln>
+        </p:spPr>
+        <p:style>
+          <a:lnRef idx="1">
+            <a:schemeClr val="accent1"/>
+          </a:lnRef>
+          <a:fillRef idx="0">
+            <a:schemeClr val="accent1"/>
+          </a:fillRef>
+          <a:effectRef idx="0">
+            <a:schemeClr val="accent1"/>
+          </a:effectRef>
+          <a:fontRef idx="minor">
+            <a:schemeClr val="tx1"/>
+          </a:fontRef>
+        </p:style>
+      </p:cxnSp>
+      <p:cxnSp>
+        <p:nvCxnSpPr>
+          <p:cNvPr id="123" name="Connector: Elbow 122">
+            <a:extLst>
+              <a:ext uri="{FF2B5EF4-FFF2-40B4-BE49-F238E27FC236}">
+                <a16:creationId xmlns:a16="http://schemas.microsoft.com/office/drawing/2014/main" id="{82AD2820-68B8-4E6E-920A-3707DBBDE40A}"/>
+              </a:ext>
+            </a:extLst>
+          </p:cNvPr>
+          <p:cNvCxnSpPr>
+            <a:cxnSpLocks/>
+          </p:cNvCxnSpPr>
+          <p:nvPr/>
+        </p:nvCxnSpPr>
+        <p:spPr>
+          <a:xfrm rot="5400000">
+            <a:off x="6519535" y="2421330"/>
+            <a:ext cx="1082964" cy="820034"/>
+          </a:xfrm>
+          <a:prstGeom prst="bentConnector3">
+            <a:avLst>
+              <a:gd name="adj1" fmla="val 50000"/>
+            </a:avLst>
+          </a:prstGeom>
+          <a:ln>
+            <a:tailEnd type="triangle"/>
+          </a:ln>
+        </p:spPr>
+        <p:style>
+          <a:lnRef idx="1">
+            <a:schemeClr val="accent1"/>
+          </a:lnRef>
+          <a:fillRef idx="0">
+            <a:schemeClr val="accent1"/>
+          </a:fillRef>
+          <a:effectRef idx="0">
+            <a:schemeClr val="accent1"/>
+          </a:effectRef>
+          <a:fontRef idx="minor">
+            <a:schemeClr val="tx1"/>
+          </a:fontRef>
+        </p:style>
+      </p:cxnSp>
+      <p:cxnSp>
+        <p:nvCxnSpPr>
+          <p:cNvPr id="1024" name="Connector: Elbow 1023">
+            <a:extLst>
+              <a:ext uri="{FF2B5EF4-FFF2-40B4-BE49-F238E27FC236}">
+                <a16:creationId xmlns:a16="http://schemas.microsoft.com/office/drawing/2014/main" id="{2762904E-E081-4E0C-8842-D4056B630364}"/>
+              </a:ext>
+            </a:extLst>
+          </p:cNvPr>
+          <p:cNvCxnSpPr>
+            <a:cxnSpLocks/>
+          </p:cNvCxnSpPr>
+          <p:nvPr/>
+        </p:nvCxnSpPr>
+        <p:spPr>
+          <a:xfrm rot="16200000" flipH="1">
+            <a:off x="7802036" y="2420064"/>
+            <a:ext cx="1069660" cy="820036"/>
+          </a:xfrm>
+          <a:prstGeom prst="bentConnector3">
+            <a:avLst>
+              <a:gd name="adj1" fmla="val 50000"/>
+            </a:avLst>
+          </a:prstGeom>
+          <a:ln>
+            <a:prstDash val="dash"/>
+            <a:tailEnd type="triangle"/>
+          </a:ln>
+        </p:spPr>
+        <p:style>
+          <a:lnRef idx="1">
+            <a:schemeClr val="accent1"/>
+          </a:lnRef>
+          <a:fillRef idx="0">
+            <a:schemeClr val="accent1"/>
+          </a:fillRef>
+          <a:effectRef idx="0">
+            <a:schemeClr val="accent1"/>
+          </a:effectRef>
+          <a:fontRef idx="minor">
+            <a:schemeClr val="tx1"/>
+          </a:fontRef>
+        </p:style>
+      </p:cxnSp>
+      <p:sp>
+        <p:nvSpPr>
+          <p:cNvPr id="5" name="TextBox 4">
+            <a:extLst>
+              <a:ext uri="{FF2B5EF4-FFF2-40B4-BE49-F238E27FC236}">
+                <a16:creationId xmlns:a16="http://schemas.microsoft.com/office/drawing/2014/main" id="{0254268D-6166-4529-B134-DA207A20F5DF}"/>
+              </a:ext>
+            </a:extLst>
+          </p:cNvPr>
+          <p:cNvSpPr txBox="1"/>
+          <p:nvPr/>
+        </p:nvSpPr>
+        <p:spPr>
+          <a:xfrm>
+            <a:off x="5442555" y="2331248"/>
+            <a:ext cx="717976" cy="400110"/>
+          </a:xfrm>
+          <a:prstGeom prst="rect">
+            <a:avLst/>
+          </a:prstGeom>
+          <a:noFill/>
+        </p:spPr>
+        <p:txBody>
+          <a:bodyPr wrap="square">
+            <a:spAutoFit/>
+          </a:bodyPr>
+          <a:lstStyle>
+            <a:defPPr>
+              <a:defRPr lang="en-US"/>
+            </a:defPPr>
+            <a:lvl1pPr algn="ctr">
+              <a:defRPr sz="1000"/>
+            </a:lvl1pPr>
+          </a:lstStyle>
+          <a:p>
+            <a:pPr algn="l"/>
+            <a:r>
+              <a:rPr lang="en-US" dirty="0"/>
+              <a:t>APP IMAGE</a:t>
+            </a:r>
+          </a:p>
+        </p:txBody>
+      </p:sp>
+      <p:cxnSp>
+        <p:nvCxnSpPr>
+          <p:cNvPr id="2" name="Connector: Elbow 1">
+            <a:extLst>
+              <a:ext uri="{FF2B5EF4-FFF2-40B4-BE49-F238E27FC236}">
+                <a16:creationId xmlns:a16="http://schemas.microsoft.com/office/drawing/2014/main" id="{9FABF8EA-A0B1-4B1E-AB68-3A9895C3F009}"/>
+              </a:ext>
+            </a:extLst>
+          </p:cNvPr>
+          <p:cNvCxnSpPr>
+            <a:cxnSpLocks/>
+            <a:stCxn id="7" idx="2"/>
+            <a:endCxn id="1036" idx="1"/>
+          </p:cNvCxnSpPr>
+          <p:nvPr/>
+        </p:nvCxnSpPr>
+        <p:spPr>
+          <a:xfrm rot="16200000" flipH="1">
+            <a:off x="7340720" y="3316249"/>
+            <a:ext cx="329717" cy="2020643"/>
+          </a:xfrm>
+          <a:prstGeom prst="bentConnector2">
+            <a:avLst/>
+          </a:prstGeom>
+          <a:ln>
+            <a:tailEnd type="triangle"/>
+          </a:ln>
+        </p:spPr>
+        <p:style>
+          <a:lnRef idx="1">
+            <a:schemeClr val="accent1"/>
+          </a:lnRef>
+          <a:fillRef idx="0">
+            <a:schemeClr val="accent1"/>
+          </a:fillRef>
+          <a:effectRef idx="0">
+            <a:schemeClr val="accent1"/>
+          </a:effectRef>
+          <a:fontRef idx="minor">
+            <a:schemeClr val="tx1"/>
+          </a:fontRef>
+        </p:style>
+      </p:cxnSp>
+      <p:grpSp>
+        <p:nvGrpSpPr>
+          <p:cNvPr id="40" name="Group 39">
+            <a:extLst>
+              <a:ext uri="{FF2B5EF4-FFF2-40B4-BE49-F238E27FC236}">
+                <a16:creationId xmlns:a16="http://schemas.microsoft.com/office/drawing/2014/main" id="{22CE497F-9CBA-4588-A3F3-812EAE5F16B5}"/>
+              </a:ext>
+            </a:extLst>
+          </p:cNvPr>
+          <p:cNvGrpSpPr/>
+          <p:nvPr/>
+        </p:nvGrpSpPr>
+        <p:grpSpPr>
+          <a:xfrm>
+            <a:off x="7197727" y="1525429"/>
+            <a:ext cx="1034257" cy="723885"/>
+            <a:chOff x="10465573" y="2088106"/>
+            <a:chExt cx="1034257" cy="723885"/>
+          </a:xfrm>
+        </p:grpSpPr>
+        <p:pic>
+          <p:nvPicPr>
+            <p:cNvPr id="37" name="Picture 36">
+              <a:extLst>
+                <a:ext uri="{FF2B5EF4-FFF2-40B4-BE49-F238E27FC236}">
+                  <a16:creationId xmlns:a16="http://schemas.microsoft.com/office/drawing/2014/main" id="{0FE0D012-38B4-4F64-826A-10B63FE206B9}"/>
+                </a:ext>
+              </a:extLst>
+            </p:cNvPr>
+            <p:cNvPicPr>
+              <a:picLocks noChangeAspect="1"/>
+            </p:cNvPicPr>
+            <p:nvPr/>
+          </p:nvPicPr>
+          <p:blipFill>
+            <a:blip r:embed="rId9"/>
+            <a:stretch>
+              <a:fillRect/>
+            </a:stretch>
+          </p:blipFill>
+          <p:spPr>
+            <a:xfrm>
+              <a:off x="10715989" y="2088106"/>
+              <a:ext cx="533427" cy="520727"/>
+            </a:xfrm>
+            <a:prstGeom prst="rect">
+              <a:avLst/>
+            </a:prstGeom>
+          </p:spPr>
+        </p:pic>
+        <p:sp>
+          <p:nvSpPr>
+            <p:cNvPr id="73" name="TextBox 72">
+              <a:extLst>
+                <a:ext uri="{FF2B5EF4-FFF2-40B4-BE49-F238E27FC236}">
+                  <a16:creationId xmlns:a16="http://schemas.microsoft.com/office/drawing/2014/main" id="{9123938A-CC83-4815-AAFE-2EEB2D9A0FED}"/>
+                </a:ext>
+              </a:extLst>
+            </p:cNvPr>
+            <p:cNvSpPr txBox="1"/>
+            <p:nvPr/>
+          </p:nvSpPr>
+          <p:spPr>
+            <a:xfrm>
+              <a:off x="10465573" y="2565770"/>
+              <a:ext cx="1034257" cy="246221"/>
+            </a:xfrm>
+            <a:prstGeom prst="rect">
+              <a:avLst/>
+            </a:prstGeom>
+            <a:solidFill>
+              <a:schemeClr val="bg1"/>
+            </a:solidFill>
+          </p:spPr>
+          <p:txBody>
+            <a:bodyPr wrap="none" rtlCol="0">
+              <a:spAutoFit/>
+            </a:bodyPr>
+            <a:lstStyle>
+              <a:defPPr>
+                <a:defRPr lang="en-US"/>
+              </a:defPPr>
+              <a:lvl1pPr>
+                <a:defRPr sz="1000"/>
+              </a:lvl1pPr>
+            </a:lstStyle>
+            <a:p>
+              <a:r>
+                <a:rPr lang="en-US" dirty="0"/>
+                <a:t>Service Principal</a:t>
+              </a:r>
+            </a:p>
+          </p:txBody>
+        </p:sp>
+      </p:grpSp>
+      <p:cxnSp>
+        <p:nvCxnSpPr>
+          <p:cNvPr id="43" name="Connector: Elbow 42">
+            <a:extLst>
+              <a:ext uri="{FF2B5EF4-FFF2-40B4-BE49-F238E27FC236}">
+                <a16:creationId xmlns:a16="http://schemas.microsoft.com/office/drawing/2014/main" id="{85812B80-F87B-4D13-85CE-4D773FA65B15}"/>
+              </a:ext>
+            </a:extLst>
+          </p:cNvPr>
+          <p:cNvCxnSpPr>
+            <a:cxnSpLocks/>
+            <a:stCxn id="37" idx="1"/>
+            <a:endCxn id="1030" idx="3"/>
+          </p:cNvCxnSpPr>
+          <p:nvPr/>
+        </p:nvCxnSpPr>
+        <p:spPr>
+          <a:xfrm rot="10800000">
+            <a:off x="5700247" y="1781251"/>
+            <a:ext cx="1747897" cy="4542"/>
+          </a:xfrm>
+          <a:prstGeom prst="bentConnector3">
+            <a:avLst>
+              <a:gd name="adj1" fmla="val 50000"/>
+            </a:avLst>
+          </a:prstGeom>
+          <a:ln>
+            <a:prstDash val="dash"/>
+            <a:tailEnd type="triangle"/>
+          </a:ln>
+        </p:spPr>
+        <p:style>
+          <a:lnRef idx="1">
+            <a:schemeClr val="accent1"/>
+          </a:lnRef>
+          <a:fillRef idx="0">
+            <a:schemeClr val="accent1"/>
+          </a:fillRef>
+          <a:effectRef idx="0">
+            <a:schemeClr val="accent1"/>
+          </a:effectRef>
+          <a:fontRef idx="minor">
+            <a:schemeClr val="tx1"/>
+          </a:fontRef>
+        </p:style>
+      </p:cxnSp>
+      <p:cxnSp>
+        <p:nvCxnSpPr>
+          <p:cNvPr id="46" name="Connector: Elbow 45">
+            <a:extLst>
+              <a:ext uri="{FF2B5EF4-FFF2-40B4-BE49-F238E27FC236}">
+                <a16:creationId xmlns:a16="http://schemas.microsoft.com/office/drawing/2014/main" id="{34DE0772-6EE8-4F55-B2A0-8AAAC8C2721F}"/>
+              </a:ext>
+            </a:extLst>
+          </p:cNvPr>
+          <p:cNvCxnSpPr>
+            <a:cxnSpLocks/>
+            <a:stCxn id="1044" idx="1"/>
+            <a:endCxn id="37" idx="3"/>
+          </p:cNvCxnSpPr>
+          <p:nvPr/>
+        </p:nvCxnSpPr>
+        <p:spPr>
+          <a:xfrm rot="10800000" flipV="1">
+            <a:off x="7981570" y="1784403"/>
+            <a:ext cx="1164158" cy="1389"/>
+          </a:xfrm>
+          <a:prstGeom prst="bentConnector3">
+            <a:avLst>
+              <a:gd name="adj1" fmla="val 50000"/>
+            </a:avLst>
+          </a:prstGeom>
+          <a:ln>
+            <a:tailEnd type="triangle"/>
+          </a:ln>
+        </p:spPr>
+        <p:style>
+          <a:lnRef idx="1">
+            <a:schemeClr val="accent1"/>
+          </a:lnRef>
+          <a:fillRef idx="0">
+            <a:schemeClr val="accent1"/>
+          </a:fillRef>
+          <a:effectRef idx="0">
+            <a:schemeClr val="accent1"/>
+          </a:effectRef>
+          <a:fontRef idx="minor">
+            <a:schemeClr val="tx1"/>
+          </a:fontRef>
+        </p:style>
+      </p:cxnSp>
+      <p:sp>
+        <p:nvSpPr>
+          <p:cNvPr id="49" name="TextBox 48">
+            <a:extLst>
+              <a:ext uri="{FF2B5EF4-FFF2-40B4-BE49-F238E27FC236}">
+                <a16:creationId xmlns:a16="http://schemas.microsoft.com/office/drawing/2014/main" id="{0787A1DF-D659-4A42-A7BD-C539F9891149}"/>
+              </a:ext>
+            </a:extLst>
+          </p:cNvPr>
+          <p:cNvSpPr txBox="1"/>
+          <p:nvPr/>
+        </p:nvSpPr>
+        <p:spPr>
+          <a:xfrm>
+            <a:off x="6338729" y="1562084"/>
+            <a:ext cx="782587" cy="246221"/>
+          </a:xfrm>
+          <a:prstGeom prst="rect">
+            <a:avLst/>
+          </a:prstGeom>
+          <a:noFill/>
+        </p:spPr>
+        <p:txBody>
+          <a:bodyPr wrap="none" rtlCol="0">
+            <a:spAutoFit/>
+          </a:bodyPr>
+          <a:lstStyle>
+            <a:defPPr>
+              <a:defRPr lang="en-US"/>
+            </a:defPPr>
+            <a:lvl1pPr>
+              <a:defRPr sz="1000"/>
+            </a:lvl1pPr>
+          </a:lstStyle>
+          <a:p>
+            <a:r>
+              <a:rPr lang="en-US" dirty="0" err="1"/>
+              <a:t>AcrPull</a:t>
+            </a:r>
+            <a:r>
+              <a:rPr lang="en-US" dirty="0"/>
+              <a:t> role</a:t>
+            </a:r>
+          </a:p>
+        </p:txBody>
+      </p:sp>
+      <p:sp>
+        <p:nvSpPr>
+          <p:cNvPr id="53" name="TextBox 52">
+            <a:extLst>
+              <a:ext uri="{FF2B5EF4-FFF2-40B4-BE49-F238E27FC236}">
+                <a16:creationId xmlns:a16="http://schemas.microsoft.com/office/drawing/2014/main" id="{79F0F370-A794-4566-B378-7C1AB72BE06C}"/>
+              </a:ext>
+            </a:extLst>
+          </p:cNvPr>
+          <p:cNvSpPr txBox="1"/>
+          <p:nvPr/>
+        </p:nvSpPr>
+        <p:spPr>
+          <a:xfrm>
+            <a:off x="8107112" y="2603513"/>
+            <a:ext cx="537327" cy="246221"/>
+          </a:xfrm>
+          <a:prstGeom prst="rect">
+            <a:avLst/>
+          </a:prstGeom>
+          <a:noFill/>
+        </p:spPr>
+        <p:txBody>
+          <a:bodyPr wrap="none" rtlCol="0">
+            <a:spAutoFit/>
+          </a:bodyPr>
+          <a:lstStyle>
+            <a:defPPr>
+              <a:defRPr lang="en-US"/>
+            </a:defPPr>
+            <a:lvl1pPr>
+              <a:defRPr sz="1000"/>
+            </a:lvl1pPr>
+          </a:lstStyle>
+          <a:p>
+            <a:r>
+              <a:rPr lang="en-US" dirty="0"/>
+              <a:t>?? role</a:t>
+            </a:r>
+          </a:p>
+        </p:txBody>
+      </p:sp>
+      <p:sp>
+        <p:nvSpPr>
+          <p:cNvPr id="24" name="TextBox 23">
+            <a:extLst>
+              <a:ext uri="{FF2B5EF4-FFF2-40B4-BE49-F238E27FC236}">
+                <a16:creationId xmlns:a16="http://schemas.microsoft.com/office/drawing/2014/main" id="{2A7E78FA-4CC1-4EB7-A5E2-BB950D3AC2F1}"/>
+              </a:ext>
+            </a:extLst>
+          </p:cNvPr>
+          <p:cNvSpPr txBox="1"/>
+          <p:nvPr/>
+        </p:nvSpPr>
+        <p:spPr>
+          <a:xfrm>
+            <a:off x="1461873" y="2888951"/>
+            <a:ext cx="1143848" cy="307777"/>
+          </a:xfrm>
+          <a:prstGeom prst="rect">
+            <a:avLst/>
+          </a:prstGeom>
+          <a:noFill/>
+        </p:spPr>
+        <p:txBody>
+          <a:bodyPr wrap="square">
+            <a:spAutoFit/>
+          </a:bodyPr>
+          <a:lstStyle/>
+          <a:p>
+            <a:r>
+              <a:rPr lang="en-US" sz="1400" dirty="0"/>
+              <a:t>deployAll.sh</a:t>
+            </a:r>
+          </a:p>
+        </p:txBody>
+      </p:sp>
+      <p:sp>
+        <p:nvSpPr>
+          <p:cNvPr id="72" name="TextBox 71">
+            <a:extLst>
+              <a:ext uri="{FF2B5EF4-FFF2-40B4-BE49-F238E27FC236}">
+                <a16:creationId xmlns:a16="http://schemas.microsoft.com/office/drawing/2014/main" id="{31B4D491-200F-4FAC-9929-76CD0E4C175F}"/>
+              </a:ext>
+            </a:extLst>
+          </p:cNvPr>
+          <p:cNvSpPr txBox="1"/>
+          <p:nvPr/>
+        </p:nvSpPr>
+        <p:spPr>
+          <a:xfrm>
+            <a:off x="4572528" y="1144584"/>
+            <a:ext cx="1667177" cy="276999"/>
+          </a:xfrm>
+          <a:prstGeom prst="rect">
+            <a:avLst/>
+          </a:prstGeom>
+          <a:noFill/>
+        </p:spPr>
+        <p:txBody>
+          <a:bodyPr wrap="square">
+            <a:spAutoFit/>
+          </a:bodyPr>
+          <a:lstStyle/>
+          <a:p>
+            <a:r>
+              <a:rPr lang="en-US" sz="1200" dirty="0">
+                <a:solidFill>
+                  <a:srgbClr val="FF0000"/>
+                </a:solidFill>
+              </a:rPr>
+              <a:t>PRE-REQUISITE</a:t>
+            </a:r>
+          </a:p>
+        </p:txBody>
+      </p:sp>
+    </p:spTree>
+    <p:extLst>
+      <p:ext uri="{BB962C8B-B14F-4D97-AF65-F5344CB8AC3E}">
+        <p14:creationId xmlns:p14="http://schemas.microsoft.com/office/powerpoint/2010/main" val="377857797"/>
+      </p:ext>
+    </p:extLst>
+  </p:cSld>
+  <p:clrMapOvr>
+    <a:masterClrMapping/>
+  </p:clrMapOvr>
+</p:sld>
+</file>
+
+<file path=ppt/slides/slide6.xml><?xml version="1.0" encoding="utf-8"?>
+<p:sld xmlns:a="http://schemas.openxmlformats.org/drawingml/2006/main" xmlns:r="http://schemas.openxmlformats.org/officeDocument/2006/relationships" xmlns:p="http://schemas.openxmlformats.org/presentationml/2006/main">
+  <p:cSld>
+    <p:spTree>
+      <p:nvGrpSpPr>
+        <p:cNvPr id="1" name=""/>
+        <p:cNvGrpSpPr/>
+        <p:nvPr/>
+      </p:nvGrpSpPr>
+      <p:grpSpPr>
+        <a:xfrm>
+          <a:off x="0" y="0"/>
+          <a:ext cx="0" cy="0"/>
+          <a:chOff x="0" y="0"/>
+          <a:chExt cx="0" cy="0"/>
+        </a:xfrm>
+      </p:grpSpPr>
+      <p:sp>
+        <p:nvSpPr>
+          <p:cNvPr id="32" name="Rectangle: Rounded Corners 31">
+            <a:extLst>
+              <a:ext uri="{FF2B5EF4-FFF2-40B4-BE49-F238E27FC236}">
+                <a16:creationId xmlns:a16="http://schemas.microsoft.com/office/drawing/2014/main" id="{278B6650-E555-466B-82DD-BFAA9EE21385}"/>
+              </a:ext>
+            </a:extLst>
+          </p:cNvPr>
+          <p:cNvSpPr/>
+          <p:nvPr/>
+        </p:nvSpPr>
+        <p:spPr>
+          <a:xfrm>
+            <a:off x="1784599" y="3648118"/>
+            <a:ext cx="8162580" cy="2563010"/>
+          </a:xfrm>
+          <a:prstGeom prst="roundRect">
+            <a:avLst>
+              <a:gd name="adj" fmla="val 4345"/>
+            </a:avLst>
+          </a:prstGeom>
+        </p:spPr>
+        <p:style>
+          <a:lnRef idx="2">
+            <a:schemeClr val="accent1"/>
+          </a:lnRef>
+          <a:fillRef idx="1">
+            <a:schemeClr val="lt1"/>
+          </a:fillRef>
+          <a:effectRef idx="0">
+            <a:schemeClr val="accent1"/>
+          </a:effectRef>
+          <a:fontRef idx="minor">
+            <a:schemeClr val="dk1"/>
+          </a:fontRef>
+        </p:style>
+        <p:txBody>
+          <a:bodyPr rtlCol="0" anchor="ctr"/>
+          <a:lstStyle/>
+          <a:p>
+            <a:pPr algn="ctr"/>
+            <a:endParaRPr lang="en-US"/>
+          </a:p>
+        </p:txBody>
+      </p:sp>
+      <p:sp>
+        <p:nvSpPr>
+          <p:cNvPr id="8" name="Rectangle 7">
+            <a:extLst>
+              <a:ext uri="{FF2B5EF4-FFF2-40B4-BE49-F238E27FC236}">
+                <a16:creationId xmlns:a16="http://schemas.microsoft.com/office/drawing/2014/main" id="{C3640122-F9F0-4651-B039-C234418BF22D}"/>
+              </a:ext>
+            </a:extLst>
+          </p:cNvPr>
+          <p:cNvSpPr/>
+          <p:nvPr/>
+        </p:nvSpPr>
+        <p:spPr>
+          <a:xfrm>
+            <a:off x="7030862" y="4040958"/>
+            <a:ext cx="2195476" cy="997844"/>
+          </a:xfrm>
+          <a:prstGeom prst="rect">
+            <a:avLst/>
+          </a:prstGeom>
+          <a:ln>
+            <a:prstDash val="sysDash"/>
+          </a:ln>
+        </p:spPr>
+        <p:style>
+          <a:lnRef idx="2">
+            <a:schemeClr val="accent1"/>
+          </a:lnRef>
+          <a:fillRef idx="1">
+            <a:schemeClr val="lt1"/>
+          </a:fillRef>
+          <a:effectRef idx="0">
+            <a:schemeClr val="accent1"/>
+          </a:effectRef>
+          <a:fontRef idx="minor">
+            <a:schemeClr val="dk1"/>
+          </a:fontRef>
+        </p:style>
+        <p:txBody>
+          <a:bodyPr rtlCol="0" anchor="ctr"/>
+          <a:lstStyle/>
+          <a:p>
+            <a:pPr algn="ctr"/>
+            <a:endParaRPr lang="en-US" dirty="0"/>
+          </a:p>
+        </p:txBody>
+      </p:sp>
+      <p:sp>
+        <p:nvSpPr>
+          <p:cNvPr id="50" name="Rectangle 49">
+            <a:extLst>
+              <a:ext uri="{FF2B5EF4-FFF2-40B4-BE49-F238E27FC236}">
+                <a16:creationId xmlns:a16="http://schemas.microsoft.com/office/drawing/2014/main" id="{8AEF91B3-317A-4AC7-9752-3F5D697AC46D}"/>
+              </a:ext>
+            </a:extLst>
+          </p:cNvPr>
+          <p:cNvSpPr/>
+          <p:nvPr/>
+        </p:nvSpPr>
+        <p:spPr>
+          <a:xfrm>
+            <a:off x="2568863" y="4047038"/>
+            <a:ext cx="4216859" cy="2052020"/>
+          </a:xfrm>
+          <a:prstGeom prst="rect">
+            <a:avLst/>
+          </a:prstGeom>
+          <a:ln>
+            <a:prstDash val="sysDash"/>
+          </a:ln>
+        </p:spPr>
+        <p:style>
+          <a:lnRef idx="2">
+            <a:schemeClr val="accent1"/>
+          </a:lnRef>
+          <a:fillRef idx="1">
+            <a:schemeClr val="lt1"/>
+          </a:fillRef>
+          <a:effectRef idx="0">
+            <a:schemeClr val="accent1"/>
+          </a:effectRef>
+          <a:fontRef idx="minor">
+            <a:schemeClr val="dk1"/>
+          </a:fontRef>
+        </p:style>
+        <p:txBody>
+          <a:bodyPr rtlCol="0" anchor="ctr"/>
+          <a:lstStyle/>
+          <a:p>
+            <a:pPr algn="ctr"/>
+            <a:endParaRPr lang="en-US" dirty="0"/>
+          </a:p>
+        </p:txBody>
+      </p:sp>
+      <p:cxnSp>
+        <p:nvCxnSpPr>
+          <p:cNvPr id="80" name="Straight Arrow Connector 79">
+            <a:extLst>
+              <a:ext uri="{FF2B5EF4-FFF2-40B4-BE49-F238E27FC236}">
+                <a16:creationId xmlns:a16="http://schemas.microsoft.com/office/drawing/2014/main" id="{0FA12451-5CF3-4ECF-B2F8-9BADEEE76E0C}"/>
+              </a:ext>
+            </a:extLst>
+          </p:cNvPr>
+          <p:cNvCxnSpPr>
+            <a:cxnSpLocks/>
+          </p:cNvCxnSpPr>
+          <p:nvPr/>
+        </p:nvCxnSpPr>
+        <p:spPr>
+          <a:xfrm flipV="1">
+            <a:off x="4622479" y="5671078"/>
+            <a:ext cx="2442349" cy="13506"/>
+          </a:xfrm>
+          <a:prstGeom prst="straightConnector1">
+            <a:avLst/>
+          </a:prstGeom>
+          <a:ln>
+            <a:headEnd type="triangle"/>
+            <a:tailEnd type="triangle"/>
+          </a:ln>
+        </p:spPr>
+        <p:style>
+          <a:lnRef idx="1">
+            <a:schemeClr val="accent1"/>
+          </a:lnRef>
+          <a:fillRef idx="0">
+            <a:schemeClr val="accent1"/>
+          </a:fillRef>
+          <a:effectRef idx="0">
+            <a:schemeClr val="accent1"/>
+          </a:effectRef>
+          <a:fontRef idx="minor">
+            <a:schemeClr val="tx1"/>
+          </a:fontRef>
+        </p:style>
+      </p:cxnSp>
+      <p:cxnSp>
+        <p:nvCxnSpPr>
+          <p:cNvPr id="89" name="Straight Arrow Connector 88">
+            <a:extLst>
+              <a:ext uri="{FF2B5EF4-FFF2-40B4-BE49-F238E27FC236}">
+                <a16:creationId xmlns:a16="http://schemas.microsoft.com/office/drawing/2014/main" id="{05E9D7D3-6FCB-4911-9430-8D214BDDF5E6}"/>
+              </a:ext>
+            </a:extLst>
+          </p:cNvPr>
+          <p:cNvCxnSpPr>
+            <a:cxnSpLocks/>
+          </p:cNvCxnSpPr>
+          <p:nvPr/>
+        </p:nvCxnSpPr>
+        <p:spPr>
+          <a:xfrm>
+            <a:off x="4620071" y="4681065"/>
+            <a:ext cx="2585800" cy="10036"/>
+          </a:xfrm>
+          <a:prstGeom prst="straightConnector1">
+            <a:avLst/>
+          </a:prstGeom>
+          <a:ln>
+            <a:headEnd type="triangle"/>
+            <a:tailEnd type="triangle"/>
+          </a:ln>
+        </p:spPr>
+        <p:style>
+          <a:lnRef idx="1">
+            <a:schemeClr val="accent1"/>
+          </a:lnRef>
+          <a:fillRef idx="0">
+            <a:schemeClr val="accent1"/>
+          </a:fillRef>
+          <a:effectRef idx="0">
+            <a:schemeClr val="accent1"/>
+          </a:effectRef>
+          <a:fontRef idx="minor">
+            <a:schemeClr val="tx1"/>
+          </a:fontRef>
+        </p:style>
+      </p:cxnSp>
+      <p:sp>
+        <p:nvSpPr>
+          <p:cNvPr id="102" name="TextBox 101">
+            <a:extLst>
+              <a:ext uri="{FF2B5EF4-FFF2-40B4-BE49-F238E27FC236}">
+                <a16:creationId xmlns:a16="http://schemas.microsoft.com/office/drawing/2014/main" id="{6AFAB64A-C9D6-413B-A8C5-37D668E936B1}"/>
+              </a:ext>
+            </a:extLst>
+          </p:cNvPr>
+          <p:cNvSpPr txBox="1"/>
+          <p:nvPr/>
+        </p:nvSpPr>
+        <p:spPr>
+          <a:xfrm>
+            <a:off x="7397643" y="5453507"/>
+            <a:ext cx="1834733" cy="276999"/>
+          </a:xfrm>
+          <a:prstGeom prst="rect">
+            <a:avLst/>
+          </a:prstGeom>
+          <a:noFill/>
+        </p:spPr>
+        <p:txBody>
+          <a:bodyPr wrap="square">
+            <a:spAutoFit/>
+          </a:bodyPr>
+          <a:lstStyle/>
+          <a:p>
+            <a:r>
+              <a:rPr lang="en-US" sz="1200" dirty="0"/>
+              <a:t>encrypted secrets store</a:t>
+            </a:r>
+          </a:p>
+        </p:txBody>
+      </p:sp>
+      <p:pic>
+        <p:nvPicPr>
+          <p:cNvPr id="1040" name="Picture 16" descr="See the source image">
+            <a:extLst>
+              <a:ext uri="{FF2B5EF4-FFF2-40B4-BE49-F238E27FC236}">
+                <a16:creationId xmlns:a16="http://schemas.microsoft.com/office/drawing/2014/main" id="{9AE115E1-77A8-47CC-AD9C-C8C64FF2EFB4}"/>
+              </a:ext>
+            </a:extLst>
+          </p:cNvPr>
+          <p:cNvPicPr>
+            <a:picLocks noChangeAspect="1" noChangeArrowheads="1"/>
+          </p:cNvPicPr>
+          <p:nvPr/>
+        </p:nvPicPr>
+        <p:blipFill>
+          <a:blip r:embed="rId2">
+            <a:extLst>
+              <a:ext uri="{28A0092B-C50C-407E-A947-70E740481C1C}">
+                <a14:useLocalDpi xmlns:a14="http://schemas.microsoft.com/office/drawing/2010/main" val="0"/>
+              </a:ext>
+            </a:extLst>
+          </a:blip>
+          <a:srcRect/>
+          <a:stretch>
+            <a:fillRect/>
+          </a:stretch>
+        </p:blipFill>
+        <p:spPr bwMode="auto">
+          <a:xfrm>
+            <a:off x="7064828" y="5479562"/>
+            <a:ext cx="339558" cy="360947"/>
+          </a:xfrm>
+          <a:prstGeom prst="rect">
+            <a:avLst/>
+          </a:prstGeom>
+          <a:noFill/>
+          <a:extLst>
+            <a:ext uri="{909E8E84-426E-40DD-AFC4-6F175D3DCCD1}">
+              <a14:hiddenFill xmlns:a14="http://schemas.microsoft.com/office/drawing/2010/main">
+                <a:solidFill>
+                  <a:srgbClr val="FFFFFF"/>
+                </a:solidFill>
+              </a14:hiddenFill>
+            </a:ext>
+          </a:extLst>
+        </p:spPr>
+      </p:pic>
+      <p:pic>
+        <p:nvPicPr>
+          <p:cNvPr id="18" name="Picture 2" descr="See related image detail">
+            <a:extLst>
+              <a:ext uri="{FF2B5EF4-FFF2-40B4-BE49-F238E27FC236}">
+                <a16:creationId xmlns:a16="http://schemas.microsoft.com/office/drawing/2014/main" id="{1C691ACB-EADE-4C97-B0B1-9807C68EA70E}"/>
+              </a:ext>
+            </a:extLst>
+          </p:cNvPr>
+          <p:cNvPicPr>
+            <a:picLocks noChangeAspect="1" noChangeArrowheads="1"/>
+          </p:cNvPicPr>
+          <p:nvPr/>
+        </p:nvPicPr>
+        <p:blipFill>
+          <a:blip r:embed="rId3">
+            <a:clrChange>
+              <a:clrFrom>
+                <a:srgbClr val="F6F6F6"/>
+              </a:clrFrom>
+              <a:clrTo>
+                <a:srgbClr val="F6F6F6">
+                  <a:alpha val="0"/>
+                </a:srgbClr>
+              </a:clrTo>
+            </a:clrChange>
+            <a:extLst>
+              <a:ext uri="{28A0092B-C50C-407E-A947-70E740481C1C}">
+                <a14:useLocalDpi xmlns:a14="http://schemas.microsoft.com/office/drawing/2010/main" val="0"/>
+              </a:ext>
+            </a:extLst>
+          </a:blip>
+          <a:srcRect/>
+          <a:stretch>
+            <a:fillRect/>
+          </a:stretch>
+        </p:blipFill>
+        <p:spPr bwMode="auto">
+          <a:xfrm>
+            <a:off x="7257785" y="4245568"/>
+            <a:ext cx="458245" cy="564461"/>
+          </a:xfrm>
+          <a:prstGeom prst="rect">
+            <a:avLst/>
+          </a:prstGeom>
+          <a:noFill/>
+          <a:extLst>
+            <a:ext uri="{909E8E84-426E-40DD-AFC4-6F175D3DCCD1}">
+              <a14:hiddenFill xmlns:a14="http://schemas.microsoft.com/office/drawing/2010/main">
+                <a:solidFill>
+                  <a:srgbClr val="FFFFFF"/>
+                </a:solidFill>
+              </a14:hiddenFill>
+            </a:ext>
+          </a:extLst>
+        </p:spPr>
+      </p:pic>
+      <p:sp>
+        <p:nvSpPr>
+          <p:cNvPr id="54" name="TextBox 53">
+            <a:extLst>
+              <a:ext uri="{FF2B5EF4-FFF2-40B4-BE49-F238E27FC236}">
+                <a16:creationId xmlns:a16="http://schemas.microsoft.com/office/drawing/2014/main" id="{54E692B2-A5E1-4DF6-9FF8-EFE62655F428}"/>
+              </a:ext>
+            </a:extLst>
+          </p:cNvPr>
+          <p:cNvSpPr txBox="1"/>
+          <p:nvPr/>
+        </p:nvSpPr>
+        <p:spPr>
+          <a:xfrm>
+            <a:off x="7397643" y="5641766"/>
+            <a:ext cx="2606132" cy="230832"/>
+          </a:xfrm>
+          <a:prstGeom prst="rect">
+            <a:avLst/>
+          </a:prstGeom>
+          <a:noFill/>
+        </p:spPr>
+        <p:txBody>
+          <a:bodyPr wrap="square">
+            <a:spAutoFit/>
+          </a:bodyPr>
+          <a:lstStyle/>
+          <a:p>
+            <a:r>
+              <a:rPr lang="en-US" sz="900" b="0" dirty="0">
+                <a:solidFill>
+                  <a:srgbClr val="CE9178"/>
+                </a:solidFill>
+                <a:effectLst/>
+                <a:latin typeface="Consolas" panose="020B0609020204030204" pitchFamily="49" charset="0"/>
+              </a:rPr>
+              <a:t>"/</a:t>
+            </a:r>
+            <a:r>
+              <a:rPr lang="en-US" sz="900" b="0" dirty="0" err="1">
+                <a:solidFill>
+                  <a:srgbClr val="CE9178"/>
+                </a:solidFill>
+                <a:effectLst/>
+                <a:latin typeface="Consolas" panose="020B0609020204030204" pitchFamily="49" charset="0"/>
+              </a:rPr>
+              <a:t>usr</a:t>
+            </a:r>
+            <a:r>
+              <a:rPr lang="en-US" sz="900" b="0" dirty="0">
+                <a:solidFill>
+                  <a:srgbClr val="CE9178"/>
+                </a:solidFill>
+                <a:effectLst/>
+                <a:latin typeface="Consolas" panose="020B0609020204030204" pitchFamily="49" charset="0"/>
+              </a:rPr>
+              <a:t>/local/cache/</a:t>
+            </a:r>
+            <a:r>
+              <a:rPr lang="en-US" sz="900" b="0" dirty="0" err="1">
+                <a:solidFill>
+                  <a:srgbClr val="CE9178"/>
+                </a:solidFill>
+                <a:effectLst/>
+                <a:latin typeface="Consolas" panose="020B0609020204030204" pitchFamily="49" charset="0"/>
+              </a:rPr>
+              <a:t>secrets.json</a:t>
+            </a:r>
+            <a:r>
+              <a:rPr lang="en-US" sz="900" b="0" dirty="0">
+                <a:solidFill>
+                  <a:srgbClr val="CE9178"/>
+                </a:solidFill>
+                <a:effectLst/>
+                <a:latin typeface="Consolas" panose="020B0609020204030204" pitchFamily="49" charset="0"/>
+              </a:rPr>
+              <a:t>"</a:t>
+            </a:r>
+            <a:endParaRPr lang="en-US" sz="900" b="0" dirty="0">
+              <a:solidFill>
+                <a:srgbClr val="D4D4D4"/>
+              </a:solidFill>
+              <a:effectLst/>
+              <a:latin typeface="Consolas" panose="020B0609020204030204" pitchFamily="49" charset="0"/>
+            </a:endParaRPr>
+          </a:p>
+        </p:txBody>
+      </p:sp>
+      <p:sp>
+        <p:nvSpPr>
+          <p:cNvPr id="26" name="Rectangle 25">
+            <a:extLst>
+              <a:ext uri="{FF2B5EF4-FFF2-40B4-BE49-F238E27FC236}">
+                <a16:creationId xmlns:a16="http://schemas.microsoft.com/office/drawing/2014/main" id="{C2696ED8-823C-4AC1-A0BB-1B2DF4BEF8D2}"/>
+              </a:ext>
+            </a:extLst>
+          </p:cNvPr>
+          <p:cNvSpPr/>
+          <p:nvPr/>
+        </p:nvSpPr>
+        <p:spPr>
+          <a:xfrm>
+            <a:off x="2781828" y="5444617"/>
+            <a:ext cx="1832810" cy="452921"/>
+          </a:xfrm>
+          <a:prstGeom prst="rect">
+            <a:avLst/>
+          </a:prstGeom>
+        </p:spPr>
+        <p:style>
+          <a:lnRef idx="2">
+            <a:schemeClr val="accent1"/>
+          </a:lnRef>
+          <a:fillRef idx="1">
+            <a:schemeClr val="lt1"/>
+          </a:fillRef>
+          <a:effectRef idx="0">
+            <a:schemeClr val="accent1"/>
+          </a:effectRef>
+          <a:fontRef idx="minor">
+            <a:schemeClr val="dk1"/>
+          </a:fontRef>
+        </p:style>
+        <p:txBody>
+          <a:bodyPr rtlCol="0" anchor="ctr"/>
+          <a:lstStyle/>
+          <a:p>
+            <a:pPr algn="ctr"/>
+            <a:r>
+              <a:rPr lang="en-US" sz="1100" dirty="0" err="1">
+                <a:solidFill>
+                  <a:srgbClr val="569CD6"/>
+                </a:solidFill>
+                <a:latin typeface="Cascadia Code" panose="020B0609020000020004" pitchFamily="49" charset="0"/>
+                <a:cs typeface="Cascadia Code" panose="020B0609020000020004" pitchFamily="49" charset="0"/>
+              </a:rPr>
+              <a:t>SecretManagerClient</a:t>
+            </a:r>
+            <a:endParaRPr lang="en-US" sz="1100" dirty="0">
+              <a:solidFill>
+                <a:srgbClr val="569CD6"/>
+              </a:solidFill>
+              <a:latin typeface="Cascadia Code" panose="020B0609020000020004" pitchFamily="49" charset="0"/>
+              <a:cs typeface="Cascadia Code" panose="020B0609020000020004" pitchFamily="49" charset="0"/>
+            </a:endParaRPr>
+          </a:p>
+        </p:txBody>
+      </p:sp>
+      <p:sp>
+        <p:nvSpPr>
+          <p:cNvPr id="38" name="Rectangle 37">
+            <a:extLst>
+              <a:ext uri="{FF2B5EF4-FFF2-40B4-BE49-F238E27FC236}">
+                <a16:creationId xmlns:a16="http://schemas.microsoft.com/office/drawing/2014/main" id="{3F41CE74-8BD1-4E0A-AFE9-FC7EE38B3BD7}"/>
+              </a:ext>
+            </a:extLst>
+          </p:cNvPr>
+          <p:cNvSpPr/>
+          <p:nvPr/>
+        </p:nvSpPr>
+        <p:spPr>
+          <a:xfrm>
+            <a:off x="2781828" y="4225158"/>
+            <a:ext cx="1832810" cy="588453"/>
+          </a:xfrm>
+          <a:prstGeom prst="rect">
+            <a:avLst/>
+          </a:prstGeom>
+        </p:spPr>
+        <p:style>
+          <a:lnRef idx="2">
+            <a:schemeClr val="accent1"/>
+          </a:lnRef>
+          <a:fillRef idx="1">
+            <a:schemeClr val="lt1"/>
+          </a:fillRef>
+          <a:effectRef idx="0">
+            <a:schemeClr val="accent1"/>
+          </a:effectRef>
+          <a:fontRef idx="minor">
+            <a:schemeClr val="dk1"/>
+          </a:fontRef>
+        </p:style>
+        <p:txBody>
+          <a:bodyPr rtlCol="0" anchor="ctr"/>
+          <a:lstStyle/>
+          <a:p>
+            <a:pPr algn="ctr"/>
+            <a:r>
+              <a:rPr lang="en-US" sz="1200" b="0" dirty="0" err="1">
+                <a:solidFill>
+                  <a:srgbClr val="569CD6"/>
+                </a:solidFill>
+                <a:effectLst/>
+                <a:latin typeface="Cascadia Code" panose="020B0609020000020004" pitchFamily="49" charset="0"/>
+                <a:cs typeface="Cascadia Code" panose="020B0609020000020004" pitchFamily="49" charset="0"/>
+              </a:rPr>
+              <a:t>InfluxDBClient</a:t>
+            </a:r>
+            <a:endParaRPr lang="en-US" sz="1200" dirty="0"/>
+          </a:p>
+        </p:txBody>
+      </p:sp>
+      <p:cxnSp>
+        <p:nvCxnSpPr>
+          <p:cNvPr id="41" name="Straight Arrow Connector 40">
+            <a:extLst>
+              <a:ext uri="{FF2B5EF4-FFF2-40B4-BE49-F238E27FC236}">
+                <a16:creationId xmlns:a16="http://schemas.microsoft.com/office/drawing/2014/main" id="{4A222ED1-049E-4F09-AC1F-C6375493776E}"/>
+              </a:ext>
+            </a:extLst>
+          </p:cNvPr>
+          <p:cNvCxnSpPr>
+            <a:cxnSpLocks/>
+          </p:cNvCxnSpPr>
+          <p:nvPr/>
+        </p:nvCxnSpPr>
+        <p:spPr>
+          <a:xfrm flipV="1">
+            <a:off x="2964302" y="4813611"/>
+            <a:ext cx="0" cy="631006"/>
+          </a:xfrm>
+          <a:prstGeom prst="straightConnector1">
+            <a:avLst/>
+          </a:prstGeom>
+          <a:ln>
+            <a:headEnd type="triangle"/>
+            <a:tailEnd type="triangle"/>
+          </a:ln>
+        </p:spPr>
+        <p:style>
+          <a:lnRef idx="1">
+            <a:schemeClr val="accent1"/>
+          </a:lnRef>
+          <a:fillRef idx="0">
+            <a:schemeClr val="accent1"/>
+          </a:fillRef>
+          <a:effectRef idx="0">
+            <a:schemeClr val="accent1"/>
+          </a:effectRef>
+          <a:fontRef idx="minor">
+            <a:schemeClr val="tx1"/>
+          </a:fontRef>
+        </p:style>
+      </p:cxnSp>
+      <p:sp>
+        <p:nvSpPr>
+          <p:cNvPr id="78" name="TextBox 77">
+            <a:extLst>
+              <a:ext uri="{FF2B5EF4-FFF2-40B4-BE49-F238E27FC236}">
+                <a16:creationId xmlns:a16="http://schemas.microsoft.com/office/drawing/2014/main" id="{3E0DBE02-3996-496A-829D-58141B527E06}"/>
+              </a:ext>
+            </a:extLst>
+          </p:cNvPr>
+          <p:cNvSpPr txBox="1"/>
+          <p:nvPr/>
+        </p:nvSpPr>
+        <p:spPr>
+          <a:xfrm>
+            <a:off x="2965662" y="4867113"/>
+            <a:ext cx="3563893" cy="507831"/>
+          </a:xfrm>
+          <a:prstGeom prst="rect">
+            <a:avLst/>
+          </a:prstGeom>
+          <a:noFill/>
+        </p:spPr>
+        <p:txBody>
+          <a:bodyPr wrap="square">
+            <a:spAutoFit/>
+          </a:bodyPr>
+          <a:lstStyle>
+            <a:defPPr>
+              <a:defRPr lang="en-US"/>
+            </a:defPPr>
+            <a:lvl1pPr>
+              <a:defRPr sz="900" b="0">
+                <a:solidFill>
+                  <a:srgbClr val="569CD6"/>
+                </a:solidFill>
+                <a:effectLst/>
+                <a:latin typeface="Cascadia Code" panose="020B0609020000020004" pitchFamily="49" charset="0"/>
+                <a:cs typeface="Cascadia Code" panose="020B0609020000020004" pitchFamily="49" charset="0"/>
+              </a:defRPr>
+            </a:lvl1pPr>
+          </a:lstStyle>
+          <a:p>
+            <a:r>
+              <a:rPr lang="en-US" dirty="0" err="1"/>
+              <a:t>dbPassword</a:t>
+            </a:r>
+            <a:r>
+              <a:rPr lang="en-US" dirty="0"/>
+              <a:t> = await </a:t>
+            </a:r>
+          </a:p>
+          <a:p>
+            <a:r>
+              <a:rPr lang="en-US" dirty="0" err="1"/>
+              <a:t>secretManagerClient.GetSecretValueAsync</a:t>
+            </a:r>
+            <a:r>
+              <a:rPr lang="en-US" dirty="0"/>
+              <a:t>(</a:t>
+            </a:r>
+            <a:br>
+              <a:rPr lang="en-US" dirty="0"/>
+            </a:br>
+            <a:r>
+              <a:rPr lang="en-US" dirty="0"/>
+              <a:t>“</a:t>
+            </a:r>
+            <a:r>
+              <a:rPr lang="en-US" dirty="0" err="1"/>
+              <a:t>InfluxDbPassword</a:t>
+            </a:r>
+            <a:r>
+              <a:rPr lang="en-US" dirty="0"/>
+              <a:t>“, …)</a:t>
+            </a:r>
+          </a:p>
+        </p:txBody>
+      </p:sp>
+      <p:sp>
+        <p:nvSpPr>
+          <p:cNvPr id="83" name="TextBox 82">
+            <a:extLst>
+              <a:ext uri="{FF2B5EF4-FFF2-40B4-BE49-F238E27FC236}">
+                <a16:creationId xmlns:a16="http://schemas.microsoft.com/office/drawing/2014/main" id="{E8ECB9F5-4306-4A18-BADC-850CE7D59900}"/>
+              </a:ext>
+            </a:extLst>
+          </p:cNvPr>
+          <p:cNvSpPr txBox="1"/>
+          <p:nvPr/>
+        </p:nvSpPr>
+        <p:spPr>
+          <a:xfrm>
+            <a:off x="4614638" y="4150900"/>
+            <a:ext cx="2416224" cy="507831"/>
+          </a:xfrm>
+          <a:prstGeom prst="rect">
+            <a:avLst/>
+          </a:prstGeom>
+          <a:noFill/>
+        </p:spPr>
+        <p:txBody>
+          <a:bodyPr wrap="square">
+            <a:spAutoFit/>
+          </a:bodyPr>
+          <a:lstStyle/>
+          <a:p>
+            <a:r>
+              <a:rPr lang="en-US" sz="900" b="0" dirty="0" err="1">
+                <a:solidFill>
+                  <a:srgbClr val="569CD6"/>
+                </a:solidFill>
+                <a:effectLst/>
+                <a:latin typeface="Cascadia Code" panose="020B0609020000020004" pitchFamily="49" charset="0"/>
+                <a:cs typeface="Cascadia Code" panose="020B0609020000020004" pitchFamily="49" charset="0"/>
+              </a:rPr>
+              <a:t>influxDBClient</a:t>
+            </a:r>
+            <a:r>
+              <a:rPr lang="en-US" sz="900" b="0" dirty="0">
+                <a:solidFill>
+                  <a:srgbClr val="569CD6"/>
+                </a:solidFill>
+                <a:effectLst/>
+                <a:latin typeface="Cascadia Code" panose="020B0609020000020004" pitchFamily="49" charset="0"/>
+                <a:cs typeface="Cascadia Code" panose="020B0609020000020004" pitchFamily="49" charset="0"/>
+              </a:rPr>
+              <a:t> = </a:t>
+            </a:r>
+            <a:r>
+              <a:rPr lang="en-US" sz="900" b="0" dirty="0" err="1">
+                <a:solidFill>
+                  <a:srgbClr val="569CD6"/>
+                </a:solidFill>
+                <a:effectLst/>
+                <a:latin typeface="Cascadia Code" panose="020B0609020000020004" pitchFamily="49" charset="0"/>
+                <a:cs typeface="Cascadia Code" panose="020B0609020000020004" pitchFamily="49" charset="0"/>
+              </a:rPr>
+              <a:t>InfluxDBClientFactory.Create</a:t>
+            </a:r>
+            <a:r>
+              <a:rPr lang="en-US" sz="900" b="0" dirty="0">
+                <a:solidFill>
+                  <a:srgbClr val="569CD6"/>
+                </a:solidFill>
+                <a:effectLst/>
+                <a:latin typeface="Cascadia Code" panose="020B0609020000020004" pitchFamily="49" charset="0"/>
+                <a:cs typeface="Cascadia Code" panose="020B0609020000020004" pitchFamily="49" charset="0"/>
+              </a:rPr>
+              <a:t>(</a:t>
+            </a:r>
+          </a:p>
+          <a:p>
+            <a:r>
+              <a:rPr lang="en-US" sz="900" b="0" dirty="0" err="1">
+                <a:solidFill>
+                  <a:srgbClr val="569CD6"/>
+                </a:solidFill>
+                <a:effectLst/>
+                <a:latin typeface="Cascadia Code" panose="020B0609020000020004" pitchFamily="49" charset="0"/>
+                <a:cs typeface="Cascadia Code" panose="020B0609020000020004" pitchFamily="49" charset="0"/>
+              </a:rPr>
+              <a:t>url</a:t>
+            </a:r>
+            <a:r>
+              <a:rPr lang="en-US" sz="900" b="0" dirty="0">
+                <a:solidFill>
+                  <a:srgbClr val="569CD6"/>
+                </a:solidFill>
+                <a:effectLst/>
+                <a:latin typeface="Cascadia Code" panose="020B0609020000020004" pitchFamily="49" charset="0"/>
+                <a:cs typeface="Cascadia Code" panose="020B0609020000020004" pitchFamily="49" charset="0"/>
+              </a:rPr>
+              <a:t>, username, </a:t>
+            </a:r>
+            <a:r>
+              <a:rPr lang="en-US" sz="900" b="0" dirty="0" err="1">
+                <a:solidFill>
+                  <a:srgbClr val="569CD6"/>
+                </a:solidFill>
+                <a:effectLst/>
+                <a:latin typeface="Cascadia Code" panose="020B0609020000020004" pitchFamily="49" charset="0"/>
+                <a:cs typeface="Cascadia Code" panose="020B0609020000020004" pitchFamily="49" charset="0"/>
+              </a:rPr>
+              <a:t>dbPassword</a:t>
+            </a:r>
+            <a:r>
+              <a:rPr lang="en-US" sz="900" b="0" dirty="0">
+                <a:solidFill>
+                  <a:srgbClr val="569CD6"/>
+                </a:solidFill>
+                <a:effectLst/>
+                <a:latin typeface="Cascadia Code" panose="020B0609020000020004" pitchFamily="49" charset="0"/>
+                <a:cs typeface="Cascadia Code" panose="020B0609020000020004" pitchFamily="49" charset="0"/>
+              </a:rPr>
+              <a:t>);</a:t>
+            </a:r>
+            <a:endParaRPr lang="en-US" sz="900" b="0" dirty="0">
+              <a:solidFill>
+                <a:srgbClr val="D4D4D4"/>
+              </a:solidFill>
+              <a:effectLst/>
+              <a:latin typeface="Cascadia Code" panose="020B0609020000020004" pitchFamily="49" charset="0"/>
+              <a:cs typeface="Cascadia Code" panose="020B0609020000020004" pitchFamily="49" charset="0"/>
+            </a:endParaRPr>
+          </a:p>
+        </p:txBody>
+      </p:sp>
+      <p:sp>
+        <p:nvSpPr>
+          <p:cNvPr id="92" name="TextBox 91">
+            <a:extLst>
+              <a:ext uri="{FF2B5EF4-FFF2-40B4-BE49-F238E27FC236}">
+                <a16:creationId xmlns:a16="http://schemas.microsoft.com/office/drawing/2014/main" id="{60581664-4C4F-41AC-8809-6029FD5C0470}"/>
+              </a:ext>
+            </a:extLst>
+          </p:cNvPr>
+          <p:cNvSpPr txBox="1"/>
+          <p:nvPr/>
+        </p:nvSpPr>
+        <p:spPr>
+          <a:xfrm>
+            <a:off x="2563000" y="3774538"/>
+            <a:ext cx="6097002" cy="307777"/>
+          </a:xfrm>
+          <a:prstGeom prst="rect">
+            <a:avLst/>
+          </a:prstGeom>
+          <a:noFill/>
+        </p:spPr>
+        <p:txBody>
+          <a:bodyPr wrap="square">
+            <a:spAutoFit/>
+          </a:bodyPr>
+          <a:lstStyle/>
+          <a:p>
+            <a:r>
+              <a:rPr lang="en-US" sz="1400" dirty="0"/>
+              <a:t>“</a:t>
+            </a:r>
+            <a:r>
+              <a:rPr lang="en-US" sz="1400" dirty="0" err="1"/>
+              <a:t>sampleApp</a:t>
+            </a:r>
+            <a:r>
+              <a:rPr lang="en-US" sz="1400" dirty="0"/>
+              <a:t>” module</a:t>
+            </a:r>
+          </a:p>
+        </p:txBody>
+      </p:sp>
+      <p:pic>
+        <p:nvPicPr>
+          <p:cNvPr id="3" name="Picture 2" descr="See the source image">
+            <a:extLst>
+              <a:ext uri="{FF2B5EF4-FFF2-40B4-BE49-F238E27FC236}">
+                <a16:creationId xmlns:a16="http://schemas.microsoft.com/office/drawing/2014/main" id="{AA859BBB-7220-4F45-915A-743FC1FEBFA7}"/>
+              </a:ext>
+            </a:extLst>
+          </p:cNvPr>
+          <p:cNvPicPr>
+            <a:picLocks noChangeAspect="1" noChangeArrowheads="1"/>
+          </p:cNvPicPr>
+          <p:nvPr/>
+        </p:nvPicPr>
+        <p:blipFill rotWithShape="1">
+          <a:blip r:embed="rId4">
+            <a:extLst>
+              <a:ext uri="{28A0092B-C50C-407E-A947-70E740481C1C}">
+                <a14:useLocalDpi xmlns:a14="http://schemas.microsoft.com/office/drawing/2010/main" val="0"/>
+              </a:ext>
+            </a:extLst>
+          </a:blip>
+          <a:srcRect l="10421" t="38880" r="8904" b="36363"/>
+          <a:stretch/>
+        </p:blipFill>
+        <p:spPr bwMode="auto">
+          <a:xfrm>
+            <a:off x="7732048" y="4345878"/>
+            <a:ext cx="1443582" cy="354394"/>
+          </a:xfrm>
+          <a:prstGeom prst="rect">
+            <a:avLst/>
+          </a:prstGeom>
+          <a:noFill/>
+          <a:extLst>
+            <a:ext uri="{909E8E84-426E-40DD-AFC4-6F175D3DCCD1}">
+              <a14:hiddenFill xmlns:a14="http://schemas.microsoft.com/office/drawing/2010/main">
+                <a:solidFill>
+                  <a:srgbClr val="FFFFFF"/>
+                </a:solidFill>
+              </a14:hiddenFill>
+            </a:ext>
+          </a:extLst>
+        </p:spPr>
+      </p:pic>
+      <p:sp>
+        <p:nvSpPr>
+          <p:cNvPr id="16" name="TextBox 15">
+            <a:extLst>
+              <a:ext uri="{FF2B5EF4-FFF2-40B4-BE49-F238E27FC236}">
+                <a16:creationId xmlns:a16="http://schemas.microsoft.com/office/drawing/2014/main" id="{150664F6-D638-4BBA-B82E-64EF9BCA251F}"/>
+              </a:ext>
+            </a:extLst>
+          </p:cNvPr>
+          <p:cNvSpPr txBox="1"/>
+          <p:nvPr/>
+        </p:nvSpPr>
+        <p:spPr>
+          <a:xfrm>
+            <a:off x="6914476" y="3758493"/>
+            <a:ext cx="1832810" cy="307777"/>
+          </a:xfrm>
+          <a:prstGeom prst="rect">
+            <a:avLst/>
+          </a:prstGeom>
+          <a:noFill/>
+        </p:spPr>
+        <p:txBody>
+          <a:bodyPr wrap="square">
+            <a:spAutoFit/>
+          </a:bodyPr>
+          <a:lstStyle/>
+          <a:p>
+            <a:r>
+              <a:rPr lang="en-US" sz="1400" dirty="0"/>
+              <a:t>“</a:t>
+            </a:r>
+            <a:r>
+              <a:rPr lang="en-US" sz="1400" dirty="0" err="1"/>
+              <a:t>influxdb</a:t>
+            </a:r>
+            <a:r>
+              <a:rPr lang="en-US" sz="1400" dirty="0"/>
+              <a:t>” module</a:t>
+            </a:r>
+          </a:p>
+        </p:txBody>
+      </p:sp>
+      <p:sp>
+        <p:nvSpPr>
+          <p:cNvPr id="20" name="TextBox 19">
+            <a:extLst>
+              <a:ext uri="{FF2B5EF4-FFF2-40B4-BE49-F238E27FC236}">
+                <a16:creationId xmlns:a16="http://schemas.microsoft.com/office/drawing/2014/main" id="{BE935596-3BEF-491F-B484-8B1B4CED8529}"/>
+              </a:ext>
+            </a:extLst>
+          </p:cNvPr>
+          <p:cNvSpPr txBox="1"/>
+          <p:nvPr/>
+        </p:nvSpPr>
+        <p:spPr>
+          <a:xfrm>
+            <a:off x="2359420" y="3376583"/>
+            <a:ext cx="4160286" cy="307777"/>
+          </a:xfrm>
+          <a:prstGeom prst="rect">
+            <a:avLst/>
+          </a:prstGeom>
+          <a:noFill/>
+        </p:spPr>
+        <p:txBody>
+          <a:bodyPr wrap="square">
+            <a:spAutoFit/>
+          </a:bodyPr>
+          <a:lstStyle/>
+          <a:p>
+            <a:r>
+              <a:rPr lang="en-US" sz="1400" dirty="0"/>
+              <a:t>“</a:t>
+            </a:r>
+            <a:r>
+              <a:rPr lang="en-US" sz="1400" dirty="0" err="1"/>
+              <a:t>deployment.influxdb.template.json</a:t>
+            </a:r>
+            <a:r>
+              <a:rPr lang="en-US" sz="1400" dirty="0"/>
+              <a:t>” edge solution</a:t>
+            </a:r>
+          </a:p>
+        </p:txBody>
+      </p:sp>
+    </p:spTree>
+    <p:extLst>
+      <p:ext uri="{BB962C8B-B14F-4D97-AF65-F5344CB8AC3E}">
+        <p14:creationId xmlns:p14="http://schemas.microsoft.com/office/powerpoint/2010/main" val="1287367562"/>
+      </p:ext>
+    </p:extLst>
+  </p:cSld>
+  <p:clrMapOvr>
+    <a:masterClrMapping/>
+  </p:clrMapOvr>
+</p:sld>
+</file>
+
 <file path=ppt/theme/theme1.xml><?xml version="1.0" encoding="utf-8"?>
 <a:theme xmlns:a="http://schemas.openxmlformats.org/drawingml/2006/main" name="Office Theme">
   <a:themeElements>

--- a/docs/drawings.pptx
+++ b/docs/drawings.pptx
@@ -7282,10 +7282,10 @@
       </p:grpSpPr>
       <p:sp>
         <p:nvSpPr>
-          <p:cNvPr id="22" name="Rectangle: Rounded Corners 21">
-            <a:extLst>
-              <a:ext uri="{FF2B5EF4-FFF2-40B4-BE49-F238E27FC236}">
-                <a16:creationId xmlns:a16="http://schemas.microsoft.com/office/drawing/2014/main" id="{4C75B854-4144-4F0E-B1D8-706342EFDACF}"/>
+          <p:cNvPr id="13" name="Rectangle: Rounded Corners 12">
+            <a:extLst>
+              <a:ext uri="{FF2B5EF4-FFF2-40B4-BE49-F238E27FC236}">
+                <a16:creationId xmlns:a16="http://schemas.microsoft.com/office/drawing/2014/main" id="{1E687DD2-4605-4F84-853B-7A106D4D849C}"/>
               </a:ext>
             </a:extLst>
           </p:cNvPr>
@@ -7294,8 +7294,8 @@
         </p:nvSpPr>
         <p:spPr>
           <a:xfrm>
-            <a:off x="1798685" y="6315039"/>
-            <a:ext cx="8162580" cy="484542"/>
+            <a:off x="5944623" y="2033024"/>
+            <a:ext cx="1497029" cy="793079"/>
           </a:xfrm>
           <a:prstGeom prst="roundRect">
             <a:avLst>
@@ -7322,16 +7322,18 @@
           <a:lstStyle/>
           <a:p>
             <a:pPr algn="ctr"/>
-            <a:endParaRPr lang="en-US"/>
+            <a:endParaRPr lang="en-US">
+              <a:latin typeface="Arial Nova Cond" panose="020B0506020202020204" pitchFamily="34" charset="0"/>
+            </a:endParaRPr>
           </a:p>
         </p:txBody>
       </p:sp>
       <p:sp>
         <p:nvSpPr>
-          <p:cNvPr id="32" name="Rectangle: Rounded Corners 31">
-            <a:extLst>
-              <a:ext uri="{FF2B5EF4-FFF2-40B4-BE49-F238E27FC236}">
-                <a16:creationId xmlns:a16="http://schemas.microsoft.com/office/drawing/2014/main" id="{278B6650-E555-466B-82DD-BFAA9EE21385}"/>
+          <p:cNvPr id="22" name="Rectangle: Rounded Corners 21">
+            <a:extLst>
+              <a:ext uri="{FF2B5EF4-FFF2-40B4-BE49-F238E27FC236}">
+                <a16:creationId xmlns:a16="http://schemas.microsoft.com/office/drawing/2014/main" id="{4C75B854-4144-4F0E-B1D8-706342EFDACF}"/>
               </a:ext>
             </a:extLst>
           </p:cNvPr>
@@ -7340,14 +7342,15 @@
         </p:nvSpPr>
         <p:spPr>
           <a:xfrm>
-            <a:off x="1784599" y="3648118"/>
-            <a:ext cx="8162580" cy="2563010"/>
+            <a:off x="1798685" y="6297614"/>
+            <a:ext cx="8162580" cy="554063"/>
           </a:xfrm>
           <a:prstGeom prst="roundRect">
             <a:avLst>
               <a:gd name="adj" fmla="val 4345"/>
             </a:avLst>
           </a:prstGeom>
+          <a:ln w="19050"/>
         </p:spPr>
         <p:style>
           <a:lnRef idx="2">
@@ -7374,10 +7377,10 @@
       </p:sp>
       <p:sp>
         <p:nvSpPr>
-          <p:cNvPr id="8" name="Rectangle 7">
-            <a:extLst>
-              <a:ext uri="{FF2B5EF4-FFF2-40B4-BE49-F238E27FC236}">
-                <a16:creationId xmlns:a16="http://schemas.microsoft.com/office/drawing/2014/main" id="{C3640122-F9F0-4651-B039-C234418BF22D}"/>
+          <p:cNvPr id="32" name="Rectangle: Rounded Corners 31">
+            <a:extLst>
+              <a:ext uri="{FF2B5EF4-FFF2-40B4-BE49-F238E27FC236}">
+                <a16:creationId xmlns:a16="http://schemas.microsoft.com/office/drawing/2014/main" id="{278B6650-E555-466B-82DD-BFAA9EE21385}"/>
               </a:ext>
             </a:extLst>
           </p:cNvPr>
@@ -7386,15 +7389,15 @@
         </p:nvSpPr>
         <p:spPr>
           <a:xfrm>
-            <a:off x="7030862" y="4040958"/>
-            <a:ext cx="2195476" cy="997844"/>
-          </a:xfrm>
-          <a:prstGeom prst="rect">
-            <a:avLst/>
-          </a:prstGeom>
-          <a:ln>
-            <a:prstDash val="sysDash"/>
-          </a:ln>
+            <a:off x="1784599" y="3655082"/>
+            <a:ext cx="8162580" cy="2308041"/>
+          </a:xfrm>
+          <a:prstGeom prst="roundRect">
+            <a:avLst>
+              <a:gd name="adj" fmla="val 4345"/>
+            </a:avLst>
+          </a:prstGeom>
+          <a:ln w="19050"/>
         </p:spPr>
         <p:style>
           <a:lnRef idx="2">
@@ -7415,16 +7418,16 @@
           <a:lstStyle/>
           <a:p>
             <a:pPr algn="ctr"/>
-            <a:endParaRPr lang="en-US" dirty="0"/>
+            <a:endParaRPr lang="en-US"/>
           </a:p>
         </p:txBody>
       </p:sp>
       <p:sp>
         <p:nvSpPr>
-          <p:cNvPr id="50" name="Rectangle 49">
-            <a:extLst>
-              <a:ext uri="{FF2B5EF4-FFF2-40B4-BE49-F238E27FC236}">
-                <a16:creationId xmlns:a16="http://schemas.microsoft.com/office/drawing/2014/main" id="{8AEF91B3-317A-4AC7-9752-3F5D697AC46D}"/>
+          <p:cNvPr id="8" name="Rectangle 7">
+            <a:extLst>
+              <a:ext uri="{FF2B5EF4-FFF2-40B4-BE49-F238E27FC236}">
+                <a16:creationId xmlns:a16="http://schemas.microsoft.com/office/drawing/2014/main" id="{C3640122-F9F0-4651-B039-C234418BF22D}"/>
               </a:ext>
             </a:extLst>
           </p:cNvPr>
@@ -7433,14 +7436,14 @@
         </p:nvSpPr>
         <p:spPr>
           <a:xfrm>
-            <a:off x="2568863" y="4047038"/>
-            <a:ext cx="4216859" cy="2052020"/>
+            <a:off x="7030862" y="3956210"/>
+            <a:ext cx="1721853" cy="932195"/>
           </a:xfrm>
           <a:prstGeom prst="rect">
             <a:avLst/>
           </a:prstGeom>
           <a:ln>
-            <a:prstDash val="sysDash"/>
+            <a:prstDash val="solid"/>
           </a:ln>
         </p:spPr>
         <p:style>
@@ -7466,6 +7469,53 @@
           </a:p>
         </p:txBody>
       </p:sp>
+      <p:sp>
+        <p:nvSpPr>
+          <p:cNvPr id="50" name="Rectangle 49">
+            <a:extLst>
+              <a:ext uri="{FF2B5EF4-FFF2-40B4-BE49-F238E27FC236}">
+                <a16:creationId xmlns:a16="http://schemas.microsoft.com/office/drawing/2014/main" id="{8AEF91B3-317A-4AC7-9752-3F5D697AC46D}"/>
+              </a:ext>
+            </a:extLst>
+          </p:cNvPr>
+          <p:cNvSpPr/>
+          <p:nvPr/>
+        </p:nvSpPr>
+        <p:spPr>
+          <a:xfrm>
+            <a:off x="2568863" y="3956211"/>
+            <a:ext cx="4216859" cy="1888482"/>
+          </a:xfrm>
+          <a:prstGeom prst="rect">
+            <a:avLst/>
+          </a:prstGeom>
+          <a:ln>
+            <a:prstDash val="solid"/>
+          </a:ln>
+        </p:spPr>
+        <p:style>
+          <a:lnRef idx="2">
+            <a:schemeClr val="accent1"/>
+          </a:lnRef>
+          <a:fillRef idx="1">
+            <a:schemeClr val="lt1"/>
+          </a:fillRef>
+          <a:effectRef idx="0">
+            <a:schemeClr val="accent1"/>
+          </a:effectRef>
+          <a:fontRef idx="minor">
+            <a:schemeClr val="dk1"/>
+          </a:fontRef>
+        </p:style>
+        <p:txBody>
+          <a:bodyPr rtlCol="0" anchor="ctr"/>
+          <a:lstStyle/>
+          <a:p>
+            <a:pPr algn="ctr"/>
+            <a:endParaRPr lang="en-US" dirty="0"/>
+          </a:p>
+        </p:txBody>
+      </p:sp>
       <p:grpSp>
         <p:nvGrpSpPr>
           <p:cNvPr id="21" name="Group 20">
@@ -7480,10 +7530,10 @@
         </p:nvGrpSpPr>
         <p:grpSpPr>
           <a:xfrm>
-            <a:off x="4774895" y="139299"/>
-            <a:ext cx="1475084" cy="740601"/>
-            <a:chOff x="4304628" y="841206"/>
-            <a:chExt cx="1475084" cy="740601"/>
+            <a:off x="4071932" y="721507"/>
+            <a:ext cx="1629482" cy="479216"/>
+            <a:chOff x="3642607" y="841206"/>
+            <a:chExt cx="1629482" cy="479216"/>
           </a:xfrm>
         </p:grpSpPr>
         <p:pic>
@@ -7545,8 +7595,8 @@
           </p:nvSpPr>
           <p:spPr>
             <a:xfrm>
-              <a:off x="4304628" y="1335586"/>
-              <a:ext cx="1475084" cy="246221"/>
+              <a:off x="3642607" y="846808"/>
+              <a:ext cx="1128835" cy="400110"/>
             </a:xfrm>
             <a:prstGeom prst="rect">
               <a:avLst/>
@@ -7559,106 +7609,23 @@
             </a:bodyPr>
             <a:lstStyle/>
             <a:p>
+              <a:pPr algn="r"/>
               <a:r>
-                <a:rPr lang="en-US" sz="1000" dirty="0"/>
-                <a:t>Azure Container Registry</a:t>
+                <a:rPr lang="en-US" sz="1000" dirty="0">
+                  <a:latin typeface="Arial Nova Cond" panose="020B0506020202020204" pitchFamily="34" charset="0"/>
+                </a:rPr>
+                <a:t>Azure </a:t>
               </a:r>
-            </a:p>
-          </p:txBody>
-        </p:sp>
-      </p:grpSp>
-      <p:grpSp>
-        <p:nvGrpSpPr>
-          <p:cNvPr id="19" name="Group 18">
-            <a:extLst>
-              <a:ext uri="{FF2B5EF4-FFF2-40B4-BE49-F238E27FC236}">
-                <a16:creationId xmlns:a16="http://schemas.microsoft.com/office/drawing/2014/main" id="{98ACBFC6-029D-47F1-A1D0-1ED06685DC36}"/>
-              </a:ext>
-            </a:extLst>
-          </p:cNvPr>
-          <p:cNvGrpSpPr/>
-          <p:nvPr/>
-        </p:nvGrpSpPr>
-        <p:grpSpPr>
-          <a:xfrm>
-            <a:off x="5879975" y="1953581"/>
-            <a:ext cx="1314784" cy="805788"/>
-            <a:chOff x="6235002" y="769945"/>
-            <a:chExt cx="1314784" cy="805788"/>
-          </a:xfrm>
-        </p:grpSpPr>
-        <p:pic>
-          <p:nvPicPr>
-            <p:cNvPr id="6" name="Picture 5">
-              <a:extLst>
-                <a:ext uri="{FF2B5EF4-FFF2-40B4-BE49-F238E27FC236}">
-                  <a16:creationId xmlns:a16="http://schemas.microsoft.com/office/drawing/2014/main" id="{1DE2DFB2-1CA0-409B-8C30-6233579847E5}"/>
-                </a:ext>
-              </a:extLst>
-            </p:cNvPr>
-            <p:cNvPicPr>
-              <a:picLocks noChangeAspect="1"/>
-            </p:cNvPicPr>
-            <p:nvPr/>
-          </p:nvPicPr>
-          <p:blipFill>
-            <a:blip r:embed="rId3">
-              <a:clrChange>
-                <a:clrFrom>
-                  <a:srgbClr val="FFFFFF"/>
-                </a:clrFrom>
-                <a:clrTo>
-                  <a:srgbClr val="FFFFFF">
-                    <a:alpha val="0"/>
-                  </a:srgbClr>
-                </a:clrTo>
-              </a:clrChange>
-            </a:blip>
-            <a:stretch>
-              <a:fillRect/>
-            </a:stretch>
-          </p:blipFill>
-          <p:spPr>
-            <a:xfrm>
-              <a:off x="6545093" y="769945"/>
-              <a:ext cx="659280" cy="612189"/>
-            </a:xfrm>
-            <a:prstGeom prst="rect">
-              <a:avLst/>
-            </a:prstGeom>
-          </p:spPr>
-        </p:pic>
-        <p:sp>
-          <p:nvSpPr>
-            <p:cNvPr id="7" name="TextBox 6">
-              <a:extLst>
-                <a:ext uri="{FF2B5EF4-FFF2-40B4-BE49-F238E27FC236}">
-                  <a16:creationId xmlns:a16="http://schemas.microsoft.com/office/drawing/2014/main" id="{D5527EA6-243A-406D-BFD9-0A9E374D205A}"/>
-                </a:ext>
-              </a:extLst>
-            </p:cNvPr>
-            <p:cNvSpPr txBox="1"/>
-            <p:nvPr/>
-          </p:nvSpPr>
-          <p:spPr>
-            <a:xfrm>
-              <a:off x="6235002" y="1329512"/>
-              <a:ext cx="1314784" cy="246221"/>
-            </a:xfrm>
-            <a:prstGeom prst="rect">
-              <a:avLst/>
-            </a:prstGeom>
-            <a:noFill/>
-          </p:spPr>
-          <p:txBody>
-            <a:bodyPr wrap="none" rtlCol="0">
-              <a:spAutoFit/>
-            </a:bodyPr>
-            <a:lstStyle/>
-            <a:p>
+              <a:br>
+                <a:rPr lang="en-US" sz="1000" dirty="0">
+                  <a:latin typeface="Arial Nova Cond" panose="020B0506020202020204" pitchFamily="34" charset="0"/>
+                </a:rPr>
+              </a:br>
               <a:r>
-                <a:rPr lang="en-US" sz="1000" dirty="0"/>
-                <a:t>Azure Container Apps</a:t>
+                <a:rPr lang="en-US" sz="1000" dirty="0">
+                  <a:latin typeface="Arial Nova Cond" panose="020B0506020202020204" pitchFamily="34" charset="0"/>
+                </a:rPr>
+                <a:t>Container Registry</a:t>
               </a:r>
             </a:p>
           </p:txBody>
@@ -7699,7 +7666,7 @@
             <p:nvPr/>
           </p:nvPicPr>
           <p:blipFill>
-            <a:blip r:embed="rId4">
+            <a:blip r:embed="rId3">
               <a:clrChange>
                 <a:clrFrom>
                   <a:srgbClr val="FDFDFD"/>
@@ -7770,7 +7737,9 @@
             <a:lstStyle/>
             <a:p>
               <a:r>
-                <a:rPr lang="en-US" sz="1000" dirty="0"/>
+                <a:rPr lang="en-US" sz="1000" dirty="0">
+                  <a:latin typeface="Arial Nova Cond" panose="020B0506020202020204" pitchFamily="34" charset="0"/>
+                </a:rPr>
                 <a:t>Azure IoT Hub</a:t>
               </a:r>
             </a:p>
@@ -7791,10 +7760,10 @@
         </p:nvGrpSpPr>
         <p:grpSpPr>
           <a:xfrm>
-            <a:off x="8193318" y="2874078"/>
-            <a:ext cx="1191352" cy="671562"/>
-            <a:chOff x="9368201" y="863086"/>
-            <a:chExt cx="1191352" cy="671562"/>
+            <a:off x="8806705" y="2804067"/>
+            <a:ext cx="1265913" cy="445047"/>
+            <a:chOff x="9732893" y="848054"/>
+            <a:chExt cx="1265913" cy="445047"/>
           </a:xfrm>
         </p:grpSpPr>
         <p:pic>
@@ -7812,7 +7781,7 @@
             <p:nvPr/>
           </p:nvPicPr>
           <p:blipFill>
-            <a:blip r:embed="rId5">
+            <a:blip r:embed="rId4">
               <a:extLst>
                 <a:ext uri="{28A0092B-C50C-407E-A947-70E740481C1C}">
                   <a14:useLocalDpi xmlns:a14="http://schemas.microsoft.com/office/drawing/2010/main" val="0"/>
@@ -7858,8 +7827,8 @@
           </p:nvSpPr>
           <p:spPr>
             <a:xfrm>
-              <a:off x="9368201" y="1288427"/>
-              <a:ext cx="1191352" cy="246221"/>
+              <a:off x="10131261" y="848054"/>
+              <a:ext cx="867545" cy="400110"/>
             </a:xfrm>
             <a:prstGeom prst="rect">
               <a:avLst/>
@@ -7880,8 +7849,21 @@
             </a:lstStyle>
             <a:p>
               <a:r>
-                <a:rPr lang="en-US" dirty="0"/>
-                <a:t>Azure Log Analytics</a:t>
+                <a:rPr lang="en-US" dirty="0">
+                  <a:latin typeface="Arial Nova Cond" panose="020B0506020202020204" pitchFamily="34" charset="0"/>
+                </a:rPr>
+                <a:t>Azure </a:t>
+              </a:r>
+              <a:br>
+                <a:rPr lang="en-US" dirty="0">
+                  <a:latin typeface="Arial Nova Cond" panose="020B0506020202020204" pitchFamily="34" charset="0"/>
+                </a:rPr>
+              </a:br>
+              <a:r>
+                <a:rPr lang="en-US" dirty="0">
+                  <a:latin typeface="Arial Nova Cond" panose="020B0506020202020204" pitchFamily="34" charset="0"/>
+                </a:rPr>
+                <a:t>Log Analytics</a:t>
               </a:r>
             </a:p>
           </p:txBody>
@@ -7901,7 +7883,7 @@
         </p:nvGrpSpPr>
         <p:grpSpPr>
           <a:xfrm>
-            <a:off x="3792195" y="2326023"/>
+            <a:off x="3541979" y="2318729"/>
             <a:ext cx="1059906" cy="805254"/>
             <a:chOff x="10587444" y="764507"/>
             <a:chExt cx="1059906" cy="805254"/>
@@ -7913,6 +7895,121 @@
               <a:extLst>
                 <a:ext uri="{FF2B5EF4-FFF2-40B4-BE49-F238E27FC236}">
                   <a16:creationId xmlns:a16="http://schemas.microsoft.com/office/drawing/2014/main" id="{BB75325C-BE80-4716-B3AB-888FDA93A36B}"/>
+                </a:ext>
+              </a:extLst>
+            </p:cNvPr>
+            <p:cNvPicPr>
+              <a:picLocks noChangeAspect="1" noChangeArrowheads="1"/>
+            </p:cNvPicPr>
+            <p:nvPr/>
+          </p:nvPicPr>
+          <p:blipFill>
+            <a:blip r:embed="rId5">
+              <a:clrChange>
+                <a:clrFrom>
+                  <a:srgbClr val="FDFDFD"/>
+                </a:clrFrom>
+                <a:clrTo>
+                  <a:srgbClr val="FDFDFD">
+                    <a:alpha val="0"/>
+                  </a:srgbClr>
+                </a:clrTo>
+              </a:clrChange>
+              <a:extLst>
+                <a:ext uri="{28A0092B-C50C-407E-A947-70E740481C1C}">
+                  <a14:useLocalDpi xmlns:a14="http://schemas.microsoft.com/office/drawing/2010/main" val="0"/>
+                </a:ext>
+              </a:extLst>
+            </a:blip>
+            <a:srcRect/>
+            <a:stretch>
+              <a:fillRect/>
+            </a:stretch>
+          </p:blipFill>
+          <p:spPr bwMode="auto">
+            <a:xfrm>
+              <a:off x="10824907" y="764507"/>
+              <a:ext cx="584980" cy="584980"/>
+            </a:xfrm>
+            <a:prstGeom prst="rect">
+              <a:avLst/>
+            </a:prstGeom>
+            <a:noFill/>
+            <a:extLst>
+              <a:ext uri="{909E8E84-426E-40DD-AFC4-6F175D3DCCD1}">
+                <a14:hiddenFill xmlns:a14="http://schemas.microsoft.com/office/drawing/2010/main">
+                  <a:solidFill>
+                    <a:srgbClr val="FFFFFF"/>
+                  </a:solidFill>
+                </a14:hiddenFill>
+              </a:ext>
+            </a:extLst>
+          </p:spPr>
+        </p:pic>
+        <p:sp>
+          <p:nvSpPr>
+            <p:cNvPr id="12" name="TextBox 11">
+              <a:extLst>
+                <a:ext uri="{FF2B5EF4-FFF2-40B4-BE49-F238E27FC236}">
+                  <a16:creationId xmlns:a16="http://schemas.microsoft.com/office/drawing/2014/main" id="{42ACD0CC-6F04-4067-8439-7BB4106B3467}"/>
+                </a:ext>
+              </a:extLst>
+            </p:cNvPr>
+            <p:cNvSpPr txBox="1"/>
+            <p:nvPr/>
+          </p:nvSpPr>
+          <p:spPr>
+            <a:xfrm>
+              <a:off x="10587444" y="1323540"/>
+              <a:ext cx="1059906" cy="246221"/>
+            </a:xfrm>
+            <a:prstGeom prst="rect">
+              <a:avLst/>
+            </a:prstGeom>
+            <a:noFill/>
+          </p:spPr>
+          <p:txBody>
+            <a:bodyPr wrap="none" rtlCol="0">
+              <a:spAutoFit/>
+            </a:bodyPr>
+            <a:lstStyle/>
+            <a:p>
+              <a:r>
+                <a:rPr lang="en-US" sz="1000" dirty="0">
+                  <a:latin typeface="Arial Nova Cond" panose="020B0506020202020204" pitchFamily="34" charset="0"/>
+                </a:rPr>
+                <a:t>Azure Event Grid</a:t>
+              </a:r>
+            </a:p>
+          </p:txBody>
+        </p:sp>
+      </p:grpSp>
+      <p:grpSp>
+        <p:nvGrpSpPr>
+          <p:cNvPr id="23" name="Group 22">
+            <a:extLst>
+              <a:ext uri="{FF2B5EF4-FFF2-40B4-BE49-F238E27FC236}">
+                <a16:creationId xmlns:a16="http://schemas.microsoft.com/office/drawing/2014/main" id="{E4D241D0-F5D6-4665-9CD5-6C50C04D2831}"/>
+              </a:ext>
+            </a:extLst>
+          </p:cNvPr>
+          <p:cNvGrpSpPr/>
+          <p:nvPr/>
+        </p:nvGrpSpPr>
+        <p:grpSpPr>
+          <a:xfrm>
+            <a:off x="8850547" y="2165853"/>
+            <a:ext cx="1028669" cy="472114"/>
+            <a:chOff x="3373522" y="834058"/>
+            <a:chExt cx="1028669" cy="472114"/>
+          </a:xfrm>
+        </p:grpSpPr>
+        <p:pic>
+          <p:nvPicPr>
+            <p:cNvPr id="1028" name="Picture 4" descr="See related image detail">
+              <a:extLst>
+                <a:ext uri="{FF2B5EF4-FFF2-40B4-BE49-F238E27FC236}">
+                  <a16:creationId xmlns:a16="http://schemas.microsoft.com/office/drawing/2014/main" id="{650EC945-E073-4979-BA21-343CE6D70BB9}"/>
                 </a:ext>
               </a:extLst>
             </p:cNvPr>
@@ -7946,119 +8043,6 @@
           </p:blipFill>
           <p:spPr bwMode="auto">
             <a:xfrm>
-              <a:off x="10824907" y="764507"/>
-              <a:ext cx="584980" cy="584980"/>
-            </a:xfrm>
-            <a:prstGeom prst="rect">
-              <a:avLst/>
-            </a:prstGeom>
-            <a:noFill/>
-            <a:extLst>
-              <a:ext uri="{909E8E84-426E-40DD-AFC4-6F175D3DCCD1}">
-                <a14:hiddenFill xmlns:a14="http://schemas.microsoft.com/office/drawing/2010/main">
-                  <a:solidFill>
-                    <a:srgbClr val="FFFFFF"/>
-                  </a:solidFill>
-                </a14:hiddenFill>
-              </a:ext>
-            </a:extLst>
-          </p:spPr>
-        </p:pic>
-        <p:sp>
-          <p:nvSpPr>
-            <p:cNvPr id="12" name="TextBox 11">
-              <a:extLst>
-                <a:ext uri="{FF2B5EF4-FFF2-40B4-BE49-F238E27FC236}">
-                  <a16:creationId xmlns:a16="http://schemas.microsoft.com/office/drawing/2014/main" id="{42ACD0CC-6F04-4067-8439-7BB4106B3467}"/>
-                </a:ext>
-              </a:extLst>
-            </p:cNvPr>
-            <p:cNvSpPr txBox="1"/>
-            <p:nvPr/>
-          </p:nvSpPr>
-          <p:spPr>
-            <a:xfrm>
-              <a:off x="10587444" y="1323540"/>
-              <a:ext cx="1059906" cy="246221"/>
-            </a:xfrm>
-            <a:prstGeom prst="rect">
-              <a:avLst/>
-            </a:prstGeom>
-            <a:noFill/>
-          </p:spPr>
-          <p:txBody>
-            <a:bodyPr wrap="none" rtlCol="0">
-              <a:spAutoFit/>
-            </a:bodyPr>
-            <a:lstStyle/>
-            <a:p>
-              <a:r>
-                <a:rPr lang="en-US" sz="1000" dirty="0"/>
-                <a:t>Azure Event Grid</a:t>
-              </a:r>
-            </a:p>
-          </p:txBody>
-        </p:sp>
-      </p:grpSp>
-      <p:grpSp>
-        <p:nvGrpSpPr>
-          <p:cNvPr id="23" name="Group 22">
-            <a:extLst>
-              <a:ext uri="{FF2B5EF4-FFF2-40B4-BE49-F238E27FC236}">
-                <a16:creationId xmlns:a16="http://schemas.microsoft.com/office/drawing/2014/main" id="{E4D241D0-F5D6-4665-9CD5-6C50C04D2831}"/>
-              </a:ext>
-            </a:extLst>
-          </p:cNvPr>
-          <p:cNvGrpSpPr/>
-          <p:nvPr/>
-        </p:nvGrpSpPr>
-        <p:grpSpPr>
-          <a:xfrm>
-            <a:off x="8318586" y="2022848"/>
-            <a:ext cx="976549" cy="736521"/>
-            <a:chOff x="3100254" y="834058"/>
-            <a:chExt cx="976549" cy="736521"/>
-          </a:xfrm>
-        </p:grpSpPr>
-        <p:pic>
-          <p:nvPicPr>
-            <p:cNvPr id="1028" name="Picture 4" descr="See related image detail">
-              <a:extLst>
-                <a:ext uri="{FF2B5EF4-FFF2-40B4-BE49-F238E27FC236}">
-                  <a16:creationId xmlns:a16="http://schemas.microsoft.com/office/drawing/2014/main" id="{650EC945-E073-4979-BA21-343CE6D70BB9}"/>
-                </a:ext>
-              </a:extLst>
-            </p:cNvPr>
-            <p:cNvPicPr>
-              <a:picLocks noChangeAspect="1" noChangeArrowheads="1"/>
-            </p:cNvPicPr>
-            <p:nvPr/>
-          </p:nvPicPr>
-          <p:blipFill>
-            <a:blip r:embed="rId7">
-              <a:clrChange>
-                <a:clrFrom>
-                  <a:srgbClr val="FDFDFD"/>
-                </a:clrFrom>
-                <a:clrTo>
-                  <a:srgbClr val="FDFDFD">
-                    <a:alpha val="0"/>
-                  </a:srgbClr>
-                </a:clrTo>
-              </a:clrChange>
-              <a:extLst>
-                <a:ext uri="{28A0092B-C50C-407E-A947-70E740481C1C}">
-                  <a14:useLocalDpi xmlns:a14="http://schemas.microsoft.com/office/drawing/2010/main" val="0"/>
-                </a:ext>
-              </a:extLst>
-            </a:blip>
-            <a:srcRect/>
-            <a:stretch>
-              <a:fillRect/>
-            </a:stretch>
-          </p:blipFill>
-          <p:spPr bwMode="auto">
-            <a:xfrm>
               <a:off x="3373522" y="834058"/>
               <a:ext cx="430015" cy="472114"/>
             </a:xfrm>
@@ -8091,8 +8075,8 @@
           </p:nvSpPr>
           <p:spPr>
             <a:xfrm>
-              <a:off x="3100254" y="1324358"/>
-              <a:ext cx="976549" cy="246221"/>
+              <a:off x="3771890" y="858449"/>
+              <a:ext cx="630301" cy="400110"/>
             </a:xfrm>
             <a:prstGeom prst="rect">
               <a:avLst/>
@@ -8106,14 +8090,25 @@
             <a:lstStyle/>
             <a:p>
               <a:r>
-                <a:rPr lang="en-US" sz="1000" dirty="0"/>
+                <a:rPr lang="en-US" sz="1000" dirty="0">
+                  <a:latin typeface="Arial Nova Cond" panose="020B0506020202020204" pitchFamily="34" charset="0"/>
+                </a:rPr>
                 <a:t>Azure </a:t>
               </a:r>
+              <a:br>
+                <a:rPr lang="en-US" sz="1000" dirty="0">
+                  <a:latin typeface="Arial Nova Cond" panose="020B0506020202020204" pitchFamily="34" charset="0"/>
+                </a:rPr>
+              </a:br>
               <a:r>
-                <a:rPr lang="en-US" sz="1000" dirty="0" err="1"/>
+                <a:rPr lang="en-US" sz="1000" dirty="0" err="1">
+                  <a:latin typeface="Arial Nova Cond" panose="020B0506020202020204" pitchFamily="34" charset="0"/>
+                </a:rPr>
                 <a:t>KeyVault</a:t>
               </a:r>
-              <a:endParaRPr lang="en-US" sz="1000" dirty="0"/>
+              <a:endParaRPr lang="en-US" sz="1000" dirty="0">
+                <a:latin typeface="Arial Nova Cond" panose="020B0506020202020204" pitchFamily="34" charset="0"/>
+              </a:endParaRPr>
             </a:p>
           </p:txBody>
         </p:sp>
@@ -8128,15 +8123,16 @@
             </a:extLst>
           </p:cNvPr>
           <p:cNvCxnSpPr>
-            <a:stCxn id="6" idx="3"/>
+            <a:cxnSpLocks/>
+            <a:stCxn id="72" idx="3"/>
             <a:endCxn id="1028" idx="1"/>
           </p:cNvCxnSpPr>
           <p:nvPr/>
         </p:nvCxnSpPr>
         <p:spPr>
           <a:xfrm flipV="1">
-            <a:off x="6849346" y="2258905"/>
-            <a:ext cx="1742508" cy="771"/>
+            <a:off x="7441652" y="2401910"/>
+            <a:ext cx="1408895" cy="3658"/>
           </a:xfrm>
           <a:prstGeom prst="straightConnector1">
             <a:avLst/>
@@ -8175,7 +8171,7 @@
         </p:nvSpPr>
         <p:spPr>
           <a:xfrm>
-            <a:off x="7193117" y="3059101"/>
+            <a:off x="7916640" y="3040185"/>
             <a:ext cx="1224769" cy="246221"/>
           </a:xfrm>
           <a:prstGeom prst="rect">
@@ -8190,8 +8186,10 @@
           <a:lstStyle/>
           <a:p>
             <a:r>
-              <a:rPr lang="en-US" sz="1000" dirty="0"/>
-              <a:t>AUDIT TRAIL</a:t>
+              <a:rPr lang="en-US" sz="1000" dirty="0">
+                <a:latin typeface="Arial Nova Cond" panose="020B0506020202020204" pitchFamily="34" charset="0"/>
+              </a:rPr>
+              <a:t>AUDIT LOGS</a:t>
             </a:r>
           </a:p>
         </p:txBody>
@@ -8210,8 +8208,8 @@
         </p:nvSpPr>
         <p:spPr>
           <a:xfrm>
-            <a:off x="6971581" y="2037353"/>
-            <a:ext cx="1224769" cy="246221"/>
+            <a:off x="7986229" y="2199276"/>
+            <a:ext cx="964788" cy="246221"/>
           </a:xfrm>
           <a:prstGeom prst="rect">
             <a:avLst/>
@@ -8233,7 +8231,9 @@
           <a:p>
             <a:pPr algn="ctr"/>
             <a:r>
-              <a:rPr lang="en-US" dirty="0"/>
+              <a:rPr lang="en-US" dirty="0">
+                <a:latin typeface="Arial Nova Cond" panose="020B0506020202020204" pitchFamily="34" charset="0"/>
+              </a:rPr>
               <a:t>SECRETS</a:t>
             </a:r>
           </a:p>
@@ -8256,7 +8256,7 @@
         </p:nvCxnSpPr>
         <p:spPr>
           <a:xfrm>
-            <a:off x="2563000" y="2372292"/>
+            <a:off x="2312784" y="2364998"/>
             <a:ext cx="1466658" cy="246221"/>
           </a:xfrm>
           <a:prstGeom prst="bentConnector3">
@@ -8299,7 +8299,7 @@
         </p:nvCxnSpPr>
         <p:spPr>
           <a:xfrm flipV="1">
-            <a:off x="4622479" y="5671078"/>
+            <a:off x="4622479" y="5520682"/>
             <a:ext cx="2442349" cy="13506"/>
           </a:xfrm>
           <a:prstGeom prst="straightConnector1">
@@ -8341,7 +8341,7 @@
         </p:nvCxnSpPr>
         <p:spPr>
           <a:xfrm>
-            <a:off x="4620071" y="4681065"/>
+            <a:off x="4620071" y="4530669"/>
             <a:ext cx="2585800" cy="10036"/>
           </a:xfrm>
           <a:prstGeom prst="straightConnector1">
@@ -8381,7 +8381,7 @@
         </p:nvSpPr>
         <p:spPr>
           <a:xfrm>
-            <a:off x="7397643" y="5453507"/>
+            <a:off x="7397643" y="5303111"/>
             <a:ext cx="1834733" cy="276999"/>
           </a:xfrm>
           <a:prstGeom prst="rect">
@@ -8396,7 +8396,9 @@
           <a:lstStyle/>
           <a:p>
             <a:r>
-              <a:rPr lang="en-US" sz="1200" dirty="0"/>
+              <a:rPr lang="en-US" sz="1200" dirty="0">
+                <a:latin typeface="Arial Nova Cond" panose="020B0506020202020204" pitchFamily="34" charset="0"/>
+              </a:rPr>
               <a:t>encrypted secrets store</a:t>
             </a:r>
           </a:p>
@@ -8417,7 +8419,7 @@
           <p:nvPr/>
         </p:nvPicPr>
         <p:blipFill>
-          <a:blip r:embed="rId8">
+          <a:blip r:embed="rId7">
             <a:extLst>
               <a:ext uri="{28A0092B-C50C-407E-A947-70E740481C1C}">
                 <a14:useLocalDpi xmlns:a14="http://schemas.microsoft.com/office/drawing/2010/main" val="0"/>
@@ -8431,7 +8433,7 @@
         </p:blipFill>
         <p:spPr bwMode="auto">
           <a:xfrm>
-            <a:off x="7064828" y="5479562"/>
+            <a:off x="7064828" y="5329166"/>
             <a:ext cx="339558" cy="360947"/>
           </a:xfrm>
           <a:prstGeom prst="rect">
@@ -8461,13 +8463,14 @@
           <p:cNvCxnSpPr>
             <a:cxnSpLocks/>
             <a:stCxn id="1034" idx="3"/>
+            <a:endCxn id="13" idx="1"/>
           </p:cNvCxnSpPr>
           <p:nvPr/>
         </p:nvCxnSpPr>
         <p:spPr>
           <a:xfrm flipV="1">
-            <a:off x="4614638" y="2381015"/>
-            <a:ext cx="1513657" cy="237498"/>
+            <a:off x="4364422" y="2429564"/>
+            <a:ext cx="1580201" cy="181655"/>
           </a:xfrm>
           <a:prstGeom prst="bentConnector3">
             <a:avLst>
@@ -8510,7 +8513,7 @@
         <p:spPr>
           <a:xfrm flipH="1">
             <a:off x="2563000" y="2140894"/>
-            <a:ext cx="3530125" cy="0"/>
+            <a:ext cx="3359715" cy="0"/>
           </a:xfrm>
           <a:prstGeom prst="straightConnector1">
             <a:avLst/>
@@ -8548,10 +8551,10 @@
         </p:nvGrpSpPr>
         <p:grpSpPr>
           <a:xfrm>
-            <a:off x="8788994" y="110341"/>
-            <a:ext cx="1350050" cy="767878"/>
-            <a:chOff x="4042380" y="358243"/>
-            <a:chExt cx="1350050" cy="767878"/>
+            <a:off x="8072563" y="644396"/>
+            <a:ext cx="1458136" cy="543437"/>
+            <a:chOff x="4441224" y="358243"/>
+            <a:chExt cx="1458136" cy="543437"/>
           </a:xfrm>
         </p:grpSpPr>
         <p:pic>
@@ -8569,7 +8572,7 @@
             <p:nvPr/>
           </p:nvPicPr>
           <p:blipFill rotWithShape="1">
-            <a:blip r:embed="rId9">
+            <a:blip r:embed="rId8">
               <a:extLst>
                 <a:ext uri="{28A0092B-C50C-407E-A947-70E740481C1C}">
                   <a14:useLocalDpi xmlns:a14="http://schemas.microsoft.com/office/drawing/2010/main" val="0"/>
@@ -8613,8 +8616,8 @@
           </p:nvSpPr>
           <p:spPr>
             <a:xfrm>
-              <a:off x="4042380" y="879900"/>
-              <a:ext cx="1350050" cy="246221"/>
+              <a:off x="4901971" y="445933"/>
+              <a:ext cx="997389" cy="400110"/>
             </a:xfrm>
             <a:prstGeom prst="rect">
               <a:avLst/>
@@ -8628,8 +8631,21 @@
             <a:lstStyle/>
             <a:p>
               <a:r>
-                <a:rPr lang="en-US" sz="1000" dirty="0"/>
-                <a:t>Azure Active Directory</a:t>
+                <a:rPr lang="en-US" sz="1000" dirty="0">
+                  <a:latin typeface="Arial Nova Cond" panose="020B0506020202020204" pitchFamily="34" charset="0"/>
+                </a:rPr>
+                <a:t>Azure </a:t>
+              </a:r>
+              <a:br>
+                <a:rPr lang="en-US" sz="1000" dirty="0">
+                  <a:latin typeface="Arial Nova Cond" panose="020B0506020202020204" pitchFamily="34" charset="0"/>
+                </a:rPr>
+              </a:br>
+              <a:r>
+                <a:rPr lang="en-US" sz="1000" dirty="0">
+                  <a:latin typeface="Arial Nova Cond" panose="020B0506020202020204" pitchFamily="34" charset="0"/>
+                </a:rPr>
+                <a:t>Active Directory</a:t>
               </a:r>
             </a:p>
           </p:txBody>
@@ -8646,14 +8662,14 @@
           </p:cNvPr>
           <p:cNvCxnSpPr>
             <a:cxnSpLocks/>
-            <a:stCxn id="4" idx="2"/>
+            <a:stCxn id="1030" idx="2"/>
           </p:cNvCxnSpPr>
           <p:nvPr/>
         </p:nvCxnSpPr>
         <p:spPr>
           <a:xfrm rot="16200000" flipH="1">
-            <a:off x="5381288" y="1011048"/>
-            <a:ext cx="1114317" cy="852019"/>
+            <a:off x="5421525" y="1204572"/>
+            <a:ext cx="820623" cy="812923"/>
           </a:xfrm>
           <a:prstGeom prst="bentConnector3">
             <a:avLst>
@@ -8661,93 +8677,6 @@
             </a:avLst>
           </a:prstGeom>
           <a:ln>
-            <a:tailEnd type="triangle"/>
-          </a:ln>
-        </p:spPr>
-        <p:style>
-          <a:lnRef idx="1">
-            <a:schemeClr val="accent1"/>
-          </a:lnRef>
-          <a:fillRef idx="0">
-            <a:schemeClr val="accent1"/>
-          </a:fillRef>
-          <a:effectRef idx="0">
-            <a:schemeClr val="accent1"/>
-          </a:effectRef>
-          <a:fontRef idx="minor">
-            <a:schemeClr val="tx1"/>
-          </a:fontRef>
-        </p:style>
-      </p:cxnSp>
-      <p:cxnSp>
-        <p:nvCxnSpPr>
-          <p:cNvPr id="123" name="Connector: Elbow 122">
-            <a:extLst>
-              <a:ext uri="{FF2B5EF4-FFF2-40B4-BE49-F238E27FC236}">
-                <a16:creationId xmlns:a16="http://schemas.microsoft.com/office/drawing/2014/main" id="{82AD2820-68B8-4E6E-920A-3707DBBDE40A}"/>
-              </a:ext>
-            </a:extLst>
-          </p:cNvPr>
-          <p:cNvCxnSpPr>
-            <a:cxnSpLocks/>
-          </p:cNvCxnSpPr>
-          <p:nvPr/>
-        </p:nvCxnSpPr>
-        <p:spPr>
-          <a:xfrm rot="5400000">
-            <a:off x="6561645" y="1018986"/>
-            <a:ext cx="1082964" cy="820034"/>
-          </a:xfrm>
-          <a:prstGeom prst="bentConnector3">
-            <a:avLst>
-              <a:gd name="adj1" fmla="val 50000"/>
-            </a:avLst>
-          </a:prstGeom>
-          <a:ln>
-            <a:tailEnd type="triangle"/>
-          </a:ln>
-        </p:spPr>
-        <p:style>
-          <a:lnRef idx="1">
-            <a:schemeClr val="accent1"/>
-          </a:lnRef>
-          <a:fillRef idx="0">
-            <a:schemeClr val="accent1"/>
-          </a:fillRef>
-          <a:effectRef idx="0">
-            <a:schemeClr val="accent1"/>
-          </a:effectRef>
-          <a:fontRef idx="minor">
-            <a:schemeClr val="tx1"/>
-          </a:fontRef>
-        </p:style>
-      </p:cxnSp>
-      <p:cxnSp>
-        <p:nvCxnSpPr>
-          <p:cNvPr id="1024" name="Connector: Elbow 1023">
-            <a:extLst>
-              <a:ext uri="{FF2B5EF4-FFF2-40B4-BE49-F238E27FC236}">
-                <a16:creationId xmlns:a16="http://schemas.microsoft.com/office/drawing/2014/main" id="{2762904E-E081-4E0C-8842-D4056B630364}"/>
-              </a:ext>
-            </a:extLst>
-          </p:cNvPr>
-          <p:cNvCxnSpPr>
-            <a:cxnSpLocks/>
-          </p:cNvCxnSpPr>
-          <p:nvPr/>
-        </p:nvCxnSpPr>
-        <p:spPr>
-          <a:xfrm rot="16200000" flipH="1">
-            <a:off x="7844146" y="1017720"/>
-            <a:ext cx="1069660" cy="820036"/>
-          </a:xfrm>
-          <a:prstGeom prst="bentConnector3">
-            <a:avLst>
-              <a:gd name="adj1" fmla="val 50000"/>
-            </a:avLst>
-          </a:prstGeom>
-          <a:ln>
-            <a:prstDash val="dash"/>
             <a:tailEnd type="triangle"/>
           </a:ln>
         </p:spPr>
@@ -8780,8 +8709,8 @@
         </p:nvSpPr>
         <p:spPr>
           <a:xfrm>
-            <a:off x="5484665" y="928904"/>
-            <a:ext cx="717976" cy="400110"/>
+            <a:off x="4564937" y="1274528"/>
+            <a:ext cx="901482" cy="400110"/>
           </a:xfrm>
           <a:prstGeom prst="rect">
             <a:avLst/>
@@ -8801,71 +8730,16 @@
             </a:lvl1pPr>
           </a:lstStyle>
           <a:p>
-            <a:pPr algn="l"/>
-            <a:r>
-              <a:rPr lang="en-US" dirty="0"/>
-              <a:t>APP IMAGE</a:t>
+            <a:pPr algn="r"/>
+            <a:r>
+              <a:rPr lang="en-US" dirty="0">
+                <a:latin typeface="Arial Nova Cond" panose="020B0506020202020204" pitchFamily="34" charset="0"/>
+              </a:rPr>
+              <a:t>APP IMAGE PULL</a:t>
             </a:r>
           </a:p>
         </p:txBody>
       </p:sp>
-      <p:pic>
-        <p:nvPicPr>
-          <p:cNvPr id="18" name="Picture 2" descr="See related image detail">
-            <a:extLst>
-              <a:ext uri="{FF2B5EF4-FFF2-40B4-BE49-F238E27FC236}">
-                <a16:creationId xmlns:a16="http://schemas.microsoft.com/office/drawing/2014/main" id="{1C691ACB-EADE-4C97-B0B1-9807C68EA70E}"/>
-              </a:ext>
-            </a:extLst>
-          </p:cNvPr>
-          <p:cNvPicPr>
-            <a:picLocks noChangeAspect="1" noChangeArrowheads="1"/>
-          </p:cNvPicPr>
-          <p:nvPr/>
-        </p:nvPicPr>
-        <p:blipFill>
-          <a:blip r:embed="rId10">
-            <a:clrChange>
-              <a:clrFrom>
-                <a:srgbClr val="F6F6F6"/>
-              </a:clrFrom>
-              <a:clrTo>
-                <a:srgbClr val="F6F6F6">
-                  <a:alpha val="0"/>
-                </a:srgbClr>
-              </a:clrTo>
-            </a:clrChange>
-            <a:extLst>
-              <a:ext uri="{28A0092B-C50C-407E-A947-70E740481C1C}">
-                <a14:useLocalDpi xmlns:a14="http://schemas.microsoft.com/office/drawing/2010/main" val="0"/>
-              </a:ext>
-            </a:extLst>
-          </a:blip>
-          <a:srcRect/>
-          <a:stretch>
-            <a:fillRect/>
-          </a:stretch>
-        </p:blipFill>
-        <p:spPr bwMode="auto">
-          <a:xfrm>
-            <a:off x="7257785" y="4245568"/>
-            <a:ext cx="458245" cy="564461"/>
-          </a:xfrm>
-          <a:prstGeom prst="rect">
-            <a:avLst/>
-          </a:prstGeom>
-          <a:noFill/>
-          <a:extLst>
-            <a:ext uri="{909E8E84-426E-40DD-AFC4-6F175D3DCCD1}">
-              <a14:hiddenFill xmlns:a14="http://schemas.microsoft.com/office/drawing/2010/main">
-                <a:solidFill>
-                  <a:srgbClr val="FFFFFF"/>
-                </a:solidFill>
-              </a14:hiddenFill>
-            </a:ext>
-          </a:extLst>
-        </p:spPr>
-      </p:pic>
       <p:sp>
         <p:nvSpPr>
           <p:cNvPr id="54" name="TextBox 53">
@@ -8880,7 +8754,7 @@
         </p:nvSpPr>
         <p:spPr>
           <a:xfrm>
-            <a:off x="7397643" y="5641766"/>
+            <a:off x="7397643" y="5491370"/>
             <a:ext cx="2606132" cy="230832"/>
           </a:xfrm>
           <a:prstGeom prst="rect">
@@ -8968,12 +8842,15 @@
         </p:nvSpPr>
         <p:spPr>
           <a:xfrm>
-            <a:off x="2781828" y="5444617"/>
+            <a:off x="2781828" y="5294221"/>
             <a:ext cx="1832810" cy="452921"/>
           </a:xfrm>
           <a:prstGeom prst="rect">
             <a:avLst/>
           </a:prstGeom>
+          <a:ln>
+            <a:prstDash val="sysDash"/>
+          </a:ln>
         </p:spPr>
         <p:style>
           <a:lnRef idx="2">
@@ -8995,7 +8872,7 @@
           <a:p>
             <a:pPr algn="ctr"/>
             <a:r>
-              <a:rPr lang="en-US" sz="1100" dirty="0" err="1">
+              <a:rPr lang="en-US" sz="1000" dirty="0" err="1">
                 <a:solidFill>
                   <a:srgbClr val="569CD6"/>
                 </a:solidFill>
@@ -9032,8 +8909,8 @@
         </p:nvCxnSpPr>
         <p:spPr>
           <a:xfrm rot="16200000" flipH="1">
-            <a:off x="1070078" y="3959327"/>
-            <a:ext cx="2886495" cy="537006"/>
+            <a:off x="1145276" y="3884129"/>
+            <a:ext cx="2736099" cy="537006"/>
           </a:xfrm>
           <a:prstGeom prst="bentConnector2">
             <a:avLst/>
@@ -9073,8 +8950,8 @@
         </p:nvCxnSpPr>
         <p:spPr>
           <a:xfrm flipV="1">
-            <a:off x="2964302" y="5872598"/>
-            <a:ext cx="0" cy="534732"/>
+            <a:off x="2964302" y="5747142"/>
+            <a:ext cx="0" cy="660188"/>
           </a:xfrm>
           <a:prstGeom prst="straightConnector1">
             <a:avLst/>
@@ -9113,12 +8990,15 @@
         </p:nvSpPr>
         <p:spPr>
           <a:xfrm>
-            <a:off x="2781828" y="4225158"/>
+            <a:off x="2781828" y="4074762"/>
             <a:ext cx="1832810" cy="588453"/>
           </a:xfrm>
           <a:prstGeom prst="rect">
             <a:avLst/>
           </a:prstGeom>
+          <a:ln>
+            <a:prstDash val="sysDash"/>
+          </a:ln>
         </p:spPr>
         <p:style>
           <a:lnRef idx="2">
@@ -9140,7 +9020,7 @@
           <a:p>
             <a:pPr algn="ctr"/>
             <a:r>
-              <a:rPr lang="en-US" sz="1200" b="0" dirty="0" err="1">
+              <a:rPr lang="en-US" sz="1000" b="0" dirty="0" err="1">
                 <a:solidFill>
                   <a:srgbClr val="569CD6"/>
                 </a:solidFill>
@@ -9170,7 +9050,7 @@
         </p:nvCxnSpPr>
         <p:spPr>
           <a:xfrm flipV="1">
-            <a:off x="2964302" y="4813611"/>
+            <a:off x="2964302" y="4663215"/>
             <a:ext cx="0" cy="631006"/>
           </a:xfrm>
           <a:prstGeom prst="straightConnector1">
@@ -9210,8 +9090,8 @@
         </p:nvSpPr>
         <p:spPr>
           <a:xfrm>
-            <a:off x="2965662" y="4867113"/>
-            <a:ext cx="3563893" cy="507831"/>
+            <a:off x="2965662" y="4716717"/>
+            <a:ext cx="3817954" cy="461665"/>
           </a:xfrm>
           <a:prstGeom prst="rect">
             <a:avLst/>
@@ -9239,36 +9119,36 @@
           </a:lstStyle>
           <a:p>
             <a:r>
-              <a:rPr lang="en-US" dirty="0" err="1"/>
+              <a:rPr lang="en-US" sz="800" dirty="0" err="1"/>
               <a:t>dbPassword</a:t>
             </a:r>
             <a:r>
-              <a:rPr lang="en-US" dirty="0"/>
+              <a:rPr lang="en-US" sz="800" dirty="0"/>
               <a:t> = await </a:t>
             </a:r>
           </a:p>
           <a:p>
             <a:r>
-              <a:rPr lang="en-US" dirty="0" err="1"/>
+              <a:rPr lang="en-US" sz="800" dirty="0" err="1"/>
               <a:t>secretManagerClient.GetSecretValueAsync</a:t>
             </a:r>
             <a:r>
-              <a:rPr lang="en-US" dirty="0"/>
+              <a:rPr lang="en-US" sz="800" dirty="0"/>
               <a:t>(</a:t>
             </a:r>
             <a:br>
-              <a:rPr lang="en-US" dirty="0"/>
+              <a:rPr lang="en-US" sz="800" dirty="0"/>
             </a:br>
             <a:r>
-              <a:rPr lang="en-US" dirty="0"/>
+              <a:rPr lang="en-US" sz="800" dirty="0"/>
               <a:t>“</a:t>
             </a:r>
             <a:r>
-              <a:rPr lang="en-US" dirty="0" err="1"/>
+              <a:rPr lang="en-US" sz="800" dirty="0" err="1"/>
               <a:t>InfluxDbPassword</a:t>
             </a:r>
             <a:r>
-              <a:rPr lang="en-US" dirty="0"/>
+              <a:rPr lang="en-US" sz="800" dirty="0"/>
               <a:t>“, …)</a:t>
             </a:r>
           </a:p>
@@ -9288,8 +9168,8 @@
         </p:nvSpPr>
         <p:spPr>
           <a:xfrm>
-            <a:off x="4614638" y="4150900"/>
-            <a:ext cx="2416224" cy="507831"/>
+            <a:off x="4614638" y="4000504"/>
+            <a:ext cx="2416224" cy="461665"/>
           </a:xfrm>
           <a:prstGeom prst="rect">
             <a:avLst/>
@@ -9303,7 +9183,7 @@
           <a:lstStyle/>
           <a:p>
             <a:r>
-              <a:rPr lang="en-US" sz="900" b="0" dirty="0" err="1">
+              <a:rPr lang="en-US" sz="800" b="0" dirty="0" err="1">
                 <a:solidFill>
                   <a:srgbClr val="569CD6"/>
                 </a:solidFill>
@@ -9314,7 +9194,7 @@
               <a:t>influxDBClient</a:t>
             </a:r>
             <a:r>
-              <a:rPr lang="en-US" sz="900" b="0" dirty="0">
+              <a:rPr lang="en-US" sz="800" b="0" dirty="0">
                 <a:solidFill>
                   <a:srgbClr val="569CD6"/>
                 </a:solidFill>
@@ -9325,7 +9205,7 @@
               <a:t> = </a:t>
             </a:r>
             <a:r>
-              <a:rPr lang="en-US" sz="900" b="0" dirty="0" err="1">
+              <a:rPr lang="en-US" sz="800" b="0" dirty="0" err="1">
                 <a:solidFill>
                   <a:srgbClr val="569CD6"/>
                 </a:solidFill>
@@ -9336,7 +9216,7 @@
               <a:t>InfluxDBClientFactory.Create</a:t>
             </a:r>
             <a:r>
-              <a:rPr lang="en-US" sz="900" b="0" dirty="0">
+              <a:rPr lang="en-US" sz="800" b="0" dirty="0">
                 <a:solidFill>
                   <a:srgbClr val="569CD6"/>
                 </a:solidFill>
@@ -9349,7 +9229,7 @@
           </a:p>
           <a:p>
             <a:r>
-              <a:rPr lang="en-US" sz="900" b="0" dirty="0" err="1">
+              <a:rPr lang="en-US" sz="800" b="0" dirty="0" err="1">
                 <a:solidFill>
                   <a:srgbClr val="569CD6"/>
                 </a:solidFill>
@@ -9360,7 +9240,7 @@
               <a:t>url</a:t>
             </a:r>
             <a:r>
-              <a:rPr lang="en-US" sz="900" b="0" dirty="0">
+              <a:rPr lang="en-US" sz="800" b="0" dirty="0">
                 <a:solidFill>
                   <a:srgbClr val="569CD6"/>
                 </a:solidFill>
@@ -9371,7 +9251,7 @@
               <a:t>, username, </a:t>
             </a:r>
             <a:r>
-              <a:rPr lang="en-US" sz="900" b="0" dirty="0" err="1">
+              <a:rPr lang="en-US" sz="800" b="0" dirty="0" err="1">
                 <a:solidFill>
                   <a:srgbClr val="569CD6"/>
                 </a:solidFill>
@@ -9382,7 +9262,7 @@
               <a:t>dbPassword</a:t>
             </a:r>
             <a:r>
-              <a:rPr lang="en-US" sz="900" b="0" dirty="0">
+              <a:rPr lang="en-US" sz="800" b="0" dirty="0">
                 <a:solidFill>
                   <a:srgbClr val="569CD6"/>
                 </a:solidFill>
@@ -9392,7 +9272,7 @@
               </a:rPr>
               <a:t>);</a:t>
             </a:r>
-            <a:endParaRPr lang="en-US" sz="900" b="0" dirty="0">
+            <a:endParaRPr lang="en-US" sz="800" b="0" dirty="0">
               <a:solidFill>
                 <a:srgbClr val="D4D4D4"/>
               </a:solidFill>
@@ -9417,8 +9297,8 @@
         </p:nvSpPr>
         <p:spPr>
           <a:xfrm>
-            <a:off x="2563000" y="3774538"/>
-            <a:ext cx="6097002" cy="307777"/>
+            <a:off x="2513325" y="3713612"/>
+            <a:ext cx="6097002" cy="261610"/>
           </a:xfrm>
           <a:prstGeom prst="rect">
             <a:avLst/>
@@ -9432,15 +9312,21 @@
           <a:lstStyle/>
           <a:p>
             <a:r>
-              <a:rPr lang="en-US" sz="1400" dirty="0"/>
+              <a:rPr lang="en-US" sz="1100" dirty="0">
+                <a:latin typeface="Arial Nova Cond" panose="020B0506020202020204" pitchFamily="34" charset="0"/>
+              </a:rPr>
               <a:t>“</a:t>
             </a:r>
             <a:r>
-              <a:rPr lang="en-US" sz="1400" dirty="0" err="1"/>
+              <a:rPr lang="en-US" sz="1100" dirty="0" err="1">
+                <a:latin typeface="Arial Nova Cond" panose="020B0506020202020204" pitchFamily="34" charset="0"/>
+              </a:rPr>
               <a:t>sampleApp</a:t>
             </a:r>
             <a:r>
-              <a:rPr lang="en-US" sz="1400" dirty="0"/>
+              <a:rPr lang="en-US" sz="1100" dirty="0">
+                <a:latin typeface="Arial Nova Cond" panose="020B0506020202020204" pitchFamily="34" charset="0"/>
+              </a:rPr>
               <a:t>” module</a:t>
             </a:r>
           </a:p>
@@ -9457,18 +9343,19 @@
           </p:cNvPr>
           <p:cNvCxnSpPr>
             <a:cxnSpLocks/>
-            <a:stCxn id="7" idx="2"/>
             <a:endCxn id="1036" idx="1"/>
           </p:cNvCxnSpPr>
           <p:nvPr/>
         </p:nvCxnSpPr>
         <p:spPr>
-          <a:xfrm rot="16200000" flipH="1">
-            <a:off x="7382830" y="1913905"/>
-            <a:ext cx="329717" cy="2020643"/>
-          </a:xfrm>
-          <a:prstGeom prst="bentConnector2">
-            <a:avLst/>
+          <a:xfrm>
+            <a:off x="7463560" y="2572738"/>
+            <a:ext cx="1343145" cy="461369"/>
+          </a:xfrm>
+          <a:prstGeom prst="bentConnector3">
+            <a:avLst>
+              <a:gd name="adj1" fmla="val 50000"/>
+            </a:avLst>
           </a:prstGeom>
           <a:ln>
             <a:tailEnd type="triangle"/>
@@ -9503,12 +9390,57 @@
         </p:nvGrpSpPr>
         <p:grpSpPr>
           <a:xfrm>
-            <a:off x="7239837" y="123085"/>
-            <a:ext cx="1034257" cy="723885"/>
-            <a:chOff x="10465573" y="2088106"/>
-            <a:chExt cx="1034257" cy="723885"/>
+            <a:off x="6351808" y="1831836"/>
+            <a:ext cx="1304851" cy="309058"/>
+            <a:chOff x="9891239" y="2672994"/>
+            <a:chExt cx="1304851" cy="309058"/>
           </a:xfrm>
         </p:grpSpPr>
+        <p:sp>
+          <p:nvSpPr>
+            <p:cNvPr id="73" name="TextBox 72">
+              <a:extLst>
+                <a:ext uri="{FF2B5EF4-FFF2-40B4-BE49-F238E27FC236}">
+                  <a16:creationId xmlns:a16="http://schemas.microsoft.com/office/drawing/2014/main" id="{9123938A-CC83-4815-AAFE-2EEB2D9A0FED}"/>
+                </a:ext>
+              </a:extLst>
+            </p:cNvPr>
+            <p:cNvSpPr txBox="1"/>
+            <p:nvPr/>
+          </p:nvSpPr>
+          <p:spPr>
+            <a:xfrm>
+              <a:off x="9891239" y="2683553"/>
+              <a:ext cx="1032994" cy="215444"/>
+            </a:xfrm>
+            <a:prstGeom prst="rect">
+              <a:avLst/>
+            </a:prstGeom>
+            <a:noFill/>
+          </p:spPr>
+          <p:txBody>
+            <a:bodyPr wrap="square" rtlCol="0">
+              <a:spAutoFit/>
+            </a:bodyPr>
+            <a:lstStyle>
+              <a:defPPr>
+                <a:defRPr lang="en-US"/>
+              </a:defPPr>
+              <a:lvl1pPr>
+                <a:defRPr sz="1000"/>
+              </a:lvl1pPr>
+            </a:lstStyle>
+            <a:p>
+              <a:pPr algn="r"/>
+              <a:r>
+                <a:rPr lang="en-US" sz="800" dirty="0">
+                  <a:latin typeface="Arial Nova Cond" panose="020B0506020202020204" pitchFamily="34" charset="0"/>
+                </a:rPr>
+                <a:t>Service Principal</a:t>
+              </a:r>
+            </a:p>
+          </p:txBody>
+        </p:sp>
         <p:pic>
           <p:nvPicPr>
             <p:cNvPr id="37" name="Picture 36">
@@ -9523,66 +9455,21 @@
             </p:cNvPicPr>
             <p:nvPr/>
           </p:nvPicPr>
-          <p:blipFill>
-            <a:blip r:embed="rId11"/>
-            <a:stretch>
-              <a:fillRect/>
-            </a:stretch>
+          <p:blipFill rotWithShape="1">
+            <a:blip r:embed="rId9"/>
+            <a:srcRect b="7712"/>
+            <a:stretch/>
           </p:blipFill>
           <p:spPr>
             <a:xfrm>
-              <a:off x="10715989" y="2088106"/>
-              <a:ext cx="533427" cy="520727"/>
+              <a:off x="10853037" y="2672994"/>
+              <a:ext cx="343053" cy="309058"/>
             </a:xfrm>
             <a:prstGeom prst="rect">
               <a:avLst/>
             </a:prstGeom>
           </p:spPr>
         </p:pic>
-        <p:sp>
-          <p:nvSpPr>
-            <p:cNvPr id="73" name="TextBox 72">
-              <a:extLst>
-                <a:ext uri="{FF2B5EF4-FFF2-40B4-BE49-F238E27FC236}">
-                  <a16:creationId xmlns:a16="http://schemas.microsoft.com/office/drawing/2014/main" id="{9123938A-CC83-4815-AAFE-2EEB2D9A0FED}"/>
-                </a:ext>
-              </a:extLst>
-            </p:cNvPr>
-            <p:cNvSpPr txBox="1"/>
-            <p:nvPr/>
-          </p:nvSpPr>
-          <p:spPr>
-            <a:xfrm>
-              <a:off x="10465573" y="2565770"/>
-              <a:ext cx="1034257" cy="246221"/>
-            </a:xfrm>
-            <a:prstGeom prst="rect">
-              <a:avLst/>
-            </a:prstGeom>
-            <a:solidFill>
-              <a:schemeClr val="bg1"/>
-            </a:solidFill>
-          </p:spPr>
-          <p:txBody>
-            <a:bodyPr wrap="none" rtlCol="0">
-              <a:spAutoFit/>
-            </a:bodyPr>
-            <a:lstStyle>
-              <a:defPPr>
-                <a:defRPr lang="en-US"/>
-              </a:defPPr>
-              <a:lvl1pPr>
-                <a:defRPr sz="1000"/>
-              </a:lvl1pPr>
-            </a:lstStyle>
-            <a:p>
-              <a:r>
-                <a:rPr lang="en-US" dirty="0"/>
-                <a:t>Service Principal</a:t>
-              </a:r>
-            </a:p>
-          </p:txBody>
-        </p:sp>
       </p:grpSp>
       <p:cxnSp>
         <p:nvCxnSpPr>
@@ -9595,80 +9482,34 @@
           </p:cNvPr>
           <p:cNvCxnSpPr>
             <a:cxnSpLocks/>
-            <a:stCxn id="37" idx="1"/>
+            <a:stCxn id="37" idx="0"/>
             <a:endCxn id="1030" idx="3"/>
           </p:cNvCxnSpPr>
           <p:nvPr/>
         </p:nvCxnSpPr>
         <p:spPr>
-          <a:xfrm rot="10800000">
-            <a:off x="5742357" y="378907"/>
-            <a:ext cx="1747897" cy="4542"/>
-          </a:xfrm>
-          <a:prstGeom prst="bentConnector3">
-            <a:avLst>
-              <a:gd name="adj1" fmla="val 50000"/>
-            </a:avLst>
-          </a:prstGeom>
-          <a:ln>
-            <a:prstDash val="dash"/>
+          <a:xfrm rot="16200000" flipV="1">
+            <a:off x="6157914" y="504616"/>
+            <a:ext cx="870721" cy="1783719"/>
+          </a:xfrm>
+          <a:prstGeom prst="bentConnector2">
+            <a:avLst/>
+          </a:prstGeom>
+          <a:ln w="9525">
+            <a:prstDash val="lgDashDot"/>
+            <a:headEnd type="triangle"/>
             <a:tailEnd type="triangle"/>
           </a:ln>
         </p:spPr>
         <p:style>
           <a:lnRef idx="1">
-            <a:schemeClr val="accent1"/>
+            <a:schemeClr val="accent6"/>
           </a:lnRef>
           <a:fillRef idx="0">
-            <a:schemeClr val="accent1"/>
+            <a:schemeClr val="accent6"/>
           </a:fillRef>
           <a:effectRef idx="0">
-            <a:schemeClr val="accent1"/>
-          </a:effectRef>
-          <a:fontRef idx="minor">
-            <a:schemeClr val="tx1"/>
-          </a:fontRef>
-        </p:style>
-      </p:cxnSp>
-      <p:cxnSp>
-        <p:nvCxnSpPr>
-          <p:cNvPr id="46" name="Connector: Elbow 45">
-            <a:extLst>
-              <a:ext uri="{FF2B5EF4-FFF2-40B4-BE49-F238E27FC236}">
-                <a16:creationId xmlns:a16="http://schemas.microsoft.com/office/drawing/2014/main" id="{34DE0772-6EE8-4F55-B2A0-8AAAC8C2721F}"/>
-              </a:ext>
-            </a:extLst>
-          </p:cNvPr>
-          <p:cNvCxnSpPr>
-            <a:cxnSpLocks/>
-            <a:stCxn id="1044" idx="1"/>
-            <a:endCxn id="37" idx="3"/>
-          </p:cNvCxnSpPr>
-          <p:nvPr/>
-        </p:nvCxnSpPr>
-        <p:spPr>
-          <a:xfrm rot="10800000" flipV="1">
-            <a:off x="8023680" y="382059"/>
-            <a:ext cx="1164158" cy="1389"/>
-          </a:xfrm>
-          <a:prstGeom prst="bentConnector3">
-            <a:avLst>
-              <a:gd name="adj1" fmla="val 50000"/>
-            </a:avLst>
-          </a:prstGeom>
-          <a:ln>
-            <a:tailEnd type="triangle"/>
-          </a:ln>
-        </p:spPr>
-        <p:style>
-          <a:lnRef idx="1">
-            <a:schemeClr val="accent1"/>
-          </a:lnRef>
-          <a:fillRef idx="0">
-            <a:schemeClr val="accent1"/>
-          </a:fillRef>
-          <a:effectRef idx="0">
-            <a:schemeClr val="accent1"/>
+            <a:schemeClr val="accent6"/>
           </a:effectRef>
           <a:fontRef idx="minor">
             <a:schemeClr val="tx1"/>
@@ -9689,7 +9530,7 @@
         </p:nvSpPr>
         <p:spPr>
           <a:xfrm>
-            <a:off x="6380839" y="159740"/>
+            <a:off x="6156261" y="729048"/>
             <a:ext cx="782587" cy="246221"/>
           </a:xfrm>
           <a:prstGeom prst="rect">
@@ -9711,22 +9552,123 @@
           </a:lstStyle>
           <a:p>
             <a:r>
+              <a:rPr lang="en-US" dirty="0" err="1">
+                <a:latin typeface="Arial Nova Cond" panose="020B0506020202020204" pitchFamily="34" charset="0"/>
+              </a:rPr>
+              <a:t>AcrPull</a:t>
+            </a:r>
+            <a:r>
+              <a:rPr lang="en-US" dirty="0">
+                <a:latin typeface="Arial Nova Cond" panose="020B0506020202020204" pitchFamily="34" charset="0"/>
+              </a:rPr>
+              <a:t> role</a:t>
+            </a:r>
+          </a:p>
+        </p:txBody>
+      </p:sp>
+      <p:pic>
+        <p:nvPicPr>
+          <p:cNvPr id="3" name="Picture 2" descr="See the source image">
+            <a:extLst>
+              <a:ext uri="{FF2B5EF4-FFF2-40B4-BE49-F238E27FC236}">
+                <a16:creationId xmlns:a16="http://schemas.microsoft.com/office/drawing/2014/main" id="{AA859BBB-7220-4F45-915A-743FC1FEBFA7}"/>
+              </a:ext>
+            </a:extLst>
+          </p:cNvPr>
+          <p:cNvPicPr>
+            <a:picLocks noChangeAspect="1" noChangeArrowheads="1"/>
+          </p:cNvPicPr>
+          <p:nvPr/>
+        </p:nvPicPr>
+        <p:blipFill rotWithShape="1">
+          <a:blip r:embed="rId10">
+            <a:extLst>
+              <a:ext uri="{28A0092B-C50C-407E-A947-70E740481C1C}">
+                <a14:useLocalDpi xmlns:a14="http://schemas.microsoft.com/office/drawing/2010/main" val="0"/>
+              </a:ext>
+            </a:extLst>
+          </a:blip>
+          <a:srcRect l="10421" t="38880" r="8904" b="36363"/>
+          <a:stretch/>
+        </p:blipFill>
+        <p:spPr bwMode="auto">
+          <a:xfrm>
+            <a:off x="7241524" y="4368988"/>
+            <a:ext cx="1443582" cy="354394"/>
+          </a:xfrm>
+          <a:prstGeom prst="rect">
+            <a:avLst/>
+          </a:prstGeom>
+          <a:noFill/>
+          <a:extLst>
+            <a:ext uri="{909E8E84-426E-40DD-AFC4-6F175D3DCCD1}">
+              <a14:hiddenFill xmlns:a14="http://schemas.microsoft.com/office/drawing/2010/main">
+                <a:solidFill>
+                  <a:srgbClr val="FFFFFF"/>
+                </a:solidFill>
+              </a14:hiddenFill>
+            </a:ext>
+          </a:extLst>
+        </p:spPr>
+      </p:pic>
+      <p:sp>
+        <p:nvSpPr>
+          <p:cNvPr id="16" name="TextBox 15">
+            <a:extLst>
+              <a:ext uri="{FF2B5EF4-FFF2-40B4-BE49-F238E27FC236}">
+                <a16:creationId xmlns:a16="http://schemas.microsoft.com/office/drawing/2014/main" id="{150664F6-D638-4BBA-B82E-64EF9BCA251F}"/>
+              </a:ext>
+            </a:extLst>
+          </p:cNvPr>
+          <p:cNvSpPr txBox="1"/>
+          <p:nvPr/>
+        </p:nvSpPr>
+        <p:spPr>
+          <a:xfrm>
+            <a:off x="6968821" y="3710506"/>
+            <a:ext cx="1832810" cy="261610"/>
+          </a:xfrm>
+          <a:prstGeom prst="rect">
+            <a:avLst/>
+          </a:prstGeom>
+          <a:noFill/>
+        </p:spPr>
+        <p:txBody>
+          <a:bodyPr wrap="square">
+            <a:spAutoFit/>
+          </a:bodyPr>
+          <a:lstStyle>
+            <a:defPPr>
+              <a:defRPr lang="en-US"/>
+            </a:defPPr>
+            <a:lvl1pPr>
+              <a:defRPr sz="1100">
+                <a:latin typeface="Arial Nova Cond" panose="020B0506020202020204" pitchFamily="34" charset="0"/>
+              </a:defRPr>
+            </a:lvl1pPr>
+          </a:lstStyle>
+          <a:p>
+            <a:r>
+              <a:rPr lang="en-US" dirty="0"/>
+              <a:t>“</a:t>
+            </a:r>
+            <a:r>
               <a:rPr lang="en-US" dirty="0" err="1"/>
-              <a:t>AcrPull</a:t>
+              <a:t>influxdb</a:t>
             </a:r>
             <a:r>
               <a:rPr lang="en-US" dirty="0"/>
-              <a:t> role</a:t>
+              <a:t>” module</a:t>
             </a:r>
           </a:p>
         </p:txBody>
       </p:sp>
       <p:sp>
         <p:nvSpPr>
-          <p:cNvPr id="53" name="TextBox 52">
-            <a:extLst>
-              <a:ext uri="{FF2B5EF4-FFF2-40B4-BE49-F238E27FC236}">
-                <a16:creationId xmlns:a16="http://schemas.microsoft.com/office/drawing/2014/main" id="{79F0F370-A794-4566-B378-7C1AB72BE06C}"/>
+          <p:cNvPr id="20" name="TextBox 19">
+            <a:extLst>
+              <a:ext uri="{FF2B5EF4-FFF2-40B4-BE49-F238E27FC236}">
+                <a16:creationId xmlns:a16="http://schemas.microsoft.com/office/drawing/2014/main" id="{BE935596-3BEF-491F-B484-8B1B4CED8529}"/>
               </a:ext>
             </a:extLst>
           </p:cNvPr>
@@ -9735,8 +9677,376 @@
         </p:nvSpPr>
         <p:spPr>
           <a:xfrm>
-            <a:off x="8149222" y="1201169"/>
-            <a:ext cx="537327" cy="246221"/>
+            <a:off x="2220553" y="3402556"/>
+            <a:ext cx="4160286" cy="261610"/>
+          </a:xfrm>
+          <a:prstGeom prst="rect">
+            <a:avLst/>
+          </a:prstGeom>
+          <a:noFill/>
+        </p:spPr>
+        <p:txBody>
+          <a:bodyPr wrap="square">
+            <a:spAutoFit/>
+          </a:bodyPr>
+          <a:lstStyle/>
+          <a:p>
+            <a:r>
+              <a:rPr lang="en-US" sz="1100" dirty="0">
+                <a:latin typeface="Arial Nova Cond" panose="020B0506020202020204" pitchFamily="34" charset="0"/>
+              </a:rPr>
+              <a:t>“</a:t>
+            </a:r>
+            <a:r>
+              <a:rPr lang="en-US" sz="1100" dirty="0" err="1">
+                <a:latin typeface="Arial Nova Cond" panose="020B0506020202020204" pitchFamily="34" charset="0"/>
+              </a:rPr>
+              <a:t>deployment.influxdb.template.json</a:t>
+            </a:r>
+            <a:r>
+              <a:rPr lang="en-US" sz="1100" dirty="0">
+                <a:latin typeface="Arial Nova Cond" panose="020B0506020202020204" pitchFamily="34" charset="0"/>
+              </a:rPr>
+              <a:t>” edge solution</a:t>
+            </a:r>
+          </a:p>
+        </p:txBody>
+      </p:sp>
+      <p:pic>
+        <p:nvPicPr>
+          <p:cNvPr id="1026" name="Picture 2" descr="See the source image">
+            <a:extLst>
+              <a:ext uri="{FF2B5EF4-FFF2-40B4-BE49-F238E27FC236}">
+                <a16:creationId xmlns:a16="http://schemas.microsoft.com/office/drawing/2014/main" id="{D877793F-3423-4985-A4F8-20C4FDCAAC98}"/>
+              </a:ext>
+            </a:extLst>
+          </p:cNvPr>
+          <p:cNvPicPr>
+            <a:picLocks noChangeAspect="1" noChangeArrowheads="1"/>
+          </p:cNvPicPr>
+          <p:nvPr/>
+        </p:nvPicPr>
+        <p:blipFill rotWithShape="1">
+          <a:blip r:embed="rId11">
+            <a:extLst>
+              <a:ext uri="{28A0092B-C50C-407E-A947-70E740481C1C}">
+                <a14:useLocalDpi xmlns:a14="http://schemas.microsoft.com/office/drawing/2010/main" val="0"/>
+              </a:ext>
+            </a:extLst>
+          </a:blip>
+          <a:srcRect l="23418" t="10038" r="25450" b="10287"/>
+          <a:stretch/>
+        </p:blipFill>
+        <p:spPr bwMode="auto">
+          <a:xfrm>
+            <a:off x="7822946" y="6367208"/>
+            <a:ext cx="377684" cy="400194"/>
+          </a:xfrm>
+          <a:prstGeom prst="rect">
+            <a:avLst/>
+          </a:prstGeom>
+          <a:noFill/>
+          <a:extLst>
+            <a:ext uri="{909E8E84-426E-40DD-AFC4-6F175D3DCCD1}">
+              <a14:hiddenFill xmlns:a14="http://schemas.microsoft.com/office/drawing/2010/main">
+                <a:solidFill>
+                  <a:srgbClr val="FFFFFF"/>
+                </a:solidFill>
+              </a14:hiddenFill>
+            </a:ext>
+          </a:extLst>
+        </p:spPr>
+      </p:pic>
+      <p:sp>
+        <p:nvSpPr>
+          <p:cNvPr id="9" name="TextBox 8">
+            <a:extLst>
+              <a:ext uri="{FF2B5EF4-FFF2-40B4-BE49-F238E27FC236}">
+                <a16:creationId xmlns:a16="http://schemas.microsoft.com/office/drawing/2014/main" id="{7651D2E4-69F0-4A99-8563-0C5DC63588D4}"/>
+              </a:ext>
+            </a:extLst>
+          </p:cNvPr>
+          <p:cNvSpPr txBox="1"/>
+          <p:nvPr/>
+        </p:nvSpPr>
+        <p:spPr>
+          <a:xfrm>
+            <a:off x="8218185" y="6352427"/>
+            <a:ext cx="1109663" cy="461665"/>
+          </a:xfrm>
+          <a:prstGeom prst="rect">
+            <a:avLst/>
+          </a:prstGeom>
+          <a:noFill/>
+        </p:spPr>
+        <p:txBody>
+          <a:bodyPr wrap="square" rtlCol="0">
+            <a:spAutoFit/>
+          </a:bodyPr>
+          <a:lstStyle/>
+          <a:p>
+            <a:r>
+              <a:rPr lang="en-US" sz="1200" dirty="0">
+                <a:latin typeface="Arial Nova Cond" panose="020B0506020202020204" pitchFamily="34" charset="0"/>
+              </a:rPr>
+              <a:t>Azure IoT Edge RUNTIME</a:t>
+            </a:r>
+          </a:p>
+        </p:txBody>
+      </p:sp>
+      <p:sp>
+        <p:nvSpPr>
+          <p:cNvPr id="93" name="Rectangle 92">
+            <a:extLst>
+              <a:ext uri="{FF2B5EF4-FFF2-40B4-BE49-F238E27FC236}">
+                <a16:creationId xmlns:a16="http://schemas.microsoft.com/office/drawing/2014/main" id="{1400136E-BEBB-486F-82D4-515152FAFBB4}"/>
+              </a:ext>
+            </a:extLst>
+          </p:cNvPr>
+          <p:cNvSpPr/>
+          <p:nvPr/>
+        </p:nvSpPr>
+        <p:spPr>
+          <a:xfrm>
+            <a:off x="2780386" y="6407330"/>
+            <a:ext cx="1832810" cy="319950"/>
+          </a:xfrm>
+          <a:prstGeom prst="rect">
+            <a:avLst/>
+          </a:prstGeom>
+        </p:spPr>
+        <p:style>
+          <a:lnRef idx="2">
+            <a:schemeClr val="accent1"/>
+          </a:lnRef>
+          <a:fillRef idx="1">
+            <a:schemeClr val="lt1"/>
+          </a:fillRef>
+          <a:effectRef idx="0">
+            <a:schemeClr val="accent1"/>
+          </a:effectRef>
+          <a:fontRef idx="minor">
+            <a:schemeClr val="dk1"/>
+          </a:fontRef>
+        </p:style>
+        <p:txBody>
+          <a:bodyPr rtlCol="0" anchor="ctr"/>
+          <a:lstStyle/>
+          <a:p>
+            <a:pPr algn="ctr"/>
+            <a:r>
+              <a:rPr lang="en-US" sz="1200" dirty="0" err="1">
+                <a:latin typeface="Arial Nova Cond" panose="020B0506020202020204" pitchFamily="34" charset="0"/>
+              </a:rPr>
+              <a:t>CryptoProvider</a:t>
+            </a:r>
+            <a:endParaRPr lang="en-US" sz="1200" dirty="0">
+              <a:latin typeface="Arial Nova Cond" panose="020B0506020202020204" pitchFamily="34" charset="0"/>
+            </a:endParaRPr>
+          </a:p>
+        </p:txBody>
+      </p:sp>
+      <p:grpSp>
+        <p:nvGrpSpPr>
+          <p:cNvPr id="67" name="Group 66">
+            <a:extLst>
+              <a:ext uri="{FF2B5EF4-FFF2-40B4-BE49-F238E27FC236}">
+                <a16:creationId xmlns:a16="http://schemas.microsoft.com/office/drawing/2014/main" id="{B54AD928-993B-494D-967D-A7B0BA2DEB1D}"/>
+              </a:ext>
+            </a:extLst>
+          </p:cNvPr>
+          <p:cNvGrpSpPr/>
+          <p:nvPr/>
+        </p:nvGrpSpPr>
+        <p:grpSpPr>
+          <a:xfrm>
+            <a:off x="5588099" y="2456576"/>
+            <a:ext cx="2068560" cy="612189"/>
+            <a:chOff x="6629364" y="753871"/>
+            <a:chExt cx="2068560" cy="612189"/>
+          </a:xfrm>
+        </p:grpSpPr>
+        <p:pic>
+          <p:nvPicPr>
+            <p:cNvPr id="68" name="Picture 67">
+              <a:extLst>
+                <a:ext uri="{FF2B5EF4-FFF2-40B4-BE49-F238E27FC236}">
+                  <a16:creationId xmlns:a16="http://schemas.microsoft.com/office/drawing/2014/main" id="{0144E38D-537F-4D85-B89A-AF08EBD37A2A}"/>
+                </a:ext>
+              </a:extLst>
+            </p:cNvPr>
+            <p:cNvPicPr>
+              <a:picLocks noChangeAspect="1"/>
+            </p:cNvPicPr>
+            <p:nvPr/>
+          </p:nvPicPr>
+          <p:blipFill>
+            <a:blip r:embed="rId12">
+              <a:clrChange>
+                <a:clrFrom>
+                  <a:srgbClr val="FFFFFF"/>
+                </a:clrFrom>
+                <a:clrTo>
+                  <a:srgbClr val="FFFFFF">
+                    <a:alpha val="0"/>
+                  </a:srgbClr>
+                </a:clrTo>
+              </a:clrChange>
+            </a:blip>
+            <a:stretch>
+              <a:fillRect/>
+            </a:stretch>
+          </p:blipFill>
+          <p:spPr>
+            <a:xfrm>
+              <a:off x="6629364" y="753871"/>
+              <a:ext cx="659280" cy="612189"/>
+            </a:xfrm>
+            <a:prstGeom prst="rect">
+              <a:avLst/>
+            </a:prstGeom>
+          </p:spPr>
+        </p:pic>
+        <p:sp>
+          <p:nvSpPr>
+            <p:cNvPr id="69" name="TextBox 68">
+              <a:extLst>
+                <a:ext uri="{FF2B5EF4-FFF2-40B4-BE49-F238E27FC236}">
+                  <a16:creationId xmlns:a16="http://schemas.microsoft.com/office/drawing/2014/main" id="{0B4C5FC4-B034-45C3-8083-21E419B9FA1B}"/>
+                </a:ext>
+              </a:extLst>
+            </p:cNvPr>
+            <p:cNvSpPr txBox="1"/>
+            <p:nvPr/>
+          </p:nvSpPr>
+          <p:spPr>
+            <a:xfrm>
+              <a:off x="7081362" y="1084529"/>
+              <a:ext cx="1616562" cy="246221"/>
+            </a:xfrm>
+            <a:prstGeom prst="rect">
+              <a:avLst/>
+            </a:prstGeom>
+            <a:noFill/>
+          </p:spPr>
+          <p:txBody>
+            <a:bodyPr wrap="square" rtlCol="0">
+              <a:spAutoFit/>
+            </a:bodyPr>
+            <a:lstStyle/>
+            <a:p>
+              <a:r>
+                <a:rPr lang="en-US" sz="1000" dirty="0">
+                  <a:latin typeface="Arial Nova Cond" panose="020B0506020202020204" pitchFamily="34" charset="0"/>
+                </a:rPr>
+                <a:t>Azure Container Apps</a:t>
+              </a:r>
+            </a:p>
+          </p:txBody>
+        </p:sp>
+      </p:grpSp>
+      <p:sp>
+        <p:nvSpPr>
+          <p:cNvPr id="72" name="TextBox 71">
+            <a:extLst>
+              <a:ext uri="{FF2B5EF4-FFF2-40B4-BE49-F238E27FC236}">
+                <a16:creationId xmlns:a16="http://schemas.microsoft.com/office/drawing/2014/main" id="{5B4098B0-34C3-4339-A20B-46D9DF20065A}"/>
+              </a:ext>
+            </a:extLst>
+          </p:cNvPr>
+          <p:cNvSpPr txBox="1"/>
+          <p:nvPr/>
+        </p:nvSpPr>
+        <p:spPr>
+          <a:xfrm>
+            <a:off x="5951914" y="2267068"/>
+            <a:ext cx="1489738" cy="276999"/>
+          </a:xfrm>
+          <a:prstGeom prst="rect">
+            <a:avLst/>
+          </a:prstGeom>
+          <a:noFill/>
+        </p:spPr>
+        <p:txBody>
+          <a:bodyPr wrap="square">
+            <a:spAutoFit/>
+          </a:bodyPr>
+          <a:lstStyle/>
+          <a:p>
+            <a:pPr algn="ctr"/>
+            <a:r>
+              <a:rPr lang="en-US" sz="1200" dirty="0" err="1">
+                <a:latin typeface="Arial Nova Cond" panose="020B0506020202020204" pitchFamily="34" charset="0"/>
+              </a:rPr>
+              <a:t>SecretDeliveryApp</a:t>
+            </a:r>
+            <a:endParaRPr lang="en-US" sz="1200" dirty="0">
+              <a:latin typeface="Arial Nova Cond" panose="020B0506020202020204" pitchFamily="34" charset="0"/>
+            </a:endParaRPr>
+          </a:p>
+        </p:txBody>
+      </p:sp>
+      <p:cxnSp>
+        <p:nvCxnSpPr>
+          <p:cNvPr id="74" name="Connector: Elbow 73">
+            <a:extLst>
+              <a:ext uri="{FF2B5EF4-FFF2-40B4-BE49-F238E27FC236}">
+                <a16:creationId xmlns:a16="http://schemas.microsoft.com/office/drawing/2014/main" id="{3FCC4A0C-A699-403A-B571-D7C26546D649}"/>
+              </a:ext>
+            </a:extLst>
+          </p:cNvPr>
+          <p:cNvCxnSpPr>
+            <a:cxnSpLocks/>
+            <a:stCxn id="37" idx="3"/>
+            <a:endCxn id="1028" idx="0"/>
+          </p:cNvCxnSpPr>
+          <p:nvPr/>
+        </p:nvCxnSpPr>
+        <p:spPr>
+          <a:xfrm>
+            <a:off x="7656659" y="1986365"/>
+            <a:ext cx="1408896" cy="179488"/>
+          </a:xfrm>
+          <a:prstGeom prst="bentConnector2">
+            <a:avLst/>
+          </a:prstGeom>
+          <a:ln w="9525">
+            <a:prstDash val="lgDashDot"/>
+            <a:headEnd type="triangle"/>
+            <a:tailEnd type="triangle"/>
+          </a:ln>
+        </p:spPr>
+        <p:style>
+          <a:lnRef idx="1">
+            <a:schemeClr val="accent6"/>
+          </a:lnRef>
+          <a:fillRef idx="0">
+            <a:schemeClr val="accent6"/>
+          </a:fillRef>
+          <a:effectRef idx="0">
+            <a:schemeClr val="accent6"/>
+          </a:effectRef>
+          <a:fontRef idx="minor">
+            <a:schemeClr val="tx1"/>
+          </a:fontRef>
+        </p:style>
+      </p:cxnSp>
+      <p:sp>
+        <p:nvSpPr>
+          <p:cNvPr id="82" name="TextBox 81">
+            <a:extLst>
+              <a:ext uri="{FF2B5EF4-FFF2-40B4-BE49-F238E27FC236}">
+                <a16:creationId xmlns:a16="http://schemas.microsoft.com/office/drawing/2014/main" id="{24D51C3F-C7E9-4AA4-B71E-51AC03D7EF0A}"/>
+              </a:ext>
+            </a:extLst>
+          </p:cNvPr>
+          <p:cNvSpPr txBox="1"/>
+          <p:nvPr/>
+        </p:nvSpPr>
+        <p:spPr>
+          <a:xfrm>
+            <a:off x="8200630" y="1771225"/>
+            <a:ext cx="380232" cy="246221"/>
           </a:xfrm>
           <a:prstGeom prst="rect">
             <a:avLst/>
@@ -9757,271 +10067,55 @@
           </a:lstStyle>
           <a:p>
             <a:r>
-              <a:rPr lang="en-US" dirty="0"/>
-              <a:t>?? role</a:t>
+              <a:rPr lang="en-US" dirty="0">
+                <a:latin typeface="Arial Nova Cond" panose="020B0506020202020204" pitchFamily="34" charset="0"/>
+              </a:rPr>
+              <a:t>role</a:t>
             </a:r>
           </a:p>
         </p:txBody>
       </p:sp>
-      <p:pic>
-        <p:nvPicPr>
-          <p:cNvPr id="3" name="Picture 2" descr="See the source image">
-            <a:extLst>
-              <a:ext uri="{FF2B5EF4-FFF2-40B4-BE49-F238E27FC236}">
-                <a16:creationId xmlns:a16="http://schemas.microsoft.com/office/drawing/2014/main" id="{AA859BBB-7220-4F45-915A-743FC1FEBFA7}"/>
-              </a:ext>
-            </a:extLst>
-          </p:cNvPr>
-          <p:cNvPicPr>
-            <a:picLocks noChangeAspect="1" noChangeArrowheads="1"/>
-          </p:cNvPicPr>
-          <p:nvPr/>
-        </p:nvPicPr>
-        <p:blipFill rotWithShape="1">
-          <a:blip r:embed="rId12">
-            <a:extLst>
-              <a:ext uri="{28A0092B-C50C-407E-A947-70E740481C1C}">
-                <a14:useLocalDpi xmlns:a14="http://schemas.microsoft.com/office/drawing/2010/main" val="0"/>
-              </a:ext>
-            </a:extLst>
-          </a:blip>
-          <a:srcRect l="10421" t="38880" r="8904" b="36363"/>
-          <a:stretch/>
-        </p:blipFill>
-        <p:spPr bwMode="auto">
-          <a:xfrm>
-            <a:off x="7732048" y="4345878"/>
-            <a:ext cx="1443582" cy="354394"/>
-          </a:xfrm>
-          <a:prstGeom prst="rect">
+      <p:cxnSp>
+        <p:nvCxnSpPr>
+          <p:cNvPr id="1033" name="Straight Arrow Connector 1032">
+            <a:extLst>
+              <a:ext uri="{FF2B5EF4-FFF2-40B4-BE49-F238E27FC236}">
+                <a16:creationId xmlns:a16="http://schemas.microsoft.com/office/drawing/2014/main" id="{B50947AE-8B6B-4779-BFBA-4A9845D4B9D8}"/>
+              </a:ext>
+            </a:extLst>
+          </p:cNvPr>
+          <p:cNvCxnSpPr/>
+          <p:nvPr/>
+        </p:nvCxnSpPr>
+        <p:spPr>
+          <a:xfrm flipH="1">
+            <a:off x="7597942" y="1127219"/>
+            <a:ext cx="602688" cy="704617"/>
+          </a:xfrm>
+          <a:prstGeom prst="straightConnector1">
             <a:avLst/>
           </a:prstGeom>
-          <a:noFill/>
-          <a:extLst>
-            <a:ext uri="{909E8E84-426E-40DD-AFC4-6F175D3DCCD1}">
-              <a14:hiddenFill xmlns:a14="http://schemas.microsoft.com/office/drawing/2010/main">
-                <a:solidFill>
-                  <a:srgbClr val="FFFFFF"/>
-                </a:solidFill>
-              </a14:hiddenFill>
-            </a:ext>
-          </a:extLst>
-        </p:spPr>
-      </p:pic>
-      <p:sp>
-        <p:nvSpPr>
-          <p:cNvPr id="16" name="TextBox 15">
-            <a:extLst>
-              <a:ext uri="{FF2B5EF4-FFF2-40B4-BE49-F238E27FC236}">
-                <a16:creationId xmlns:a16="http://schemas.microsoft.com/office/drawing/2014/main" id="{150664F6-D638-4BBA-B82E-64EF9BCA251F}"/>
-              </a:ext>
-            </a:extLst>
-          </p:cNvPr>
-          <p:cNvSpPr txBox="1"/>
-          <p:nvPr/>
-        </p:nvSpPr>
-        <p:spPr>
-          <a:xfrm>
-            <a:off x="6914476" y="3758493"/>
-            <a:ext cx="1832810" cy="307777"/>
-          </a:xfrm>
-          <a:prstGeom prst="rect">
-            <a:avLst/>
-          </a:prstGeom>
-          <a:noFill/>
-        </p:spPr>
-        <p:txBody>
-          <a:bodyPr wrap="square">
-            <a:spAutoFit/>
-          </a:bodyPr>
-          <a:lstStyle/>
-          <a:p>
-            <a:r>
-              <a:rPr lang="en-US" sz="1400" dirty="0"/>
-              <a:t>“</a:t>
-            </a:r>
-            <a:r>
-              <a:rPr lang="en-US" sz="1400" dirty="0" err="1"/>
-              <a:t>influxdb</a:t>
-            </a:r>
-            <a:r>
-              <a:rPr lang="en-US" sz="1400" dirty="0"/>
-              <a:t>” module</a:t>
-            </a:r>
-          </a:p>
-        </p:txBody>
-      </p:sp>
-      <p:sp>
-        <p:nvSpPr>
-          <p:cNvPr id="20" name="TextBox 19">
-            <a:extLst>
-              <a:ext uri="{FF2B5EF4-FFF2-40B4-BE49-F238E27FC236}">
-                <a16:creationId xmlns:a16="http://schemas.microsoft.com/office/drawing/2014/main" id="{BE935596-3BEF-491F-B484-8B1B4CED8529}"/>
-              </a:ext>
-            </a:extLst>
-          </p:cNvPr>
-          <p:cNvSpPr txBox="1"/>
-          <p:nvPr/>
-        </p:nvSpPr>
-        <p:spPr>
-          <a:xfrm>
-            <a:off x="2359420" y="3376583"/>
-            <a:ext cx="4160286" cy="307777"/>
-          </a:xfrm>
-          <a:prstGeom prst="rect">
-            <a:avLst/>
-          </a:prstGeom>
-          <a:noFill/>
-        </p:spPr>
-        <p:txBody>
-          <a:bodyPr wrap="square">
-            <a:spAutoFit/>
-          </a:bodyPr>
-          <a:lstStyle/>
-          <a:p>
-            <a:r>
-              <a:rPr lang="en-US" sz="1400" dirty="0"/>
-              <a:t>“</a:t>
-            </a:r>
-            <a:r>
-              <a:rPr lang="en-US" sz="1400" dirty="0" err="1"/>
-              <a:t>deployment.influxdb.template.json</a:t>
-            </a:r>
-            <a:r>
-              <a:rPr lang="en-US" sz="1400" dirty="0"/>
-              <a:t>” edge solution</a:t>
-            </a:r>
-          </a:p>
-        </p:txBody>
-      </p:sp>
-      <p:pic>
-        <p:nvPicPr>
-          <p:cNvPr id="1026" name="Picture 2" descr="See the source image">
-            <a:extLst>
-              <a:ext uri="{FF2B5EF4-FFF2-40B4-BE49-F238E27FC236}">
-                <a16:creationId xmlns:a16="http://schemas.microsoft.com/office/drawing/2014/main" id="{D877793F-3423-4985-A4F8-20C4FDCAAC98}"/>
-              </a:ext>
-            </a:extLst>
-          </p:cNvPr>
-          <p:cNvPicPr>
-            <a:picLocks noChangeAspect="1" noChangeArrowheads="1"/>
-          </p:cNvPicPr>
-          <p:nvPr/>
-        </p:nvPicPr>
-        <p:blipFill rotWithShape="1">
-          <a:blip r:embed="rId13">
-            <a:extLst>
-              <a:ext uri="{28A0092B-C50C-407E-A947-70E740481C1C}">
-                <a14:useLocalDpi xmlns:a14="http://schemas.microsoft.com/office/drawing/2010/main" val="0"/>
-              </a:ext>
-            </a:extLst>
-          </a:blip>
-          <a:srcRect l="23418" t="10038" r="25450" b="10287"/>
-          <a:stretch/>
-        </p:blipFill>
-        <p:spPr bwMode="auto">
-          <a:xfrm>
-            <a:off x="7822946" y="6367208"/>
-            <a:ext cx="377684" cy="400194"/>
-          </a:xfrm>
-          <a:prstGeom prst="rect">
-            <a:avLst/>
-          </a:prstGeom>
-          <a:noFill/>
-          <a:extLst>
-            <a:ext uri="{909E8E84-426E-40DD-AFC4-6F175D3DCCD1}">
-              <a14:hiddenFill xmlns:a14="http://schemas.microsoft.com/office/drawing/2010/main">
-                <a:solidFill>
-                  <a:srgbClr val="FFFFFF"/>
-                </a:solidFill>
-              </a14:hiddenFill>
-            </a:ext>
-          </a:extLst>
-        </p:spPr>
-      </p:pic>
-      <p:sp>
-        <p:nvSpPr>
-          <p:cNvPr id="9" name="TextBox 8">
-            <a:extLst>
-              <a:ext uri="{FF2B5EF4-FFF2-40B4-BE49-F238E27FC236}">
-                <a16:creationId xmlns:a16="http://schemas.microsoft.com/office/drawing/2014/main" id="{7651D2E4-69F0-4A99-8563-0C5DC63588D4}"/>
-              </a:ext>
-            </a:extLst>
-          </p:cNvPr>
-          <p:cNvSpPr txBox="1"/>
-          <p:nvPr/>
-        </p:nvSpPr>
-        <p:spPr>
-          <a:xfrm>
-            <a:off x="8218185" y="6352427"/>
-            <a:ext cx="1109663" cy="461665"/>
-          </a:xfrm>
-          <a:prstGeom prst="rect">
-            <a:avLst/>
-          </a:prstGeom>
-          <a:noFill/>
-        </p:spPr>
-        <p:txBody>
-          <a:bodyPr wrap="square" rtlCol="0">
-            <a:spAutoFit/>
-          </a:bodyPr>
-          <a:lstStyle/>
-          <a:p>
-            <a:r>
-              <a:rPr lang="en-US" sz="1200" dirty="0"/>
-              <a:t>Azure IoT Edge RUNTIME</a:t>
-            </a:r>
-          </a:p>
-        </p:txBody>
-      </p:sp>
-      <p:sp>
-        <p:nvSpPr>
-          <p:cNvPr id="93" name="Rectangle 92">
-            <a:extLst>
-              <a:ext uri="{FF2B5EF4-FFF2-40B4-BE49-F238E27FC236}">
-                <a16:creationId xmlns:a16="http://schemas.microsoft.com/office/drawing/2014/main" id="{1400136E-BEBB-486F-82D4-515152FAFBB4}"/>
-              </a:ext>
-            </a:extLst>
-          </p:cNvPr>
-          <p:cNvSpPr/>
-          <p:nvPr/>
-        </p:nvSpPr>
-        <p:spPr>
-          <a:xfrm>
-            <a:off x="2780386" y="6407330"/>
-            <a:ext cx="1832810" cy="319950"/>
-          </a:xfrm>
-          <a:prstGeom prst="rect">
-            <a:avLst/>
-          </a:prstGeom>
+          <a:ln w="9525">
+            <a:prstDash val="lgDashDot"/>
+            <a:headEnd type="triangle"/>
+            <a:tailEnd type="triangle"/>
+          </a:ln>
         </p:spPr>
         <p:style>
-          <a:lnRef idx="2">
-            <a:schemeClr val="accent1"/>
+          <a:lnRef idx="1">
+            <a:schemeClr val="accent6"/>
           </a:lnRef>
-          <a:fillRef idx="1">
-            <a:schemeClr val="lt1"/>
+          <a:fillRef idx="0">
+            <a:schemeClr val="accent6"/>
           </a:fillRef>
           <a:effectRef idx="0">
-            <a:schemeClr val="accent1"/>
+            <a:schemeClr val="accent6"/>
           </a:effectRef>
           <a:fontRef idx="minor">
-            <a:schemeClr val="dk1"/>
+            <a:schemeClr val="tx1"/>
           </a:fontRef>
         </p:style>
-        <p:txBody>
-          <a:bodyPr rtlCol="0" anchor="ctr"/>
-          <a:lstStyle/>
-          <a:p>
-            <a:pPr algn="ctr"/>
-            <a:r>
-              <a:rPr lang="en-US" sz="1200" dirty="0" err="1"/>
-              <a:t>CryptoProvider</a:t>
-            </a:r>
-            <a:endParaRPr lang="en-US" sz="1200" dirty="0"/>
-          </a:p>
-        </p:txBody>
-      </p:sp>
+      </p:cxnSp>
     </p:spTree>
     <p:extLst>
       <p:ext uri="{BB962C8B-B14F-4D97-AF65-F5344CB8AC3E}">

--- a/docs/drawings.pptx
+++ b/docs/drawings.pptx
@@ -9,7 +9,7 @@
     <p:sldId id="264" r:id="rId3"/>
     <p:sldId id="265" r:id="rId4"/>
     <p:sldId id="266" r:id="rId5"/>
-    <p:sldId id="268" r:id="rId6"/>
+    <p:sldId id="269" r:id="rId6"/>
     <p:sldId id="267" r:id="rId7"/>
   </p:sldIdLst>
   <p:sldSz cx="12192000" cy="6858000"/>
@@ -10148,10 +10148,10 @@
       </p:grpSpPr>
       <p:sp>
         <p:nvSpPr>
-          <p:cNvPr id="29" name="Rectangle 28">
-            <a:extLst>
-              <a:ext uri="{FF2B5EF4-FFF2-40B4-BE49-F238E27FC236}">
-                <a16:creationId xmlns:a16="http://schemas.microsoft.com/office/drawing/2014/main" id="{7C60881A-3147-4024-8B19-E7C746A159A4}"/>
+          <p:cNvPr id="18" name="Rectangle 17">
+            <a:extLst>
+              <a:ext uri="{FF2B5EF4-FFF2-40B4-BE49-F238E27FC236}">
+                <a16:creationId xmlns:a16="http://schemas.microsoft.com/office/drawing/2014/main" id="{06D4D09A-A4F7-4373-B930-F3B92E3871E0}"/>
               </a:ext>
             </a:extLst>
           </p:cNvPr>
@@ -10160,8 +10160,8 @@
         </p:nvSpPr>
         <p:spPr>
           <a:xfrm>
-            <a:off x="4647165" y="1407694"/>
-            <a:ext cx="1636818" cy="918909"/>
+            <a:off x="4071932" y="652057"/>
+            <a:ext cx="1769023" cy="573944"/>
           </a:xfrm>
           <a:prstGeom prst="rect">
             <a:avLst/>
@@ -10198,10 +10198,10 @@
       </p:sp>
       <p:sp>
         <p:nvSpPr>
-          <p:cNvPr id="13" name="Rectangle 12">
-            <a:extLst>
-              <a:ext uri="{FF2B5EF4-FFF2-40B4-BE49-F238E27FC236}">
-                <a16:creationId xmlns:a16="http://schemas.microsoft.com/office/drawing/2014/main" id="{E532D6D0-D8D8-4497-82A5-3552DB4D9497}"/>
+          <p:cNvPr id="6" name="Rectangle 5">
+            <a:extLst>
+              <a:ext uri="{FF2B5EF4-FFF2-40B4-BE49-F238E27FC236}">
+                <a16:creationId xmlns:a16="http://schemas.microsoft.com/office/drawing/2014/main" id="{BE07A90C-EC9D-4BBE-85BD-0AF812102DA1}"/>
               </a:ext>
             </a:extLst>
           </p:cNvPr>
@@ -10210,8 +10210,8 @@
         </p:nvSpPr>
         <p:spPr>
           <a:xfrm>
-            <a:off x="1522031" y="3157995"/>
-            <a:ext cx="7952838" cy="1835110"/>
+            <a:off x="1714499" y="1683547"/>
+            <a:ext cx="8484975" cy="1745454"/>
           </a:xfrm>
           <a:prstGeom prst="rect">
             <a:avLst/>
@@ -10246,6 +10246,89 @@
           </a:p>
         </p:txBody>
       </p:sp>
+      <p:sp>
+        <p:nvSpPr>
+          <p:cNvPr id="7" name="TextBox 6">
+            <a:extLst>
+              <a:ext uri="{FF2B5EF4-FFF2-40B4-BE49-F238E27FC236}">
+                <a16:creationId xmlns:a16="http://schemas.microsoft.com/office/drawing/2014/main" id="{CD195378-DF03-4159-8328-A54FA2FDB740}"/>
+              </a:ext>
+            </a:extLst>
+          </p:cNvPr>
+          <p:cNvSpPr txBox="1"/>
+          <p:nvPr/>
+        </p:nvSpPr>
+        <p:spPr>
+          <a:xfrm>
+            <a:off x="1714499" y="1412803"/>
+            <a:ext cx="1220385" cy="307777"/>
+          </a:xfrm>
+          <a:prstGeom prst="rect">
+            <a:avLst/>
+          </a:prstGeom>
+          <a:noFill/>
+        </p:spPr>
+        <p:txBody>
+          <a:bodyPr wrap="square">
+            <a:spAutoFit/>
+          </a:bodyPr>
+          <a:lstStyle/>
+          <a:p>
+            <a:r>
+              <a:rPr lang="en-US" sz="1400" dirty="0"/>
+              <a:t>deployAll.sh</a:t>
+            </a:r>
+          </a:p>
+        </p:txBody>
+      </p:sp>
+      <p:sp>
+        <p:nvSpPr>
+          <p:cNvPr id="13" name="Rectangle: Rounded Corners 12">
+            <a:extLst>
+              <a:ext uri="{FF2B5EF4-FFF2-40B4-BE49-F238E27FC236}">
+                <a16:creationId xmlns:a16="http://schemas.microsoft.com/office/drawing/2014/main" id="{1E687DD2-4605-4F84-853B-7A106D4D849C}"/>
+              </a:ext>
+            </a:extLst>
+          </p:cNvPr>
+          <p:cNvSpPr/>
+          <p:nvPr/>
+        </p:nvSpPr>
+        <p:spPr>
+          <a:xfrm>
+            <a:off x="5944623" y="2033024"/>
+            <a:ext cx="1497029" cy="793079"/>
+          </a:xfrm>
+          <a:prstGeom prst="roundRect">
+            <a:avLst>
+              <a:gd name="adj" fmla="val 4345"/>
+            </a:avLst>
+          </a:prstGeom>
+        </p:spPr>
+        <p:style>
+          <a:lnRef idx="2">
+            <a:schemeClr val="accent1"/>
+          </a:lnRef>
+          <a:fillRef idx="1">
+            <a:schemeClr val="lt1"/>
+          </a:fillRef>
+          <a:effectRef idx="0">
+            <a:schemeClr val="accent1"/>
+          </a:effectRef>
+          <a:fontRef idx="minor">
+            <a:schemeClr val="dk1"/>
+          </a:fontRef>
+        </p:style>
+        <p:txBody>
+          <a:bodyPr rtlCol="0" anchor="ctr"/>
+          <a:lstStyle/>
+          <a:p>
+            <a:pPr algn="ctr"/>
+            <a:endParaRPr lang="en-US">
+              <a:latin typeface="Arial Nova Cond" panose="020B0506020202020204" pitchFamily="34" charset="0"/>
+            </a:endParaRPr>
+          </a:p>
+        </p:txBody>
+      </p:sp>
       <p:grpSp>
         <p:nvGrpSpPr>
           <p:cNvPr id="21" name="Group 20">
@@ -10260,10 +10343,10 @@
         </p:nvGrpSpPr>
         <p:grpSpPr>
           <a:xfrm>
-            <a:off x="4732785" y="1541643"/>
-            <a:ext cx="1475084" cy="740601"/>
-            <a:chOff x="4304628" y="841206"/>
-            <a:chExt cx="1475084" cy="740601"/>
+            <a:off x="4071932" y="721507"/>
+            <a:ext cx="1629482" cy="479216"/>
+            <a:chOff x="3642607" y="841206"/>
+            <a:chExt cx="1629482" cy="479216"/>
           </a:xfrm>
         </p:grpSpPr>
         <p:pic>
@@ -10325,8 +10408,8 @@
           </p:nvSpPr>
           <p:spPr>
             <a:xfrm>
-              <a:off x="4304628" y="1335586"/>
-              <a:ext cx="1475084" cy="246221"/>
+              <a:off x="3642607" y="846808"/>
+              <a:ext cx="1128835" cy="400110"/>
             </a:xfrm>
             <a:prstGeom prst="rect">
               <a:avLst/>
@@ -10339,106 +10422,23 @@
             </a:bodyPr>
             <a:lstStyle/>
             <a:p>
+              <a:pPr algn="r"/>
               <a:r>
-                <a:rPr lang="en-US" sz="1000" dirty="0"/>
-                <a:t>Azure Container Registry</a:t>
+                <a:rPr lang="en-US" sz="1000" dirty="0">
+                  <a:latin typeface="Arial Nova Cond" panose="020B0506020202020204" pitchFamily="34" charset="0"/>
+                </a:rPr>
+                <a:t>Azure </a:t>
               </a:r>
-            </a:p>
-          </p:txBody>
-        </p:sp>
-      </p:grpSp>
-      <p:grpSp>
-        <p:nvGrpSpPr>
-          <p:cNvPr id="19" name="Group 18">
-            <a:extLst>
-              <a:ext uri="{FF2B5EF4-FFF2-40B4-BE49-F238E27FC236}">
-                <a16:creationId xmlns:a16="http://schemas.microsoft.com/office/drawing/2014/main" id="{98ACBFC6-029D-47F1-A1D0-1ED06685DC36}"/>
-              </a:ext>
-            </a:extLst>
-          </p:cNvPr>
-          <p:cNvGrpSpPr/>
-          <p:nvPr/>
-        </p:nvGrpSpPr>
-        <p:grpSpPr>
-          <a:xfrm>
-            <a:off x="5837865" y="3355925"/>
-            <a:ext cx="1314784" cy="805788"/>
-            <a:chOff x="6235002" y="769945"/>
-            <a:chExt cx="1314784" cy="805788"/>
-          </a:xfrm>
-        </p:grpSpPr>
-        <p:pic>
-          <p:nvPicPr>
-            <p:cNvPr id="6" name="Picture 5">
-              <a:extLst>
-                <a:ext uri="{FF2B5EF4-FFF2-40B4-BE49-F238E27FC236}">
-                  <a16:creationId xmlns:a16="http://schemas.microsoft.com/office/drawing/2014/main" id="{1DE2DFB2-1CA0-409B-8C30-6233579847E5}"/>
-                </a:ext>
-              </a:extLst>
-            </p:cNvPr>
-            <p:cNvPicPr>
-              <a:picLocks noChangeAspect="1"/>
-            </p:cNvPicPr>
-            <p:nvPr/>
-          </p:nvPicPr>
-          <p:blipFill>
-            <a:blip r:embed="rId3">
-              <a:clrChange>
-                <a:clrFrom>
-                  <a:srgbClr val="FFFFFF"/>
-                </a:clrFrom>
-                <a:clrTo>
-                  <a:srgbClr val="FFFFFF">
-                    <a:alpha val="0"/>
-                  </a:srgbClr>
-                </a:clrTo>
-              </a:clrChange>
-            </a:blip>
-            <a:stretch>
-              <a:fillRect/>
-            </a:stretch>
-          </p:blipFill>
-          <p:spPr>
-            <a:xfrm>
-              <a:off x="6545093" y="769945"/>
-              <a:ext cx="659280" cy="612189"/>
-            </a:xfrm>
-            <a:prstGeom prst="rect">
-              <a:avLst/>
-            </a:prstGeom>
-          </p:spPr>
-        </p:pic>
-        <p:sp>
-          <p:nvSpPr>
-            <p:cNvPr id="7" name="TextBox 6">
-              <a:extLst>
-                <a:ext uri="{FF2B5EF4-FFF2-40B4-BE49-F238E27FC236}">
-                  <a16:creationId xmlns:a16="http://schemas.microsoft.com/office/drawing/2014/main" id="{D5527EA6-243A-406D-BFD9-0A9E374D205A}"/>
-                </a:ext>
-              </a:extLst>
-            </p:cNvPr>
-            <p:cNvSpPr txBox="1"/>
-            <p:nvPr/>
-          </p:nvSpPr>
-          <p:spPr>
-            <a:xfrm>
-              <a:off x="6235002" y="1329512"/>
-              <a:ext cx="1314784" cy="246221"/>
-            </a:xfrm>
-            <a:prstGeom prst="rect">
-              <a:avLst/>
-            </a:prstGeom>
-            <a:noFill/>
-          </p:spPr>
-          <p:txBody>
-            <a:bodyPr wrap="none" rtlCol="0">
-              <a:spAutoFit/>
-            </a:bodyPr>
-            <a:lstStyle/>
-            <a:p>
+              <a:br>
+                <a:rPr lang="en-US" sz="1000" dirty="0">
+                  <a:latin typeface="Arial Nova Cond" panose="020B0506020202020204" pitchFamily="34" charset="0"/>
+                </a:rPr>
+              </a:br>
               <a:r>
-                <a:rPr lang="en-US" sz="1000" dirty="0"/>
-                <a:t>Azure Container Apps</a:t>
+                <a:rPr lang="en-US" sz="1000" dirty="0">
+                  <a:latin typeface="Arial Nova Cond" panose="020B0506020202020204" pitchFamily="34" charset="0"/>
+                </a:rPr>
+                <a:t>Container Registry</a:t>
               </a:r>
             </a:p>
           </p:txBody>
@@ -10458,7 +10458,7 @@
         </p:nvGrpSpPr>
         <p:grpSpPr>
           <a:xfrm>
-            <a:off x="1742489" y="3429000"/>
+            <a:off x="1784599" y="2026656"/>
             <a:ext cx="920445" cy="757927"/>
             <a:chOff x="8056429" y="808366"/>
             <a:chExt cx="920445" cy="757927"/>
@@ -10479,7 +10479,7 @@
             <p:nvPr/>
           </p:nvPicPr>
           <p:blipFill>
-            <a:blip r:embed="rId4">
+            <a:blip r:embed="rId3">
               <a:clrChange>
                 <a:clrFrom>
                   <a:srgbClr val="FDFDFD"/>
@@ -10550,7 +10550,9 @@
             <a:lstStyle/>
             <a:p>
               <a:r>
-                <a:rPr lang="en-US" sz="1000" dirty="0"/>
+                <a:rPr lang="en-US" sz="1000" dirty="0">
+                  <a:latin typeface="Arial Nova Cond" panose="020B0506020202020204" pitchFamily="34" charset="0"/>
+                </a:rPr>
                 <a:t>Azure IoT Hub</a:t>
               </a:r>
             </a:p>
@@ -10571,10 +10573,10 @@
         </p:nvGrpSpPr>
         <p:grpSpPr>
           <a:xfrm>
-            <a:off x="8151208" y="4276422"/>
-            <a:ext cx="1191352" cy="671562"/>
-            <a:chOff x="9368201" y="863086"/>
-            <a:chExt cx="1191352" cy="671562"/>
+            <a:off x="8806705" y="2804067"/>
+            <a:ext cx="1265913" cy="445047"/>
+            <a:chOff x="9732893" y="848054"/>
+            <a:chExt cx="1265913" cy="445047"/>
           </a:xfrm>
         </p:grpSpPr>
         <p:pic>
@@ -10592,7 +10594,7 @@
             <p:nvPr/>
           </p:nvPicPr>
           <p:blipFill>
-            <a:blip r:embed="rId5">
+            <a:blip r:embed="rId4">
               <a:extLst>
                 <a:ext uri="{28A0092B-C50C-407E-A947-70E740481C1C}">
                   <a14:useLocalDpi xmlns:a14="http://schemas.microsoft.com/office/drawing/2010/main" val="0"/>
@@ -10638,8 +10640,8 @@
           </p:nvSpPr>
           <p:spPr>
             <a:xfrm>
-              <a:off x="9368201" y="1288427"/>
-              <a:ext cx="1191352" cy="246221"/>
+              <a:off x="10131261" y="848054"/>
+              <a:ext cx="867545" cy="400110"/>
             </a:xfrm>
             <a:prstGeom prst="rect">
               <a:avLst/>
@@ -10660,8 +10662,21 @@
             </a:lstStyle>
             <a:p>
               <a:r>
-                <a:rPr lang="en-US" dirty="0"/>
-                <a:t>Azure Log Analytics</a:t>
+                <a:rPr lang="en-US" dirty="0">
+                  <a:latin typeface="Arial Nova Cond" panose="020B0506020202020204" pitchFamily="34" charset="0"/>
+                </a:rPr>
+                <a:t>Azure </a:t>
+              </a:r>
+              <a:br>
+                <a:rPr lang="en-US" dirty="0">
+                  <a:latin typeface="Arial Nova Cond" panose="020B0506020202020204" pitchFamily="34" charset="0"/>
+                </a:rPr>
+              </a:br>
+              <a:r>
+                <a:rPr lang="en-US" dirty="0">
+                  <a:latin typeface="Arial Nova Cond" panose="020B0506020202020204" pitchFamily="34" charset="0"/>
+                </a:rPr>
+                <a:t>Log Analytics</a:t>
               </a:r>
             </a:p>
           </p:txBody>
@@ -10681,7 +10696,7 @@
         </p:nvGrpSpPr>
         <p:grpSpPr>
           <a:xfrm>
-            <a:off x="3750085" y="3728367"/>
+            <a:off x="3541979" y="2318729"/>
             <a:ext cx="1059906" cy="805254"/>
             <a:chOff x="10587444" y="764507"/>
             <a:chExt cx="1059906" cy="805254"/>
@@ -10693,6 +10708,121 @@
               <a:extLst>
                 <a:ext uri="{FF2B5EF4-FFF2-40B4-BE49-F238E27FC236}">
                   <a16:creationId xmlns:a16="http://schemas.microsoft.com/office/drawing/2014/main" id="{BB75325C-BE80-4716-B3AB-888FDA93A36B}"/>
+                </a:ext>
+              </a:extLst>
+            </p:cNvPr>
+            <p:cNvPicPr>
+              <a:picLocks noChangeAspect="1" noChangeArrowheads="1"/>
+            </p:cNvPicPr>
+            <p:nvPr/>
+          </p:nvPicPr>
+          <p:blipFill>
+            <a:blip r:embed="rId5">
+              <a:clrChange>
+                <a:clrFrom>
+                  <a:srgbClr val="FDFDFD"/>
+                </a:clrFrom>
+                <a:clrTo>
+                  <a:srgbClr val="FDFDFD">
+                    <a:alpha val="0"/>
+                  </a:srgbClr>
+                </a:clrTo>
+              </a:clrChange>
+              <a:extLst>
+                <a:ext uri="{28A0092B-C50C-407E-A947-70E740481C1C}">
+                  <a14:useLocalDpi xmlns:a14="http://schemas.microsoft.com/office/drawing/2010/main" val="0"/>
+                </a:ext>
+              </a:extLst>
+            </a:blip>
+            <a:srcRect/>
+            <a:stretch>
+              <a:fillRect/>
+            </a:stretch>
+          </p:blipFill>
+          <p:spPr bwMode="auto">
+            <a:xfrm>
+              <a:off x="10824907" y="764507"/>
+              <a:ext cx="584980" cy="584980"/>
+            </a:xfrm>
+            <a:prstGeom prst="rect">
+              <a:avLst/>
+            </a:prstGeom>
+            <a:noFill/>
+            <a:extLst>
+              <a:ext uri="{909E8E84-426E-40DD-AFC4-6F175D3DCCD1}">
+                <a14:hiddenFill xmlns:a14="http://schemas.microsoft.com/office/drawing/2010/main">
+                  <a:solidFill>
+                    <a:srgbClr val="FFFFFF"/>
+                  </a:solidFill>
+                </a14:hiddenFill>
+              </a:ext>
+            </a:extLst>
+          </p:spPr>
+        </p:pic>
+        <p:sp>
+          <p:nvSpPr>
+            <p:cNvPr id="12" name="TextBox 11">
+              <a:extLst>
+                <a:ext uri="{FF2B5EF4-FFF2-40B4-BE49-F238E27FC236}">
+                  <a16:creationId xmlns:a16="http://schemas.microsoft.com/office/drawing/2014/main" id="{42ACD0CC-6F04-4067-8439-7BB4106B3467}"/>
+                </a:ext>
+              </a:extLst>
+            </p:cNvPr>
+            <p:cNvSpPr txBox="1"/>
+            <p:nvPr/>
+          </p:nvSpPr>
+          <p:spPr>
+            <a:xfrm>
+              <a:off x="10587444" y="1323540"/>
+              <a:ext cx="1059906" cy="246221"/>
+            </a:xfrm>
+            <a:prstGeom prst="rect">
+              <a:avLst/>
+            </a:prstGeom>
+            <a:noFill/>
+          </p:spPr>
+          <p:txBody>
+            <a:bodyPr wrap="none" rtlCol="0">
+              <a:spAutoFit/>
+            </a:bodyPr>
+            <a:lstStyle/>
+            <a:p>
+              <a:r>
+                <a:rPr lang="en-US" sz="1000" dirty="0">
+                  <a:latin typeface="Arial Nova Cond" panose="020B0506020202020204" pitchFamily="34" charset="0"/>
+                </a:rPr>
+                <a:t>Azure Event Grid</a:t>
+              </a:r>
+            </a:p>
+          </p:txBody>
+        </p:sp>
+      </p:grpSp>
+      <p:grpSp>
+        <p:nvGrpSpPr>
+          <p:cNvPr id="23" name="Group 22">
+            <a:extLst>
+              <a:ext uri="{FF2B5EF4-FFF2-40B4-BE49-F238E27FC236}">
+                <a16:creationId xmlns:a16="http://schemas.microsoft.com/office/drawing/2014/main" id="{E4D241D0-F5D6-4665-9CD5-6C50C04D2831}"/>
+              </a:ext>
+            </a:extLst>
+          </p:cNvPr>
+          <p:cNvGrpSpPr/>
+          <p:nvPr/>
+        </p:nvGrpSpPr>
+        <p:grpSpPr>
+          <a:xfrm>
+            <a:off x="8850547" y="2165853"/>
+            <a:ext cx="1028669" cy="472114"/>
+            <a:chOff x="3373522" y="834058"/>
+            <a:chExt cx="1028669" cy="472114"/>
+          </a:xfrm>
+        </p:grpSpPr>
+        <p:pic>
+          <p:nvPicPr>
+            <p:cNvPr id="1028" name="Picture 4" descr="See related image detail">
+              <a:extLst>
+                <a:ext uri="{FF2B5EF4-FFF2-40B4-BE49-F238E27FC236}">
+                  <a16:creationId xmlns:a16="http://schemas.microsoft.com/office/drawing/2014/main" id="{650EC945-E073-4979-BA21-343CE6D70BB9}"/>
                 </a:ext>
               </a:extLst>
             </p:cNvPr>
@@ -10726,119 +10856,6 @@
           </p:blipFill>
           <p:spPr bwMode="auto">
             <a:xfrm>
-              <a:off x="10824907" y="764507"/>
-              <a:ext cx="584980" cy="584980"/>
-            </a:xfrm>
-            <a:prstGeom prst="rect">
-              <a:avLst/>
-            </a:prstGeom>
-            <a:noFill/>
-            <a:extLst>
-              <a:ext uri="{909E8E84-426E-40DD-AFC4-6F175D3DCCD1}">
-                <a14:hiddenFill xmlns:a14="http://schemas.microsoft.com/office/drawing/2010/main">
-                  <a:solidFill>
-                    <a:srgbClr val="FFFFFF"/>
-                  </a:solidFill>
-                </a14:hiddenFill>
-              </a:ext>
-            </a:extLst>
-          </p:spPr>
-        </p:pic>
-        <p:sp>
-          <p:nvSpPr>
-            <p:cNvPr id="12" name="TextBox 11">
-              <a:extLst>
-                <a:ext uri="{FF2B5EF4-FFF2-40B4-BE49-F238E27FC236}">
-                  <a16:creationId xmlns:a16="http://schemas.microsoft.com/office/drawing/2014/main" id="{42ACD0CC-6F04-4067-8439-7BB4106B3467}"/>
-                </a:ext>
-              </a:extLst>
-            </p:cNvPr>
-            <p:cNvSpPr txBox="1"/>
-            <p:nvPr/>
-          </p:nvSpPr>
-          <p:spPr>
-            <a:xfrm>
-              <a:off x="10587444" y="1323540"/>
-              <a:ext cx="1059906" cy="246221"/>
-            </a:xfrm>
-            <a:prstGeom prst="rect">
-              <a:avLst/>
-            </a:prstGeom>
-            <a:noFill/>
-          </p:spPr>
-          <p:txBody>
-            <a:bodyPr wrap="none" rtlCol="0">
-              <a:spAutoFit/>
-            </a:bodyPr>
-            <a:lstStyle/>
-            <a:p>
-              <a:r>
-                <a:rPr lang="en-US" sz="1000" dirty="0"/>
-                <a:t>Azure Event Grid</a:t>
-              </a:r>
-            </a:p>
-          </p:txBody>
-        </p:sp>
-      </p:grpSp>
-      <p:grpSp>
-        <p:nvGrpSpPr>
-          <p:cNvPr id="23" name="Group 22">
-            <a:extLst>
-              <a:ext uri="{FF2B5EF4-FFF2-40B4-BE49-F238E27FC236}">
-                <a16:creationId xmlns:a16="http://schemas.microsoft.com/office/drawing/2014/main" id="{E4D241D0-F5D6-4665-9CD5-6C50C04D2831}"/>
-              </a:ext>
-            </a:extLst>
-          </p:cNvPr>
-          <p:cNvGrpSpPr/>
-          <p:nvPr/>
-        </p:nvGrpSpPr>
-        <p:grpSpPr>
-          <a:xfrm>
-            <a:off x="8276476" y="3425192"/>
-            <a:ext cx="976549" cy="736521"/>
-            <a:chOff x="3100254" y="834058"/>
-            <a:chExt cx="976549" cy="736521"/>
-          </a:xfrm>
-        </p:grpSpPr>
-        <p:pic>
-          <p:nvPicPr>
-            <p:cNvPr id="1028" name="Picture 4" descr="See related image detail">
-              <a:extLst>
-                <a:ext uri="{FF2B5EF4-FFF2-40B4-BE49-F238E27FC236}">
-                  <a16:creationId xmlns:a16="http://schemas.microsoft.com/office/drawing/2014/main" id="{650EC945-E073-4979-BA21-343CE6D70BB9}"/>
-                </a:ext>
-              </a:extLst>
-            </p:cNvPr>
-            <p:cNvPicPr>
-              <a:picLocks noChangeAspect="1" noChangeArrowheads="1"/>
-            </p:cNvPicPr>
-            <p:nvPr/>
-          </p:nvPicPr>
-          <p:blipFill>
-            <a:blip r:embed="rId7">
-              <a:clrChange>
-                <a:clrFrom>
-                  <a:srgbClr val="FDFDFD"/>
-                </a:clrFrom>
-                <a:clrTo>
-                  <a:srgbClr val="FDFDFD">
-                    <a:alpha val="0"/>
-                  </a:srgbClr>
-                </a:clrTo>
-              </a:clrChange>
-              <a:extLst>
-                <a:ext uri="{28A0092B-C50C-407E-A947-70E740481C1C}">
-                  <a14:useLocalDpi xmlns:a14="http://schemas.microsoft.com/office/drawing/2010/main" val="0"/>
-                </a:ext>
-              </a:extLst>
-            </a:blip>
-            <a:srcRect/>
-            <a:stretch>
-              <a:fillRect/>
-            </a:stretch>
-          </p:blipFill>
-          <p:spPr bwMode="auto">
-            <a:xfrm>
               <a:off x="3373522" y="834058"/>
               <a:ext cx="430015" cy="472114"/>
             </a:xfrm>
@@ -10871,8 +10888,8 @@
           </p:nvSpPr>
           <p:spPr>
             <a:xfrm>
-              <a:off x="3100254" y="1324358"/>
-              <a:ext cx="976549" cy="246221"/>
+              <a:off x="3771890" y="858449"/>
+              <a:ext cx="630301" cy="400110"/>
             </a:xfrm>
             <a:prstGeom prst="rect">
               <a:avLst/>
@@ -10886,14 +10903,25 @@
             <a:lstStyle/>
             <a:p>
               <a:r>
-                <a:rPr lang="en-US" sz="1000" dirty="0"/>
+                <a:rPr lang="en-US" sz="1000" dirty="0">
+                  <a:latin typeface="Arial Nova Cond" panose="020B0506020202020204" pitchFamily="34" charset="0"/>
+                </a:rPr>
                 <a:t>Azure </a:t>
               </a:r>
+              <a:br>
+                <a:rPr lang="en-US" sz="1000" dirty="0">
+                  <a:latin typeface="Arial Nova Cond" panose="020B0506020202020204" pitchFamily="34" charset="0"/>
+                </a:rPr>
+              </a:br>
               <a:r>
-                <a:rPr lang="en-US" sz="1000" dirty="0" err="1"/>
+                <a:rPr lang="en-US" sz="1000" dirty="0" err="1">
+                  <a:latin typeface="Arial Nova Cond" panose="020B0506020202020204" pitchFamily="34" charset="0"/>
+                </a:rPr>
                 <a:t>KeyVault</a:t>
               </a:r>
-              <a:endParaRPr lang="en-US" sz="1000" dirty="0"/>
+              <a:endParaRPr lang="en-US" sz="1000" dirty="0">
+                <a:latin typeface="Arial Nova Cond" panose="020B0506020202020204" pitchFamily="34" charset="0"/>
+              </a:endParaRPr>
             </a:p>
           </p:txBody>
         </p:sp>
@@ -10908,15 +10936,16 @@
             </a:extLst>
           </p:cNvPr>
           <p:cNvCxnSpPr>
-            <a:stCxn id="6" idx="3"/>
+            <a:cxnSpLocks/>
+            <a:stCxn id="72" idx="3"/>
             <a:endCxn id="1028" idx="1"/>
           </p:cNvCxnSpPr>
           <p:nvPr/>
         </p:nvCxnSpPr>
         <p:spPr>
           <a:xfrm flipV="1">
-            <a:off x="6807236" y="3661249"/>
-            <a:ext cx="1742508" cy="771"/>
+            <a:off x="7441652" y="2401910"/>
+            <a:ext cx="1408895" cy="3658"/>
           </a:xfrm>
           <a:prstGeom prst="straightConnector1">
             <a:avLst/>
@@ -10955,7 +10984,7 @@
         </p:nvSpPr>
         <p:spPr>
           <a:xfrm>
-            <a:off x="7151007" y="4461445"/>
+            <a:off x="7916640" y="3040185"/>
             <a:ext cx="1224769" cy="246221"/>
           </a:xfrm>
           <a:prstGeom prst="rect">
@@ -10970,8 +10999,10 @@
           <a:lstStyle/>
           <a:p>
             <a:r>
-              <a:rPr lang="en-US" sz="1000" dirty="0"/>
-              <a:t>AUDIT TRAIL</a:t>
+              <a:rPr lang="en-US" sz="1000" dirty="0">
+                <a:latin typeface="Arial Nova Cond" panose="020B0506020202020204" pitchFamily="34" charset="0"/>
+              </a:rPr>
+              <a:t>AUDIT LOGS</a:t>
             </a:r>
           </a:p>
         </p:txBody>
@@ -10990,8 +11021,8 @@
         </p:nvSpPr>
         <p:spPr>
           <a:xfrm>
-            <a:off x="6929471" y="3439697"/>
-            <a:ext cx="1224769" cy="246221"/>
+            <a:off x="7986229" y="2199276"/>
+            <a:ext cx="964788" cy="246221"/>
           </a:xfrm>
           <a:prstGeom prst="rect">
             <a:avLst/>
@@ -11013,7 +11044,9 @@
           <a:p>
             <a:pPr algn="ctr"/>
             <a:r>
-              <a:rPr lang="en-US" dirty="0"/>
+              <a:rPr lang="en-US" dirty="0">
+                <a:latin typeface="Arial Nova Cond" panose="020B0506020202020204" pitchFamily="34" charset="0"/>
+              </a:rPr>
               <a:t>SECRETS</a:t>
             </a:r>
           </a:p>
@@ -11036,7 +11069,7 @@
         </p:nvCxnSpPr>
         <p:spPr>
           <a:xfrm>
-            <a:off x="2520890" y="3774636"/>
+            <a:off x="2312784" y="2364998"/>
             <a:ext cx="1466658" cy="246221"/>
           </a:xfrm>
           <a:prstGeom prst="bentConnector3">
@@ -11075,13 +11108,14 @@
           <p:cNvCxnSpPr>
             <a:cxnSpLocks/>
             <a:stCxn id="1034" idx="3"/>
+            <a:endCxn id="13" idx="1"/>
           </p:cNvCxnSpPr>
           <p:nvPr/>
         </p:nvCxnSpPr>
         <p:spPr>
           <a:xfrm flipV="1">
-            <a:off x="4572528" y="3783359"/>
-            <a:ext cx="1513657" cy="237498"/>
+            <a:off x="4364422" y="2429564"/>
+            <a:ext cx="1580201" cy="181655"/>
           </a:xfrm>
           <a:prstGeom prst="bentConnector3">
             <a:avLst>
@@ -11123,8 +11157,8 @@
         </p:nvCxnSpPr>
         <p:spPr>
           <a:xfrm flipH="1">
-            <a:off x="2520890" y="3543238"/>
-            <a:ext cx="3530125" cy="0"/>
+            <a:off x="2563000" y="2140894"/>
+            <a:ext cx="3359715" cy="0"/>
           </a:xfrm>
           <a:prstGeom prst="straightConnector1">
             <a:avLst/>
@@ -11162,10 +11196,10 @@
         </p:nvGrpSpPr>
         <p:grpSpPr>
           <a:xfrm>
-            <a:off x="8746884" y="1512685"/>
-            <a:ext cx="1350050" cy="767878"/>
-            <a:chOff x="4042380" y="358243"/>
-            <a:chExt cx="1350050" cy="767878"/>
+            <a:off x="8072563" y="644396"/>
+            <a:ext cx="1458136" cy="543437"/>
+            <a:chOff x="4441224" y="358243"/>
+            <a:chExt cx="1458136" cy="543437"/>
           </a:xfrm>
         </p:grpSpPr>
         <p:pic>
@@ -11183,7 +11217,7 @@
             <p:nvPr/>
           </p:nvPicPr>
           <p:blipFill rotWithShape="1">
-            <a:blip r:embed="rId8">
+            <a:blip r:embed="rId7">
               <a:extLst>
                 <a:ext uri="{28A0092B-C50C-407E-A947-70E740481C1C}">
                   <a14:useLocalDpi xmlns:a14="http://schemas.microsoft.com/office/drawing/2010/main" val="0"/>
@@ -11227,8 +11261,8 @@
           </p:nvSpPr>
           <p:spPr>
             <a:xfrm>
-              <a:off x="4042380" y="879900"/>
-              <a:ext cx="1350050" cy="246221"/>
+              <a:off x="4901971" y="445933"/>
+              <a:ext cx="997389" cy="400110"/>
             </a:xfrm>
             <a:prstGeom prst="rect">
               <a:avLst/>
@@ -11242,8 +11276,21 @@
             <a:lstStyle/>
             <a:p>
               <a:r>
-                <a:rPr lang="en-US" sz="1000" dirty="0"/>
-                <a:t>Azure Active Directory</a:t>
+                <a:rPr lang="en-US" sz="1000" dirty="0">
+                  <a:latin typeface="Arial Nova Cond" panose="020B0506020202020204" pitchFamily="34" charset="0"/>
+                </a:rPr>
+                <a:t>Azure </a:t>
+              </a:r>
+              <a:br>
+                <a:rPr lang="en-US" sz="1000" dirty="0">
+                  <a:latin typeface="Arial Nova Cond" panose="020B0506020202020204" pitchFamily="34" charset="0"/>
+                </a:rPr>
+              </a:br>
+              <a:r>
+                <a:rPr lang="en-US" sz="1000" dirty="0">
+                  <a:latin typeface="Arial Nova Cond" panose="020B0506020202020204" pitchFamily="34" charset="0"/>
+                </a:rPr>
+                <a:t>Active Directory</a:t>
               </a:r>
             </a:p>
           </p:txBody>
@@ -11260,14 +11307,14 @@
           </p:cNvPr>
           <p:cNvCxnSpPr>
             <a:cxnSpLocks/>
-            <a:stCxn id="4" idx="2"/>
+            <a:stCxn id="1030" idx="2"/>
           </p:cNvCxnSpPr>
           <p:nvPr/>
         </p:nvCxnSpPr>
         <p:spPr>
           <a:xfrm rot="16200000" flipH="1">
-            <a:off x="5339178" y="2413392"/>
-            <a:ext cx="1114317" cy="852019"/>
+            <a:off x="5421525" y="1204572"/>
+            <a:ext cx="820623" cy="812923"/>
           </a:xfrm>
           <a:prstGeom prst="bentConnector3">
             <a:avLst>
@@ -11293,93 +11340,6 @@
           </a:fontRef>
         </p:style>
       </p:cxnSp>
-      <p:cxnSp>
-        <p:nvCxnSpPr>
-          <p:cNvPr id="123" name="Connector: Elbow 122">
-            <a:extLst>
-              <a:ext uri="{FF2B5EF4-FFF2-40B4-BE49-F238E27FC236}">
-                <a16:creationId xmlns:a16="http://schemas.microsoft.com/office/drawing/2014/main" id="{82AD2820-68B8-4E6E-920A-3707DBBDE40A}"/>
-              </a:ext>
-            </a:extLst>
-          </p:cNvPr>
-          <p:cNvCxnSpPr>
-            <a:cxnSpLocks/>
-          </p:cNvCxnSpPr>
-          <p:nvPr/>
-        </p:nvCxnSpPr>
-        <p:spPr>
-          <a:xfrm rot="5400000">
-            <a:off x="6519535" y="2421330"/>
-            <a:ext cx="1082964" cy="820034"/>
-          </a:xfrm>
-          <a:prstGeom prst="bentConnector3">
-            <a:avLst>
-              <a:gd name="adj1" fmla="val 50000"/>
-            </a:avLst>
-          </a:prstGeom>
-          <a:ln>
-            <a:tailEnd type="triangle"/>
-          </a:ln>
-        </p:spPr>
-        <p:style>
-          <a:lnRef idx="1">
-            <a:schemeClr val="accent1"/>
-          </a:lnRef>
-          <a:fillRef idx="0">
-            <a:schemeClr val="accent1"/>
-          </a:fillRef>
-          <a:effectRef idx="0">
-            <a:schemeClr val="accent1"/>
-          </a:effectRef>
-          <a:fontRef idx="minor">
-            <a:schemeClr val="tx1"/>
-          </a:fontRef>
-        </p:style>
-      </p:cxnSp>
-      <p:cxnSp>
-        <p:nvCxnSpPr>
-          <p:cNvPr id="1024" name="Connector: Elbow 1023">
-            <a:extLst>
-              <a:ext uri="{FF2B5EF4-FFF2-40B4-BE49-F238E27FC236}">
-                <a16:creationId xmlns:a16="http://schemas.microsoft.com/office/drawing/2014/main" id="{2762904E-E081-4E0C-8842-D4056B630364}"/>
-              </a:ext>
-            </a:extLst>
-          </p:cNvPr>
-          <p:cNvCxnSpPr>
-            <a:cxnSpLocks/>
-          </p:cNvCxnSpPr>
-          <p:nvPr/>
-        </p:nvCxnSpPr>
-        <p:spPr>
-          <a:xfrm rot="16200000" flipH="1">
-            <a:off x="7802036" y="2420064"/>
-            <a:ext cx="1069660" cy="820036"/>
-          </a:xfrm>
-          <a:prstGeom prst="bentConnector3">
-            <a:avLst>
-              <a:gd name="adj1" fmla="val 50000"/>
-            </a:avLst>
-          </a:prstGeom>
-          <a:ln>
-            <a:prstDash val="dash"/>
-            <a:tailEnd type="triangle"/>
-          </a:ln>
-        </p:spPr>
-        <p:style>
-          <a:lnRef idx="1">
-            <a:schemeClr val="accent1"/>
-          </a:lnRef>
-          <a:fillRef idx="0">
-            <a:schemeClr val="accent1"/>
-          </a:fillRef>
-          <a:effectRef idx="0">
-            <a:schemeClr val="accent1"/>
-          </a:effectRef>
-          <a:fontRef idx="minor">
-            <a:schemeClr val="tx1"/>
-          </a:fontRef>
-        </p:style>
-      </p:cxnSp>
       <p:sp>
         <p:nvSpPr>
           <p:cNvPr id="5" name="TextBox 4">
@@ -11394,8 +11354,8 @@
         </p:nvSpPr>
         <p:spPr>
           <a:xfrm>
-            <a:off x="5442555" y="2331248"/>
-            <a:ext cx="717976" cy="400110"/>
+            <a:off x="4574194" y="1200721"/>
+            <a:ext cx="901482" cy="400110"/>
           </a:xfrm>
           <a:prstGeom prst="rect">
             <a:avLst/>
@@ -11415,10 +11375,12 @@
             </a:lvl1pPr>
           </a:lstStyle>
           <a:p>
-            <a:pPr algn="l"/>
-            <a:r>
-              <a:rPr lang="en-US" dirty="0"/>
-              <a:t>APP IMAGE</a:t>
+            <a:pPr algn="r"/>
+            <a:r>
+              <a:rPr lang="en-US" dirty="0">
+                <a:latin typeface="Arial Nova Cond" panose="020B0506020202020204" pitchFamily="34" charset="0"/>
+              </a:rPr>
+              <a:t>APP IMAGE PULL</a:t>
             </a:r>
           </a:p>
         </p:txBody>
@@ -11434,18 +11396,19 @@
           </p:cNvPr>
           <p:cNvCxnSpPr>
             <a:cxnSpLocks/>
-            <a:stCxn id="7" idx="2"/>
             <a:endCxn id="1036" idx="1"/>
           </p:cNvCxnSpPr>
           <p:nvPr/>
         </p:nvCxnSpPr>
         <p:spPr>
-          <a:xfrm rot="16200000" flipH="1">
-            <a:off x="7340720" y="3316249"/>
-            <a:ext cx="329717" cy="2020643"/>
-          </a:xfrm>
-          <a:prstGeom prst="bentConnector2">
-            <a:avLst/>
+          <a:xfrm>
+            <a:off x="7463560" y="2572738"/>
+            <a:ext cx="1343145" cy="461369"/>
+          </a:xfrm>
+          <a:prstGeom prst="bentConnector3">
+            <a:avLst>
+              <a:gd name="adj1" fmla="val 50000"/>
+            </a:avLst>
           </a:prstGeom>
           <a:ln>
             <a:tailEnd type="triangle"/>
@@ -11480,12 +11443,57 @@
         </p:nvGrpSpPr>
         <p:grpSpPr>
           <a:xfrm>
-            <a:off x="7197727" y="1525429"/>
-            <a:ext cx="1034257" cy="723885"/>
-            <a:chOff x="10465573" y="2088106"/>
-            <a:chExt cx="1034257" cy="723885"/>
+            <a:off x="6351808" y="1831836"/>
+            <a:ext cx="1304851" cy="309058"/>
+            <a:chOff x="9891239" y="2672994"/>
+            <a:chExt cx="1304851" cy="309058"/>
           </a:xfrm>
         </p:grpSpPr>
+        <p:sp>
+          <p:nvSpPr>
+            <p:cNvPr id="73" name="TextBox 72">
+              <a:extLst>
+                <a:ext uri="{FF2B5EF4-FFF2-40B4-BE49-F238E27FC236}">
+                  <a16:creationId xmlns:a16="http://schemas.microsoft.com/office/drawing/2014/main" id="{9123938A-CC83-4815-AAFE-2EEB2D9A0FED}"/>
+                </a:ext>
+              </a:extLst>
+            </p:cNvPr>
+            <p:cNvSpPr txBox="1"/>
+            <p:nvPr/>
+          </p:nvSpPr>
+          <p:spPr>
+            <a:xfrm>
+              <a:off x="9891239" y="2683553"/>
+              <a:ext cx="1032994" cy="215444"/>
+            </a:xfrm>
+            <a:prstGeom prst="rect">
+              <a:avLst/>
+            </a:prstGeom>
+            <a:noFill/>
+          </p:spPr>
+          <p:txBody>
+            <a:bodyPr wrap="square" rtlCol="0">
+              <a:spAutoFit/>
+            </a:bodyPr>
+            <a:lstStyle>
+              <a:defPPr>
+                <a:defRPr lang="en-US"/>
+              </a:defPPr>
+              <a:lvl1pPr>
+                <a:defRPr sz="1000"/>
+              </a:lvl1pPr>
+            </a:lstStyle>
+            <a:p>
+              <a:pPr algn="r"/>
+              <a:r>
+                <a:rPr lang="en-US" sz="800" dirty="0">
+                  <a:latin typeface="Arial Nova Cond" panose="020B0506020202020204" pitchFamily="34" charset="0"/>
+                </a:rPr>
+                <a:t>Service Principal</a:t>
+              </a:r>
+            </a:p>
+          </p:txBody>
+        </p:sp>
         <p:pic>
           <p:nvPicPr>
             <p:cNvPr id="37" name="Picture 36">
@@ -11500,66 +11508,21 @@
             </p:cNvPicPr>
             <p:nvPr/>
           </p:nvPicPr>
-          <p:blipFill>
-            <a:blip r:embed="rId9"/>
-            <a:stretch>
-              <a:fillRect/>
-            </a:stretch>
+          <p:blipFill rotWithShape="1">
+            <a:blip r:embed="rId8"/>
+            <a:srcRect b="7712"/>
+            <a:stretch/>
           </p:blipFill>
           <p:spPr>
             <a:xfrm>
-              <a:off x="10715989" y="2088106"/>
-              <a:ext cx="533427" cy="520727"/>
+              <a:off x="10853037" y="2672994"/>
+              <a:ext cx="343053" cy="309058"/>
             </a:xfrm>
             <a:prstGeom prst="rect">
               <a:avLst/>
             </a:prstGeom>
           </p:spPr>
         </p:pic>
-        <p:sp>
-          <p:nvSpPr>
-            <p:cNvPr id="73" name="TextBox 72">
-              <a:extLst>
-                <a:ext uri="{FF2B5EF4-FFF2-40B4-BE49-F238E27FC236}">
-                  <a16:creationId xmlns:a16="http://schemas.microsoft.com/office/drawing/2014/main" id="{9123938A-CC83-4815-AAFE-2EEB2D9A0FED}"/>
-                </a:ext>
-              </a:extLst>
-            </p:cNvPr>
-            <p:cNvSpPr txBox="1"/>
-            <p:nvPr/>
-          </p:nvSpPr>
-          <p:spPr>
-            <a:xfrm>
-              <a:off x="10465573" y="2565770"/>
-              <a:ext cx="1034257" cy="246221"/>
-            </a:xfrm>
-            <a:prstGeom prst="rect">
-              <a:avLst/>
-            </a:prstGeom>
-            <a:solidFill>
-              <a:schemeClr val="bg1"/>
-            </a:solidFill>
-          </p:spPr>
-          <p:txBody>
-            <a:bodyPr wrap="none" rtlCol="0">
-              <a:spAutoFit/>
-            </a:bodyPr>
-            <a:lstStyle>
-              <a:defPPr>
-                <a:defRPr lang="en-US"/>
-              </a:defPPr>
-              <a:lvl1pPr>
-                <a:defRPr sz="1000"/>
-              </a:lvl1pPr>
-            </a:lstStyle>
-            <a:p>
-              <a:r>
-                <a:rPr lang="en-US" dirty="0"/>
-                <a:t>Service Principal</a:t>
-              </a:r>
-            </a:p>
-          </p:txBody>
-        </p:sp>
       </p:grpSp>
       <p:cxnSp>
         <p:nvCxnSpPr>
@@ -11572,86 +11535,40 @@
           </p:cNvPr>
           <p:cNvCxnSpPr>
             <a:cxnSpLocks/>
-            <a:stCxn id="37" idx="1"/>
+            <a:stCxn id="37" idx="0"/>
             <a:endCxn id="1030" idx="3"/>
           </p:cNvCxnSpPr>
           <p:nvPr/>
         </p:nvCxnSpPr>
         <p:spPr>
-          <a:xfrm rot="10800000">
-            <a:off x="5700247" y="1781251"/>
-            <a:ext cx="1747897" cy="4542"/>
-          </a:xfrm>
-          <a:prstGeom prst="bentConnector3">
-            <a:avLst>
-              <a:gd name="adj1" fmla="val 50000"/>
-            </a:avLst>
-          </a:prstGeom>
-          <a:ln>
-            <a:prstDash val="dash"/>
+          <a:xfrm rot="16200000" flipV="1">
+            <a:off x="6157914" y="504616"/>
+            <a:ext cx="870721" cy="1783719"/>
+          </a:xfrm>
+          <a:prstGeom prst="bentConnector2">
+            <a:avLst/>
+          </a:prstGeom>
+          <a:ln w="9525">
+            <a:prstDash val="lgDashDot"/>
+            <a:headEnd type="triangle"/>
             <a:tailEnd type="triangle"/>
           </a:ln>
         </p:spPr>
         <p:style>
           <a:lnRef idx="1">
-            <a:schemeClr val="accent1"/>
+            <a:schemeClr val="accent6"/>
           </a:lnRef>
           <a:fillRef idx="0">
-            <a:schemeClr val="accent1"/>
+            <a:schemeClr val="accent6"/>
           </a:fillRef>
           <a:effectRef idx="0">
-            <a:schemeClr val="accent1"/>
+            <a:schemeClr val="accent6"/>
           </a:effectRef>
           <a:fontRef idx="minor">
             <a:schemeClr val="tx1"/>
           </a:fontRef>
         </p:style>
       </p:cxnSp>
-      <p:cxnSp>
-        <p:nvCxnSpPr>
-          <p:cNvPr id="46" name="Connector: Elbow 45">
-            <a:extLst>
-              <a:ext uri="{FF2B5EF4-FFF2-40B4-BE49-F238E27FC236}">
-                <a16:creationId xmlns:a16="http://schemas.microsoft.com/office/drawing/2014/main" id="{34DE0772-6EE8-4F55-B2A0-8AAAC8C2721F}"/>
-              </a:ext>
-            </a:extLst>
-          </p:cNvPr>
-          <p:cNvCxnSpPr>
-            <a:cxnSpLocks/>
-            <a:stCxn id="1044" idx="1"/>
-            <a:endCxn id="37" idx="3"/>
-          </p:cNvCxnSpPr>
-          <p:nvPr/>
-        </p:nvCxnSpPr>
-        <p:spPr>
-          <a:xfrm rot="10800000" flipV="1">
-            <a:off x="7981570" y="1784403"/>
-            <a:ext cx="1164158" cy="1389"/>
-          </a:xfrm>
-          <a:prstGeom prst="bentConnector3">
-            <a:avLst>
-              <a:gd name="adj1" fmla="val 50000"/>
-            </a:avLst>
-          </a:prstGeom>
-          <a:ln>
-            <a:tailEnd type="triangle"/>
-          </a:ln>
-        </p:spPr>
-        <p:style>
-          <a:lnRef idx="1">
-            <a:schemeClr val="accent1"/>
-          </a:lnRef>
-          <a:fillRef idx="0">
-            <a:schemeClr val="accent1"/>
-          </a:fillRef>
-          <a:effectRef idx="0">
-            <a:schemeClr val="accent1"/>
-          </a:effectRef>
-          <a:fontRef idx="minor">
-            <a:schemeClr val="tx1"/>
-          </a:fontRef>
-        </p:style>
-      </p:cxnSp>
       <p:sp>
         <p:nvSpPr>
           <p:cNvPr id="49" name="TextBox 48">
@@ -11666,7 +11583,7 @@
         </p:nvSpPr>
         <p:spPr>
           <a:xfrm>
-            <a:off x="6338729" y="1562084"/>
+            <a:off x="6156261" y="729048"/>
             <a:ext cx="782587" cy="246221"/>
           </a:xfrm>
           <a:prstGeom prst="rect">
@@ -11688,22 +11605,125 @@
           </a:lstStyle>
           <a:p>
             <a:r>
-              <a:rPr lang="en-US" dirty="0" err="1"/>
+              <a:rPr lang="en-US" dirty="0" err="1">
+                <a:latin typeface="Arial Nova Cond" panose="020B0506020202020204" pitchFamily="34" charset="0"/>
+              </a:rPr>
               <a:t>AcrPull</a:t>
             </a:r>
             <a:r>
-              <a:rPr lang="en-US" dirty="0"/>
+              <a:rPr lang="en-US" dirty="0">
+                <a:latin typeface="Arial Nova Cond" panose="020B0506020202020204" pitchFamily="34" charset="0"/>
+              </a:rPr>
               <a:t> role</a:t>
             </a:r>
           </a:p>
         </p:txBody>
       </p:sp>
-      <p:sp>
-        <p:nvSpPr>
-          <p:cNvPr id="53" name="TextBox 52">
-            <a:extLst>
-              <a:ext uri="{FF2B5EF4-FFF2-40B4-BE49-F238E27FC236}">
-                <a16:creationId xmlns:a16="http://schemas.microsoft.com/office/drawing/2014/main" id="{79F0F370-A794-4566-B378-7C1AB72BE06C}"/>
+      <p:grpSp>
+        <p:nvGrpSpPr>
+          <p:cNvPr id="67" name="Group 66">
+            <a:extLst>
+              <a:ext uri="{FF2B5EF4-FFF2-40B4-BE49-F238E27FC236}">
+                <a16:creationId xmlns:a16="http://schemas.microsoft.com/office/drawing/2014/main" id="{B54AD928-993B-494D-967D-A7B0BA2DEB1D}"/>
+              </a:ext>
+            </a:extLst>
+          </p:cNvPr>
+          <p:cNvGrpSpPr/>
+          <p:nvPr/>
+        </p:nvGrpSpPr>
+        <p:grpSpPr>
+          <a:xfrm>
+            <a:off x="5588099" y="2456576"/>
+            <a:ext cx="2068560" cy="612189"/>
+            <a:chOff x="6629364" y="753871"/>
+            <a:chExt cx="2068560" cy="612189"/>
+          </a:xfrm>
+        </p:grpSpPr>
+        <p:pic>
+          <p:nvPicPr>
+            <p:cNvPr id="68" name="Picture 67">
+              <a:extLst>
+                <a:ext uri="{FF2B5EF4-FFF2-40B4-BE49-F238E27FC236}">
+                  <a16:creationId xmlns:a16="http://schemas.microsoft.com/office/drawing/2014/main" id="{0144E38D-537F-4D85-B89A-AF08EBD37A2A}"/>
+                </a:ext>
+              </a:extLst>
+            </p:cNvPr>
+            <p:cNvPicPr>
+              <a:picLocks noChangeAspect="1"/>
+            </p:cNvPicPr>
+            <p:nvPr/>
+          </p:nvPicPr>
+          <p:blipFill>
+            <a:blip r:embed="rId9">
+              <a:clrChange>
+                <a:clrFrom>
+                  <a:srgbClr val="FFFFFF"/>
+                </a:clrFrom>
+                <a:clrTo>
+                  <a:srgbClr val="FFFFFF">
+                    <a:alpha val="0"/>
+                  </a:srgbClr>
+                </a:clrTo>
+              </a:clrChange>
+            </a:blip>
+            <a:stretch>
+              <a:fillRect/>
+            </a:stretch>
+          </p:blipFill>
+          <p:spPr>
+            <a:xfrm>
+              <a:off x="6629364" y="753871"/>
+              <a:ext cx="659280" cy="612189"/>
+            </a:xfrm>
+            <a:prstGeom prst="rect">
+              <a:avLst/>
+            </a:prstGeom>
+          </p:spPr>
+        </p:pic>
+        <p:sp>
+          <p:nvSpPr>
+            <p:cNvPr id="69" name="TextBox 68">
+              <a:extLst>
+                <a:ext uri="{FF2B5EF4-FFF2-40B4-BE49-F238E27FC236}">
+                  <a16:creationId xmlns:a16="http://schemas.microsoft.com/office/drawing/2014/main" id="{0B4C5FC4-B034-45C3-8083-21E419B9FA1B}"/>
+                </a:ext>
+              </a:extLst>
+            </p:cNvPr>
+            <p:cNvSpPr txBox="1"/>
+            <p:nvPr/>
+          </p:nvSpPr>
+          <p:spPr>
+            <a:xfrm>
+              <a:off x="7081362" y="1084529"/>
+              <a:ext cx="1616562" cy="246221"/>
+            </a:xfrm>
+            <a:prstGeom prst="rect">
+              <a:avLst/>
+            </a:prstGeom>
+            <a:noFill/>
+          </p:spPr>
+          <p:txBody>
+            <a:bodyPr wrap="square" rtlCol="0">
+              <a:spAutoFit/>
+            </a:bodyPr>
+            <a:lstStyle/>
+            <a:p>
+              <a:r>
+                <a:rPr lang="en-US" sz="1000" dirty="0">
+                  <a:latin typeface="Arial Nova Cond" panose="020B0506020202020204" pitchFamily="34" charset="0"/>
+                </a:rPr>
+                <a:t>Azure Container Apps</a:t>
+              </a:r>
+            </a:p>
+          </p:txBody>
+        </p:sp>
+      </p:grpSp>
+      <p:sp>
+        <p:nvSpPr>
+          <p:cNvPr id="72" name="TextBox 71">
+            <a:extLst>
+              <a:ext uri="{FF2B5EF4-FFF2-40B4-BE49-F238E27FC236}">
+                <a16:creationId xmlns:a16="http://schemas.microsoft.com/office/drawing/2014/main" id="{5B4098B0-34C3-4339-A20B-46D9DF20065A}"/>
               </a:ext>
             </a:extLst>
           </p:cNvPr>
@@ -11712,8 +11732,94 @@
         </p:nvSpPr>
         <p:spPr>
           <a:xfrm>
-            <a:off x="8107112" y="2603513"/>
-            <a:ext cx="537327" cy="246221"/>
+            <a:off x="5951914" y="2267068"/>
+            <a:ext cx="1489738" cy="276999"/>
+          </a:xfrm>
+          <a:prstGeom prst="rect">
+            <a:avLst/>
+          </a:prstGeom>
+          <a:noFill/>
+        </p:spPr>
+        <p:txBody>
+          <a:bodyPr wrap="square">
+            <a:spAutoFit/>
+          </a:bodyPr>
+          <a:lstStyle/>
+          <a:p>
+            <a:pPr algn="ctr"/>
+            <a:r>
+              <a:rPr lang="en-US" sz="1200" dirty="0" err="1">
+                <a:latin typeface="Arial Nova Cond" panose="020B0506020202020204" pitchFamily="34" charset="0"/>
+              </a:rPr>
+              <a:t>SecretDeliveryApp</a:t>
+            </a:r>
+            <a:endParaRPr lang="en-US" sz="1200" dirty="0">
+              <a:latin typeface="Arial Nova Cond" panose="020B0506020202020204" pitchFamily="34" charset="0"/>
+            </a:endParaRPr>
+          </a:p>
+        </p:txBody>
+      </p:sp>
+      <p:cxnSp>
+        <p:nvCxnSpPr>
+          <p:cNvPr id="74" name="Connector: Elbow 73">
+            <a:extLst>
+              <a:ext uri="{FF2B5EF4-FFF2-40B4-BE49-F238E27FC236}">
+                <a16:creationId xmlns:a16="http://schemas.microsoft.com/office/drawing/2014/main" id="{3FCC4A0C-A699-403A-B571-D7C26546D649}"/>
+              </a:ext>
+            </a:extLst>
+          </p:cNvPr>
+          <p:cNvCxnSpPr>
+            <a:cxnSpLocks/>
+            <a:stCxn id="37" idx="3"/>
+            <a:endCxn id="1028" idx="0"/>
+          </p:cNvCxnSpPr>
+          <p:nvPr/>
+        </p:nvCxnSpPr>
+        <p:spPr>
+          <a:xfrm>
+            <a:off x="7656659" y="1986365"/>
+            <a:ext cx="1408896" cy="179488"/>
+          </a:xfrm>
+          <a:prstGeom prst="bentConnector2">
+            <a:avLst/>
+          </a:prstGeom>
+          <a:ln w="9525">
+            <a:prstDash val="lgDashDot"/>
+            <a:headEnd type="triangle"/>
+            <a:tailEnd type="triangle"/>
+          </a:ln>
+        </p:spPr>
+        <p:style>
+          <a:lnRef idx="1">
+            <a:schemeClr val="accent6"/>
+          </a:lnRef>
+          <a:fillRef idx="0">
+            <a:schemeClr val="accent6"/>
+          </a:fillRef>
+          <a:effectRef idx="0">
+            <a:schemeClr val="accent6"/>
+          </a:effectRef>
+          <a:fontRef idx="minor">
+            <a:schemeClr val="tx1"/>
+          </a:fontRef>
+        </p:style>
+      </p:cxnSp>
+      <p:sp>
+        <p:nvSpPr>
+          <p:cNvPr id="82" name="TextBox 81">
+            <a:extLst>
+              <a:ext uri="{FF2B5EF4-FFF2-40B4-BE49-F238E27FC236}">
+                <a16:creationId xmlns:a16="http://schemas.microsoft.com/office/drawing/2014/main" id="{24D51C3F-C7E9-4AA4-B71E-51AC03D7EF0A}"/>
+              </a:ext>
+            </a:extLst>
+          </p:cNvPr>
+          <p:cNvSpPr txBox="1"/>
+          <p:nvPr/>
+        </p:nvSpPr>
+        <p:spPr>
+          <a:xfrm>
+            <a:off x="8200630" y="1771225"/>
+            <a:ext cx="380232" cy="246221"/>
           </a:xfrm>
           <a:prstGeom prst="rect">
             <a:avLst/>
@@ -11734,18 +11840,61 @@
           </a:lstStyle>
           <a:p>
             <a:r>
-              <a:rPr lang="en-US" dirty="0"/>
-              <a:t>?? role</a:t>
-            </a:r>
-          </a:p>
-        </p:txBody>
-      </p:sp>
-      <p:sp>
-        <p:nvSpPr>
-          <p:cNvPr id="24" name="TextBox 23">
-            <a:extLst>
-              <a:ext uri="{FF2B5EF4-FFF2-40B4-BE49-F238E27FC236}">
-                <a16:creationId xmlns:a16="http://schemas.microsoft.com/office/drawing/2014/main" id="{2A7E78FA-4CC1-4EB7-A5E2-BB950D3AC2F1}"/>
+              <a:rPr lang="en-US" dirty="0">
+                <a:latin typeface="Arial Nova Cond" panose="020B0506020202020204" pitchFamily="34" charset="0"/>
+              </a:rPr>
+              <a:t>role</a:t>
+            </a:r>
+          </a:p>
+        </p:txBody>
+      </p:sp>
+      <p:cxnSp>
+        <p:nvCxnSpPr>
+          <p:cNvPr id="1033" name="Straight Arrow Connector 1032">
+            <a:extLst>
+              <a:ext uri="{FF2B5EF4-FFF2-40B4-BE49-F238E27FC236}">
+                <a16:creationId xmlns:a16="http://schemas.microsoft.com/office/drawing/2014/main" id="{B50947AE-8B6B-4779-BFBA-4A9845D4B9D8}"/>
+              </a:ext>
+            </a:extLst>
+          </p:cNvPr>
+          <p:cNvCxnSpPr/>
+          <p:nvPr/>
+        </p:nvCxnSpPr>
+        <p:spPr>
+          <a:xfrm flipH="1">
+            <a:off x="7597942" y="1127219"/>
+            <a:ext cx="602688" cy="704617"/>
+          </a:xfrm>
+          <a:prstGeom prst="straightConnector1">
+            <a:avLst/>
+          </a:prstGeom>
+          <a:ln w="9525">
+            <a:prstDash val="lgDashDot"/>
+            <a:headEnd type="triangle"/>
+            <a:tailEnd type="triangle"/>
+          </a:ln>
+        </p:spPr>
+        <p:style>
+          <a:lnRef idx="1">
+            <a:schemeClr val="accent6"/>
+          </a:lnRef>
+          <a:fillRef idx="0">
+            <a:schemeClr val="accent6"/>
+          </a:fillRef>
+          <a:effectRef idx="0">
+            <a:schemeClr val="accent6"/>
+          </a:effectRef>
+          <a:fontRef idx="minor">
+            <a:schemeClr val="tx1"/>
+          </a:fontRef>
+        </p:style>
+      </p:cxnSp>
+      <p:sp>
+        <p:nvSpPr>
+          <p:cNvPr id="19" name="TextBox 18">
+            <a:extLst>
+              <a:ext uri="{FF2B5EF4-FFF2-40B4-BE49-F238E27FC236}">
+                <a16:creationId xmlns:a16="http://schemas.microsoft.com/office/drawing/2014/main" id="{E16425E3-E197-4017-898D-8EBCC66D4619}"/>
               </a:ext>
             </a:extLst>
           </p:cNvPr>
@@ -11754,43 +11903,8 @@
         </p:nvSpPr>
         <p:spPr>
           <a:xfrm>
-            <a:off x="1461873" y="2888951"/>
-            <a:ext cx="1143848" cy="307777"/>
-          </a:xfrm>
-          <a:prstGeom prst="rect">
-            <a:avLst/>
-          </a:prstGeom>
-          <a:noFill/>
-        </p:spPr>
-        <p:txBody>
-          <a:bodyPr wrap="square">
-            <a:spAutoFit/>
-          </a:bodyPr>
-          <a:lstStyle/>
-          <a:p>
-            <a:r>
-              <a:rPr lang="en-US" sz="1400" dirty="0"/>
-              <a:t>deployAll.sh</a:t>
-            </a:r>
-          </a:p>
-        </p:txBody>
-      </p:sp>
-      <p:sp>
-        <p:nvSpPr>
-          <p:cNvPr id="72" name="TextBox 71">
-            <a:extLst>
-              <a:ext uri="{FF2B5EF4-FFF2-40B4-BE49-F238E27FC236}">
-                <a16:creationId xmlns:a16="http://schemas.microsoft.com/office/drawing/2014/main" id="{31B4D491-200F-4FAC-9929-76CD0E4C175F}"/>
-              </a:ext>
-            </a:extLst>
-          </p:cNvPr>
-          <p:cNvSpPr txBox="1"/>
-          <p:nvPr/>
-        </p:nvSpPr>
-        <p:spPr>
-          <a:xfrm>
-            <a:off x="4572528" y="1144584"/>
-            <a:ext cx="1667177" cy="276999"/>
+            <a:off x="3960294" y="399100"/>
+            <a:ext cx="1801834" cy="276999"/>
           </a:xfrm>
           <a:prstGeom prst="rect">
             <a:avLst/>
@@ -11817,7 +11931,7 @@
     </p:spTree>
     <p:extLst>
       <p:ext uri="{BB962C8B-B14F-4D97-AF65-F5344CB8AC3E}">
-        <p14:creationId xmlns:p14="http://schemas.microsoft.com/office/powerpoint/2010/main" val="377857797"/>
+        <p14:creationId xmlns:p14="http://schemas.microsoft.com/office/powerpoint/2010/main" val="1873862741"/>
       </p:ext>
     </p:extLst>
   </p:cSld>
@@ -11846,10 +11960,10 @@
       </p:grpSpPr>
       <p:sp>
         <p:nvSpPr>
-          <p:cNvPr id="32" name="Rectangle: Rounded Corners 31">
-            <a:extLst>
-              <a:ext uri="{FF2B5EF4-FFF2-40B4-BE49-F238E27FC236}">
-                <a16:creationId xmlns:a16="http://schemas.microsoft.com/office/drawing/2014/main" id="{278B6650-E555-466B-82DD-BFAA9EE21385}"/>
+          <p:cNvPr id="2" name="Rectangle: Rounded Corners 1">
+            <a:extLst>
+              <a:ext uri="{FF2B5EF4-FFF2-40B4-BE49-F238E27FC236}">
+                <a16:creationId xmlns:a16="http://schemas.microsoft.com/office/drawing/2014/main" id="{2892ED1F-A13D-499D-A637-9984772E8E7D}"/>
               </a:ext>
             </a:extLst>
           </p:cNvPr>
@@ -11858,14 +11972,15 @@
         </p:nvSpPr>
         <p:spPr>
           <a:xfrm>
-            <a:off x="1784599" y="3648118"/>
-            <a:ext cx="8162580" cy="2563010"/>
+            <a:off x="1820694" y="1922535"/>
+            <a:ext cx="8162580" cy="2308041"/>
           </a:xfrm>
           <a:prstGeom prst="roundRect">
             <a:avLst>
               <a:gd name="adj" fmla="val 4345"/>
             </a:avLst>
           </a:prstGeom>
+          <a:ln w="19050"/>
         </p:spPr>
         <p:style>
           <a:lnRef idx="2">
@@ -11892,10 +12007,10 @@
       </p:sp>
       <p:sp>
         <p:nvSpPr>
-          <p:cNvPr id="8" name="Rectangle 7">
-            <a:extLst>
-              <a:ext uri="{FF2B5EF4-FFF2-40B4-BE49-F238E27FC236}">
-                <a16:creationId xmlns:a16="http://schemas.microsoft.com/office/drawing/2014/main" id="{C3640122-F9F0-4651-B039-C234418BF22D}"/>
+          <p:cNvPr id="4" name="Rectangle 3">
+            <a:extLst>
+              <a:ext uri="{FF2B5EF4-FFF2-40B4-BE49-F238E27FC236}">
+                <a16:creationId xmlns:a16="http://schemas.microsoft.com/office/drawing/2014/main" id="{06A48BBF-9AA8-4F23-8008-FFADE16634A3}"/>
               </a:ext>
             </a:extLst>
           </p:cNvPr>
@@ -11904,14 +12019,14 @@
         </p:nvSpPr>
         <p:spPr>
           <a:xfrm>
-            <a:off x="7030862" y="4040958"/>
-            <a:ext cx="2195476" cy="997844"/>
+            <a:off x="7066957" y="2223663"/>
+            <a:ext cx="1721853" cy="932195"/>
           </a:xfrm>
           <a:prstGeom prst="rect">
             <a:avLst/>
           </a:prstGeom>
           <a:ln>
-            <a:prstDash val="sysDash"/>
+            <a:prstDash val="solid"/>
           </a:ln>
         </p:spPr>
         <p:style>
@@ -11939,10 +12054,10 @@
       </p:sp>
       <p:sp>
         <p:nvSpPr>
-          <p:cNvPr id="50" name="Rectangle 49">
-            <a:extLst>
-              <a:ext uri="{FF2B5EF4-FFF2-40B4-BE49-F238E27FC236}">
-                <a16:creationId xmlns:a16="http://schemas.microsoft.com/office/drawing/2014/main" id="{8AEF91B3-317A-4AC7-9752-3F5D697AC46D}"/>
+          <p:cNvPr id="5" name="Rectangle 4">
+            <a:extLst>
+              <a:ext uri="{FF2B5EF4-FFF2-40B4-BE49-F238E27FC236}">
+                <a16:creationId xmlns:a16="http://schemas.microsoft.com/office/drawing/2014/main" id="{C60E603C-C70B-4502-9BB1-C6040CFF9F5D}"/>
               </a:ext>
             </a:extLst>
           </p:cNvPr>
@@ -11951,14 +12066,14 @@
         </p:nvSpPr>
         <p:spPr>
           <a:xfrm>
-            <a:off x="2568863" y="4047038"/>
-            <a:ext cx="4216859" cy="2052020"/>
+            <a:off x="2604958" y="2223664"/>
+            <a:ext cx="4216859" cy="1888482"/>
           </a:xfrm>
           <a:prstGeom prst="rect">
             <a:avLst/>
           </a:prstGeom>
           <a:ln>
-            <a:prstDash val="sysDash"/>
+            <a:prstDash val="solid"/>
           </a:ln>
         </p:spPr>
         <p:style>
@@ -11986,10 +12101,10 @@
       </p:sp>
       <p:cxnSp>
         <p:nvCxnSpPr>
-          <p:cNvPr id="80" name="Straight Arrow Connector 79">
-            <a:extLst>
-              <a:ext uri="{FF2B5EF4-FFF2-40B4-BE49-F238E27FC236}">
-                <a16:creationId xmlns:a16="http://schemas.microsoft.com/office/drawing/2014/main" id="{0FA12451-5CF3-4ECF-B2F8-9BADEEE76E0C}"/>
+          <p:cNvPr id="6" name="Straight Arrow Connector 5">
+            <a:extLst>
+              <a:ext uri="{FF2B5EF4-FFF2-40B4-BE49-F238E27FC236}">
+                <a16:creationId xmlns:a16="http://schemas.microsoft.com/office/drawing/2014/main" id="{213851B9-FC86-440E-A85F-480146194260}"/>
               </a:ext>
             </a:extLst>
           </p:cNvPr>
@@ -12000,7 +12115,7 @@
         </p:nvCxnSpPr>
         <p:spPr>
           <a:xfrm flipV="1">
-            <a:off x="4622479" y="5671078"/>
+            <a:off x="4658574" y="3788135"/>
             <a:ext cx="2442349" cy="13506"/>
           </a:xfrm>
           <a:prstGeom prst="straightConnector1">
@@ -12028,10 +12143,10 @@
       </p:cxnSp>
       <p:cxnSp>
         <p:nvCxnSpPr>
-          <p:cNvPr id="89" name="Straight Arrow Connector 88">
-            <a:extLst>
-              <a:ext uri="{FF2B5EF4-FFF2-40B4-BE49-F238E27FC236}">
-                <a16:creationId xmlns:a16="http://schemas.microsoft.com/office/drawing/2014/main" id="{05E9D7D3-6FCB-4911-9430-8D214BDDF5E6}"/>
+          <p:cNvPr id="7" name="Straight Arrow Connector 6">
+            <a:extLst>
+              <a:ext uri="{FF2B5EF4-FFF2-40B4-BE49-F238E27FC236}">
+                <a16:creationId xmlns:a16="http://schemas.microsoft.com/office/drawing/2014/main" id="{BC1D7DA0-1498-4661-96CF-6059EB9D76D3}"/>
               </a:ext>
             </a:extLst>
           </p:cNvPr>
@@ -12042,7 +12157,7 @@
         </p:nvCxnSpPr>
         <p:spPr>
           <a:xfrm>
-            <a:off x="4620071" y="4681065"/>
+            <a:off x="4656166" y="2798122"/>
             <a:ext cx="2585800" cy="10036"/>
           </a:xfrm>
           <a:prstGeom prst="straightConnector1">
@@ -12070,10 +12185,10 @@
       </p:cxnSp>
       <p:sp>
         <p:nvSpPr>
-          <p:cNvPr id="102" name="TextBox 101">
-            <a:extLst>
-              <a:ext uri="{FF2B5EF4-FFF2-40B4-BE49-F238E27FC236}">
-                <a16:creationId xmlns:a16="http://schemas.microsoft.com/office/drawing/2014/main" id="{6AFAB64A-C9D6-413B-A8C5-37D668E936B1}"/>
+          <p:cNvPr id="9" name="TextBox 8">
+            <a:extLst>
+              <a:ext uri="{FF2B5EF4-FFF2-40B4-BE49-F238E27FC236}">
+                <a16:creationId xmlns:a16="http://schemas.microsoft.com/office/drawing/2014/main" id="{5EDEACF2-1E7F-4A51-9C33-D9B80835FD2A}"/>
               </a:ext>
             </a:extLst>
           </p:cNvPr>
@@ -12082,7 +12197,7 @@
         </p:nvSpPr>
         <p:spPr>
           <a:xfrm>
-            <a:off x="7397643" y="5453507"/>
+            <a:off x="7433738" y="3570564"/>
             <a:ext cx="1834733" cy="276999"/>
           </a:xfrm>
           <a:prstGeom prst="rect">
@@ -12097,7 +12212,9 @@
           <a:lstStyle/>
           <a:p>
             <a:r>
-              <a:rPr lang="en-US" sz="1200" dirty="0"/>
+              <a:rPr lang="en-US" sz="1200" dirty="0">
+                <a:latin typeface="Arial Nova Cond" panose="020B0506020202020204" pitchFamily="34" charset="0"/>
+              </a:rPr>
               <a:t>encrypted secrets store</a:t>
             </a:r>
           </a:p>
@@ -12105,10 +12222,10 @@
       </p:sp>
       <p:pic>
         <p:nvPicPr>
-          <p:cNvPr id="1040" name="Picture 16" descr="See the source image">
-            <a:extLst>
-              <a:ext uri="{FF2B5EF4-FFF2-40B4-BE49-F238E27FC236}">
-                <a16:creationId xmlns:a16="http://schemas.microsoft.com/office/drawing/2014/main" id="{9AE115E1-77A8-47CC-AD9C-C8C64FF2EFB4}"/>
+          <p:cNvPr id="10" name="Picture 16" descr="See the source image">
+            <a:extLst>
+              <a:ext uri="{FF2B5EF4-FFF2-40B4-BE49-F238E27FC236}">
+                <a16:creationId xmlns:a16="http://schemas.microsoft.com/office/drawing/2014/main" id="{4672EBC4-723E-4B67-84C4-AF1593D73E31}"/>
               </a:ext>
             </a:extLst>
           </p:cNvPr>
@@ -12132,7 +12249,7 @@
         </p:blipFill>
         <p:spPr bwMode="auto">
           <a:xfrm>
-            <a:off x="7064828" y="5479562"/>
+            <a:off x="7100923" y="3596619"/>
             <a:ext cx="339558" cy="360947"/>
           </a:xfrm>
           <a:prstGeom prst="rect">
@@ -12150,69 +12267,12 @@
           </a:extLst>
         </p:spPr>
       </p:pic>
-      <p:pic>
-        <p:nvPicPr>
-          <p:cNvPr id="18" name="Picture 2" descr="See related image detail">
-            <a:extLst>
-              <a:ext uri="{FF2B5EF4-FFF2-40B4-BE49-F238E27FC236}">
-                <a16:creationId xmlns:a16="http://schemas.microsoft.com/office/drawing/2014/main" id="{1C691ACB-EADE-4C97-B0B1-9807C68EA70E}"/>
-              </a:ext>
-            </a:extLst>
-          </p:cNvPr>
-          <p:cNvPicPr>
-            <a:picLocks noChangeAspect="1" noChangeArrowheads="1"/>
-          </p:cNvPicPr>
-          <p:nvPr/>
-        </p:nvPicPr>
-        <p:blipFill>
-          <a:blip r:embed="rId3">
-            <a:clrChange>
-              <a:clrFrom>
-                <a:srgbClr val="F6F6F6"/>
-              </a:clrFrom>
-              <a:clrTo>
-                <a:srgbClr val="F6F6F6">
-                  <a:alpha val="0"/>
-                </a:srgbClr>
-              </a:clrTo>
-            </a:clrChange>
-            <a:extLst>
-              <a:ext uri="{28A0092B-C50C-407E-A947-70E740481C1C}">
-                <a14:useLocalDpi xmlns:a14="http://schemas.microsoft.com/office/drawing/2010/main" val="0"/>
-              </a:ext>
-            </a:extLst>
-          </a:blip>
-          <a:srcRect/>
-          <a:stretch>
-            <a:fillRect/>
-          </a:stretch>
-        </p:blipFill>
-        <p:spPr bwMode="auto">
-          <a:xfrm>
-            <a:off x="7257785" y="4245568"/>
-            <a:ext cx="458245" cy="564461"/>
-          </a:xfrm>
-          <a:prstGeom prst="rect">
-            <a:avLst/>
-          </a:prstGeom>
-          <a:noFill/>
-          <a:extLst>
-            <a:ext uri="{909E8E84-426E-40DD-AFC4-6F175D3DCCD1}">
-              <a14:hiddenFill xmlns:a14="http://schemas.microsoft.com/office/drawing/2010/main">
-                <a:solidFill>
-                  <a:srgbClr val="FFFFFF"/>
-                </a:solidFill>
-              </a14:hiddenFill>
-            </a:ext>
-          </a:extLst>
-        </p:spPr>
-      </p:pic>
-      <p:sp>
-        <p:nvSpPr>
-          <p:cNvPr id="54" name="TextBox 53">
-            <a:extLst>
-              <a:ext uri="{FF2B5EF4-FFF2-40B4-BE49-F238E27FC236}">
-                <a16:creationId xmlns:a16="http://schemas.microsoft.com/office/drawing/2014/main" id="{54E692B2-A5E1-4DF6-9FF8-EFE62655F428}"/>
+      <p:sp>
+        <p:nvSpPr>
+          <p:cNvPr id="11" name="TextBox 10">
+            <a:extLst>
+              <a:ext uri="{FF2B5EF4-FFF2-40B4-BE49-F238E27FC236}">
+                <a16:creationId xmlns:a16="http://schemas.microsoft.com/office/drawing/2014/main" id="{1E9BAF6B-EE39-4EF8-A675-6EA1850CEFE5}"/>
               </a:ext>
             </a:extLst>
           </p:cNvPr>
@@ -12221,7 +12281,7 @@
         </p:nvSpPr>
         <p:spPr>
           <a:xfrm>
-            <a:off x="7397643" y="5641766"/>
+            <a:off x="7433738" y="3758823"/>
             <a:ext cx="2606132" cy="230832"/>
           </a:xfrm>
           <a:prstGeom prst="rect">
@@ -12297,10 +12357,10 @@
       </p:sp>
       <p:sp>
         <p:nvSpPr>
-          <p:cNvPr id="26" name="Rectangle 25">
-            <a:extLst>
-              <a:ext uri="{FF2B5EF4-FFF2-40B4-BE49-F238E27FC236}">
-                <a16:creationId xmlns:a16="http://schemas.microsoft.com/office/drawing/2014/main" id="{C2696ED8-823C-4AC1-A0BB-1B2DF4BEF8D2}"/>
+          <p:cNvPr id="12" name="Rectangle 11">
+            <a:extLst>
+              <a:ext uri="{FF2B5EF4-FFF2-40B4-BE49-F238E27FC236}">
+                <a16:creationId xmlns:a16="http://schemas.microsoft.com/office/drawing/2014/main" id="{F4CB256B-0345-4013-BE3E-FB3CB071427A}"/>
               </a:ext>
             </a:extLst>
           </p:cNvPr>
@@ -12309,12 +12369,15 @@
         </p:nvSpPr>
         <p:spPr>
           <a:xfrm>
-            <a:off x="2781828" y="5444617"/>
+            <a:off x="2817923" y="3561674"/>
             <a:ext cx="1832810" cy="452921"/>
           </a:xfrm>
           <a:prstGeom prst="rect">
             <a:avLst/>
           </a:prstGeom>
+          <a:ln>
+            <a:prstDash val="sysDash"/>
+          </a:ln>
         </p:spPr>
         <p:style>
           <a:lnRef idx="2">
@@ -12336,7 +12399,7 @@
           <a:p>
             <a:pPr algn="ctr"/>
             <a:r>
-              <a:rPr lang="en-US" sz="1100" dirty="0" err="1">
+              <a:rPr lang="en-US" sz="1000" dirty="0" err="1">
                 <a:solidFill>
                   <a:srgbClr val="569CD6"/>
                 </a:solidFill>
@@ -12357,10 +12420,10 @@
       </p:sp>
       <p:sp>
         <p:nvSpPr>
-          <p:cNvPr id="38" name="Rectangle 37">
-            <a:extLst>
-              <a:ext uri="{FF2B5EF4-FFF2-40B4-BE49-F238E27FC236}">
-                <a16:creationId xmlns:a16="http://schemas.microsoft.com/office/drawing/2014/main" id="{3F41CE74-8BD1-4E0A-AFE9-FC7EE38B3BD7}"/>
+          <p:cNvPr id="13" name="Rectangle 12">
+            <a:extLst>
+              <a:ext uri="{FF2B5EF4-FFF2-40B4-BE49-F238E27FC236}">
+                <a16:creationId xmlns:a16="http://schemas.microsoft.com/office/drawing/2014/main" id="{5D84464C-9A4C-4F09-9737-BCC418676079}"/>
               </a:ext>
             </a:extLst>
           </p:cNvPr>
@@ -12369,12 +12432,15 @@
         </p:nvSpPr>
         <p:spPr>
           <a:xfrm>
-            <a:off x="2781828" y="4225158"/>
+            <a:off x="2817923" y="2342215"/>
             <a:ext cx="1832810" cy="588453"/>
           </a:xfrm>
           <a:prstGeom prst="rect">
             <a:avLst/>
           </a:prstGeom>
+          <a:ln>
+            <a:prstDash val="sysDash"/>
+          </a:ln>
         </p:spPr>
         <p:style>
           <a:lnRef idx="2">
@@ -12396,7 +12462,7 @@
           <a:p>
             <a:pPr algn="ctr"/>
             <a:r>
-              <a:rPr lang="en-US" sz="1200" b="0" dirty="0" err="1">
+              <a:rPr lang="en-US" sz="1000" b="0" dirty="0" err="1">
                 <a:solidFill>
                   <a:srgbClr val="569CD6"/>
                 </a:solidFill>
@@ -12412,10 +12478,10 @@
       </p:sp>
       <p:cxnSp>
         <p:nvCxnSpPr>
-          <p:cNvPr id="41" name="Straight Arrow Connector 40">
-            <a:extLst>
-              <a:ext uri="{FF2B5EF4-FFF2-40B4-BE49-F238E27FC236}">
-                <a16:creationId xmlns:a16="http://schemas.microsoft.com/office/drawing/2014/main" id="{4A222ED1-049E-4F09-AC1F-C6375493776E}"/>
+          <p:cNvPr id="14" name="Straight Arrow Connector 13">
+            <a:extLst>
+              <a:ext uri="{FF2B5EF4-FFF2-40B4-BE49-F238E27FC236}">
+                <a16:creationId xmlns:a16="http://schemas.microsoft.com/office/drawing/2014/main" id="{209EB022-9B95-45B2-8A65-B8D9D2A89E43}"/>
               </a:ext>
             </a:extLst>
           </p:cNvPr>
@@ -12426,7 +12492,7 @@
         </p:nvCxnSpPr>
         <p:spPr>
           <a:xfrm flipV="1">
-            <a:off x="2964302" y="4813611"/>
+            <a:off x="3000397" y="2930668"/>
             <a:ext cx="0" cy="631006"/>
           </a:xfrm>
           <a:prstGeom prst="straightConnector1">
@@ -12454,10 +12520,10 @@
       </p:cxnSp>
       <p:sp>
         <p:nvSpPr>
-          <p:cNvPr id="78" name="TextBox 77">
-            <a:extLst>
-              <a:ext uri="{FF2B5EF4-FFF2-40B4-BE49-F238E27FC236}">
-                <a16:creationId xmlns:a16="http://schemas.microsoft.com/office/drawing/2014/main" id="{3E0DBE02-3996-496A-829D-58141B527E06}"/>
+          <p:cNvPr id="15" name="TextBox 14">
+            <a:extLst>
+              <a:ext uri="{FF2B5EF4-FFF2-40B4-BE49-F238E27FC236}">
+                <a16:creationId xmlns:a16="http://schemas.microsoft.com/office/drawing/2014/main" id="{7F311508-206A-4572-B9E4-651D7D73FA3E}"/>
               </a:ext>
             </a:extLst>
           </p:cNvPr>
@@ -12466,8 +12532,8 @@
         </p:nvSpPr>
         <p:spPr>
           <a:xfrm>
-            <a:off x="2965662" y="4867113"/>
-            <a:ext cx="3563893" cy="507831"/>
+            <a:off x="3001757" y="2984170"/>
+            <a:ext cx="3817954" cy="461665"/>
           </a:xfrm>
           <a:prstGeom prst="rect">
             <a:avLst/>
@@ -12495,36 +12561,36 @@
           </a:lstStyle>
           <a:p>
             <a:r>
-              <a:rPr lang="en-US" dirty="0" err="1"/>
+              <a:rPr lang="en-US" sz="800" dirty="0" err="1"/>
               <a:t>dbPassword</a:t>
             </a:r>
             <a:r>
-              <a:rPr lang="en-US" dirty="0"/>
+              <a:rPr lang="en-US" sz="800" dirty="0"/>
               <a:t> = await </a:t>
             </a:r>
           </a:p>
           <a:p>
             <a:r>
-              <a:rPr lang="en-US" dirty="0" err="1"/>
+              <a:rPr lang="en-US" sz="800" dirty="0" err="1"/>
               <a:t>secretManagerClient.GetSecretValueAsync</a:t>
             </a:r>
             <a:r>
-              <a:rPr lang="en-US" dirty="0"/>
+              <a:rPr lang="en-US" sz="800" dirty="0"/>
               <a:t>(</a:t>
             </a:r>
             <a:br>
-              <a:rPr lang="en-US" dirty="0"/>
+              <a:rPr lang="en-US" sz="800" dirty="0"/>
             </a:br>
             <a:r>
-              <a:rPr lang="en-US" dirty="0"/>
+              <a:rPr lang="en-US" sz="800" dirty="0"/>
               <a:t>“</a:t>
             </a:r>
             <a:r>
-              <a:rPr lang="en-US" dirty="0" err="1"/>
+              <a:rPr lang="en-US" sz="800" dirty="0" err="1"/>
               <a:t>InfluxDbPassword</a:t>
             </a:r>
             <a:r>
-              <a:rPr lang="en-US" dirty="0"/>
+              <a:rPr lang="en-US" sz="800" dirty="0"/>
               <a:t>“, …)</a:t>
             </a:r>
           </a:p>
@@ -12532,10 +12598,10 @@
       </p:sp>
       <p:sp>
         <p:nvSpPr>
-          <p:cNvPr id="83" name="TextBox 82">
-            <a:extLst>
-              <a:ext uri="{FF2B5EF4-FFF2-40B4-BE49-F238E27FC236}">
-                <a16:creationId xmlns:a16="http://schemas.microsoft.com/office/drawing/2014/main" id="{E8ECB9F5-4306-4A18-BADC-850CE7D59900}"/>
+          <p:cNvPr id="17" name="TextBox 16">
+            <a:extLst>
+              <a:ext uri="{FF2B5EF4-FFF2-40B4-BE49-F238E27FC236}">
+                <a16:creationId xmlns:a16="http://schemas.microsoft.com/office/drawing/2014/main" id="{6DB2EA79-BD11-4BC5-9904-5D2BF51B06F9}"/>
               </a:ext>
             </a:extLst>
           </p:cNvPr>
@@ -12544,8 +12610,8 @@
         </p:nvSpPr>
         <p:spPr>
           <a:xfrm>
-            <a:off x="4614638" y="4150900"/>
-            <a:ext cx="2416224" cy="507831"/>
+            <a:off x="4650733" y="2267957"/>
+            <a:ext cx="2416224" cy="461665"/>
           </a:xfrm>
           <a:prstGeom prst="rect">
             <a:avLst/>
@@ -12559,7 +12625,7 @@
           <a:lstStyle/>
           <a:p>
             <a:r>
-              <a:rPr lang="en-US" sz="900" b="0" dirty="0" err="1">
+              <a:rPr lang="en-US" sz="800" b="0" dirty="0" err="1">
                 <a:solidFill>
                   <a:srgbClr val="569CD6"/>
                 </a:solidFill>
@@ -12570,7 +12636,7 @@
               <a:t>influxDBClient</a:t>
             </a:r>
             <a:r>
-              <a:rPr lang="en-US" sz="900" b="0" dirty="0">
+              <a:rPr lang="en-US" sz="800" b="0" dirty="0">
                 <a:solidFill>
                   <a:srgbClr val="569CD6"/>
                 </a:solidFill>
@@ -12581,7 +12647,7 @@
               <a:t> = </a:t>
             </a:r>
             <a:r>
-              <a:rPr lang="en-US" sz="900" b="0" dirty="0" err="1">
+              <a:rPr lang="en-US" sz="800" b="0" dirty="0" err="1">
                 <a:solidFill>
                   <a:srgbClr val="569CD6"/>
                 </a:solidFill>
@@ -12592,7 +12658,7 @@
               <a:t>InfluxDBClientFactory.Create</a:t>
             </a:r>
             <a:r>
-              <a:rPr lang="en-US" sz="900" b="0" dirty="0">
+              <a:rPr lang="en-US" sz="800" b="0" dirty="0">
                 <a:solidFill>
                   <a:srgbClr val="569CD6"/>
                 </a:solidFill>
@@ -12605,7 +12671,7 @@
           </a:p>
           <a:p>
             <a:r>
-              <a:rPr lang="en-US" sz="900" b="0" dirty="0" err="1">
+              <a:rPr lang="en-US" sz="800" b="0" dirty="0" err="1">
                 <a:solidFill>
                   <a:srgbClr val="569CD6"/>
                 </a:solidFill>
@@ -12616,7 +12682,7 @@
               <a:t>url</a:t>
             </a:r>
             <a:r>
-              <a:rPr lang="en-US" sz="900" b="0" dirty="0">
+              <a:rPr lang="en-US" sz="800" b="0" dirty="0">
                 <a:solidFill>
                   <a:srgbClr val="569CD6"/>
                 </a:solidFill>
@@ -12627,7 +12693,7 @@
               <a:t>, username, </a:t>
             </a:r>
             <a:r>
-              <a:rPr lang="en-US" sz="900" b="0" dirty="0" err="1">
+              <a:rPr lang="en-US" sz="800" b="0" dirty="0" err="1">
                 <a:solidFill>
                   <a:srgbClr val="569CD6"/>
                 </a:solidFill>
@@ -12638,7 +12704,7 @@
               <a:t>dbPassword</a:t>
             </a:r>
             <a:r>
-              <a:rPr lang="en-US" sz="900" b="0" dirty="0">
+              <a:rPr lang="en-US" sz="800" b="0" dirty="0">
                 <a:solidFill>
                   <a:srgbClr val="569CD6"/>
                 </a:solidFill>
@@ -12648,7 +12714,7 @@
               </a:rPr>
               <a:t>);</a:t>
             </a:r>
-            <a:endParaRPr lang="en-US" sz="900" b="0" dirty="0">
+            <a:endParaRPr lang="en-US" sz="800" b="0" dirty="0">
               <a:solidFill>
                 <a:srgbClr val="D4D4D4"/>
               </a:solidFill>
@@ -12661,10 +12727,10 @@
       </p:sp>
       <p:sp>
         <p:nvSpPr>
-          <p:cNvPr id="92" name="TextBox 91">
-            <a:extLst>
-              <a:ext uri="{FF2B5EF4-FFF2-40B4-BE49-F238E27FC236}">
-                <a16:creationId xmlns:a16="http://schemas.microsoft.com/office/drawing/2014/main" id="{60581664-4C4F-41AC-8809-6029FD5C0470}"/>
+          <p:cNvPr id="19" name="TextBox 18">
+            <a:extLst>
+              <a:ext uri="{FF2B5EF4-FFF2-40B4-BE49-F238E27FC236}">
+                <a16:creationId xmlns:a16="http://schemas.microsoft.com/office/drawing/2014/main" id="{1DE79936-4B33-4F3B-9339-009CAC64A330}"/>
               </a:ext>
             </a:extLst>
           </p:cNvPr>
@@ -12673,8 +12739,8 @@
         </p:nvSpPr>
         <p:spPr>
           <a:xfrm>
-            <a:off x="2563000" y="3774538"/>
-            <a:ext cx="6097002" cy="307777"/>
+            <a:off x="2549420" y="1981065"/>
+            <a:ext cx="6097002" cy="261610"/>
           </a:xfrm>
           <a:prstGeom prst="rect">
             <a:avLst/>
@@ -12688,15 +12754,21 @@
           <a:lstStyle/>
           <a:p>
             <a:r>
-              <a:rPr lang="en-US" sz="1400" dirty="0"/>
+              <a:rPr lang="en-US" sz="1100" dirty="0">
+                <a:latin typeface="Arial Nova Cond" panose="020B0506020202020204" pitchFamily="34" charset="0"/>
+              </a:rPr>
               <a:t>“</a:t>
             </a:r>
             <a:r>
-              <a:rPr lang="en-US" sz="1400" dirty="0" err="1"/>
+              <a:rPr lang="en-US" sz="1100" dirty="0" err="1">
+                <a:latin typeface="Arial Nova Cond" panose="020B0506020202020204" pitchFamily="34" charset="0"/>
+              </a:rPr>
               <a:t>sampleApp</a:t>
             </a:r>
             <a:r>
-              <a:rPr lang="en-US" sz="1400" dirty="0"/>
+              <a:rPr lang="en-US" sz="1100" dirty="0">
+                <a:latin typeface="Arial Nova Cond" panose="020B0506020202020204" pitchFamily="34" charset="0"/>
+              </a:rPr>
               <a:t>” module</a:t>
             </a:r>
           </a:p>
@@ -12704,10 +12776,10 @@
       </p:sp>
       <p:pic>
         <p:nvPicPr>
-          <p:cNvPr id="3" name="Picture 2" descr="See the source image">
-            <a:extLst>
-              <a:ext uri="{FF2B5EF4-FFF2-40B4-BE49-F238E27FC236}">
-                <a16:creationId xmlns:a16="http://schemas.microsoft.com/office/drawing/2014/main" id="{AA859BBB-7220-4F45-915A-743FC1FEBFA7}"/>
+          <p:cNvPr id="23" name="Picture 22" descr="See the source image">
+            <a:extLst>
+              <a:ext uri="{FF2B5EF4-FFF2-40B4-BE49-F238E27FC236}">
+                <a16:creationId xmlns:a16="http://schemas.microsoft.com/office/drawing/2014/main" id="{AB7AF7C9-0CB6-433C-8B88-7FEE6F409898}"/>
               </a:ext>
             </a:extLst>
           </p:cNvPr>
@@ -12717,7 +12789,7 @@
           <p:nvPr/>
         </p:nvPicPr>
         <p:blipFill rotWithShape="1">
-          <a:blip r:embed="rId4">
+          <a:blip r:embed="rId3">
             <a:extLst>
               <a:ext uri="{28A0092B-C50C-407E-A947-70E740481C1C}">
                 <a14:useLocalDpi xmlns:a14="http://schemas.microsoft.com/office/drawing/2010/main" val="0"/>
@@ -12729,7 +12801,7 @@
         </p:blipFill>
         <p:spPr bwMode="auto">
           <a:xfrm>
-            <a:off x="7732048" y="4345878"/>
+            <a:off x="7277619" y="2636441"/>
             <a:ext cx="1443582" cy="354394"/>
           </a:xfrm>
           <a:prstGeom prst="rect">
@@ -12749,10 +12821,10 @@
       </p:pic>
       <p:sp>
         <p:nvSpPr>
-          <p:cNvPr id="16" name="TextBox 15">
-            <a:extLst>
-              <a:ext uri="{FF2B5EF4-FFF2-40B4-BE49-F238E27FC236}">
-                <a16:creationId xmlns:a16="http://schemas.microsoft.com/office/drawing/2014/main" id="{150664F6-D638-4BBA-B82E-64EF9BCA251F}"/>
+          <p:cNvPr id="25" name="TextBox 24">
+            <a:extLst>
+              <a:ext uri="{FF2B5EF4-FFF2-40B4-BE49-F238E27FC236}">
+                <a16:creationId xmlns:a16="http://schemas.microsoft.com/office/drawing/2014/main" id="{00EA9D5A-6CC9-45EE-8E7D-503405961671}"/>
               </a:ext>
             </a:extLst>
           </p:cNvPr>
@@ -12761,8 +12833,60 @@
         </p:nvSpPr>
         <p:spPr>
           <a:xfrm>
-            <a:off x="6914476" y="3758493"/>
-            <a:ext cx="1832810" cy="307777"/>
+            <a:off x="7004916" y="1977959"/>
+            <a:ext cx="1832810" cy="261610"/>
+          </a:xfrm>
+          <a:prstGeom prst="rect">
+            <a:avLst/>
+          </a:prstGeom>
+          <a:noFill/>
+        </p:spPr>
+        <p:txBody>
+          <a:bodyPr wrap="square">
+            <a:spAutoFit/>
+          </a:bodyPr>
+          <a:lstStyle>
+            <a:defPPr>
+              <a:defRPr lang="en-US"/>
+            </a:defPPr>
+            <a:lvl1pPr>
+              <a:defRPr sz="1100">
+                <a:latin typeface="Arial Nova Cond" panose="020B0506020202020204" pitchFamily="34" charset="0"/>
+              </a:defRPr>
+            </a:lvl1pPr>
+          </a:lstStyle>
+          <a:p>
+            <a:r>
+              <a:rPr lang="en-US" dirty="0"/>
+              <a:t>“</a:t>
+            </a:r>
+            <a:r>
+              <a:rPr lang="en-US" dirty="0" err="1"/>
+              <a:t>influxdb</a:t>
+            </a:r>
+            <a:r>
+              <a:rPr lang="en-US" dirty="0"/>
+              <a:t>” module</a:t>
+            </a:r>
+          </a:p>
+        </p:txBody>
+      </p:sp>
+      <p:sp>
+        <p:nvSpPr>
+          <p:cNvPr id="29" name="TextBox 28">
+            <a:extLst>
+              <a:ext uri="{FF2B5EF4-FFF2-40B4-BE49-F238E27FC236}">
+                <a16:creationId xmlns:a16="http://schemas.microsoft.com/office/drawing/2014/main" id="{263F4AE5-FC4A-4389-A4AD-D38B307C759B}"/>
+              </a:ext>
+            </a:extLst>
+          </p:cNvPr>
+          <p:cNvSpPr txBox="1"/>
+          <p:nvPr/>
+        </p:nvSpPr>
+        <p:spPr>
+          <a:xfrm>
+            <a:off x="1820694" y="1694173"/>
+            <a:ext cx="4160286" cy="261610"/>
           </a:xfrm>
           <a:prstGeom prst="rect">
             <a:avLst/>
@@ -12776,58 +12900,21 @@
           <a:lstStyle/>
           <a:p>
             <a:r>
-              <a:rPr lang="en-US" sz="1400" dirty="0"/>
+              <a:rPr lang="en-US" sz="1100" dirty="0">
+                <a:latin typeface="Arial Nova Cond" panose="020B0506020202020204" pitchFamily="34" charset="0"/>
+              </a:rPr>
               <a:t>“</a:t>
             </a:r>
             <a:r>
-              <a:rPr lang="en-US" sz="1400" dirty="0" err="1"/>
-              <a:t>influxdb</a:t>
-            </a:r>
-            <a:r>
-              <a:rPr lang="en-US" sz="1400" dirty="0"/>
-              <a:t>” module</a:t>
-            </a:r>
-          </a:p>
-        </p:txBody>
-      </p:sp>
-      <p:sp>
-        <p:nvSpPr>
-          <p:cNvPr id="20" name="TextBox 19">
-            <a:extLst>
-              <a:ext uri="{FF2B5EF4-FFF2-40B4-BE49-F238E27FC236}">
-                <a16:creationId xmlns:a16="http://schemas.microsoft.com/office/drawing/2014/main" id="{BE935596-3BEF-491F-B484-8B1B4CED8529}"/>
-              </a:ext>
-            </a:extLst>
-          </p:cNvPr>
-          <p:cNvSpPr txBox="1"/>
-          <p:nvPr/>
-        </p:nvSpPr>
-        <p:spPr>
-          <a:xfrm>
-            <a:off x="2359420" y="3376583"/>
-            <a:ext cx="4160286" cy="307777"/>
-          </a:xfrm>
-          <a:prstGeom prst="rect">
-            <a:avLst/>
-          </a:prstGeom>
-          <a:noFill/>
-        </p:spPr>
-        <p:txBody>
-          <a:bodyPr wrap="square">
-            <a:spAutoFit/>
-          </a:bodyPr>
-          <a:lstStyle/>
-          <a:p>
-            <a:r>
-              <a:rPr lang="en-US" sz="1400" dirty="0"/>
-              <a:t>“</a:t>
-            </a:r>
-            <a:r>
-              <a:rPr lang="en-US" sz="1400" dirty="0" err="1"/>
+              <a:rPr lang="en-US" sz="1100" dirty="0" err="1">
+                <a:latin typeface="Arial Nova Cond" panose="020B0506020202020204" pitchFamily="34" charset="0"/>
+              </a:rPr>
               <a:t>deployment.influxdb.template.json</a:t>
             </a:r>
             <a:r>
-              <a:rPr lang="en-US" sz="1400" dirty="0"/>
+              <a:rPr lang="en-US" sz="1100" dirty="0">
+                <a:latin typeface="Arial Nova Cond" panose="020B0506020202020204" pitchFamily="34" charset="0"/>
+              </a:rPr>
               <a:t>” edge solution</a:t>
             </a:r>
           </a:p>

--- a/docs/drawings.pptx
+++ b/docs/drawings.pptx
@@ -9,8 +9,9 @@
     <p:sldId id="264" r:id="rId3"/>
     <p:sldId id="265" r:id="rId4"/>
     <p:sldId id="266" r:id="rId5"/>
-    <p:sldId id="269" r:id="rId6"/>
-    <p:sldId id="267" r:id="rId7"/>
+    <p:sldId id="270" r:id="rId6"/>
+    <p:sldId id="269" r:id="rId7"/>
+    <p:sldId id="267" r:id="rId8"/>
   </p:sldIdLst>
   <p:sldSz cx="12192000" cy="6858000"/>
   <p:notesSz cx="7315200" cy="9601200"/>
@@ -272,7 +273,7 @@
           <a:p>
             <a:fld id="{EEB5A699-4281-42A6-A7CC-966666C96966}" type="datetimeFigureOut">
               <a:rPr lang="en-US" smtClean="0"/>
-              <a:t>1/28/2022</a:t>
+              <a:t>2/4/2022</a:t>
             </a:fld>
             <a:endParaRPr lang="en-US"/>
           </a:p>
@@ -470,7 +471,7 @@
           <a:p>
             <a:fld id="{EEB5A699-4281-42A6-A7CC-966666C96966}" type="datetimeFigureOut">
               <a:rPr lang="en-US" smtClean="0"/>
-              <a:t>1/28/2022</a:t>
+              <a:t>2/4/2022</a:t>
             </a:fld>
             <a:endParaRPr lang="en-US"/>
           </a:p>
@@ -678,7 +679,7 @@
           <a:p>
             <a:fld id="{EEB5A699-4281-42A6-A7CC-966666C96966}" type="datetimeFigureOut">
               <a:rPr lang="en-US" smtClean="0"/>
-              <a:t>1/28/2022</a:t>
+              <a:t>2/4/2022</a:t>
             </a:fld>
             <a:endParaRPr lang="en-US"/>
           </a:p>
@@ -876,7 +877,7 @@
           <a:p>
             <a:fld id="{EEB5A699-4281-42A6-A7CC-966666C96966}" type="datetimeFigureOut">
               <a:rPr lang="en-US" smtClean="0"/>
-              <a:t>1/28/2022</a:t>
+              <a:t>2/4/2022</a:t>
             </a:fld>
             <a:endParaRPr lang="en-US"/>
           </a:p>
@@ -1151,7 +1152,7 @@
           <a:p>
             <a:fld id="{EEB5A699-4281-42A6-A7CC-966666C96966}" type="datetimeFigureOut">
               <a:rPr lang="en-US" smtClean="0"/>
-              <a:t>1/28/2022</a:t>
+              <a:t>2/4/2022</a:t>
             </a:fld>
             <a:endParaRPr lang="en-US"/>
           </a:p>
@@ -1416,7 +1417,7 @@
           <a:p>
             <a:fld id="{EEB5A699-4281-42A6-A7CC-966666C96966}" type="datetimeFigureOut">
               <a:rPr lang="en-US" smtClean="0"/>
-              <a:t>1/28/2022</a:t>
+              <a:t>2/4/2022</a:t>
             </a:fld>
             <a:endParaRPr lang="en-US"/>
           </a:p>
@@ -1828,7 +1829,7 @@
           <a:p>
             <a:fld id="{EEB5A699-4281-42A6-A7CC-966666C96966}" type="datetimeFigureOut">
               <a:rPr lang="en-US" smtClean="0"/>
-              <a:t>1/28/2022</a:t>
+              <a:t>2/4/2022</a:t>
             </a:fld>
             <a:endParaRPr lang="en-US"/>
           </a:p>
@@ -1969,7 +1970,7 @@
           <a:p>
             <a:fld id="{EEB5A699-4281-42A6-A7CC-966666C96966}" type="datetimeFigureOut">
               <a:rPr lang="en-US" smtClean="0"/>
-              <a:t>1/28/2022</a:t>
+              <a:t>2/4/2022</a:t>
             </a:fld>
             <a:endParaRPr lang="en-US"/>
           </a:p>
@@ -2082,7 +2083,7 @@
           <a:p>
             <a:fld id="{EEB5A699-4281-42A6-A7CC-966666C96966}" type="datetimeFigureOut">
               <a:rPr lang="en-US" smtClean="0"/>
-              <a:t>1/28/2022</a:t>
+              <a:t>2/4/2022</a:t>
             </a:fld>
             <a:endParaRPr lang="en-US"/>
           </a:p>
@@ -2393,7 +2394,7 @@
           <a:p>
             <a:fld id="{EEB5A699-4281-42A6-A7CC-966666C96966}" type="datetimeFigureOut">
               <a:rPr lang="en-US" smtClean="0"/>
-              <a:t>1/28/2022</a:t>
+              <a:t>2/4/2022</a:t>
             </a:fld>
             <a:endParaRPr lang="en-US"/>
           </a:p>
@@ -2681,7 +2682,7 @@
           <a:p>
             <a:fld id="{EEB5A699-4281-42A6-A7CC-966666C96966}" type="datetimeFigureOut">
               <a:rPr lang="en-US" smtClean="0"/>
-              <a:t>1/28/2022</a:t>
+              <a:t>2/4/2022</a:t>
             </a:fld>
             <a:endParaRPr lang="en-US"/>
           </a:p>
@@ -2922,7 +2923,7 @@
           <a:p>
             <a:fld id="{EEB5A699-4281-42A6-A7CC-966666C96966}" type="datetimeFigureOut">
               <a:rPr lang="en-US" smtClean="0"/>
-              <a:t>1/28/2022</a:t>
+              <a:t>2/4/2022</a:t>
             </a:fld>
             <a:endParaRPr lang="en-US"/>
           </a:p>
@@ -10148,6 +10149,2833 @@
       </p:grpSpPr>
       <p:sp>
         <p:nvSpPr>
+          <p:cNvPr id="13" name="Rectangle: Rounded Corners 12">
+            <a:extLst>
+              <a:ext uri="{FF2B5EF4-FFF2-40B4-BE49-F238E27FC236}">
+                <a16:creationId xmlns:a16="http://schemas.microsoft.com/office/drawing/2014/main" id="{1E687DD2-4605-4F84-853B-7A106D4D849C}"/>
+              </a:ext>
+            </a:extLst>
+          </p:cNvPr>
+          <p:cNvSpPr/>
+          <p:nvPr/>
+        </p:nvSpPr>
+        <p:spPr>
+          <a:xfrm>
+            <a:off x="6120724" y="195545"/>
+            <a:ext cx="1497029" cy="793079"/>
+          </a:xfrm>
+          <a:prstGeom prst="roundRect">
+            <a:avLst>
+              <a:gd name="adj" fmla="val 4345"/>
+            </a:avLst>
+          </a:prstGeom>
+        </p:spPr>
+        <p:style>
+          <a:lnRef idx="2">
+            <a:schemeClr val="accent1"/>
+          </a:lnRef>
+          <a:fillRef idx="1">
+            <a:schemeClr val="lt1"/>
+          </a:fillRef>
+          <a:effectRef idx="0">
+            <a:schemeClr val="accent1"/>
+          </a:effectRef>
+          <a:fontRef idx="minor">
+            <a:schemeClr val="dk1"/>
+          </a:fontRef>
+        </p:style>
+        <p:txBody>
+          <a:bodyPr rtlCol="0" anchor="ctr"/>
+          <a:lstStyle/>
+          <a:p>
+            <a:pPr algn="ctr"/>
+            <a:endParaRPr lang="en-US">
+              <a:latin typeface="Arial Nova Cond" panose="020B0506020202020204" pitchFamily="34" charset="0"/>
+            </a:endParaRPr>
+          </a:p>
+        </p:txBody>
+      </p:sp>
+      <p:grpSp>
+        <p:nvGrpSpPr>
+          <p:cNvPr id="15" name="Group 14">
+            <a:extLst>
+              <a:ext uri="{FF2B5EF4-FFF2-40B4-BE49-F238E27FC236}">
+                <a16:creationId xmlns:a16="http://schemas.microsoft.com/office/drawing/2014/main" id="{9A510F61-56ED-42E0-87A5-B090FDBB45C2}"/>
+              </a:ext>
+            </a:extLst>
+          </p:cNvPr>
+          <p:cNvGrpSpPr/>
+          <p:nvPr/>
+        </p:nvGrpSpPr>
+        <p:grpSpPr>
+          <a:xfrm>
+            <a:off x="8194357" y="364980"/>
+            <a:ext cx="920445" cy="757927"/>
+            <a:chOff x="8056429" y="808366"/>
+            <a:chExt cx="920445" cy="757927"/>
+          </a:xfrm>
+        </p:grpSpPr>
+        <p:pic>
+          <p:nvPicPr>
+            <p:cNvPr id="1032" name="Picture 8" descr="See the source image">
+              <a:extLst>
+                <a:ext uri="{FF2B5EF4-FFF2-40B4-BE49-F238E27FC236}">
+                  <a16:creationId xmlns:a16="http://schemas.microsoft.com/office/drawing/2014/main" id="{CEA7BEC5-A5F6-4C1C-AEF8-2C1D2F04CC97}"/>
+                </a:ext>
+              </a:extLst>
+            </p:cNvPr>
+            <p:cNvPicPr>
+              <a:picLocks noChangeAspect="1" noChangeArrowheads="1"/>
+            </p:cNvPicPr>
+            <p:nvPr/>
+          </p:nvPicPr>
+          <p:blipFill>
+            <a:blip r:embed="rId2">
+              <a:clrChange>
+                <a:clrFrom>
+                  <a:srgbClr val="FDFDFD"/>
+                </a:clrFrom>
+                <a:clrTo>
+                  <a:srgbClr val="FDFDFD">
+                    <a:alpha val="0"/>
+                  </a:srgbClr>
+                </a:clrTo>
+              </a:clrChange>
+              <a:extLst>
+                <a:ext uri="{28A0092B-C50C-407E-A947-70E740481C1C}">
+                  <a14:useLocalDpi xmlns:a14="http://schemas.microsoft.com/office/drawing/2010/main" val="0"/>
+                </a:ext>
+              </a:extLst>
+            </a:blip>
+            <a:srcRect/>
+            <a:stretch>
+              <a:fillRect/>
+            </a:stretch>
+          </p:blipFill>
+          <p:spPr bwMode="auto">
+            <a:xfrm>
+              <a:off x="8264355" y="808366"/>
+              <a:ext cx="508704" cy="470478"/>
+            </a:xfrm>
+            <a:prstGeom prst="rect">
+              <a:avLst/>
+            </a:prstGeom>
+            <a:noFill/>
+            <a:extLst>
+              <a:ext uri="{909E8E84-426E-40DD-AFC4-6F175D3DCCD1}">
+                <a14:hiddenFill xmlns:a14="http://schemas.microsoft.com/office/drawing/2010/main">
+                  <a:solidFill>
+                    <a:srgbClr val="FFFFFF"/>
+                  </a:solidFill>
+                </a14:hiddenFill>
+              </a:ext>
+            </a:extLst>
+          </p:spPr>
+        </p:pic>
+        <p:sp>
+          <p:nvSpPr>
+            <p:cNvPr id="10" name="TextBox 9">
+              <a:extLst>
+                <a:ext uri="{FF2B5EF4-FFF2-40B4-BE49-F238E27FC236}">
+                  <a16:creationId xmlns:a16="http://schemas.microsoft.com/office/drawing/2014/main" id="{5F01C87A-1A6C-464E-9B93-C047BB13FAA6}"/>
+                </a:ext>
+              </a:extLst>
+            </p:cNvPr>
+            <p:cNvSpPr txBox="1"/>
+            <p:nvPr/>
+          </p:nvSpPr>
+          <p:spPr>
+            <a:xfrm>
+              <a:off x="8056429" y="1320072"/>
+              <a:ext cx="920445" cy="246221"/>
+            </a:xfrm>
+            <a:prstGeom prst="rect">
+              <a:avLst/>
+            </a:prstGeom>
+            <a:noFill/>
+          </p:spPr>
+          <p:txBody>
+            <a:bodyPr wrap="none" rtlCol="0">
+              <a:spAutoFit/>
+            </a:bodyPr>
+            <a:lstStyle/>
+            <a:p>
+              <a:r>
+                <a:rPr lang="en-US" sz="1000" dirty="0">
+                  <a:latin typeface="Arial Nova Cond" panose="020B0506020202020204" pitchFamily="34" charset="0"/>
+                </a:rPr>
+                <a:t>Azure IoT Hub</a:t>
+              </a:r>
+            </a:p>
+          </p:txBody>
+        </p:sp>
+      </p:grpSp>
+      <p:grpSp>
+        <p:nvGrpSpPr>
+          <p:cNvPr id="23" name="Group 22">
+            <a:extLst>
+              <a:ext uri="{FF2B5EF4-FFF2-40B4-BE49-F238E27FC236}">
+                <a16:creationId xmlns:a16="http://schemas.microsoft.com/office/drawing/2014/main" id="{E4D241D0-F5D6-4665-9CD5-6C50C04D2831}"/>
+              </a:ext>
+            </a:extLst>
+          </p:cNvPr>
+          <p:cNvGrpSpPr/>
+          <p:nvPr/>
+        </p:nvGrpSpPr>
+        <p:grpSpPr>
+          <a:xfrm>
+            <a:off x="4125680" y="348490"/>
+            <a:ext cx="1063962" cy="472114"/>
+            <a:chOff x="2739575" y="834058"/>
+            <a:chExt cx="1063962" cy="472114"/>
+          </a:xfrm>
+        </p:grpSpPr>
+        <p:pic>
+          <p:nvPicPr>
+            <p:cNvPr id="1028" name="Picture 4" descr="See related image detail">
+              <a:extLst>
+                <a:ext uri="{FF2B5EF4-FFF2-40B4-BE49-F238E27FC236}">
+                  <a16:creationId xmlns:a16="http://schemas.microsoft.com/office/drawing/2014/main" id="{650EC945-E073-4979-BA21-343CE6D70BB9}"/>
+                </a:ext>
+              </a:extLst>
+            </p:cNvPr>
+            <p:cNvPicPr>
+              <a:picLocks noChangeAspect="1" noChangeArrowheads="1"/>
+            </p:cNvPicPr>
+            <p:nvPr/>
+          </p:nvPicPr>
+          <p:blipFill>
+            <a:blip r:embed="rId3">
+              <a:clrChange>
+                <a:clrFrom>
+                  <a:srgbClr val="FDFDFD"/>
+                </a:clrFrom>
+                <a:clrTo>
+                  <a:srgbClr val="FDFDFD">
+                    <a:alpha val="0"/>
+                  </a:srgbClr>
+                </a:clrTo>
+              </a:clrChange>
+              <a:extLst>
+                <a:ext uri="{28A0092B-C50C-407E-A947-70E740481C1C}">
+                  <a14:useLocalDpi xmlns:a14="http://schemas.microsoft.com/office/drawing/2010/main" val="0"/>
+                </a:ext>
+              </a:extLst>
+            </a:blip>
+            <a:srcRect/>
+            <a:stretch>
+              <a:fillRect/>
+            </a:stretch>
+          </p:blipFill>
+          <p:spPr bwMode="auto">
+            <a:xfrm>
+              <a:off x="3373522" y="834058"/>
+              <a:ext cx="430015" cy="472114"/>
+            </a:xfrm>
+            <a:prstGeom prst="rect">
+              <a:avLst/>
+            </a:prstGeom>
+            <a:noFill/>
+            <a:extLst>
+              <a:ext uri="{909E8E84-426E-40DD-AFC4-6F175D3DCCD1}">
+                <a14:hiddenFill xmlns:a14="http://schemas.microsoft.com/office/drawing/2010/main">
+                  <a:solidFill>
+                    <a:srgbClr val="FFFFFF"/>
+                  </a:solidFill>
+                </a14:hiddenFill>
+              </a:ext>
+            </a:extLst>
+          </p:spPr>
+        </p:pic>
+        <p:sp>
+          <p:nvSpPr>
+            <p:cNvPr id="14" name="TextBox 13">
+              <a:extLst>
+                <a:ext uri="{FF2B5EF4-FFF2-40B4-BE49-F238E27FC236}">
+                  <a16:creationId xmlns:a16="http://schemas.microsoft.com/office/drawing/2014/main" id="{226FE8E9-8258-4E11-90B2-20FF286B149A}"/>
+                </a:ext>
+              </a:extLst>
+            </p:cNvPr>
+            <p:cNvSpPr txBox="1"/>
+            <p:nvPr/>
+          </p:nvSpPr>
+          <p:spPr>
+            <a:xfrm>
+              <a:off x="2739575" y="870060"/>
+              <a:ext cx="630301" cy="400110"/>
+            </a:xfrm>
+            <a:prstGeom prst="rect">
+              <a:avLst/>
+            </a:prstGeom>
+            <a:noFill/>
+          </p:spPr>
+          <p:txBody>
+            <a:bodyPr wrap="none" rtlCol="0">
+              <a:spAutoFit/>
+            </a:bodyPr>
+            <a:lstStyle/>
+            <a:p>
+              <a:pPr algn="r"/>
+              <a:r>
+                <a:rPr lang="en-US" sz="1000" dirty="0">
+                  <a:latin typeface="Arial Nova Cond" panose="020B0506020202020204" pitchFamily="34" charset="0"/>
+                </a:rPr>
+                <a:t>Azure </a:t>
+              </a:r>
+              <a:br>
+                <a:rPr lang="en-US" sz="1000" dirty="0">
+                  <a:latin typeface="Arial Nova Cond" panose="020B0506020202020204" pitchFamily="34" charset="0"/>
+                </a:rPr>
+              </a:br>
+              <a:r>
+                <a:rPr lang="en-US" sz="1000" dirty="0" err="1">
+                  <a:latin typeface="Arial Nova Cond" panose="020B0506020202020204" pitchFamily="34" charset="0"/>
+                </a:rPr>
+                <a:t>KeyVault</a:t>
+              </a:r>
+              <a:endParaRPr lang="en-US" sz="1000" dirty="0">
+                <a:latin typeface="Arial Nova Cond" panose="020B0506020202020204" pitchFamily="34" charset="0"/>
+              </a:endParaRPr>
+            </a:p>
+          </p:txBody>
+        </p:sp>
+      </p:grpSp>
+      <p:cxnSp>
+        <p:nvCxnSpPr>
+          <p:cNvPr id="27" name="Straight Arrow Connector 26">
+            <a:extLst>
+              <a:ext uri="{FF2B5EF4-FFF2-40B4-BE49-F238E27FC236}">
+                <a16:creationId xmlns:a16="http://schemas.microsoft.com/office/drawing/2014/main" id="{12ED6B8A-00D3-415B-B3FC-88FC4EA40FE5}"/>
+              </a:ext>
+            </a:extLst>
+          </p:cNvPr>
+          <p:cNvCxnSpPr>
+            <a:cxnSpLocks/>
+            <a:stCxn id="72" idx="3"/>
+          </p:cNvCxnSpPr>
+          <p:nvPr/>
+        </p:nvCxnSpPr>
+        <p:spPr>
+          <a:xfrm>
+            <a:off x="7619811" y="596368"/>
+            <a:ext cx="782246" cy="0"/>
+          </a:xfrm>
+          <a:prstGeom prst="straightConnector1">
+            <a:avLst/>
+          </a:prstGeom>
+          <a:ln w="19050">
+            <a:solidFill>
+              <a:schemeClr val="tx1">
+                <a:lumMod val="65000"/>
+                <a:lumOff val="35000"/>
+              </a:schemeClr>
+            </a:solidFill>
+            <a:headEnd type="triangle" w="med" len="med"/>
+            <a:tailEnd type="triangle" w="med" len="med"/>
+          </a:ln>
+        </p:spPr>
+        <p:style>
+          <a:lnRef idx="1">
+            <a:schemeClr val="accent1"/>
+          </a:lnRef>
+          <a:fillRef idx="0">
+            <a:schemeClr val="accent1"/>
+          </a:fillRef>
+          <a:effectRef idx="0">
+            <a:schemeClr val="accent1"/>
+          </a:effectRef>
+          <a:fontRef idx="minor">
+            <a:schemeClr val="tx1"/>
+          </a:fontRef>
+        </p:style>
+      </p:cxnSp>
+      <p:sp>
+        <p:nvSpPr>
+          <p:cNvPr id="72" name="TextBox 71">
+            <a:extLst>
+              <a:ext uri="{FF2B5EF4-FFF2-40B4-BE49-F238E27FC236}">
+                <a16:creationId xmlns:a16="http://schemas.microsoft.com/office/drawing/2014/main" id="{5B4098B0-34C3-4339-A20B-46D9DF20065A}"/>
+              </a:ext>
+            </a:extLst>
+          </p:cNvPr>
+          <p:cNvSpPr txBox="1"/>
+          <p:nvPr/>
+        </p:nvSpPr>
+        <p:spPr>
+          <a:xfrm>
+            <a:off x="6130073" y="457868"/>
+            <a:ext cx="1489738" cy="276999"/>
+          </a:xfrm>
+          <a:prstGeom prst="rect">
+            <a:avLst/>
+          </a:prstGeom>
+          <a:noFill/>
+        </p:spPr>
+        <p:txBody>
+          <a:bodyPr wrap="square">
+            <a:spAutoFit/>
+          </a:bodyPr>
+          <a:lstStyle/>
+          <a:p>
+            <a:pPr algn="ctr"/>
+            <a:r>
+              <a:rPr lang="en-US" sz="1200" dirty="0" err="1">
+                <a:latin typeface="Arial Nova Cond" panose="020B0506020202020204" pitchFamily="34" charset="0"/>
+              </a:rPr>
+              <a:t>SecretDeliveryApp</a:t>
+            </a:r>
+            <a:endParaRPr lang="en-US" sz="1200" dirty="0">
+              <a:latin typeface="Arial Nova Cond" panose="020B0506020202020204" pitchFamily="34" charset="0"/>
+            </a:endParaRPr>
+          </a:p>
+        </p:txBody>
+      </p:sp>
+      <p:grpSp>
+        <p:nvGrpSpPr>
+          <p:cNvPr id="62" name="Group 61">
+            <a:extLst>
+              <a:ext uri="{FF2B5EF4-FFF2-40B4-BE49-F238E27FC236}">
+                <a16:creationId xmlns:a16="http://schemas.microsoft.com/office/drawing/2014/main" id="{B8AB8508-DCAB-4C47-B7F2-7953C0F9A2D4}"/>
+              </a:ext>
+            </a:extLst>
+          </p:cNvPr>
+          <p:cNvGrpSpPr/>
+          <p:nvPr/>
+        </p:nvGrpSpPr>
+        <p:grpSpPr>
+          <a:xfrm>
+            <a:off x="2051878" y="3463922"/>
+            <a:ext cx="9718567" cy="2935358"/>
+            <a:chOff x="354051" y="3047742"/>
+            <a:chExt cx="11162207" cy="3583631"/>
+          </a:xfrm>
+        </p:grpSpPr>
+        <p:sp>
+          <p:nvSpPr>
+            <p:cNvPr id="6" name="Rectangle 5">
+              <a:extLst>
+                <a:ext uri="{FF2B5EF4-FFF2-40B4-BE49-F238E27FC236}">
+                  <a16:creationId xmlns:a16="http://schemas.microsoft.com/office/drawing/2014/main" id="{02533D81-AB13-47B8-AFB8-EF7CA3128E98}"/>
+                </a:ext>
+              </a:extLst>
+            </p:cNvPr>
+            <p:cNvSpPr/>
+            <p:nvPr/>
+          </p:nvSpPr>
+          <p:spPr>
+            <a:xfrm>
+              <a:off x="357447" y="3050771"/>
+              <a:ext cx="10048115" cy="3580602"/>
+            </a:xfrm>
+            <a:prstGeom prst="rect">
+              <a:avLst/>
+            </a:prstGeom>
+            <a:noFill/>
+            <a:ln w="19050">
+              <a:solidFill>
+                <a:schemeClr val="accent1">
+                  <a:lumMod val="60000"/>
+                  <a:lumOff val="40000"/>
+                </a:schemeClr>
+              </a:solidFill>
+              <a:prstDash val="dash"/>
+            </a:ln>
+          </p:spPr>
+          <p:style>
+            <a:lnRef idx="2">
+              <a:schemeClr val="accent1">
+                <a:shade val="50000"/>
+              </a:schemeClr>
+            </a:lnRef>
+            <a:fillRef idx="1">
+              <a:schemeClr val="accent1"/>
+            </a:fillRef>
+            <a:effectRef idx="0">
+              <a:schemeClr val="accent1"/>
+            </a:effectRef>
+            <a:fontRef idx="minor">
+              <a:schemeClr val="lt1"/>
+            </a:fontRef>
+          </p:style>
+          <p:txBody>
+            <a:bodyPr rtlCol="0" anchor="ctr"/>
+            <a:lstStyle/>
+            <a:p>
+              <a:pPr algn="ctr"/>
+              <a:endParaRPr lang="en-US">
+                <a:latin typeface="Arial Nova Cond" panose="020B0506020202020204" pitchFamily="34" charset="0"/>
+              </a:endParaRPr>
+            </a:p>
+          </p:txBody>
+        </p:sp>
+        <p:sp>
+          <p:nvSpPr>
+            <p:cNvPr id="7" name="Rectangle 6">
+              <a:extLst>
+                <a:ext uri="{FF2B5EF4-FFF2-40B4-BE49-F238E27FC236}">
+                  <a16:creationId xmlns:a16="http://schemas.microsoft.com/office/drawing/2014/main" id="{54FA511D-2FFB-4E1A-8CCE-8B7B66A43008}"/>
+                </a:ext>
+              </a:extLst>
+            </p:cNvPr>
+            <p:cNvSpPr/>
+            <p:nvPr/>
+          </p:nvSpPr>
+          <p:spPr>
+            <a:xfrm>
+              <a:off x="1118566" y="3539987"/>
+              <a:ext cx="2686431" cy="771753"/>
+            </a:xfrm>
+            <a:prstGeom prst="rect">
+              <a:avLst/>
+            </a:prstGeom>
+            <a:solidFill>
+              <a:schemeClr val="accent2">
+                <a:lumMod val="20000"/>
+                <a:lumOff val="80000"/>
+              </a:schemeClr>
+            </a:solidFill>
+          </p:spPr>
+          <p:style>
+            <a:lnRef idx="2">
+              <a:schemeClr val="accent1"/>
+            </a:lnRef>
+            <a:fillRef idx="1">
+              <a:schemeClr val="lt1"/>
+            </a:fillRef>
+            <a:effectRef idx="0">
+              <a:schemeClr val="accent1"/>
+            </a:effectRef>
+            <a:fontRef idx="minor">
+              <a:schemeClr val="dk1"/>
+            </a:fontRef>
+          </p:style>
+          <p:txBody>
+            <a:bodyPr rtlCol="0" anchor="ctr"/>
+            <a:lstStyle/>
+            <a:p>
+              <a:pPr algn="ctr"/>
+              <a:r>
+                <a:rPr lang="en-US" sz="1200">
+                  <a:latin typeface="Arial Nova Cond" panose="020B0506020202020204" pitchFamily="34" charset="0"/>
+                </a:rPr>
+                <a:t>IdentityServiceCryptoProvider</a:t>
+              </a:r>
+            </a:p>
+          </p:txBody>
+        </p:sp>
+        <p:sp>
+          <p:nvSpPr>
+            <p:cNvPr id="18" name="Rectangle 17">
+              <a:extLst>
+                <a:ext uri="{FF2B5EF4-FFF2-40B4-BE49-F238E27FC236}">
+                  <a16:creationId xmlns:a16="http://schemas.microsoft.com/office/drawing/2014/main" id="{D90FAB9F-3673-4D3B-9F1E-B732FB73A1F9}"/>
+                </a:ext>
+              </a:extLst>
+            </p:cNvPr>
+            <p:cNvSpPr/>
+            <p:nvPr/>
+          </p:nvSpPr>
+          <p:spPr>
+            <a:xfrm>
+              <a:off x="1113428" y="4498470"/>
+              <a:ext cx="2686431" cy="771753"/>
+            </a:xfrm>
+            <a:prstGeom prst="rect">
+              <a:avLst/>
+            </a:prstGeom>
+            <a:solidFill>
+              <a:schemeClr val="accent2">
+                <a:lumMod val="20000"/>
+                <a:lumOff val="80000"/>
+              </a:schemeClr>
+            </a:solidFill>
+          </p:spPr>
+          <p:style>
+            <a:lnRef idx="2">
+              <a:schemeClr val="accent1"/>
+            </a:lnRef>
+            <a:fillRef idx="1">
+              <a:schemeClr val="lt1"/>
+            </a:fillRef>
+            <a:effectRef idx="0">
+              <a:schemeClr val="accent1"/>
+            </a:effectRef>
+            <a:fontRef idx="minor">
+              <a:schemeClr val="dk1"/>
+            </a:fontRef>
+          </p:style>
+          <p:txBody>
+            <a:bodyPr rtlCol="0" anchor="ctr"/>
+            <a:lstStyle/>
+            <a:p>
+              <a:pPr algn="ctr"/>
+              <a:r>
+                <a:rPr lang="en-US" sz="1200">
+                  <a:solidFill>
+                    <a:schemeClr val="dk1"/>
+                  </a:solidFill>
+                  <a:latin typeface="Arial Nova Cond" panose="020B0506020202020204" pitchFamily="34" charset="0"/>
+                </a:rPr>
+                <a:t>WorkloadApiCryptoProvider</a:t>
+              </a:r>
+            </a:p>
+          </p:txBody>
+        </p:sp>
+        <p:sp>
+          <p:nvSpPr>
+            <p:cNvPr id="19" name="Rectangle 18">
+              <a:extLst>
+                <a:ext uri="{FF2B5EF4-FFF2-40B4-BE49-F238E27FC236}">
+                  <a16:creationId xmlns:a16="http://schemas.microsoft.com/office/drawing/2014/main" id="{D5B214EC-9D48-48D3-8340-CDDA1F75C3A1}"/>
+                </a:ext>
+              </a:extLst>
+            </p:cNvPr>
+            <p:cNvSpPr/>
+            <p:nvPr/>
+          </p:nvSpPr>
+          <p:spPr>
+            <a:xfrm>
+              <a:off x="1113428" y="5446353"/>
+              <a:ext cx="2686431" cy="771753"/>
+            </a:xfrm>
+            <a:prstGeom prst="rect">
+              <a:avLst/>
+            </a:prstGeom>
+            <a:solidFill>
+              <a:schemeClr val="accent2">
+                <a:lumMod val="20000"/>
+                <a:lumOff val="80000"/>
+              </a:schemeClr>
+            </a:solidFill>
+          </p:spPr>
+          <p:style>
+            <a:lnRef idx="2">
+              <a:schemeClr val="accent1"/>
+            </a:lnRef>
+            <a:fillRef idx="1">
+              <a:schemeClr val="lt1"/>
+            </a:fillRef>
+            <a:effectRef idx="0">
+              <a:schemeClr val="accent1"/>
+            </a:effectRef>
+            <a:fontRef idx="minor">
+              <a:schemeClr val="dk1"/>
+            </a:fontRef>
+          </p:style>
+          <p:txBody>
+            <a:bodyPr rtlCol="0" anchor="ctr"/>
+            <a:lstStyle/>
+            <a:p>
+              <a:pPr algn="ctr"/>
+              <a:r>
+                <a:rPr lang="en-US" sz="1200">
+                  <a:solidFill>
+                    <a:schemeClr val="dk1"/>
+                  </a:solidFill>
+                  <a:latin typeface="Arial Nova Cond" panose="020B0506020202020204" pitchFamily="34" charset="0"/>
+                </a:rPr>
+                <a:t>AzureKeyVaultCryptoProvider</a:t>
+              </a:r>
+            </a:p>
+          </p:txBody>
+        </p:sp>
+        <p:sp>
+          <p:nvSpPr>
+            <p:cNvPr id="24" name="Rectangle 23">
+              <a:extLst>
+                <a:ext uri="{FF2B5EF4-FFF2-40B4-BE49-F238E27FC236}">
+                  <a16:creationId xmlns:a16="http://schemas.microsoft.com/office/drawing/2014/main" id="{2EFF48F8-0259-4C0C-85F0-8774864B07AE}"/>
+                </a:ext>
+              </a:extLst>
+            </p:cNvPr>
+            <p:cNvSpPr/>
+            <p:nvPr/>
+          </p:nvSpPr>
+          <p:spPr>
+            <a:xfrm>
+              <a:off x="4721277" y="4339882"/>
+              <a:ext cx="2238838" cy="1099316"/>
+            </a:xfrm>
+            <a:prstGeom prst="rect">
+              <a:avLst/>
+            </a:prstGeom>
+          </p:spPr>
+          <p:style>
+            <a:lnRef idx="2">
+              <a:schemeClr val="accent1">
+                <a:shade val="50000"/>
+              </a:schemeClr>
+            </a:lnRef>
+            <a:fillRef idx="1">
+              <a:schemeClr val="accent1"/>
+            </a:fillRef>
+            <a:effectRef idx="0">
+              <a:schemeClr val="accent1"/>
+            </a:effectRef>
+            <a:fontRef idx="minor">
+              <a:schemeClr val="lt1"/>
+            </a:fontRef>
+          </p:style>
+          <p:txBody>
+            <a:bodyPr rtlCol="0" anchor="ctr"/>
+            <a:lstStyle/>
+            <a:p>
+              <a:pPr algn="ctr"/>
+              <a:r>
+                <a:rPr lang="en-US" sz="1200" dirty="0" err="1">
+                  <a:latin typeface="Arial Nova Cond" panose="020B0506020202020204" pitchFamily="34" charset="0"/>
+                </a:rPr>
+                <a:t>SecretManagerClient</a:t>
+              </a:r>
+              <a:endParaRPr lang="en-US" sz="1200" dirty="0">
+                <a:latin typeface="Arial Nova Cond" panose="020B0506020202020204" pitchFamily="34" charset="0"/>
+              </a:endParaRPr>
+            </a:p>
+          </p:txBody>
+        </p:sp>
+        <p:cxnSp>
+          <p:nvCxnSpPr>
+            <p:cNvPr id="29" name="Straight Arrow Connector 28">
+              <a:extLst>
+                <a:ext uri="{FF2B5EF4-FFF2-40B4-BE49-F238E27FC236}">
+                  <a16:creationId xmlns:a16="http://schemas.microsoft.com/office/drawing/2014/main" id="{ED3DC314-E595-41EB-A6B4-78217A355FCF}"/>
+                </a:ext>
+              </a:extLst>
+            </p:cNvPr>
+            <p:cNvCxnSpPr>
+              <a:cxnSpLocks/>
+              <a:stCxn id="24" idx="1"/>
+              <a:endCxn id="7" idx="3"/>
+            </p:cNvCxnSpPr>
+            <p:nvPr/>
+          </p:nvCxnSpPr>
+          <p:spPr>
+            <a:xfrm flipH="1" flipV="1">
+              <a:off x="3804997" y="3925864"/>
+              <a:ext cx="916280" cy="963676"/>
+            </a:xfrm>
+            <a:prstGeom prst="straightConnector1">
+              <a:avLst/>
+            </a:prstGeom>
+            <a:ln w="19050">
+              <a:solidFill>
+                <a:schemeClr val="tx1">
+                  <a:lumMod val="65000"/>
+                  <a:lumOff val="35000"/>
+                </a:schemeClr>
+              </a:solidFill>
+              <a:tailEnd type="triangle"/>
+            </a:ln>
+          </p:spPr>
+          <p:style>
+            <a:lnRef idx="1">
+              <a:schemeClr val="accent1"/>
+            </a:lnRef>
+            <a:fillRef idx="0">
+              <a:schemeClr val="accent1"/>
+            </a:fillRef>
+            <a:effectRef idx="0">
+              <a:schemeClr val="accent1"/>
+            </a:effectRef>
+            <a:fontRef idx="minor">
+              <a:schemeClr val="tx1"/>
+            </a:fontRef>
+          </p:style>
+        </p:cxnSp>
+        <p:cxnSp>
+          <p:nvCxnSpPr>
+            <p:cNvPr id="30" name="Straight Arrow Connector 29">
+              <a:extLst>
+                <a:ext uri="{FF2B5EF4-FFF2-40B4-BE49-F238E27FC236}">
+                  <a16:creationId xmlns:a16="http://schemas.microsoft.com/office/drawing/2014/main" id="{4BFC5E48-82D7-4C2F-A147-C91793BB7CB6}"/>
+                </a:ext>
+              </a:extLst>
+            </p:cNvPr>
+            <p:cNvCxnSpPr>
+              <a:cxnSpLocks/>
+              <a:stCxn id="24" idx="1"/>
+              <a:endCxn id="18" idx="3"/>
+            </p:cNvCxnSpPr>
+            <p:nvPr/>
+          </p:nvCxnSpPr>
+          <p:spPr>
+            <a:xfrm flipH="1" flipV="1">
+              <a:off x="3799859" y="4884347"/>
+              <a:ext cx="921418" cy="5193"/>
+            </a:xfrm>
+            <a:prstGeom prst="straightConnector1">
+              <a:avLst/>
+            </a:prstGeom>
+            <a:ln w="19050">
+              <a:solidFill>
+                <a:schemeClr val="tx1">
+                  <a:lumMod val="65000"/>
+                  <a:lumOff val="35000"/>
+                </a:schemeClr>
+              </a:solidFill>
+              <a:tailEnd type="triangle"/>
+            </a:ln>
+          </p:spPr>
+          <p:style>
+            <a:lnRef idx="1">
+              <a:schemeClr val="accent1"/>
+            </a:lnRef>
+            <a:fillRef idx="0">
+              <a:schemeClr val="accent1"/>
+            </a:fillRef>
+            <a:effectRef idx="0">
+              <a:schemeClr val="accent1"/>
+            </a:effectRef>
+            <a:fontRef idx="minor">
+              <a:schemeClr val="tx1"/>
+            </a:fontRef>
+          </p:style>
+        </p:cxnSp>
+        <p:cxnSp>
+          <p:nvCxnSpPr>
+            <p:cNvPr id="31" name="Straight Arrow Connector 30">
+              <a:extLst>
+                <a:ext uri="{FF2B5EF4-FFF2-40B4-BE49-F238E27FC236}">
+                  <a16:creationId xmlns:a16="http://schemas.microsoft.com/office/drawing/2014/main" id="{DA280485-871B-4717-9780-4F72D7263FF4}"/>
+                </a:ext>
+              </a:extLst>
+            </p:cNvPr>
+            <p:cNvCxnSpPr>
+              <a:cxnSpLocks/>
+              <a:stCxn id="24" idx="1"/>
+              <a:endCxn id="19" idx="3"/>
+            </p:cNvCxnSpPr>
+            <p:nvPr/>
+          </p:nvCxnSpPr>
+          <p:spPr>
+            <a:xfrm flipH="1">
+              <a:off x="3799859" y="4889540"/>
+              <a:ext cx="921418" cy="942690"/>
+            </a:xfrm>
+            <a:prstGeom prst="straightConnector1">
+              <a:avLst/>
+            </a:prstGeom>
+            <a:ln w="19050">
+              <a:solidFill>
+                <a:schemeClr val="tx1">
+                  <a:lumMod val="65000"/>
+                  <a:lumOff val="35000"/>
+                </a:schemeClr>
+              </a:solidFill>
+              <a:tailEnd type="triangle"/>
+            </a:ln>
+          </p:spPr>
+          <p:style>
+            <a:lnRef idx="1">
+              <a:schemeClr val="accent1"/>
+            </a:lnRef>
+            <a:fillRef idx="0">
+              <a:schemeClr val="accent1"/>
+            </a:fillRef>
+            <a:effectRef idx="0">
+              <a:schemeClr val="accent1"/>
+            </a:effectRef>
+            <a:fontRef idx="minor">
+              <a:schemeClr val="tx1"/>
+            </a:fontRef>
+          </p:style>
+        </p:cxnSp>
+        <p:sp>
+          <p:nvSpPr>
+            <p:cNvPr id="34" name="TextBox 33">
+              <a:extLst>
+                <a:ext uri="{FF2B5EF4-FFF2-40B4-BE49-F238E27FC236}">
+                  <a16:creationId xmlns:a16="http://schemas.microsoft.com/office/drawing/2014/main" id="{66611839-6498-4F46-9AB1-12395C1B8B68}"/>
+                </a:ext>
+              </a:extLst>
+            </p:cNvPr>
+            <p:cNvSpPr txBox="1"/>
+            <p:nvPr/>
+          </p:nvSpPr>
+          <p:spPr>
+            <a:xfrm>
+              <a:off x="3874258" y="4572620"/>
+              <a:ext cx="541658" cy="338174"/>
+            </a:xfrm>
+            <a:prstGeom prst="rect">
+              <a:avLst/>
+            </a:prstGeom>
+            <a:noFill/>
+          </p:spPr>
+          <p:txBody>
+            <a:bodyPr wrap="none" rtlCol="0">
+              <a:spAutoFit/>
+            </a:bodyPr>
+            <a:lstStyle>
+              <a:defPPr>
+                <a:defRPr lang="en-US"/>
+              </a:defPPr>
+              <a:lvl1pPr>
+                <a:defRPr sz="1200"/>
+              </a:lvl1pPr>
+            </a:lstStyle>
+            <a:p>
+              <a:r>
+                <a:rPr lang="en-US" dirty="0">
+                  <a:latin typeface="Arial Nova Cond" panose="020B0506020202020204" pitchFamily="34" charset="0"/>
+                </a:rPr>
+                <a:t>uses</a:t>
+              </a:r>
+            </a:p>
+          </p:txBody>
+        </p:sp>
+        <p:sp>
+          <p:nvSpPr>
+            <p:cNvPr id="35" name="TextBox 34">
+              <a:extLst>
+                <a:ext uri="{FF2B5EF4-FFF2-40B4-BE49-F238E27FC236}">
+                  <a16:creationId xmlns:a16="http://schemas.microsoft.com/office/drawing/2014/main" id="{B3079C19-D337-4491-9304-23AD33861EB8}"/>
+                </a:ext>
+              </a:extLst>
+            </p:cNvPr>
+            <p:cNvSpPr txBox="1"/>
+            <p:nvPr/>
+          </p:nvSpPr>
+          <p:spPr>
+            <a:xfrm>
+              <a:off x="4145088" y="3991972"/>
+              <a:ext cx="541658" cy="338174"/>
+            </a:xfrm>
+            <a:prstGeom prst="rect">
+              <a:avLst/>
+            </a:prstGeom>
+            <a:noFill/>
+          </p:spPr>
+          <p:txBody>
+            <a:bodyPr wrap="none" rtlCol="0">
+              <a:spAutoFit/>
+            </a:bodyPr>
+            <a:lstStyle/>
+            <a:p>
+              <a:r>
+                <a:rPr lang="en-US" sz="1200" dirty="0">
+                  <a:latin typeface="Arial Nova Cond" panose="020B0506020202020204" pitchFamily="34" charset="0"/>
+                </a:rPr>
+                <a:t>uses</a:t>
+              </a:r>
+            </a:p>
+          </p:txBody>
+        </p:sp>
+        <p:sp>
+          <p:nvSpPr>
+            <p:cNvPr id="36" name="TextBox 35">
+              <a:extLst>
+                <a:ext uri="{FF2B5EF4-FFF2-40B4-BE49-F238E27FC236}">
+                  <a16:creationId xmlns:a16="http://schemas.microsoft.com/office/drawing/2014/main" id="{ED66351E-B304-4A9B-9145-0EA2CBC7F85E}"/>
+                </a:ext>
+              </a:extLst>
+            </p:cNvPr>
+            <p:cNvSpPr txBox="1"/>
+            <p:nvPr/>
+          </p:nvSpPr>
+          <p:spPr>
+            <a:xfrm>
+              <a:off x="5322304" y="3411028"/>
+              <a:ext cx="541658" cy="338174"/>
+            </a:xfrm>
+            <a:prstGeom prst="rect">
+              <a:avLst/>
+            </a:prstGeom>
+            <a:noFill/>
+          </p:spPr>
+          <p:txBody>
+            <a:bodyPr wrap="none" rtlCol="0">
+              <a:spAutoFit/>
+            </a:bodyPr>
+            <a:lstStyle/>
+            <a:p>
+              <a:r>
+                <a:rPr lang="en-US" sz="1200" dirty="0">
+                  <a:latin typeface="Arial Nova Cond" panose="020B0506020202020204" pitchFamily="34" charset="0"/>
+                </a:rPr>
+                <a:t>uses</a:t>
+              </a:r>
+            </a:p>
+          </p:txBody>
+        </p:sp>
+        <p:sp>
+          <p:nvSpPr>
+            <p:cNvPr id="39" name="TextBox 38">
+              <a:extLst>
+                <a:ext uri="{FF2B5EF4-FFF2-40B4-BE49-F238E27FC236}">
+                  <a16:creationId xmlns:a16="http://schemas.microsoft.com/office/drawing/2014/main" id="{BCE69A67-09AA-4906-A208-76D8278FFAB3}"/>
+                </a:ext>
+              </a:extLst>
+            </p:cNvPr>
+            <p:cNvSpPr txBox="1"/>
+            <p:nvPr/>
+          </p:nvSpPr>
+          <p:spPr>
+            <a:xfrm>
+              <a:off x="354051" y="3047742"/>
+              <a:ext cx="2381854" cy="338174"/>
+            </a:xfrm>
+            <a:prstGeom prst="rect">
+              <a:avLst/>
+            </a:prstGeom>
+            <a:noFill/>
+          </p:spPr>
+          <p:txBody>
+            <a:bodyPr wrap="square" rtlCol="0">
+              <a:spAutoFit/>
+            </a:bodyPr>
+            <a:lstStyle/>
+            <a:p>
+              <a:r>
+                <a:rPr lang="en-US" sz="1200" dirty="0" err="1">
+                  <a:latin typeface="Arial Nova Cond" panose="020B0506020202020204" pitchFamily="34" charset="0"/>
+                </a:rPr>
+                <a:t>SecretManager</a:t>
+              </a:r>
+              <a:r>
+                <a:rPr lang="en-US" sz="1200" dirty="0">
+                  <a:latin typeface="Arial Nova Cond" panose="020B0506020202020204" pitchFamily="34" charset="0"/>
+                </a:rPr>
+                <a:t> </a:t>
+              </a:r>
+              <a:r>
+                <a:rPr lang="en-US" sz="1200" dirty="0" err="1">
+                  <a:latin typeface="Arial Nova Cond" panose="020B0506020202020204" pitchFamily="34" charset="0"/>
+                </a:rPr>
+                <a:t>Nuget</a:t>
+              </a:r>
+              <a:endParaRPr lang="en-US" sz="1200" dirty="0">
+                <a:latin typeface="Arial Nova Cond" panose="020B0506020202020204" pitchFamily="34" charset="0"/>
+              </a:endParaRPr>
+            </a:p>
+          </p:txBody>
+        </p:sp>
+        <p:sp>
+          <p:nvSpPr>
+            <p:cNvPr id="42" name="TextBox 41">
+              <a:extLst>
+                <a:ext uri="{FF2B5EF4-FFF2-40B4-BE49-F238E27FC236}">
+                  <a16:creationId xmlns:a16="http://schemas.microsoft.com/office/drawing/2014/main" id="{5D83A095-8066-4B56-A565-E18C2500A805}"/>
+                </a:ext>
+              </a:extLst>
+            </p:cNvPr>
+            <p:cNvSpPr txBox="1"/>
+            <p:nvPr/>
+          </p:nvSpPr>
+          <p:spPr>
+            <a:xfrm>
+              <a:off x="7851251" y="6233648"/>
+              <a:ext cx="1952178" cy="338174"/>
+            </a:xfrm>
+            <a:prstGeom prst="rect">
+              <a:avLst/>
+            </a:prstGeom>
+            <a:noFill/>
+          </p:spPr>
+          <p:txBody>
+            <a:bodyPr wrap="none" rtlCol="0">
+              <a:spAutoFit/>
+            </a:bodyPr>
+            <a:lstStyle/>
+            <a:p>
+              <a:pPr algn="ctr"/>
+              <a:r>
+                <a:rPr lang="en-US" sz="1200" dirty="0">
+                  <a:latin typeface="Arial Nova Cond" panose="020B0506020202020204" pitchFamily="34" charset="0"/>
+                </a:rPr>
+                <a:t>stores encrypted secrets</a:t>
+              </a:r>
+            </a:p>
+          </p:txBody>
+        </p:sp>
+        <p:sp>
+          <p:nvSpPr>
+            <p:cNvPr id="44" name="TextBox 43">
+              <a:extLst>
+                <a:ext uri="{FF2B5EF4-FFF2-40B4-BE49-F238E27FC236}">
+                  <a16:creationId xmlns:a16="http://schemas.microsoft.com/office/drawing/2014/main" id="{40BA5043-53A3-4D24-BE67-7368FCA06321}"/>
+                </a:ext>
+              </a:extLst>
+            </p:cNvPr>
+            <p:cNvSpPr txBox="1"/>
+            <p:nvPr/>
+          </p:nvSpPr>
+          <p:spPr>
+            <a:xfrm>
+              <a:off x="4105219" y="5333483"/>
+              <a:ext cx="541658" cy="338174"/>
+            </a:xfrm>
+            <a:prstGeom prst="rect">
+              <a:avLst/>
+            </a:prstGeom>
+            <a:noFill/>
+          </p:spPr>
+          <p:txBody>
+            <a:bodyPr wrap="none" rtlCol="0">
+              <a:spAutoFit/>
+            </a:bodyPr>
+            <a:lstStyle/>
+            <a:p>
+              <a:r>
+                <a:rPr lang="en-US" sz="1200" dirty="0">
+                  <a:latin typeface="Arial Nova Cond" panose="020B0506020202020204" pitchFamily="34" charset="0"/>
+                </a:rPr>
+                <a:t>uses</a:t>
+              </a:r>
+            </a:p>
+          </p:txBody>
+        </p:sp>
+        <p:cxnSp>
+          <p:nvCxnSpPr>
+            <p:cNvPr id="45" name="Straight Arrow Connector 44">
+              <a:extLst>
+                <a:ext uri="{FF2B5EF4-FFF2-40B4-BE49-F238E27FC236}">
+                  <a16:creationId xmlns:a16="http://schemas.microsoft.com/office/drawing/2014/main" id="{4D1631F7-3F89-4174-829B-7FC9DD901F15}"/>
+                </a:ext>
+              </a:extLst>
+            </p:cNvPr>
+            <p:cNvCxnSpPr>
+              <a:cxnSpLocks/>
+              <a:stCxn id="24" idx="3"/>
+              <a:endCxn id="46" idx="1"/>
+            </p:cNvCxnSpPr>
+            <p:nvPr/>
+          </p:nvCxnSpPr>
+          <p:spPr>
+            <a:xfrm flipV="1">
+              <a:off x="6960115" y="3934365"/>
+              <a:ext cx="928526" cy="955175"/>
+            </a:xfrm>
+            <a:prstGeom prst="straightConnector1">
+              <a:avLst/>
+            </a:prstGeom>
+            <a:ln w="19050">
+              <a:solidFill>
+                <a:schemeClr val="tx1">
+                  <a:lumMod val="65000"/>
+                  <a:lumOff val="35000"/>
+                </a:schemeClr>
+              </a:solidFill>
+              <a:tailEnd type="triangle"/>
+            </a:ln>
+          </p:spPr>
+          <p:style>
+            <a:lnRef idx="1">
+              <a:schemeClr val="accent1"/>
+            </a:lnRef>
+            <a:fillRef idx="0">
+              <a:schemeClr val="accent1"/>
+            </a:fillRef>
+            <a:effectRef idx="0">
+              <a:schemeClr val="accent1"/>
+            </a:effectRef>
+            <a:fontRef idx="minor">
+              <a:schemeClr val="tx1"/>
+            </a:fontRef>
+          </p:style>
+        </p:cxnSp>
+        <p:sp>
+          <p:nvSpPr>
+            <p:cNvPr id="46" name="Rectangle 45">
+              <a:extLst>
+                <a:ext uri="{FF2B5EF4-FFF2-40B4-BE49-F238E27FC236}">
+                  <a16:creationId xmlns:a16="http://schemas.microsoft.com/office/drawing/2014/main" id="{C9110961-6177-4C89-863E-DC7B30BDC55D}"/>
+                </a:ext>
+              </a:extLst>
+            </p:cNvPr>
+            <p:cNvSpPr/>
+            <p:nvPr/>
+          </p:nvSpPr>
+          <p:spPr>
+            <a:xfrm>
+              <a:off x="7888641" y="3548488"/>
+              <a:ext cx="1963851" cy="771753"/>
+            </a:xfrm>
+            <a:prstGeom prst="rect">
+              <a:avLst/>
+            </a:prstGeom>
+            <a:solidFill>
+              <a:schemeClr val="accent6">
+                <a:lumMod val="20000"/>
+                <a:lumOff val="80000"/>
+              </a:schemeClr>
+            </a:solidFill>
+          </p:spPr>
+          <p:style>
+            <a:lnRef idx="2">
+              <a:schemeClr val="accent1"/>
+            </a:lnRef>
+            <a:fillRef idx="1">
+              <a:schemeClr val="lt1"/>
+            </a:fillRef>
+            <a:effectRef idx="0">
+              <a:schemeClr val="accent1"/>
+            </a:effectRef>
+            <a:fontRef idx="minor">
+              <a:schemeClr val="dk1"/>
+            </a:fontRef>
+          </p:style>
+          <p:txBody>
+            <a:bodyPr rtlCol="0" anchor="ctr"/>
+            <a:lstStyle/>
+            <a:p>
+              <a:pPr algn="ctr"/>
+              <a:r>
+                <a:rPr lang="en-US" sz="1200" err="1">
+                  <a:solidFill>
+                    <a:schemeClr val="dk1"/>
+                  </a:solidFill>
+                  <a:latin typeface="Arial Nova Cond" panose="020B0506020202020204" pitchFamily="34" charset="0"/>
+                </a:rPr>
+                <a:t>RemoteSecretStore</a:t>
+              </a:r>
+              <a:endParaRPr lang="en-US" sz="1200">
+                <a:solidFill>
+                  <a:schemeClr val="dk1"/>
+                </a:solidFill>
+                <a:latin typeface="Arial Nova Cond" panose="020B0506020202020204" pitchFamily="34" charset="0"/>
+              </a:endParaRPr>
+            </a:p>
+          </p:txBody>
+        </p:sp>
+        <p:sp>
+          <p:nvSpPr>
+            <p:cNvPr id="47" name="Rectangle 46">
+              <a:extLst>
+                <a:ext uri="{FF2B5EF4-FFF2-40B4-BE49-F238E27FC236}">
+                  <a16:creationId xmlns:a16="http://schemas.microsoft.com/office/drawing/2014/main" id="{253B2C51-89DF-41A7-92CB-427339DBFCF4}"/>
+                </a:ext>
+              </a:extLst>
+            </p:cNvPr>
+            <p:cNvSpPr/>
+            <p:nvPr/>
+          </p:nvSpPr>
+          <p:spPr>
+            <a:xfrm>
+              <a:off x="7883503" y="4506971"/>
+              <a:ext cx="1963851" cy="771753"/>
+            </a:xfrm>
+            <a:prstGeom prst="rect">
+              <a:avLst/>
+            </a:prstGeom>
+            <a:solidFill>
+              <a:schemeClr val="accent6">
+                <a:lumMod val="20000"/>
+                <a:lumOff val="80000"/>
+              </a:schemeClr>
+            </a:solidFill>
+          </p:spPr>
+          <p:style>
+            <a:lnRef idx="2">
+              <a:schemeClr val="accent1"/>
+            </a:lnRef>
+            <a:fillRef idx="1">
+              <a:schemeClr val="lt1"/>
+            </a:fillRef>
+            <a:effectRef idx="0">
+              <a:schemeClr val="accent1"/>
+            </a:effectRef>
+            <a:fontRef idx="minor">
+              <a:schemeClr val="dk1"/>
+            </a:fontRef>
+          </p:style>
+          <p:txBody>
+            <a:bodyPr rtlCol="0" anchor="ctr"/>
+            <a:lstStyle/>
+            <a:p>
+              <a:pPr algn="ctr"/>
+              <a:r>
+                <a:rPr lang="en-US" sz="1200" err="1">
+                  <a:solidFill>
+                    <a:schemeClr val="dk1"/>
+                  </a:solidFill>
+                  <a:latin typeface="Arial Nova Cond" panose="020B0506020202020204" pitchFamily="34" charset="0"/>
+                </a:rPr>
+                <a:t>FileSecretStore</a:t>
+              </a:r>
+              <a:endParaRPr lang="en-US" sz="1200">
+                <a:solidFill>
+                  <a:schemeClr val="dk1"/>
+                </a:solidFill>
+                <a:latin typeface="Arial Nova Cond" panose="020B0506020202020204" pitchFamily="34" charset="0"/>
+              </a:endParaRPr>
+            </a:p>
+          </p:txBody>
+        </p:sp>
+        <p:sp>
+          <p:nvSpPr>
+            <p:cNvPr id="48" name="Rectangle 47">
+              <a:extLst>
+                <a:ext uri="{FF2B5EF4-FFF2-40B4-BE49-F238E27FC236}">
+                  <a16:creationId xmlns:a16="http://schemas.microsoft.com/office/drawing/2014/main" id="{46C07302-B6A3-4F9E-A694-8CEAA2A1A13F}"/>
+                </a:ext>
+              </a:extLst>
+            </p:cNvPr>
+            <p:cNvSpPr/>
+            <p:nvPr/>
+          </p:nvSpPr>
+          <p:spPr>
+            <a:xfrm>
+              <a:off x="7883503" y="5454854"/>
+              <a:ext cx="1963851" cy="771753"/>
+            </a:xfrm>
+            <a:prstGeom prst="rect">
+              <a:avLst/>
+            </a:prstGeom>
+            <a:solidFill>
+              <a:schemeClr val="accent6">
+                <a:lumMod val="20000"/>
+                <a:lumOff val="80000"/>
+              </a:schemeClr>
+            </a:solidFill>
+          </p:spPr>
+          <p:style>
+            <a:lnRef idx="2">
+              <a:schemeClr val="accent1"/>
+            </a:lnRef>
+            <a:fillRef idx="1">
+              <a:schemeClr val="lt1"/>
+            </a:fillRef>
+            <a:effectRef idx="0">
+              <a:schemeClr val="accent1"/>
+            </a:effectRef>
+            <a:fontRef idx="minor">
+              <a:schemeClr val="dk1"/>
+            </a:fontRef>
+          </p:style>
+          <p:txBody>
+            <a:bodyPr rtlCol="0" anchor="ctr"/>
+            <a:lstStyle/>
+            <a:p>
+              <a:pPr algn="ctr"/>
+              <a:r>
+                <a:rPr lang="en-US" sz="1200" err="1">
+                  <a:solidFill>
+                    <a:schemeClr val="dk1"/>
+                  </a:solidFill>
+                  <a:latin typeface="Arial Nova Cond" panose="020B0506020202020204" pitchFamily="34" charset="0"/>
+                </a:rPr>
+                <a:t>InMemorySecretStore</a:t>
+              </a:r>
+              <a:endParaRPr lang="en-US" sz="1200">
+                <a:solidFill>
+                  <a:schemeClr val="dk1"/>
+                </a:solidFill>
+                <a:latin typeface="Arial Nova Cond" panose="020B0506020202020204" pitchFamily="34" charset="0"/>
+              </a:endParaRPr>
+            </a:p>
+          </p:txBody>
+        </p:sp>
+        <p:cxnSp>
+          <p:nvCxnSpPr>
+            <p:cNvPr id="53" name="Straight Arrow Connector 52">
+              <a:extLst>
+                <a:ext uri="{FF2B5EF4-FFF2-40B4-BE49-F238E27FC236}">
+                  <a16:creationId xmlns:a16="http://schemas.microsoft.com/office/drawing/2014/main" id="{4EAAADBD-3E31-483D-BA54-594106561DAD}"/>
+                </a:ext>
+              </a:extLst>
+            </p:cNvPr>
+            <p:cNvCxnSpPr>
+              <a:cxnSpLocks/>
+              <a:stCxn id="24" idx="3"/>
+              <a:endCxn id="48" idx="1"/>
+            </p:cNvCxnSpPr>
+            <p:nvPr/>
+          </p:nvCxnSpPr>
+          <p:spPr>
+            <a:xfrm>
+              <a:off x="6960115" y="4889540"/>
+              <a:ext cx="923388" cy="951191"/>
+            </a:xfrm>
+            <a:prstGeom prst="straightConnector1">
+              <a:avLst/>
+            </a:prstGeom>
+            <a:ln w="19050">
+              <a:solidFill>
+                <a:schemeClr val="tx1">
+                  <a:lumMod val="65000"/>
+                  <a:lumOff val="35000"/>
+                </a:schemeClr>
+              </a:solidFill>
+              <a:tailEnd type="triangle"/>
+            </a:ln>
+          </p:spPr>
+          <p:style>
+            <a:lnRef idx="1">
+              <a:schemeClr val="accent1"/>
+            </a:lnRef>
+            <a:fillRef idx="0">
+              <a:schemeClr val="accent1"/>
+            </a:fillRef>
+            <a:effectRef idx="0">
+              <a:schemeClr val="accent1"/>
+            </a:effectRef>
+            <a:fontRef idx="minor">
+              <a:schemeClr val="tx1"/>
+            </a:fontRef>
+          </p:style>
+        </p:cxnSp>
+        <p:cxnSp>
+          <p:nvCxnSpPr>
+            <p:cNvPr id="55" name="Straight Arrow Connector 54">
+              <a:extLst>
+                <a:ext uri="{FF2B5EF4-FFF2-40B4-BE49-F238E27FC236}">
+                  <a16:creationId xmlns:a16="http://schemas.microsoft.com/office/drawing/2014/main" id="{2BF17B72-9E20-483C-BE3F-9722172B1864}"/>
+                </a:ext>
+              </a:extLst>
+            </p:cNvPr>
+            <p:cNvCxnSpPr>
+              <a:cxnSpLocks/>
+              <a:stCxn id="24" idx="3"/>
+              <a:endCxn id="47" idx="1"/>
+            </p:cNvCxnSpPr>
+            <p:nvPr/>
+          </p:nvCxnSpPr>
+          <p:spPr>
+            <a:xfrm>
+              <a:off x="6960115" y="4889540"/>
+              <a:ext cx="923388" cy="3308"/>
+            </a:xfrm>
+            <a:prstGeom prst="straightConnector1">
+              <a:avLst/>
+            </a:prstGeom>
+            <a:ln w="19050">
+              <a:solidFill>
+                <a:schemeClr val="tx1">
+                  <a:lumMod val="65000"/>
+                  <a:lumOff val="35000"/>
+                </a:schemeClr>
+              </a:solidFill>
+              <a:tailEnd type="triangle"/>
+            </a:ln>
+          </p:spPr>
+          <p:style>
+            <a:lnRef idx="1">
+              <a:schemeClr val="accent1"/>
+            </a:lnRef>
+            <a:fillRef idx="0">
+              <a:schemeClr val="accent1"/>
+            </a:fillRef>
+            <a:effectRef idx="0">
+              <a:schemeClr val="accent1"/>
+            </a:effectRef>
+            <a:fontRef idx="minor">
+              <a:schemeClr val="tx1"/>
+            </a:fontRef>
+          </p:style>
+        </p:cxnSp>
+        <p:sp>
+          <p:nvSpPr>
+            <p:cNvPr id="56" name="TextBox 55">
+              <a:extLst>
+                <a:ext uri="{FF2B5EF4-FFF2-40B4-BE49-F238E27FC236}">
+                  <a16:creationId xmlns:a16="http://schemas.microsoft.com/office/drawing/2014/main" id="{5EC6C0C5-2D3B-49BC-8323-BB736919F701}"/>
+                </a:ext>
+              </a:extLst>
+            </p:cNvPr>
+            <p:cNvSpPr txBox="1"/>
+            <p:nvPr/>
+          </p:nvSpPr>
+          <p:spPr>
+            <a:xfrm>
+              <a:off x="7293186" y="4599398"/>
+              <a:ext cx="541658" cy="338174"/>
+            </a:xfrm>
+            <a:prstGeom prst="rect">
+              <a:avLst/>
+            </a:prstGeom>
+            <a:noFill/>
+          </p:spPr>
+          <p:txBody>
+            <a:bodyPr wrap="none" rtlCol="0">
+              <a:spAutoFit/>
+            </a:bodyPr>
+            <a:lstStyle/>
+            <a:p>
+              <a:r>
+                <a:rPr lang="en-US" sz="1200" dirty="0">
+                  <a:latin typeface="Arial Nova Cond" panose="020B0506020202020204" pitchFamily="34" charset="0"/>
+                </a:rPr>
+                <a:t>uses</a:t>
+              </a:r>
+            </a:p>
+          </p:txBody>
+        </p:sp>
+        <p:sp>
+          <p:nvSpPr>
+            <p:cNvPr id="57" name="TextBox 56">
+              <a:extLst>
+                <a:ext uri="{FF2B5EF4-FFF2-40B4-BE49-F238E27FC236}">
+                  <a16:creationId xmlns:a16="http://schemas.microsoft.com/office/drawing/2014/main" id="{ED6CFE3C-8A93-49D9-8BE8-3097905CA8FA}"/>
+                </a:ext>
+              </a:extLst>
+            </p:cNvPr>
+            <p:cNvSpPr txBox="1"/>
+            <p:nvPr/>
+          </p:nvSpPr>
+          <p:spPr>
+            <a:xfrm>
+              <a:off x="7034514" y="4011187"/>
+              <a:ext cx="541658" cy="338174"/>
+            </a:xfrm>
+            <a:prstGeom prst="rect">
+              <a:avLst/>
+            </a:prstGeom>
+            <a:noFill/>
+          </p:spPr>
+          <p:txBody>
+            <a:bodyPr wrap="none" rtlCol="0">
+              <a:spAutoFit/>
+            </a:bodyPr>
+            <a:lstStyle/>
+            <a:p>
+              <a:r>
+                <a:rPr lang="en-US" sz="1200" dirty="0">
+                  <a:latin typeface="Arial Nova Cond" panose="020B0506020202020204" pitchFamily="34" charset="0"/>
+                </a:rPr>
+                <a:t>uses</a:t>
+              </a:r>
+            </a:p>
+          </p:txBody>
+        </p:sp>
+        <p:sp>
+          <p:nvSpPr>
+            <p:cNvPr id="58" name="TextBox 57">
+              <a:extLst>
+                <a:ext uri="{FF2B5EF4-FFF2-40B4-BE49-F238E27FC236}">
+                  <a16:creationId xmlns:a16="http://schemas.microsoft.com/office/drawing/2014/main" id="{10F82517-9857-41E2-A67D-3C336F002D6A}"/>
+                </a:ext>
+              </a:extLst>
+            </p:cNvPr>
+            <p:cNvSpPr txBox="1"/>
+            <p:nvPr/>
+          </p:nvSpPr>
+          <p:spPr>
+            <a:xfrm>
+              <a:off x="7015718" y="5355832"/>
+              <a:ext cx="541658" cy="338174"/>
+            </a:xfrm>
+            <a:prstGeom prst="rect">
+              <a:avLst/>
+            </a:prstGeom>
+            <a:noFill/>
+          </p:spPr>
+          <p:txBody>
+            <a:bodyPr wrap="none" rtlCol="0">
+              <a:spAutoFit/>
+            </a:bodyPr>
+            <a:lstStyle/>
+            <a:p>
+              <a:r>
+                <a:rPr lang="en-US" sz="1200">
+                  <a:latin typeface="Arial Nova Cond" panose="020B0506020202020204" pitchFamily="34" charset="0"/>
+                </a:rPr>
+                <a:t>uses</a:t>
+              </a:r>
+            </a:p>
+          </p:txBody>
+        </p:sp>
+        <p:sp>
+          <p:nvSpPr>
+            <p:cNvPr id="59" name="Cylinder 58">
+              <a:extLst>
+                <a:ext uri="{FF2B5EF4-FFF2-40B4-BE49-F238E27FC236}">
+                  <a16:creationId xmlns:a16="http://schemas.microsoft.com/office/drawing/2014/main" id="{E5B6A02C-84BF-4D20-98C4-BED9ADC8595C}"/>
+                </a:ext>
+              </a:extLst>
+            </p:cNvPr>
+            <p:cNvSpPr/>
+            <p:nvPr/>
+          </p:nvSpPr>
+          <p:spPr>
+            <a:xfrm>
+              <a:off x="10706123" y="4499201"/>
+              <a:ext cx="810135" cy="794849"/>
+            </a:xfrm>
+            <a:prstGeom prst="can">
+              <a:avLst/>
+            </a:prstGeom>
+          </p:spPr>
+          <p:style>
+            <a:lnRef idx="2">
+              <a:schemeClr val="accent1"/>
+            </a:lnRef>
+            <a:fillRef idx="1">
+              <a:schemeClr val="lt1"/>
+            </a:fillRef>
+            <a:effectRef idx="0">
+              <a:schemeClr val="accent1"/>
+            </a:effectRef>
+            <a:fontRef idx="minor">
+              <a:schemeClr val="dk1"/>
+            </a:fontRef>
+          </p:style>
+          <p:txBody>
+            <a:bodyPr rtlCol="0" anchor="ctr"/>
+            <a:lstStyle/>
+            <a:p>
+              <a:pPr algn="ctr"/>
+              <a:r>
+                <a:rPr lang="en-US" sz="1200" dirty="0">
+                  <a:solidFill>
+                    <a:schemeClr val="dk1"/>
+                  </a:solidFill>
+                  <a:latin typeface="Arial Nova Cond" panose="020B0506020202020204" pitchFamily="34" charset="0"/>
+                </a:rPr>
+                <a:t>File</a:t>
+              </a:r>
+              <a:br>
+                <a:rPr lang="en-US" sz="1200" dirty="0">
+                  <a:solidFill>
+                    <a:schemeClr val="dk1"/>
+                  </a:solidFill>
+                  <a:latin typeface="Arial Nova Cond" panose="020B0506020202020204" pitchFamily="34" charset="0"/>
+                </a:rPr>
+              </a:br>
+              <a:r>
+                <a:rPr lang="en-US" sz="1200" dirty="0">
+                  <a:solidFill>
+                    <a:schemeClr val="dk1"/>
+                  </a:solidFill>
+                  <a:latin typeface="Arial Nova Cond" panose="020B0506020202020204" pitchFamily="34" charset="0"/>
+                </a:rPr>
+                <a:t>System</a:t>
+              </a:r>
+            </a:p>
+          </p:txBody>
+        </p:sp>
+        <p:cxnSp>
+          <p:nvCxnSpPr>
+            <p:cNvPr id="60" name="Straight Arrow Connector 59">
+              <a:extLst>
+                <a:ext uri="{FF2B5EF4-FFF2-40B4-BE49-F238E27FC236}">
+                  <a16:creationId xmlns:a16="http://schemas.microsoft.com/office/drawing/2014/main" id="{BDA68427-E302-4655-9E29-31DAF6D25098}"/>
+                </a:ext>
+              </a:extLst>
+            </p:cNvPr>
+            <p:cNvCxnSpPr>
+              <a:cxnSpLocks/>
+              <a:stCxn id="47" idx="3"/>
+              <a:endCxn id="59" idx="2"/>
+            </p:cNvCxnSpPr>
+            <p:nvPr/>
+          </p:nvCxnSpPr>
+          <p:spPr>
+            <a:xfrm>
+              <a:off x="9847354" y="4892848"/>
+              <a:ext cx="858769" cy="3778"/>
+            </a:xfrm>
+            <a:prstGeom prst="straightConnector1">
+              <a:avLst/>
+            </a:prstGeom>
+            <a:ln w="19050">
+              <a:solidFill>
+                <a:schemeClr val="tx1">
+                  <a:lumMod val="65000"/>
+                  <a:lumOff val="35000"/>
+                </a:schemeClr>
+              </a:solidFill>
+              <a:tailEnd type="triangle"/>
+            </a:ln>
+          </p:spPr>
+          <p:style>
+            <a:lnRef idx="1">
+              <a:schemeClr val="accent1"/>
+            </a:lnRef>
+            <a:fillRef idx="0">
+              <a:schemeClr val="accent1"/>
+            </a:fillRef>
+            <a:effectRef idx="0">
+              <a:schemeClr val="accent1"/>
+            </a:effectRef>
+            <a:fontRef idx="minor">
+              <a:schemeClr val="tx1"/>
+            </a:fontRef>
+          </p:style>
+        </p:cxnSp>
+        <p:sp>
+          <p:nvSpPr>
+            <p:cNvPr id="61" name="TextBox 60">
+              <a:extLst>
+                <a:ext uri="{FF2B5EF4-FFF2-40B4-BE49-F238E27FC236}">
+                  <a16:creationId xmlns:a16="http://schemas.microsoft.com/office/drawing/2014/main" id="{F8810AE9-4A8C-497C-AF82-0C54CCF46553}"/>
+                </a:ext>
+              </a:extLst>
+            </p:cNvPr>
+            <p:cNvSpPr txBox="1"/>
+            <p:nvPr/>
+          </p:nvSpPr>
+          <p:spPr>
+            <a:xfrm>
+              <a:off x="1478699" y="6255652"/>
+              <a:ext cx="1872789" cy="338174"/>
+            </a:xfrm>
+            <a:prstGeom prst="rect">
+              <a:avLst/>
+            </a:prstGeom>
+            <a:noFill/>
+          </p:spPr>
+          <p:txBody>
+            <a:bodyPr wrap="none" rtlCol="0">
+              <a:spAutoFit/>
+            </a:bodyPr>
+            <a:lstStyle/>
+            <a:p>
+              <a:pPr algn="ctr"/>
+              <a:r>
+                <a:rPr lang="en-US" sz="1200" dirty="0">
+                  <a:latin typeface="Arial Nova Cond" panose="020B0506020202020204" pitchFamily="34" charset="0"/>
+                </a:rPr>
+                <a:t>encrypt/decrypt secrets</a:t>
+              </a:r>
+            </a:p>
+          </p:txBody>
+        </p:sp>
+      </p:grpSp>
+      <p:cxnSp>
+        <p:nvCxnSpPr>
+          <p:cNvPr id="66" name="Straight Arrow Connector 65">
+            <a:extLst>
+              <a:ext uri="{FF2B5EF4-FFF2-40B4-BE49-F238E27FC236}">
+                <a16:creationId xmlns:a16="http://schemas.microsoft.com/office/drawing/2014/main" id="{D6D2E9B0-B05D-4F23-A971-9D7858293162}"/>
+              </a:ext>
+            </a:extLst>
+          </p:cNvPr>
+          <p:cNvCxnSpPr>
+            <a:cxnSpLocks/>
+          </p:cNvCxnSpPr>
+          <p:nvPr/>
+        </p:nvCxnSpPr>
+        <p:spPr>
+          <a:xfrm>
+            <a:off x="5257821" y="584547"/>
+            <a:ext cx="838179" cy="1"/>
+          </a:xfrm>
+          <a:prstGeom prst="straightConnector1">
+            <a:avLst/>
+          </a:prstGeom>
+          <a:ln w="19050">
+            <a:solidFill>
+              <a:schemeClr val="tx1">
+                <a:lumMod val="65000"/>
+                <a:lumOff val="35000"/>
+              </a:schemeClr>
+            </a:solidFill>
+            <a:headEnd type="triangle" w="med" len="med"/>
+            <a:tailEnd type="triangle" w="med" len="med"/>
+          </a:ln>
+        </p:spPr>
+        <p:style>
+          <a:lnRef idx="1">
+            <a:schemeClr val="accent1"/>
+          </a:lnRef>
+          <a:fillRef idx="0">
+            <a:schemeClr val="accent1"/>
+          </a:fillRef>
+          <a:effectRef idx="0">
+            <a:schemeClr val="accent1"/>
+          </a:effectRef>
+          <a:fontRef idx="minor">
+            <a:schemeClr val="tx1"/>
+          </a:fontRef>
+        </p:style>
+      </p:cxnSp>
+      <p:sp>
+        <p:nvSpPr>
+          <p:cNvPr id="100" name="Rectangle 99">
+            <a:extLst>
+              <a:ext uri="{FF2B5EF4-FFF2-40B4-BE49-F238E27FC236}">
+                <a16:creationId xmlns:a16="http://schemas.microsoft.com/office/drawing/2014/main" id="{145E5ABA-DE58-4122-B719-5D8B82D0B491}"/>
+              </a:ext>
+            </a:extLst>
+          </p:cNvPr>
+          <p:cNvSpPr/>
+          <p:nvPr/>
+        </p:nvSpPr>
+        <p:spPr>
+          <a:xfrm>
+            <a:off x="2051878" y="1973177"/>
+            <a:ext cx="8748564" cy="742148"/>
+          </a:xfrm>
+          <a:prstGeom prst="rect">
+            <a:avLst/>
+          </a:prstGeom>
+        </p:spPr>
+        <p:style>
+          <a:lnRef idx="2">
+            <a:schemeClr val="accent1"/>
+          </a:lnRef>
+          <a:fillRef idx="1">
+            <a:schemeClr val="lt1"/>
+          </a:fillRef>
+          <a:effectRef idx="0">
+            <a:schemeClr val="accent1"/>
+          </a:effectRef>
+          <a:fontRef idx="minor">
+            <a:schemeClr val="dk1"/>
+          </a:fontRef>
+        </p:style>
+        <p:txBody>
+          <a:bodyPr rtlCol="0" anchor="ctr"/>
+          <a:lstStyle/>
+          <a:p>
+            <a:pPr algn="ctr"/>
+            <a:r>
+              <a:rPr lang="en-US" sz="1600" dirty="0">
+                <a:latin typeface="Arial Nova Cond" panose="020B0506020202020204" pitchFamily="34" charset="0"/>
+              </a:rPr>
+              <a:t>your application consuming the secrets</a:t>
+            </a:r>
+          </a:p>
+          <a:p>
+            <a:pPr algn="ctr"/>
+            <a:r>
+              <a:rPr lang="en-US" sz="1200" dirty="0">
+                <a:latin typeface="Arial Nova Cond" panose="020B0506020202020204" pitchFamily="34" charset="0"/>
+              </a:rPr>
+              <a:t>(IoT Edge module, host-level application, …)</a:t>
+            </a:r>
+            <a:endParaRPr lang="en-US" dirty="0">
+              <a:latin typeface="Arial Nova Cond" panose="020B0506020202020204" pitchFamily="34" charset="0"/>
+            </a:endParaRPr>
+          </a:p>
+        </p:txBody>
+      </p:sp>
+      <p:cxnSp>
+        <p:nvCxnSpPr>
+          <p:cNvPr id="106" name="Straight Arrow Connector 105">
+            <a:extLst>
+              <a:ext uri="{FF2B5EF4-FFF2-40B4-BE49-F238E27FC236}">
+                <a16:creationId xmlns:a16="http://schemas.microsoft.com/office/drawing/2014/main" id="{11135C26-54E3-4740-80D8-786545330F6F}"/>
+              </a:ext>
+            </a:extLst>
+          </p:cNvPr>
+          <p:cNvCxnSpPr>
+            <a:cxnSpLocks/>
+            <a:endCxn id="24" idx="0"/>
+          </p:cNvCxnSpPr>
+          <p:nvPr/>
+        </p:nvCxnSpPr>
+        <p:spPr>
+          <a:xfrm>
+            <a:off x="6819324" y="2715325"/>
+            <a:ext cx="9596" cy="1806991"/>
+          </a:xfrm>
+          <a:prstGeom prst="straightConnector1">
+            <a:avLst/>
+          </a:prstGeom>
+          <a:ln w="19050">
+            <a:solidFill>
+              <a:schemeClr val="tx1">
+                <a:lumMod val="65000"/>
+                <a:lumOff val="35000"/>
+              </a:schemeClr>
+            </a:solidFill>
+            <a:headEnd type="triangle" w="med" len="med"/>
+            <a:tailEnd type="triangle" w="med" len="med"/>
+          </a:ln>
+        </p:spPr>
+        <p:style>
+          <a:lnRef idx="1">
+            <a:schemeClr val="accent1"/>
+          </a:lnRef>
+          <a:fillRef idx="0">
+            <a:schemeClr val="accent1"/>
+          </a:fillRef>
+          <a:effectRef idx="0">
+            <a:schemeClr val="accent1"/>
+          </a:effectRef>
+          <a:fontRef idx="minor">
+            <a:schemeClr val="tx1"/>
+          </a:fontRef>
+        </p:style>
+      </p:cxnSp>
+      <p:pic>
+        <p:nvPicPr>
+          <p:cNvPr id="114" name="Picture 2" descr="See the source image">
+            <a:extLst>
+              <a:ext uri="{FF2B5EF4-FFF2-40B4-BE49-F238E27FC236}">
+                <a16:creationId xmlns:a16="http://schemas.microsoft.com/office/drawing/2014/main" id="{20ADA1AE-366D-433C-893B-98864B38BA6C}"/>
+              </a:ext>
+            </a:extLst>
+          </p:cNvPr>
+          <p:cNvPicPr>
+            <a:picLocks noChangeAspect="1" noChangeArrowheads="1"/>
+          </p:cNvPicPr>
+          <p:nvPr/>
+        </p:nvPicPr>
+        <p:blipFill rotWithShape="1">
+          <a:blip r:embed="rId4">
+            <a:extLst>
+              <a:ext uri="{28A0092B-C50C-407E-A947-70E740481C1C}">
+                <a14:useLocalDpi xmlns:a14="http://schemas.microsoft.com/office/drawing/2010/main" val="0"/>
+              </a:ext>
+            </a:extLst>
+          </a:blip>
+          <a:srcRect l="23418" t="10038" r="25450" b="10287"/>
+          <a:stretch/>
+        </p:blipFill>
+        <p:spPr bwMode="auto">
+          <a:xfrm>
+            <a:off x="1057556" y="4775154"/>
+            <a:ext cx="377684" cy="400194"/>
+          </a:xfrm>
+          <a:prstGeom prst="rect">
+            <a:avLst/>
+          </a:prstGeom>
+          <a:noFill/>
+          <a:extLst>
+            <a:ext uri="{909E8E84-426E-40DD-AFC4-6F175D3DCCD1}">
+              <a14:hiddenFill xmlns:a14="http://schemas.microsoft.com/office/drawing/2010/main">
+                <a:solidFill>
+                  <a:srgbClr val="FFFFFF"/>
+                </a:solidFill>
+              </a14:hiddenFill>
+            </a:ext>
+          </a:extLst>
+        </p:spPr>
+      </p:pic>
+      <p:sp>
+        <p:nvSpPr>
+          <p:cNvPr id="132" name="TextBox 131">
+            <a:extLst>
+              <a:ext uri="{FF2B5EF4-FFF2-40B4-BE49-F238E27FC236}">
+                <a16:creationId xmlns:a16="http://schemas.microsoft.com/office/drawing/2014/main" id="{80B08FFC-D9C3-447B-A632-4E8BF6DD536E}"/>
+              </a:ext>
+            </a:extLst>
+          </p:cNvPr>
+          <p:cNvSpPr txBox="1"/>
+          <p:nvPr/>
+        </p:nvSpPr>
+        <p:spPr>
+          <a:xfrm>
+            <a:off x="-351648" y="4775976"/>
+            <a:ext cx="1459125" cy="430887"/>
+          </a:xfrm>
+          <a:prstGeom prst="rect">
+            <a:avLst/>
+          </a:prstGeom>
+          <a:noFill/>
+        </p:spPr>
+        <p:txBody>
+          <a:bodyPr wrap="square">
+            <a:spAutoFit/>
+          </a:bodyPr>
+          <a:lstStyle/>
+          <a:p>
+            <a:pPr algn="r"/>
+            <a:r>
+              <a:rPr lang="en-US" sz="1100" dirty="0">
+                <a:solidFill>
+                  <a:schemeClr val="dk1"/>
+                </a:solidFill>
+                <a:latin typeface="Arial Nova Cond" panose="020B0506020202020204" pitchFamily="34" charset="0"/>
+              </a:rPr>
+              <a:t>Azure IoT Edge </a:t>
+            </a:r>
+            <a:br>
+              <a:rPr lang="en-US" sz="1100" dirty="0">
+                <a:solidFill>
+                  <a:schemeClr val="dk1"/>
+                </a:solidFill>
+                <a:latin typeface="Arial Nova Cond" panose="020B0506020202020204" pitchFamily="34" charset="0"/>
+              </a:rPr>
+            </a:br>
+            <a:r>
+              <a:rPr lang="en-US" sz="1100" dirty="0">
+                <a:solidFill>
+                  <a:schemeClr val="dk1"/>
+                </a:solidFill>
+                <a:latin typeface="Arial Nova Cond" panose="020B0506020202020204" pitchFamily="34" charset="0"/>
+              </a:rPr>
+              <a:t>1.1+</a:t>
+            </a:r>
+          </a:p>
+        </p:txBody>
+      </p:sp>
+      <p:cxnSp>
+        <p:nvCxnSpPr>
+          <p:cNvPr id="119" name="Straight Arrow Connector 118">
+            <a:extLst>
+              <a:ext uri="{FF2B5EF4-FFF2-40B4-BE49-F238E27FC236}">
+                <a16:creationId xmlns:a16="http://schemas.microsoft.com/office/drawing/2014/main" id="{96283CB0-C72F-4E42-B8AC-2FFDAB4D01B3}"/>
+              </a:ext>
+            </a:extLst>
+          </p:cNvPr>
+          <p:cNvCxnSpPr>
+            <a:cxnSpLocks/>
+            <a:stCxn id="18" idx="1"/>
+          </p:cNvCxnSpPr>
+          <p:nvPr/>
+        </p:nvCxnSpPr>
+        <p:spPr>
+          <a:xfrm flipH="1">
+            <a:off x="1649032" y="4968288"/>
+            <a:ext cx="1064011" cy="0"/>
+          </a:xfrm>
+          <a:prstGeom prst="straightConnector1">
+            <a:avLst/>
+          </a:prstGeom>
+          <a:ln w="19050">
+            <a:solidFill>
+              <a:schemeClr val="tx1">
+                <a:lumMod val="65000"/>
+                <a:lumOff val="35000"/>
+              </a:schemeClr>
+            </a:solidFill>
+            <a:tailEnd type="triangle"/>
+          </a:ln>
+        </p:spPr>
+        <p:style>
+          <a:lnRef idx="1">
+            <a:schemeClr val="accent1"/>
+          </a:lnRef>
+          <a:fillRef idx="0">
+            <a:schemeClr val="accent1"/>
+          </a:fillRef>
+          <a:effectRef idx="0">
+            <a:schemeClr val="accent1"/>
+          </a:effectRef>
+          <a:fontRef idx="minor">
+            <a:schemeClr val="tx1"/>
+          </a:fontRef>
+        </p:style>
+      </p:cxnSp>
+      <p:sp>
+        <p:nvSpPr>
+          <p:cNvPr id="122" name="TextBox 121">
+            <a:extLst>
+              <a:ext uri="{FF2B5EF4-FFF2-40B4-BE49-F238E27FC236}">
+                <a16:creationId xmlns:a16="http://schemas.microsoft.com/office/drawing/2014/main" id="{6177AD9C-3286-445E-A3BF-5A0E9BFA70BA}"/>
+              </a:ext>
+            </a:extLst>
+          </p:cNvPr>
+          <p:cNvSpPr txBox="1"/>
+          <p:nvPr/>
+        </p:nvSpPr>
+        <p:spPr>
+          <a:xfrm>
+            <a:off x="2074141" y="4734886"/>
+            <a:ext cx="471604" cy="276999"/>
+          </a:xfrm>
+          <a:prstGeom prst="rect">
+            <a:avLst/>
+          </a:prstGeom>
+          <a:noFill/>
+        </p:spPr>
+        <p:txBody>
+          <a:bodyPr wrap="none" rtlCol="0">
+            <a:spAutoFit/>
+          </a:bodyPr>
+          <a:lstStyle/>
+          <a:p>
+            <a:r>
+              <a:rPr lang="en-US" sz="1200" dirty="0">
+                <a:latin typeface="Arial Nova Cond" panose="020B0506020202020204" pitchFamily="34" charset="0"/>
+              </a:rPr>
+              <a:t>uses</a:t>
+            </a:r>
+          </a:p>
+        </p:txBody>
+      </p:sp>
+      <p:sp>
+        <p:nvSpPr>
+          <p:cNvPr id="1024" name="TextBox 1023">
+            <a:extLst>
+              <a:ext uri="{FF2B5EF4-FFF2-40B4-BE49-F238E27FC236}">
+                <a16:creationId xmlns:a16="http://schemas.microsoft.com/office/drawing/2014/main" id="{105846D1-DB67-42F0-A01E-0072F3F7EEE7}"/>
+              </a:ext>
+            </a:extLst>
+          </p:cNvPr>
+          <p:cNvSpPr txBox="1"/>
+          <p:nvPr/>
+        </p:nvSpPr>
+        <p:spPr>
+          <a:xfrm>
+            <a:off x="62982" y="4168008"/>
+            <a:ext cx="1850466" cy="415498"/>
+          </a:xfrm>
+          <a:prstGeom prst="rect">
+            <a:avLst/>
+          </a:prstGeom>
+          <a:noFill/>
+        </p:spPr>
+        <p:txBody>
+          <a:bodyPr wrap="square">
+            <a:spAutoFit/>
+          </a:bodyPr>
+          <a:lstStyle>
+            <a:defPPr>
+              <a:defRPr lang="en-US"/>
+            </a:defPPr>
+            <a:lvl1pPr>
+              <a:defRPr sz="1050">
+                <a:solidFill>
+                  <a:schemeClr val="dk1"/>
+                </a:solidFill>
+                <a:latin typeface="Arial Nova Cond" panose="020B0506020202020204" pitchFamily="34" charset="0"/>
+              </a:defRPr>
+            </a:lvl1pPr>
+          </a:lstStyle>
+          <a:p>
+            <a:r>
+              <a:rPr lang="en-US" dirty="0"/>
+              <a:t>(or the </a:t>
+            </a:r>
+            <a:r>
+              <a:rPr lang="en-US" dirty="0" err="1"/>
+              <a:t>iot</a:t>
+            </a:r>
+            <a:r>
+              <a:rPr lang="en-US" dirty="0"/>
+              <a:t>-identity-service stand-alone component)</a:t>
+            </a:r>
+          </a:p>
+        </p:txBody>
+      </p:sp>
+      <p:pic>
+        <p:nvPicPr>
+          <p:cNvPr id="1025" name="Picture 2" descr="See the source image">
+            <a:extLst>
+              <a:ext uri="{FF2B5EF4-FFF2-40B4-BE49-F238E27FC236}">
+                <a16:creationId xmlns:a16="http://schemas.microsoft.com/office/drawing/2014/main" id="{97850453-D0F0-413E-A50E-2E9EBFB5309B}"/>
+              </a:ext>
+            </a:extLst>
+          </p:cNvPr>
+          <p:cNvPicPr>
+            <a:picLocks noChangeAspect="1" noChangeArrowheads="1"/>
+          </p:cNvPicPr>
+          <p:nvPr/>
+        </p:nvPicPr>
+        <p:blipFill rotWithShape="1">
+          <a:blip r:embed="rId4">
+            <a:extLst>
+              <a:ext uri="{28A0092B-C50C-407E-A947-70E740481C1C}">
+                <a14:useLocalDpi xmlns:a14="http://schemas.microsoft.com/office/drawing/2010/main" val="0"/>
+              </a:ext>
+            </a:extLst>
+          </a:blip>
+          <a:srcRect l="23418" t="10038" r="25450" b="10287"/>
+          <a:stretch/>
+        </p:blipFill>
+        <p:spPr bwMode="auto">
+          <a:xfrm>
+            <a:off x="1048836" y="3821008"/>
+            <a:ext cx="377684" cy="400194"/>
+          </a:xfrm>
+          <a:prstGeom prst="rect">
+            <a:avLst/>
+          </a:prstGeom>
+          <a:noFill/>
+          <a:extLst>
+            <a:ext uri="{909E8E84-426E-40DD-AFC4-6F175D3DCCD1}">
+              <a14:hiddenFill xmlns:a14="http://schemas.microsoft.com/office/drawing/2010/main">
+                <a:solidFill>
+                  <a:srgbClr val="FFFFFF"/>
+                </a:solidFill>
+              </a14:hiddenFill>
+            </a:ext>
+          </a:extLst>
+        </p:spPr>
+      </p:pic>
+      <p:sp>
+        <p:nvSpPr>
+          <p:cNvPr id="1027" name="TextBox 1026">
+            <a:extLst>
+              <a:ext uri="{FF2B5EF4-FFF2-40B4-BE49-F238E27FC236}">
+                <a16:creationId xmlns:a16="http://schemas.microsoft.com/office/drawing/2014/main" id="{DD951993-8670-48D0-BA40-A7101564F4C7}"/>
+              </a:ext>
+            </a:extLst>
+          </p:cNvPr>
+          <p:cNvSpPr txBox="1"/>
+          <p:nvPr/>
+        </p:nvSpPr>
+        <p:spPr>
+          <a:xfrm>
+            <a:off x="74195" y="3821830"/>
+            <a:ext cx="1024562" cy="430887"/>
+          </a:xfrm>
+          <a:prstGeom prst="rect">
+            <a:avLst/>
+          </a:prstGeom>
+          <a:noFill/>
+        </p:spPr>
+        <p:txBody>
+          <a:bodyPr wrap="square">
+            <a:spAutoFit/>
+          </a:bodyPr>
+          <a:lstStyle/>
+          <a:p>
+            <a:pPr algn="r"/>
+            <a:r>
+              <a:rPr lang="en-US" sz="1100" dirty="0">
+                <a:solidFill>
+                  <a:schemeClr val="dk1"/>
+                </a:solidFill>
+                <a:latin typeface="Arial Nova Cond" panose="020B0506020202020204" pitchFamily="34" charset="0"/>
+              </a:rPr>
+              <a:t>Azure IoT Edge </a:t>
+            </a:r>
+            <a:br>
+              <a:rPr lang="en-US" sz="1100" dirty="0">
+                <a:solidFill>
+                  <a:schemeClr val="dk1"/>
+                </a:solidFill>
+                <a:latin typeface="Arial Nova Cond" panose="020B0506020202020204" pitchFamily="34" charset="0"/>
+              </a:rPr>
+            </a:br>
+            <a:r>
+              <a:rPr lang="en-US" sz="1100" dirty="0">
+                <a:solidFill>
+                  <a:schemeClr val="dk1"/>
+                </a:solidFill>
+                <a:latin typeface="Arial Nova Cond" panose="020B0506020202020204" pitchFamily="34" charset="0"/>
+              </a:rPr>
+              <a:t>1.2+</a:t>
+            </a:r>
+          </a:p>
+        </p:txBody>
+      </p:sp>
+      <p:cxnSp>
+        <p:nvCxnSpPr>
+          <p:cNvPr id="1029" name="Straight Arrow Connector 1028">
+            <a:extLst>
+              <a:ext uri="{FF2B5EF4-FFF2-40B4-BE49-F238E27FC236}">
+                <a16:creationId xmlns:a16="http://schemas.microsoft.com/office/drawing/2014/main" id="{F8FC3665-968B-4E22-BF6A-93EDE05DADA3}"/>
+              </a:ext>
+            </a:extLst>
+          </p:cNvPr>
+          <p:cNvCxnSpPr>
+            <a:cxnSpLocks/>
+          </p:cNvCxnSpPr>
+          <p:nvPr/>
+        </p:nvCxnSpPr>
+        <p:spPr>
+          <a:xfrm flipH="1">
+            <a:off x="1649032" y="4183193"/>
+            <a:ext cx="1072853" cy="6963"/>
+          </a:xfrm>
+          <a:prstGeom prst="straightConnector1">
+            <a:avLst/>
+          </a:prstGeom>
+          <a:ln w="19050">
+            <a:solidFill>
+              <a:schemeClr val="tx1">
+                <a:lumMod val="65000"/>
+                <a:lumOff val="35000"/>
+              </a:schemeClr>
+            </a:solidFill>
+            <a:tailEnd type="triangle"/>
+          </a:ln>
+        </p:spPr>
+        <p:style>
+          <a:lnRef idx="1">
+            <a:schemeClr val="accent1"/>
+          </a:lnRef>
+          <a:fillRef idx="0">
+            <a:schemeClr val="accent1"/>
+          </a:fillRef>
+          <a:effectRef idx="0">
+            <a:schemeClr val="accent1"/>
+          </a:effectRef>
+          <a:fontRef idx="minor">
+            <a:schemeClr val="tx1"/>
+          </a:fontRef>
+        </p:style>
+      </p:cxnSp>
+      <p:sp>
+        <p:nvSpPr>
+          <p:cNvPr id="1031" name="TextBox 1030">
+            <a:extLst>
+              <a:ext uri="{FF2B5EF4-FFF2-40B4-BE49-F238E27FC236}">
+                <a16:creationId xmlns:a16="http://schemas.microsoft.com/office/drawing/2014/main" id="{DB298EF6-CAC2-4911-8468-2F1AF8E84DF5}"/>
+              </a:ext>
+            </a:extLst>
+          </p:cNvPr>
+          <p:cNvSpPr txBox="1"/>
+          <p:nvPr/>
+        </p:nvSpPr>
+        <p:spPr>
+          <a:xfrm>
+            <a:off x="2082983" y="3949791"/>
+            <a:ext cx="471604" cy="276999"/>
+          </a:xfrm>
+          <a:prstGeom prst="rect">
+            <a:avLst/>
+          </a:prstGeom>
+          <a:noFill/>
+        </p:spPr>
+        <p:txBody>
+          <a:bodyPr wrap="none" rtlCol="0">
+            <a:spAutoFit/>
+          </a:bodyPr>
+          <a:lstStyle/>
+          <a:p>
+            <a:r>
+              <a:rPr lang="en-US" sz="1200" dirty="0">
+                <a:latin typeface="Arial Nova Cond" panose="020B0506020202020204" pitchFamily="34" charset="0"/>
+              </a:rPr>
+              <a:t>uses</a:t>
+            </a:r>
+          </a:p>
+        </p:txBody>
+      </p:sp>
+      <p:cxnSp>
+        <p:nvCxnSpPr>
+          <p:cNvPr id="1038" name="Straight Arrow Connector 1037">
+            <a:extLst>
+              <a:ext uri="{FF2B5EF4-FFF2-40B4-BE49-F238E27FC236}">
+                <a16:creationId xmlns:a16="http://schemas.microsoft.com/office/drawing/2014/main" id="{4AF48FF1-4617-4A7A-9D6E-F105AE415F36}"/>
+              </a:ext>
+            </a:extLst>
+          </p:cNvPr>
+          <p:cNvCxnSpPr>
+            <a:cxnSpLocks/>
+          </p:cNvCxnSpPr>
+          <p:nvPr/>
+        </p:nvCxnSpPr>
+        <p:spPr>
+          <a:xfrm flipH="1">
+            <a:off x="1644559" y="5744701"/>
+            <a:ext cx="1064011" cy="0"/>
+          </a:xfrm>
+          <a:prstGeom prst="straightConnector1">
+            <a:avLst/>
+          </a:prstGeom>
+          <a:ln w="19050">
+            <a:solidFill>
+              <a:schemeClr val="tx1">
+                <a:lumMod val="65000"/>
+                <a:lumOff val="35000"/>
+              </a:schemeClr>
+            </a:solidFill>
+            <a:tailEnd type="triangle"/>
+          </a:ln>
+        </p:spPr>
+        <p:style>
+          <a:lnRef idx="1">
+            <a:schemeClr val="accent1"/>
+          </a:lnRef>
+          <a:fillRef idx="0">
+            <a:schemeClr val="accent1"/>
+          </a:fillRef>
+          <a:effectRef idx="0">
+            <a:schemeClr val="accent1"/>
+          </a:effectRef>
+          <a:fontRef idx="minor">
+            <a:schemeClr val="tx1"/>
+          </a:fontRef>
+        </p:style>
+      </p:cxnSp>
+      <p:sp>
+        <p:nvSpPr>
+          <p:cNvPr id="1039" name="TextBox 1038">
+            <a:extLst>
+              <a:ext uri="{FF2B5EF4-FFF2-40B4-BE49-F238E27FC236}">
+                <a16:creationId xmlns:a16="http://schemas.microsoft.com/office/drawing/2014/main" id="{16933550-568B-416C-BDF9-1A6CFF1F36F4}"/>
+              </a:ext>
+            </a:extLst>
+          </p:cNvPr>
+          <p:cNvSpPr txBox="1"/>
+          <p:nvPr/>
+        </p:nvSpPr>
+        <p:spPr>
+          <a:xfrm>
+            <a:off x="2069668" y="5511299"/>
+            <a:ext cx="471604" cy="276999"/>
+          </a:xfrm>
+          <a:prstGeom prst="rect">
+            <a:avLst/>
+          </a:prstGeom>
+          <a:noFill/>
+        </p:spPr>
+        <p:txBody>
+          <a:bodyPr wrap="none" rtlCol="0">
+            <a:spAutoFit/>
+          </a:bodyPr>
+          <a:lstStyle/>
+          <a:p>
+            <a:r>
+              <a:rPr lang="en-US" sz="1200" dirty="0">
+                <a:latin typeface="Arial Nova Cond" panose="020B0506020202020204" pitchFamily="34" charset="0"/>
+              </a:rPr>
+              <a:t>uses</a:t>
+            </a:r>
+          </a:p>
+        </p:txBody>
+      </p:sp>
+      <p:grpSp>
+        <p:nvGrpSpPr>
+          <p:cNvPr id="159" name="Group 158">
+            <a:extLst>
+              <a:ext uri="{FF2B5EF4-FFF2-40B4-BE49-F238E27FC236}">
+                <a16:creationId xmlns:a16="http://schemas.microsoft.com/office/drawing/2014/main" id="{822B069D-CED1-4E03-8402-E6577DA91F84}"/>
+              </a:ext>
+            </a:extLst>
+          </p:cNvPr>
+          <p:cNvGrpSpPr/>
+          <p:nvPr/>
+        </p:nvGrpSpPr>
+        <p:grpSpPr>
+          <a:xfrm>
+            <a:off x="474572" y="5530067"/>
+            <a:ext cx="970254" cy="414730"/>
+            <a:chOff x="2828278" y="890395"/>
+            <a:chExt cx="970254" cy="414730"/>
+          </a:xfrm>
+        </p:grpSpPr>
+        <p:pic>
+          <p:nvPicPr>
+            <p:cNvPr id="160" name="Picture 4" descr="See related image detail">
+              <a:extLst>
+                <a:ext uri="{FF2B5EF4-FFF2-40B4-BE49-F238E27FC236}">
+                  <a16:creationId xmlns:a16="http://schemas.microsoft.com/office/drawing/2014/main" id="{4B07E0CD-4570-436B-9382-766228B1C283}"/>
+                </a:ext>
+              </a:extLst>
+            </p:cNvPr>
+            <p:cNvPicPr>
+              <a:picLocks noChangeAspect="1" noChangeArrowheads="1"/>
+            </p:cNvPicPr>
+            <p:nvPr/>
+          </p:nvPicPr>
+          <p:blipFill>
+            <a:blip r:embed="rId3">
+              <a:clrChange>
+                <a:clrFrom>
+                  <a:srgbClr val="FDFDFD"/>
+                </a:clrFrom>
+                <a:clrTo>
+                  <a:srgbClr val="FDFDFD">
+                    <a:alpha val="0"/>
+                  </a:srgbClr>
+                </a:clrTo>
+              </a:clrChange>
+              <a:extLst>
+                <a:ext uri="{28A0092B-C50C-407E-A947-70E740481C1C}">
+                  <a14:useLocalDpi xmlns:a14="http://schemas.microsoft.com/office/drawing/2010/main" val="0"/>
+                </a:ext>
+              </a:extLst>
+            </a:blip>
+            <a:srcRect/>
+            <a:stretch>
+              <a:fillRect/>
+            </a:stretch>
+          </p:blipFill>
+          <p:spPr bwMode="auto">
+            <a:xfrm>
+              <a:off x="3434023" y="904930"/>
+              <a:ext cx="364509" cy="400195"/>
+            </a:xfrm>
+            <a:prstGeom prst="rect">
+              <a:avLst/>
+            </a:prstGeom>
+            <a:noFill/>
+            <a:extLst>
+              <a:ext uri="{909E8E84-426E-40DD-AFC4-6F175D3DCCD1}">
+                <a14:hiddenFill xmlns:a14="http://schemas.microsoft.com/office/drawing/2010/main">
+                  <a:solidFill>
+                    <a:srgbClr val="FFFFFF"/>
+                  </a:solidFill>
+                </a14:hiddenFill>
+              </a:ext>
+            </a:extLst>
+          </p:spPr>
+        </p:pic>
+        <p:sp>
+          <p:nvSpPr>
+            <p:cNvPr id="161" name="TextBox 160">
+              <a:extLst>
+                <a:ext uri="{FF2B5EF4-FFF2-40B4-BE49-F238E27FC236}">
+                  <a16:creationId xmlns:a16="http://schemas.microsoft.com/office/drawing/2014/main" id="{05C2AC13-28AD-4C79-AC2C-908A422B93AC}"/>
+                </a:ext>
+              </a:extLst>
+            </p:cNvPr>
+            <p:cNvSpPr txBox="1"/>
+            <p:nvPr/>
+          </p:nvSpPr>
+          <p:spPr>
+            <a:xfrm>
+              <a:off x="2828278" y="890395"/>
+              <a:ext cx="630301" cy="400110"/>
+            </a:xfrm>
+            <a:prstGeom prst="rect">
+              <a:avLst/>
+            </a:prstGeom>
+            <a:noFill/>
+          </p:spPr>
+          <p:txBody>
+            <a:bodyPr wrap="none" rtlCol="0">
+              <a:spAutoFit/>
+            </a:bodyPr>
+            <a:lstStyle/>
+            <a:p>
+              <a:pPr algn="r"/>
+              <a:r>
+                <a:rPr lang="en-US" sz="1000" dirty="0">
+                  <a:latin typeface="Arial Nova Cond" panose="020B0506020202020204" pitchFamily="34" charset="0"/>
+                </a:rPr>
+                <a:t>Azure</a:t>
+              </a:r>
+              <a:br>
+                <a:rPr lang="en-US" sz="1000" dirty="0">
+                  <a:latin typeface="Arial Nova Cond" panose="020B0506020202020204" pitchFamily="34" charset="0"/>
+                </a:rPr>
+              </a:br>
+              <a:r>
+                <a:rPr lang="en-US" sz="1000" dirty="0" err="1">
+                  <a:latin typeface="Arial Nova Cond" panose="020B0506020202020204" pitchFamily="34" charset="0"/>
+                </a:rPr>
+                <a:t>KeyVault</a:t>
+              </a:r>
+              <a:endParaRPr lang="en-US" sz="1000" dirty="0">
+                <a:latin typeface="Arial Nova Cond" panose="020B0506020202020204" pitchFamily="34" charset="0"/>
+              </a:endParaRPr>
+            </a:p>
+          </p:txBody>
+        </p:sp>
+      </p:grpSp>
+      <p:sp>
+        <p:nvSpPr>
+          <p:cNvPr id="1042" name="TextBox 1041">
+            <a:extLst>
+              <a:ext uri="{FF2B5EF4-FFF2-40B4-BE49-F238E27FC236}">
+                <a16:creationId xmlns:a16="http://schemas.microsoft.com/office/drawing/2014/main" id="{36E3BB8F-D79B-4CAC-9CAB-2A8836DCBDD5}"/>
+              </a:ext>
+            </a:extLst>
+          </p:cNvPr>
+          <p:cNvSpPr txBox="1"/>
+          <p:nvPr/>
+        </p:nvSpPr>
+        <p:spPr>
+          <a:xfrm>
+            <a:off x="6828920" y="2811692"/>
+            <a:ext cx="2569934" cy="276999"/>
+          </a:xfrm>
+          <a:prstGeom prst="rect">
+            <a:avLst/>
+          </a:prstGeom>
+          <a:noFill/>
+        </p:spPr>
+        <p:txBody>
+          <a:bodyPr wrap="none" rtlCol="0">
+            <a:spAutoFit/>
+          </a:bodyPr>
+          <a:lstStyle/>
+          <a:p>
+            <a:r>
+              <a:rPr lang="en-US" sz="1200" dirty="0" err="1">
+                <a:latin typeface="Arial Nova Cond" panose="020B0506020202020204" pitchFamily="34" charset="0"/>
+              </a:rPr>
+              <a:t>CryptoProvider</a:t>
+            </a:r>
+            <a:r>
+              <a:rPr lang="en-US" sz="1200" dirty="0">
+                <a:latin typeface="Arial Nova Cond" panose="020B0506020202020204" pitchFamily="34" charset="0"/>
+              </a:rPr>
+              <a:t> defined through ENVs</a:t>
+            </a:r>
+          </a:p>
+        </p:txBody>
+      </p:sp>
+      <p:sp>
+        <p:nvSpPr>
+          <p:cNvPr id="1043" name="TextBox 1042">
+            <a:extLst>
+              <a:ext uri="{FF2B5EF4-FFF2-40B4-BE49-F238E27FC236}">
+                <a16:creationId xmlns:a16="http://schemas.microsoft.com/office/drawing/2014/main" id="{894C1651-8B66-4E7B-93FC-E50A4F0B8DB7}"/>
+              </a:ext>
+            </a:extLst>
+          </p:cNvPr>
+          <p:cNvSpPr txBox="1"/>
+          <p:nvPr/>
+        </p:nvSpPr>
+        <p:spPr>
+          <a:xfrm>
+            <a:off x="6828920" y="3024152"/>
+            <a:ext cx="2285882" cy="276999"/>
+          </a:xfrm>
+          <a:prstGeom prst="rect">
+            <a:avLst/>
+          </a:prstGeom>
+          <a:noFill/>
+        </p:spPr>
+        <p:txBody>
+          <a:bodyPr wrap="none" rtlCol="0">
+            <a:spAutoFit/>
+          </a:bodyPr>
+          <a:lstStyle/>
+          <a:p>
+            <a:r>
+              <a:rPr lang="en-US" sz="1200" dirty="0" err="1">
+                <a:latin typeface="Arial Nova Cond" panose="020B0506020202020204" pitchFamily="34" charset="0"/>
+              </a:rPr>
+              <a:t>SecretStore</a:t>
+            </a:r>
+            <a:r>
+              <a:rPr lang="en-US" sz="1200" dirty="0">
+                <a:latin typeface="Arial Nova Cond" panose="020B0506020202020204" pitchFamily="34" charset="0"/>
+              </a:rPr>
+              <a:t> defined through code</a:t>
+            </a:r>
+          </a:p>
+        </p:txBody>
+      </p:sp>
+      <p:sp>
+        <p:nvSpPr>
+          <p:cNvPr id="1045" name="Rectangle 1044">
+            <a:extLst>
+              <a:ext uri="{FF2B5EF4-FFF2-40B4-BE49-F238E27FC236}">
+                <a16:creationId xmlns:a16="http://schemas.microsoft.com/office/drawing/2014/main" id="{238F98FF-6EB0-4C51-B072-91D11F55E4B0}"/>
+              </a:ext>
+            </a:extLst>
+          </p:cNvPr>
+          <p:cNvSpPr/>
+          <p:nvPr/>
+        </p:nvSpPr>
+        <p:spPr>
+          <a:xfrm>
+            <a:off x="156412" y="1630044"/>
+            <a:ext cx="11905230" cy="93394"/>
+          </a:xfrm>
+          <a:prstGeom prst="rect">
+            <a:avLst/>
+          </a:prstGeom>
+          <a:solidFill>
+            <a:schemeClr val="accent5"/>
+          </a:solidFill>
+          <a:ln>
+            <a:noFill/>
+          </a:ln>
+        </p:spPr>
+        <p:style>
+          <a:lnRef idx="2">
+            <a:schemeClr val="accent1">
+              <a:shade val="50000"/>
+            </a:schemeClr>
+          </a:lnRef>
+          <a:fillRef idx="1">
+            <a:schemeClr val="accent1"/>
+          </a:fillRef>
+          <a:effectRef idx="0">
+            <a:schemeClr val="accent1"/>
+          </a:effectRef>
+          <a:fontRef idx="minor">
+            <a:schemeClr val="lt1"/>
+          </a:fontRef>
+        </p:style>
+        <p:txBody>
+          <a:bodyPr rtlCol="0" anchor="ctr"/>
+          <a:lstStyle/>
+          <a:p>
+            <a:pPr algn="ctr"/>
+            <a:endParaRPr lang="en-US"/>
+          </a:p>
+        </p:txBody>
+      </p:sp>
+      <p:cxnSp>
+        <p:nvCxnSpPr>
+          <p:cNvPr id="1047" name="Connector: Elbow 1046">
+            <a:extLst>
+              <a:ext uri="{FF2B5EF4-FFF2-40B4-BE49-F238E27FC236}">
+                <a16:creationId xmlns:a16="http://schemas.microsoft.com/office/drawing/2014/main" id="{E04F4B08-2120-48C8-9BAD-B5B8C7F6F445}"/>
+              </a:ext>
+            </a:extLst>
+          </p:cNvPr>
+          <p:cNvCxnSpPr>
+            <a:cxnSpLocks/>
+            <a:stCxn id="46" idx="3"/>
+            <a:endCxn id="1032" idx="3"/>
+          </p:cNvCxnSpPr>
+          <p:nvPr/>
+        </p:nvCxnSpPr>
+        <p:spPr>
+          <a:xfrm flipH="1" flipV="1">
+            <a:off x="8910987" y="600219"/>
+            <a:ext cx="1410872" cy="3589937"/>
+          </a:xfrm>
+          <a:prstGeom prst="bentConnector3">
+            <a:avLst>
+              <a:gd name="adj1" fmla="val -80588"/>
+            </a:avLst>
+          </a:prstGeom>
+          <a:ln w="19050">
+            <a:solidFill>
+              <a:schemeClr val="tx1">
+                <a:lumMod val="65000"/>
+                <a:lumOff val="35000"/>
+              </a:schemeClr>
+            </a:solidFill>
+            <a:headEnd type="triangle" w="med" len="med"/>
+            <a:tailEnd type="triangle" w="med" len="med"/>
+          </a:ln>
+        </p:spPr>
+        <p:style>
+          <a:lnRef idx="1">
+            <a:schemeClr val="accent1"/>
+          </a:lnRef>
+          <a:fillRef idx="0">
+            <a:schemeClr val="accent1"/>
+          </a:fillRef>
+          <a:effectRef idx="0">
+            <a:schemeClr val="accent1"/>
+          </a:effectRef>
+          <a:fontRef idx="minor">
+            <a:schemeClr val="tx1"/>
+          </a:fontRef>
+        </p:style>
+      </p:cxnSp>
+      <p:sp>
+        <p:nvSpPr>
+          <p:cNvPr id="1054" name="Oval 1053">
+            <a:extLst>
+              <a:ext uri="{FF2B5EF4-FFF2-40B4-BE49-F238E27FC236}">
+                <a16:creationId xmlns:a16="http://schemas.microsoft.com/office/drawing/2014/main" id="{41983FA8-ADF5-4C9A-9EB8-20A60176584F}"/>
+              </a:ext>
+            </a:extLst>
+          </p:cNvPr>
+          <p:cNvSpPr/>
+          <p:nvPr/>
+        </p:nvSpPr>
+        <p:spPr>
+          <a:xfrm>
+            <a:off x="1835921" y="3463922"/>
+            <a:ext cx="270710" cy="276999"/>
+          </a:xfrm>
+          <a:prstGeom prst="ellipse">
+            <a:avLst/>
+          </a:prstGeom>
+          <a:solidFill>
+            <a:srgbClr val="FF0000"/>
+          </a:solidFill>
+          <a:ln>
+            <a:noFill/>
+          </a:ln>
+        </p:spPr>
+        <p:style>
+          <a:lnRef idx="2">
+            <a:schemeClr val="accent1">
+              <a:shade val="50000"/>
+            </a:schemeClr>
+          </a:lnRef>
+          <a:fillRef idx="1">
+            <a:schemeClr val="accent1"/>
+          </a:fillRef>
+          <a:effectRef idx="0">
+            <a:schemeClr val="accent1"/>
+          </a:effectRef>
+          <a:fontRef idx="minor">
+            <a:schemeClr val="lt1"/>
+          </a:fontRef>
+        </p:style>
+        <p:txBody>
+          <a:bodyPr rtlCol="0" anchor="ctr"/>
+          <a:lstStyle/>
+          <a:p>
+            <a:pPr algn="ctr"/>
+            <a:r>
+              <a:rPr lang="en-US" sz="1200" dirty="0">
+                <a:latin typeface="Arial Nova Cond" panose="020B0506020202020204" pitchFamily="34" charset="0"/>
+              </a:rPr>
+              <a:t>1</a:t>
+            </a:r>
+            <a:endParaRPr lang="en-US" dirty="0">
+              <a:latin typeface="Arial Nova Cond" panose="020B0506020202020204" pitchFamily="34" charset="0"/>
+            </a:endParaRPr>
+          </a:p>
+        </p:txBody>
+      </p:sp>
+      <p:sp>
+        <p:nvSpPr>
+          <p:cNvPr id="1055" name="Oval 1054">
+            <a:extLst>
+              <a:ext uri="{FF2B5EF4-FFF2-40B4-BE49-F238E27FC236}">
+                <a16:creationId xmlns:a16="http://schemas.microsoft.com/office/drawing/2014/main" id="{BE69717C-09DA-45B6-909B-6DB3888F9C31}"/>
+              </a:ext>
+            </a:extLst>
+          </p:cNvPr>
+          <p:cNvSpPr/>
+          <p:nvPr/>
+        </p:nvSpPr>
+        <p:spPr>
+          <a:xfrm>
+            <a:off x="5994718" y="790028"/>
+            <a:ext cx="270710" cy="276999"/>
+          </a:xfrm>
+          <a:prstGeom prst="ellipse">
+            <a:avLst/>
+          </a:prstGeom>
+          <a:solidFill>
+            <a:srgbClr val="FF0000"/>
+          </a:solidFill>
+          <a:ln>
+            <a:noFill/>
+          </a:ln>
+        </p:spPr>
+        <p:style>
+          <a:lnRef idx="2">
+            <a:schemeClr val="accent1">
+              <a:shade val="50000"/>
+            </a:schemeClr>
+          </a:lnRef>
+          <a:fillRef idx="1">
+            <a:schemeClr val="accent1"/>
+          </a:fillRef>
+          <a:effectRef idx="0">
+            <a:schemeClr val="accent1"/>
+          </a:effectRef>
+          <a:fontRef idx="minor">
+            <a:schemeClr val="lt1"/>
+          </a:fontRef>
+        </p:style>
+        <p:txBody>
+          <a:bodyPr rtlCol="0" anchor="ctr"/>
+          <a:lstStyle/>
+          <a:p>
+            <a:pPr algn="ctr"/>
+            <a:r>
+              <a:rPr lang="en-US" sz="1200" dirty="0">
+                <a:latin typeface="Arial Nova Cond" panose="020B0506020202020204" pitchFamily="34" charset="0"/>
+              </a:rPr>
+              <a:t>2</a:t>
+            </a:r>
+            <a:endParaRPr lang="en-US" dirty="0">
+              <a:latin typeface="Arial Nova Cond" panose="020B0506020202020204" pitchFamily="34" charset="0"/>
+            </a:endParaRPr>
+          </a:p>
+        </p:txBody>
+      </p:sp>
+    </p:spTree>
+    <p:extLst>
+      <p:ext uri="{BB962C8B-B14F-4D97-AF65-F5344CB8AC3E}">
+        <p14:creationId xmlns:p14="http://schemas.microsoft.com/office/powerpoint/2010/main" val="1179938357"/>
+      </p:ext>
+    </p:extLst>
+  </p:cSld>
+  <p:clrMapOvr>
+    <a:masterClrMapping/>
+  </p:clrMapOvr>
+</p:sld>
+</file>
+
+<file path=ppt/slides/slide6.xml><?xml version="1.0" encoding="utf-8"?>
+<p:sld xmlns:a="http://schemas.openxmlformats.org/drawingml/2006/main" xmlns:r="http://schemas.openxmlformats.org/officeDocument/2006/relationships" xmlns:p="http://schemas.openxmlformats.org/presentationml/2006/main">
+  <p:cSld>
+    <p:spTree>
+      <p:nvGrpSpPr>
+        <p:cNvPr id="1" name=""/>
+        <p:cNvGrpSpPr/>
+        <p:nvPr/>
+      </p:nvGrpSpPr>
+      <p:grpSpPr>
+        <a:xfrm>
+          <a:off x="0" y="0"/>
+          <a:ext cx="0" cy="0"/>
+          <a:chOff x="0" y="0"/>
+          <a:chExt cx="0" cy="0"/>
+        </a:xfrm>
+      </p:grpSpPr>
+      <p:sp>
+        <p:nvSpPr>
           <p:cNvPr id="18" name="Rectangle 17">
             <a:extLst>
               <a:ext uri="{FF2B5EF4-FFF2-40B4-BE49-F238E27FC236}">
@@ -11941,7 +14769,7 @@
 </p:sld>
 </file>
 
-<file path=ppt/slides/slide6.xml><?xml version="1.0" encoding="utf-8"?>
+<file path=ppt/slides/slide7.xml><?xml version="1.0" encoding="utf-8"?>
 <p:sld xmlns:a="http://schemas.openxmlformats.org/drawingml/2006/main" xmlns:r="http://schemas.openxmlformats.org/officeDocument/2006/relationships" xmlns:p="http://schemas.openxmlformats.org/presentationml/2006/main">
   <p:cSld>
     <p:spTree>

--- a/docs/drawings.pptx
+++ b/docs/drawings.pptx
@@ -11,7 +11,8 @@
     <p:sldId id="266" r:id="rId5"/>
     <p:sldId id="270" r:id="rId6"/>
     <p:sldId id="269" r:id="rId7"/>
-    <p:sldId id="267" r:id="rId8"/>
+    <p:sldId id="271" r:id="rId8"/>
+    <p:sldId id="267" r:id="rId9"/>
   </p:sldIdLst>
   <p:sldSz cx="12192000" cy="6858000"/>
   <p:notesSz cx="7315200" cy="9601200"/>
@@ -14788,6 +14789,2057 @@
       </p:grpSpPr>
       <p:sp>
         <p:nvSpPr>
+          <p:cNvPr id="18" name="Rectangle 17">
+            <a:extLst>
+              <a:ext uri="{FF2B5EF4-FFF2-40B4-BE49-F238E27FC236}">
+                <a16:creationId xmlns:a16="http://schemas.microsoft.com/office/drawing/2014/main" id="{06D4D09A-A4F7-4373-B930-F3B92E3871E0}"/>
+              </a:ext>
+            </a:extLst>
+          </p:cNvPr>
+          <p:cNvSpPr/>
+          <p:nvPr/>
+        </p:nvSpPr>
+        <p:spPr>
+          <a:xfrm>
+            <a:off x="4071932" y="652057"/>
+            <a:ext cx="1769023" cy="573944"/>
+          </a:xfrm>
+          <a:prstGeom prst="rect">
+            <a:avLst/>
+          </a:prstGeom>
+          <a:ln>
+            <a:solidFill>
+              <a:srgbClr val="FF0000"/>
+            </a:solidFill>
+            <a:prstDash val="sysDash"/>
+          </a:ln>
+        </p:spPr>
+        <p:style>
+          <a:lnRef idx="2">
+            <a:schemeClr val="accent1"/>
+          </a:lnRef>
+          <a:fillRef idx="1">
+            <a:schemeClr val="lt1"/>
+          </a:fillRef>
+          <a:effectRef idx="0">
+            <a:schemeClr val="accent1"/>
+          </a:effectRef>
+          <a:fontRef idx="minor">
+            <a:schemeClr val="dk1"/>
+          </a:fontRef>
+        </p:style>
+        <p:txBody>
+          <a:bodyPr rtlCol="0" anchor="ctr"/>
+          <a:lstStyle/>
+          <a:p>
+            <a:pPr algn="ctr"/>
+            <a:endParaRPr lang="en-US" dirty="0"/>
+          </a:p>
+        </p:txBody>
+      </p:sp>
+      <p:sp>
+        <p:nvSpPr>
+          <p:cNvPr id="6" name="Rectangle 5">
+            <a:extLst>
+              <a:ext uri="{FF2B5EF4-FFF2-40B4-BE49-F238E27FC236}">
+                <a16:creationId xmlns:a16="http://schemas.microsoft.com/office/drawing/2014/main" id="{BE07A90C-EC9D-4BBE-85BD-0AF812102DA1}"/>
+              </a:ext>
+            </a:extLst>
+          </p:cNvPr>
+          <p:cNvSpPr/>
+          <p:nvPr/>
+        </p:nvSpPr>
+        <p:spPr>
+          <a:xfrm>
+            <a:off x="1714499" y="1683547"/>
+            <a:ext cx="8484975" cy="1745454"/>
+          </a:xfrm>
+          <a:prstGeom prst="rect">
+            <a:avLst/>
+          </a:prstGeom>
+          <a:ln>
+            <a:solidFill>
+              <a:srgbClr val="00B050"/>
+            </a:solidFill>
+            <a:prstDash val="sysDash"/>
+          </a:ln>
+        </p:spPr>
+        <p:style>
+          <a:lnRef idx="2">
+            <a:schemeClr val="accent1"/>
+          </a:lnRef>
+          <a:fillRef idx="1">
+            <a:schemeClr val="lt1"/>
+          </a:fillRef>
+          <a:effectRef idx="0">
+            <a:schemeClr val="accent1"/>
+          </a:effectRef>
+          <a:fontRef idx="minor">
+            <a:schemeClr val="dk1"/>
+          </a:fontRef>
+        </p:style>
+        <p:txBody>
+          <a:bodyPr rtlCol="0" anchor="ctr"/>
+          <a:lstStyle/>
+          <a:p>
+            <a:pPr algn="ctr"/>
+            <a:endParaRPr lang="en-US" dirty="0"/>
+          </a:p>
+        </p:txBody>
+      </p:sp>
+      <p:sp>
+        <p:nvSpPr>
+          <p:cNvPr id="7" name="TextBox 6">
+            <a:extLst>
+              <a:ext uri="{FF2B5EF4-FFF2-40B4-BE49-F238E27FC236}">
+                <a16:creationId xmlns:a16="http://schemas.microsoft.com/office/drawing/2014/main" id="{CD195378-DF03-4159-8328-A54FA2FDB740}"/>
+              </a:ext>
+            </a:extLst>
+          </p:cNvPr>
+          <p:cNvSpPr txBox="1"/>
+          <p:nvPr/>
+        </p:nvSpPr>
+        <p:spPr>
+          <a:xfrm>
+            <a:off x="1714499" y="1412803"/>
+            <a:ext cx="1220385" cy="307777"/>
+          </a:xfrm>
+          <a:prstGeom prst="rect">
+            <a:avLst/>
+          </a:prstGeom>
+          <a:noFill/>
+        </p:spPr>
+        <p:txBody>
+          <a:bodyPr wrap="square">
+            <a:spAutoFit/>
+          </a:bodyPr>
+          <a:lstStyle/>
+          <a:p>
+            <a:r>
+              <a:rPr lang="en-US" sz="1400" dirty="0"/>
+              <a:t>deployAll.sh</a:t>
+            </a:r>
+          </a:p>
+        </p:txBody>
+      </p:sp>
+      <p:sp>
+        <p:nvSpPr>
+          <p:cNvPr id="13" name="Rectangle: Rounded Corners 12">
+            <a:extLst>
+              <a:ext uri="{FF2B5EF4-FFF2-40B4-BE49-F238E27FC236}">
+                <a16:creationId xmlns:a16="http://schemas.microsoft.com/office/drawing/2014/main" id="{1E687DD2-4605-4F84-853B-7A106D4D849C}"/>
+              </a:ext>
+            </a:extLst>
+          </p:cNvPr>
+          <p:cNvSpPr/>
+          <p:nvPr/>
+        </p:nvSpPr>
+        <p:spPr>
+          <a:xfrm>
+            <a:off x="5944623" y="2033024"/>
+            <a:ext cx="1497029" cy="793079"/>
+          </a:xfrm>
+          <a:prstGeom prst="roundRect">
+            <a:avLst>
+              <a:gd name="adj" fmla="val 4345"/>
+            </a:avLst>
+          </a:prstGeom>
+        </p:spPr>
+        <p:style>
+          <a:lnRef idx="2">
+            <a:schemeClr val="accent1"/>
+          </a:lnRef>
+          <a:fillRef idx="1">
+            <a:schemeClr val="lt1"/>
+          </a:fillRef>
+          <a:effectRef idx="0">
+            <a:schemeClr val="accent1"/>
+          </a:effectRef>
+          <a:fontRef idx="minor">
+            <a:schemeClr val="dk1"/>
+          </a:fontRef>
+        </p:style>
+        <p:txBody>
+          <a:bodyPr rtlCol="0" anchor="ctr"/>
+          <a:lstStyle/>
+          <a:p>
+            <a:pPr algn="ctr"/>
+            <a:endParaRPr lang="en-US">
+              <a:latin typeface="Arial Nova Cond" panose="020B0506020202020204" pitchFamily="34" charset="0"/>
+            </a:endParaRPr>
+          </a:p>
+        </p:txBody>
+      </p:sp>
+      <p:grpSp>
+        <p:nvGrpSpPr>
+          <p:cNvPr id="21" name="Group 20">
+            <a:extLst>
+              <a:ext uri="{FF2B5EF4-FFF2-40B4-BE49-F238E27FC236}">
+                <a16:creationId xmlns:a16="http://schemas.microsoft.com/office/drawing/2014/main" id="{8AFC29AB-BAF8-4DF9-A1B2-0E1B11F74D9E}"/>
+              </a:ext>
+            </a:extLst>
+          </p:cNvPr>
+          <p:cNvGrpSpPr/>
+          <p:nvPr/>
+        </p:nvGrpSpPr>
+        <p:grpSpPr>
+          <a:xfrm>
+            <a:off x="4071932" y="721507"/>
+            <a:ext cx="1629482" cy="479216"/>
+            <a:chOff x="3642607" y="841206"/>
+            <a:chExt cx="1629482" cy="479216"/>
+          </a:xfrm>
+        </p:grpSpPr>
+        <p:pic>
+          <p:nvPicPr>
+            <p:cNvPr id="1030" name="Picture 6" descr="See the source image">
+              <a:extLst>
+                <a:ext uri="{FF2B5EF4-FFF2-40B4-BE49-F238E27FC236}">
+                  <a16:creationId xmlns:a16="http://schemas.microsoft.com/office/drawing/2014/main" id="{2A09822F-2DC0-4F1B-BB9E-84F8191D47CC}"/>
+                </a:ext>
+              </a:extLst>
+            </p:cNvPr>
+            <p:cNvPicPr>
+              <a:picLocks noChangeAspect="1" noChangeArrowheads="1"/>
+            </p:cNvPicPr>
+            <p:nvPr/>
+          </p:nvPicPr>
+          <p:blipFill rotWithShape="1">
+            <a:blip r:embed="rId2">
+              <a:extLst>
+                <a:ext uri="{28A0092B-C50C-407E-A947-70E740481C1C}">
+                  <a14:useLocalDpi xmlns:a14="http://schemas.microsoft.com/office/drawing/2010/main" val="0"/>
+                </a:ext>
+              </a:extLst>
+            </a:blip>
+            <a:srcRect l="17920" t="6762" r="18882" b="6381"/>
+            <a:stretch/>
+          </p:blipFill>
+          <p:spPr bwMode="auto">
+            <a:xfrm>
+              <a:off x="4720010" y="841206"/>
+              <a:ext cx="552079" cy="479216"/>
+            </a:xfrm>
+            <a:prstGeom prst="rect">
+              <a:avLst/>
+            </a:prstGeom>
+            <a:noFill/>
+            <a:extLst>
+              <a:ext uri="{909E8E84-426E-40DD-AFC4-6F175D3DCCD1}">
+                <a14:hiddenFill xmlns:a14="http://schemas.microsoft.com/office/drawing/2010/main">
+                  <a:solidFill>
+                    <a:srgbClr val="FFFFFF"/>
+                  </a:solidFill>
+                </a14:hiddenFill>
+              </a:ext>
+            </a:extLst>
+          </p:spPr>
+        </p:pic>
+        <p:sp>
+          <p:nvSpPr>
+            <p:cNvPr id="4" name="TextBox 3">
+              <a:extLst>
+                <a:ext uri="{FF2B5EF4-FFF2-40B4-BE49-F238E27FC236}">
+                  <a16:creationId xmlns:a16="http://schemas.microsoft.com/office/drawing/2014/main" id="{C18C1812-13AD-48CC-B0D3-9431E0898AF4}"/>
+                </a:ext>
+              </a:extLst>
+            </p:cNvPr>
+            <p:cNvSpPr txBox="1"/>
+            <p:nvPr/>
+          </p:nvSpPr>
+          <p:spPr>
+            <a:xfrm>
+              <a:off x="3642607" y="846808"/>
+              <a:ext cx="1128835" cy="400110"/>
+            </a:xfrm>
+            <a:prstGeom prst="rect">
+              <a:avLst/>
+            </a:prstGeom>
+            <a:noFill/>
+          </p:spPr>
+          <p:txBody>
+            <a:bodyPr wrap="none" rtlCol="0">
+              <a:spAutoFit/>
+            </a:bodyPr>
+            <a:lstStyle/>
+            <a:p>
+              <a:pPr algn="r"/>
+              <a:r>
+                <a:rPr lang="en-US" sz="1000" dirty="0">
+                  <a:latin typeface="Arial Nova Cond" panose="020B0506020202020204" pitchFamily="34" charset="0"/>
+                </a:rPr>
+                <a:t>Azure </a:t>
+              </a:r>
+              <a:br>
+                <a:rPr lang="en-US" sz="1000" dirty="0">
+                  <a:latin typeface="Arial Nova Cond" panose="020B0506020202020204" pitchFamily="34" charset="0"/>
+                </a:rPr>
+              </a:br>
+              <a:r>
+                <a:rPr lang="en-US" sz="1000" dirty="0">
+                  <a:latin typeface="Arial Nova Cond" panose="020B0506020202020204" pitchFamily="34" charset="0"/>
+                </a:rPr>
+                <a:t>Container Registry</a:t>
+              </a:r>
+            </a:p>
+          </p:txBody>
+        </p:sp>
+      </p:grpSp>
+      <p:grpSp>
+        <p:nvGrpSpPr>
+          <p:cNvPr id="15" name="Group 14">
+            <a:extLst>
+              <a:ext uri="{FF2B5EF4-FFF2-40B4-BE49-F238E27FC236}">
+                <a16:creationId xmlns:a16="http://schemas.microsoft.com/office/drawing/2014/main" id="{9A510F61-56ED-42E0-87A5-B090FDBB45C2}"/>
+              </a:ext>
+            </a:extLst>
+          </p:cNvPr>
+          <p:cNvGrpSpPr/>
+          <p:nvPr/>
+        </p:nvGrpSpPr>
+        <p:grpSpPr>
+          <a:xfrm>
+            <a:off x="1784599" y="2026656"/>
+            <a:ext cx="920445" cy="757927"/>
+            <a:chOff x="8056429" y="808366"/>
+            <a:chExt cx="920445" cy="757927"/>
+          </a:xfrm>
+        </p:grpSpPr>
+        <p:pic>
+          <p:nvPicPr>
+            <p:cNvPr id="1032" name="Picture 8" descr="See the source image">
+              <a:extLst>
+                <a:ext uri="{FF2B5EF4-FFF2-40B4-BE49-F238E27FC236}">
+                  <a16:creationId xmlns:a16="http://schemas.microsoft.com/office/drawing/2014/main" id="{CEA7BEC5-A5F6-4C1C-AEF8-2C1D2F04CC97}"/>
+                </a:ext>
+              </a:extLst>
+            </p:cNvPr>
+            <p:cNvPicPr>
+              <a:picLocks noChangeAspect="1" noChangeArrowheads="1"/>
+            </p:cNvPicPr>
+            <p:nvPr/>
+          </p:nvPicPr>
+          <p:blipFill>
+            <a:blip r:embed="rId3">
+              <a:clrChange>
+                <a:clrFrom>
+                  <a:srgbClr val="FDFDFD"/>
+                </a:clrFrom>
+                <a:clrTo>
+                  <a:srgbClr val="FDFDFD">
+                    <a:alpha val="0"/>
+                  </a:srgbClr>
+                </a:clrTo>
+              </a:clrChange>
+              <a:extLst>
+                <a:ext uri="{28A0092B-C50C-407E-A947-70E740481C1C}">
+                  <a14:useLocalDpi xmlns:a14="http://schemas.microsoft.com/office/drawing/2010/main" val="0"/>
+                </a:ext>
+              </a:extLst>
+            </a:blip>
+            <a:srcRect/>
+            <a:stretch>
+              <a:fillRect/>
+            </a:stretch>
+          </p:blipFill>
+          <p:spPr bwMode="auto">
+            <a:xfrm>
+              <a:off x="8264355" y="808366"/>
+              <a:ext cx="508704" cy="470478"/>
+            </a:xfrm>
+            <a:prstGeom prst="rect">
+              <a:avLst/>
+            </a:prstGeom>
+            <a:noFill/>
+            <a:extLst>
+              <a:ext uri="{909E8E84-426E-40DD-AFC4-6F175D3DCCD1}">
+                <a14:hiddenFill xmlns:a14="http://schemas.microsoft.com/office/drawing/2010/main">
+                  <a:solidFill>
+                    <a:srgbClr val="FFFFFF"/>
+                  </a:solidFill>
+                </a14:hiddenFill>
+              </a:ext>
+            </a:extLst>
+          </p:spPr>
+        </p:pic>
+        <p:sp>
+          <p:nvSpPr>
+            <p:cNvPr id="10" name="TextBox 9">
+              <a:extLst>
+                <a:ext uri="{FF2B5EF4-FFF2-40B4-BE49-F238E27FC236}">
+                  <a16:creationId xmlns:a16="http://schemas.microsoft.com/office/drawing/2014/main" id="{5F01C87A-1A6C-464E-9B93-C047BB13FAA6}"/>
+                </a:ext>
+              </a:extLst>
+            </p:cNvPr>
+            <p:cNvSpPr txBox="1"/>
+            <p:nvPr/>
+          </p:nvSpPr>
+          <p:spPr>
+            <a:xfrm>
+              <a:off x="8056429" y="1320072"/>
+              <a:ext cx="920445" cy="246221"/>
+            </a:xfrm>
+            <a:prstGeom prst="rect">
+              <a:avLst/>
+            </a:prstGeom>
+            <a:noFill/>
+          </p:spPr>
+          <p:txBody>
+            <a:bodyPr wrap="none" rtlCol="0">
+              <a:spAutoFit/>
+            </a:bodyPr>
+            <a:lstStyle/>
+            <a:p>
+              <a:r>
+                <a:rPr lang="en-US" sz="1000" dirty="0">
+                  <a:latin typeface="Arial Nova Cond" panose="020B0506020202020204" pitchFamily="34" charset="0"/>
+                </a:rPr>
+                <a:t>Azure IoT Hub</a:t>
+              </a:r>
+            </a:p>
+          </p:txBody>
+        </p:sp>
+      </p:grpSp>
+      <p:grpSp>
+        <p:nvGrpSpPr>
+          <p:cNvPr id="25" name="Group 24">
+            <a:extLst>
+              <a:ext uri="{FF2B5EF4-FFF2-40B4-BE49-F238E27FC236}">
+                <a16:creationId xmlns:a16="http://schemas.microsoft.com/office/drawing/2014/main" id="{40674AD4-3B93-4CE7-8588-F15AB4A4D551}"/>
+              </a:ext>
+            </a:extLst>
+          </p:cNvPr>
+          <p:cNvGrpSpPr/>
+          <p:nvPr/>
+        </p:nvGrpSpPr>
+        <p:grpSpPr>
+          <a:xfrm>
+            <a:off x="8806705" y="2804067"/>
+            <a:ext cx="1265913" cy="445047"/>
+            <a:chOff x="9732893" y="848054"/>
+            <a:chExt cx="1265913" cy="445047"/>
+          </a:xfrm>
+        </p:grpSpPr>
+        <p:pic>
+          <p:nvPicPr>
+            <p:cNvPr id="1036" name="Picture 12" descr="See the source image">
+              <a:extLst>
+                <a:ext uri="{FF2B5EF4-FFF2-40B4-BE49-F238E27FC236}">
+                  <a16:creationId xmlns:a16="http://schemas.microsoft.com/office/drawing/2014/main" id="{2A90732C-F539-41DC-BBBE-8EE70183D17C}"/>
+                </a:ext>
+              </a:extLst>
+            </p:cNvPr>
+            <p:cNvPicPr>
+              <a:picLocks noChangeAspect="1" noChangeArrowheads="1"/>
+            </p:cNvPicPr>
+            <p:nvPr/>
+          </p:nvPicPr>
+          <p:blipFill>
+            <a:blip r:embed="rId4">
+              <a:extLst>
+                <a:ext uri="{28A0092B-C50C-407E-A947-70E740481C1C}">
+                  <a14:useLocalDpi xmlns:a14="http://schemas.microsoft.com/office/drawing/2010/main" val="0"/>
+                </a:ext>
+              </a:extLst>
+            </a:blip>
+            <a:srcRect/>
+            <a:stretch>
+              <a:fillRect/>
+            </a:stretch>
+          </p:blipFill>
+          <p:spPr bwMode="auto">
+            <a:xfrm>
+              <a:off x="9732893" y="863086"/>
+              <a:ext cx="430015" cy="430015"/>
+            </a:xfrm>
+            <a:prstGeom prst="rect">
+              <a:avLst/>
+            </a:prstGeom>
+            <a:noFill/>
+            <a:extLst>
+              <a:ext uri="{909E8E84-426E-40DD-AFC4-6F175D3DCCD1}">
+                <a14:hiddenFill xmlns:a14="http://schemas.microsoft.com/office/drawing/2010/main">
+                  <a:solidFill>
+                    <a:srgbClr val="FFFFFF"/>
+                  </a:solidFill>
+                </a14:hiddenFill>
+              </a:ext>
+            </a:extLst>
+          </p:spPr>
+        </p:pic>
+        <p:sp>
+          <p:nvSpPr>
+            <p:cNvPr id="11" name="TextBox 10">
+              <a:extLst>
+                <a:ext uri="{FF2B5EF4-FFF2-40B4-BE49-F238E27FC236}">
+                  <a16:creationId xmlns:a16="http://schemas.microsoft.com/office/drawing/2014/main" id="{4DC526A7-C1F0-4B75-8C88-78E682792851}"/>
+                </a:ext>
+              </a:extLst>
+            </p:cNvPr>
+            <p:cNvSpPr txBox="1"/>
+            <p:nvPr/>
+          </p:nvSpPr>
+          <p:spPr>
+            <a:xfrm>
+              <a:off x="10131261" y="848054"/>
+              <a:ext cx="867545" cy="400110"/>
+            </a:xfrm>
+            <a:prstGeom prst="rect">
+              <a:avLst/>
+            </a:prstGeom>
+            <a:noFill/>
+          </p:spPr>
+          <p:txBody>
+            <a:bodyPr wrap="none" rtlCol="0">
+              <a:spAutoFit/>
+            </a:bodyPr>
+            <a:lstStyle>
+              <a:defPPr>
+                <a:defRPr lang="en-US"/>
+              </a:defPPr>
+              <a:lvl1pPr>
+                <a:defRPr sz="1000"/>
+              </a:lvl1pPr>
+            </a:lstStyle>
+            <a:p>
+              <a:r>
+                <a:rPr lang="en-US" dirty="0">
+                  <a:latin typeface="Arial Nova Cond" panose="020B0506020202020204" pitchFamily="34" charset="0"/>
+                </a:rPr>
+                <a:t>Azure </a:t>
+              </a:r>
+              <a:br>
+                <a:rPr lang="en-US" dirty="0">
+                  <a:latin typeface="Arial Nova Cond" panose="020B0506020202020204" pitchFamily="34" charset="0"/>
+                </a:rPr>
+              </a:br>
+              <a:r>
+                <a:rPr lang="en-US" dirty="0">
+                  <a:latin typeface="Arial Nova Cond" panose="020B0506020202020204" pitchFamily="34" charset="0"/>
+                </a:rPr>
+                <a:t>Log Analytics</a:t>
+              </a:r>
+            </a:p>
+          </p:txBody>
+        </p:sp>
+      </p:grpSp>
+      <p:grpSp>
+        <p:nvGrpSpPr>
+          <p:cNvPr id="17" name="Group 16">
+            <a:extLst>
+              <a:ext uri="{FF2B5EF4-FFF2-40B4-BE49-F238E27FC236}">
+                <a16:creationId xmlns:a16="http://schemas.microsoft.com/office/drawing/2014/main" id="{B0FE710E-9F19-40C0-AC5C-1CD451BC91F3}"/>
+              </a:ext>
+            </a:extLst>
+          </p:cNvPr>
+          <p:cNvGrpSpPr/>
+          <p:nvPr/>
+        </p:nvGrpSpPr>
+        <p:grpSpPr>
+          <a:xfrm>
+            <a:off x="3541979" y="2318729"/>
+            <a:ext cx="1059906" cy="805254"/>
+            <a:chOff x="10587444" y="764507"/>
+            <a:chExt cx="1059906" cy="805254"/>
+          </a:xfrm>
+        </p:grpSpPr>
+        <p:pic>
+          <p:nvPicPr>
+            <p:cNvPr id="1034" name="Picture 10" descr="See related image detail">
+              <a:extLst>
+                <a:ext uri="{FF2B5EF4-FFF2-40B4-BE49-F238E27FC236}">
+                  <a16:creationId xmlns:a16="http://schemas.microsoft.com/office/drawing/2014/main" id="{BB75325C-BE80-4716-B3AB-888FDA93A36B}"/>
+                </a:ext>
+              </a:extLst>
+            </p:cNvPr>
+            <p:cNvPicPr>
+              <a:picLocks noChangeAspect="1" noChangeArrowheads="1"/>
+            </p:cNvPicPr>
+            <p:nvPr/>
+          </p:nvPicPr>
+          <p:blipFill>
+            <a:blip r:embed="rId5">
+              <a:clrChange>
+                <a:clrFrom>
+                  <a:srgbClr val="FDFDFD"/>
+                </a:clrFrom>
+                <a:clrTo>
+                  <a:srgbClr val="FDFDFD">
+                    <a:alpha val="0"/>
+                  </a:srgbClr>
+                </a:clrTo>
+              </a:clrChange>
+              <a:extLst>
+                <a:ext uri="{28A0092B-C50C-407E-A947-70E740481C1C}">
+                  <a14:useLocalDpi xmlns:a14="http://schemas.microsoft.com/office/drawing/2010/main" val="0"/>
+                </a:ext>
+              </a:extLst>
+            </a:blip>
+            <a:srcRect/>
+            <a:stretch>
+              <a:fillRect/>
+            </a:stretch>
+          </p:blipFill>
+          <p:spPr bwMode="auto">
+            <a:xfrm>
+              <a:off x="10824907" y="764507"/>
+              <a:ext cx="584980" cy="584980"/>
+            </a:xfrm>
+            <a:prstGeom prst="rect">
+              <a:avLst/>
+            </a:prstGeom>
+            <a:noFill/>
+            <a:extLst>
+              <a:ext uri="{909E8E84-426E-40DD-AFC4-6F175D3DCCD1}">
+                <a14:hiddenFill xmlns:a14="http://schemas.microsoft.com/office/drawing/2010/main">
+                  <a:solidFill>
+                    <a:srgbClr val="FFFFFF"/>
+                  </a:solidFill>
+                </a14:hiddenFill>
+              </a:ext>
+            </a:extLst>
+          </p:spPr>
+        </p:pic>
+        <p:sp>
+          <p:nvSpPr>
+            <p:cNvPr id="12" name="TextBox 11">
+              <a:extLst>
+                <a:ext uri="{FF2B5EF4-FFF2-40B4-BE49-F238E27FC236}">
+                  <a16:creationId xmlns:a16="http://schemas.microsoft.com/office/drawing/2014/main" id="{42ACD0CC-6F04-4067-8439-7BB4106B3467}"/>
+                </a:ext>
+              </a:extLst>
+            </p:cNvPr>
+            <p:cNvSpPr txBox="1"/>
+            <p:nvPr/>
+          </p:nvSpPr>
+          <p:spPr>
+            <a:xfrm>
+              <a:off x="10587444" y="1323540"/>
+              <a:ext cx="1059906" cy="246221"/>
+            </a:xfrm>
+            <a:prstGeom prst="rect">
+              <a:avLst/>
+            </a:prstGeom>
+            <a:noFill/>
+          </p:spPr>
+          <p:txBody>
+            <a:bodyPr wrap="none" rtlCol="0">
+              <a:spAutoFit/>
+            </a:bodyPr>
+            <a:lstStyle/>
+            <a:p>
+              <a:r>
+                <a:rPr lang="en-US" sz="1000" dirty="0">
+                  <a:latin typeface="Arial Nova Cond" panose="020B0506020202020204" pitchFamily="34" charset="0"/>
+                </a:rPr>
+                <a:t>Azure Event Grid</a:t>
+              </a:r>
+            </a:p>
+          </p:txBody>
+        </p:sp>
+      </p:grpSp>
+      <p:grpSp>
+        <p:nvGrpSpPr>
+          <p:cNvPr id="23" name="Group 22">
+            <a:extLst>
+              <a:ext uri="{FF2B5EF4-FFF2-40B4-BE49-F238E27FC236}">
+                <a16:creationId xmlns:a16="http://schemas.microsoft.com/office/drawing/2014/main" id="{E4D241D0-F5D6-4665-9CD5-6C50C04D2831}"/>
+              </a:ext>
+            </a:extLst>
+          </p:cNvPr>
+          <p:cNvGrpSpPr/>
+          <p:nvPr/>
+        </p:nvGrpSpPr>
+        <p:grpSpPr>
+          <a:xfrm>
+            <a:off x="8850547" y="2165853"/>
+            <a:ext cx="1028669" cy="472114"/>
+            <a:chOff x="3373522" y="834058"/>
+            <a:chExt cx="1028669" cy="472114"/>
+          </a:xfrm>
+        </p:grpSpPr>
+        <p:pic>
+          <p:nvPicPr>
+            <p:cNvPr id="1028" name="Picture 4" descr="See related image detail">
+              <a:extLst>
+                <a:ext uri="{FF2B5EF4-FFF2-40B4-BE49-F238E27FC236}">
+                  <a16:creationId xmlns:a16="http://schemas.microsoft.com/office/drawing/2014/main" id="{650EC945-E073-4979-BA21-343CE6D70BB9}"/>
+                </a:ext>
+              </a:extLst>
+            </p:cNvPr>
+            <p:cNvPicPr>
+              <a:picLocks noChangeAspect="1" noChangeArrowheads="1"/>
+            </p:cNvPicPr>
+            <p:nvPr/>
+          </p:nvPicPr>
+          <p:blipFill>
+            <a:blip r:embed="rId6">
+              <a:clrChange>
+                <a:clrFrom>
+                  <a:srgbClr val="FDFDFD"/>
+                </a:clrFrom>
+                <a:clrTo>
+                  <a:srgbClr val="FDFDFD">
+                    <a:alpha val="0"/>
+                  </a:srgbClr>
+                </a:clrTo>
+              </a:clrChange>
+              <a:extLst>
+                <a:ext uri="{28A0092B-C50C-407E-A947-70E740481C1C}">
+                  <a14:useLocalDpi xmlns:a14="http://schemas.microsoft.com/office/drawing/2010/main" val="0"/>
+                </a:ext>
+              </a:extLst>
+            </a:blip>
+            <a:srcRect/>
+            <a:stretch>
+              <a:fillRect/>
+            </a:stretch>
+          </p:blipFill>
+          <p:spPr bwMode="auto">
+            <a:xfrm>
+              <a:off x="3373522" y="834058"/>
+              <a:ext cx="430015" cy="472114"/>
+            </a:xfrm>
+            <a:prstGeom prst="rect">
+              <a:avLst/>
+            </a:prstGeom>
+            <a:noFill/>
+            <a:extLst>
+              <a:ext uri="{909E8E84-426E-40DD-AFC4-6F175D3DCCD1}">
+                <a14:hiddenFill xmlns:a14="http://schemas.microsoft.com/office/drawing/2010/main">
+                  <a:solidFill>
+                    <a:srgbClr val="FFFFFF"/>
+                  </a:solidFill>
+                </a14:hiddenFill>
+              </a:ext>
+            </a:extLst>
+          </p:spPr>
+        </p:pic>
+        <p:sp>
+          <p:nvSpPr>
+            <p:cNvPr id="14" name="TextBox 13">
+              <a:extLst>
+                <a:ext uri="{FF2B5EF4-FFF2-40B4-BE49-F238E27FC236}">
+                  <a16:creationId xmlns:a16="http://schemas.microsoft.com/office/drawing/2014/main" id="{226FE8E9-8258-4E11-90B2-20FF286B149A}"/>
+                </a:ext>
+              </a:extLst>
+            </p:cNvPr>
+            <p:cNvSpPr txBox="1"/>
+            <p:nvPr/>
+          </p:nvSpPr>
+          <p:spPr>
+            <a:xfrm>
+              <a:off x="3771890" y="858449"/>
+              <a:ext cx="630301" cy="400110"/>
+            </a:xfrm>
+            <a:prstGeom prst="rect">
+              <a:avLst/>
+            </a:prstGeom>
+            <a:noFill/>
+          </p:spPr>
+          <p:txBody>
+            <a:bodyPr wrap="none" rtlCol="0">
+              <a:spAutoFit/>
+            </a:bodyPr>
+            <a:lstStyle/>
+            <a:p>
+              <a:r>
+                <a:rPr lang="en-US" sz="1000" dirty="0">
+                  <a:latin typeface="Arial Nova Cond" panose="020B0506020202020204" pitchFamily="34" charset="0"/>
+                </a:rPr>
+                <a:t>Azure </a:t>
+              </a:r>
+              <a:br>
+                <a:rPr lang="en-US" sz="1000" dirty="0">
+                  <a:latin typeface="Arial Nova Cond" panose="020B0506020202020204" pitchFamily="34" charset="0"/>
+                </a:rPr>
+              </a:br>
+              <a:r>
+                <a:rPr lang="en-US" sz="1000" dirty="0" err="1">
+                  <a:latin typeface="Arial Nova Cond" panose="020B0506020202020204" pitchFamily="34" charset="0"/>
+                </a:rPr>
+                <a:t>KeyVault</a:t>
+              </a:r>
+              <a:endParaRPr lang="en-US" sz="1000" dirty="0">
+                <a:latin typeface="Arial Nova Cond" panose="020B0506020202020204" pitchFamily="34" charset="0"/>
+              </a:endParaRPr>
+            </a:p>
+          </p:txBody>
+        </p:sp>
+      </p:grpSp>
+      <p:cxnSp>
+        <p:nvCxnSpPr>
+          <p:cNvPr id="27" name="Straight Arrow Connector 26">
+            <a:extLst>
+              <a:ext uri="{FF2B5EF4-FFF2-40B4-BE49-F238E27FC236}">
+                <a16:creationId xmlns:a16="http://schemas.microsoft.com/office/drawing/2014/main" id="{12ED6B8A-00D3-415B-B3FC-88FC4EA40FE5}"/>
+              </a:ext>
+            </a:extLst>
+          </p:cNvPr>
+          <p:cNvCxnSpPr>
+            <a:cxnSpLocks/>
+            <a:stCxn id="72" idx="3"/>
+            <a:endCxn id="1028" idx="1"/>
+          </p:cNvCxnSpPr>
+          <p:nvPr/>
+        </p:nvCxnSpPr>
+        <p:spPr>
+          <a:xfrm flipV="1">
+            <a:off x="7441652" y="2401910"/>
+            <a:ext cx="1408895" cy="3658"/>
+          </a:xfrm>
+          <a:prstGeom prst="straightConnector1">
+            <a:avLst/>
+          </a:prstGeom>
+          <a:ln>
+            <a:headEnd type="triangle"/>
+            <a:tailEnd type="triangle"/>
+          </a:ln>
+        </p:spPr>
+        <p:style>
+          <a:lnRef idx="1">
+            <a:schemeClr val="accent1"/>
+          </a:lnRef>
+          <a:fillRef idx="0">
+            <a:schemeClr val="accent1"/>
+          </a:fillRef>
+          <a:effectRef idx="0">
+            <a:schemeClr val="accent1"/>
+          </a:effectRef>
+          <a:fontRef idx="minor">
+            <a:schemeClr val="tx1"/>
+          </a:fontRef>
+        </p:style>
+      </p:cxnSp>
+      <p:sp>
+        <p:nvSpPr>
+          <p:cNvPr id="52" name="TextBox 51">
+            <a:extLst>
+              <a:ext uri="{FF2B5EF4-FFF2-40B4-BE49-F238E27FC236}">
+                <a16:creationId xmlns:a16="http://schemas.microsoft.com/office/drawing/2014/main" id="{67EED9E1-480A-4671-854A-21865EDA3022}"/>
+              </a:ext>
+            </a:extLst>
+          </p:cNvPr>
+          <p:cNvSpPr txBox="1"/>
+          <p:nvPr/>
+        </p:nvSpPr>
+        <p:spPr>
+          <a:xfrm>
+            <a:off x="7916640" y="3040185"/>
+            <a:ext cx="1224769" cy="246221"/>
+          </a:xfrm>
+          <a:prstGeom prst="rect">
+            <a:avLst/>
+          </a:prstGeom>
+          <a:noFill/>
+        </p:spPr>
+        <p:txBody>
+          <a:bodyPr wrap="square">
+            <a:spAutoFit/>
+          </a:bodyPr>
+          <a:lstStyle/>
+          <a:p>
+            <a:r>
+              <a:rPr lang="en-US" sz="1000" dirty="0">
+                <a:latin typeface="Arial Nova Cond" panose="020B0506020202020204" pitchFamily="34" charset="0"/>
+              </a:rPr>
+              <a:t>AUDIT LOGS</a:t>
+            </a:r>
+          </a:p>
+        </p:txBody>
+      </p:sp>
+      <p:sp>
+        <p:nvSpPr>
+          <p:cNvPr id="51" name="TextBox 50">
+            <a:extLst>
+              <a:ext uri="{FF2B5EF4-FFF2-40B4-BE49-F238E27FC236}">
+                <a16:creationId xmlns:a16="http://schemas.microsoft.com/office/drawing/2014/main" id="{196903A7-7DD1-4371-B726-E349FB0FACC7}"/>
+              </a:ext>
+            </a:extLst>
+          </p:cNvPr>
+          <p:cNvSpPr txBox="1"/>
+          <p:nvPr/>
+        </p:nvSpPr>
+        <p:spPr>
+          <a:xfrm>
+            <a:off x="7986229" y="2199276"/>
+            <a:ext cx="964788" cy="246221"/>
+          </a:xfrm>
+          <a:prstGeom prst="rect">
+            <a:avLst/>
+          </a:prstGeom>
+          <a:noFill/>
+        </p:spPr>
+        <p:txBody>
+          <a:bodyPr wrap="square">
+            <a:spAutoFit/>
+          </a:bodyPr>
+          <a:lstStyle>
+            <a:defPPr>
+              <a:defRPr lang="en-US"/>
+            </a:defPPr>
+            <a:lvl1pPr>
+              <a:defRPr sz="1000"/>
+            </a:lvl1pPr>
+          </a:lstStyle>
+          <a:p>
+            <a:pPr algn="ctr"/>
+            <a:r>
+              <a:rPr lang="en-US" dirty="0">
+                <a:latin typeface="Arial Nova Cond" panose="020B0506020202020204" pitchFamily="34" charset="0"/>
+              </a:rPr>
+              <a:t>SECRETS</a:t>
+            </a:r>
+          </a:p>
+        </p:txBody>
+      </p:sp>
+      <p:cxnSp>
+        <p:nvCxnSpPr>
+          <p:cNvPr id="71" name="Connector: Elbow 70">
+            <a:extLst>
+              <a:ext uri="{FF2B5EF4-FFF2-40B4-BE49-F238E27FC236}">
+                <a16:creationId xmlns:a16="http://schemas.microsoft.com/office/drawing/2014/main" id="{36B34FA8-545A-4AD4-AD4D-FC55CABA9898}"/>
+              </a:ext>
+            </a:extLst>
+          </p:cNvPr>
+          <p:cNvCxnSpPr>
+            <a:cxnSpLocks/>
+            <a:endCxn id="1034" idx="1"/>
+          </p:cNvCxnSpPr>
+          <p:nvPr/>
+        </p:nvCxnSpPr>
+        <p:spPr>
+          <a:xfrm>
+            <a:off x="2312784" y="2364998"/>
+            <a:ext cx="1466658" cy="246221"/>
+          </a:xfrm>
+          <a:prstGeom prst="bentConnector3">
+            <a:avLst>
+              <a:gd name="adj1" fmla="val 50000"/>
+            </a:avLst>
+          </a:prstGeom>
+          <a:ln>
+            <a:tailEnd type="triangle"/>
+          </a:ln>
+        </p:spPr>
+        <p:style>
+          <a:lnRef idx="1">
+            <a:schemeClr val="accent1"/>
+          </a:lnRef>
+          <a:fillRef idx="0">
+            <a:schemeClr val="accent1"/>
+          </a:fillRef>
+          <a:effectRef idx="0">
+            <a:schemeClr val="accent1"/>
+          </a:effectRef>
+          <a:fontRef idx="minor">
+            <a:schemeClr val="tx1"/>
+          </a:fontRef>
+        </p:style>
+      </p:cxnSp>
+      <p:cxnSp>
+        <p:nvCxnSpPr>
+          <p:cNvPr id="101" name="Connector: Elbow 100">
+            <a:extLst>
+              <a:ext uri="{FF2B5EF4-FFF2-40B4-BE49-F238E27FC236}">
+                <a16:creationId xmlns:a16="http://schemas.microsoft.com/office/drawing/2014/main" id="{B3B75856-403A-4275-8D25-969A82F5CCC0}"/>
+              </a:ext>
+            </a:extLst>
+          </p:cNvPr>
+          <p:cNvCxnSpPr>
+            <a:cxnSpLocks/>
+            <a:stCxn id="1034" idx="3"/>
+            <a:endCxn id="13" idx="1"/>
+          </p:cNvCxnSpPr>
+          <p:nvPr/>
+        </p:nvCxnSpPr>
+        <p:spPr>
+          <a:xfrm flipV="1">
+            <a:off x="4364422" y="2429564"/>
+            <a:ext cx="1580201" cy="181655"/>
+          </a:xfrm>
+          <a:prstGeom prst="bentConnector3">
+            <a:avLst>
+              <a:gd name="adj1" fmla="val 50000"/>
+            </a:avLst>
+          </a:prstGeom>
+          <a:ln>
+            <a:tailEnd type="triangle"/>
+          </a:ln>
+        </p:spPr>
+        <p:style>
+          <a:lnRef idx="1">
+            <a:schemeClr val="accent1"/>
+          </a:lnRef>
+          <a:fillRef idx="0">
+            <a:schemeClr val="accent1"/>
+          </a:fillRef>
+          <a:effectRef idx="0">
+            <a:schemeClr val="accent1"/>
+          </a:effectRef>
+          <a:fontRef idx="minor">
+            <a:schemeClr val="tx1"/>
+          </a:fontRef>
+        </p:style>
+      </p:cxnSp>
+      <p:cxnSp>
+        <p:nvCxnSpPr>
+          <p:cNvPr id="109" name="Straight Arrow Connector 108">
+            <a:extLst>
+              <a:ext uri="{FF2B5EF4-FFF2-40B4-BE49-F238E27FC236}">
+                <a16:creationId xmlns:a16="http://schemas.microsoft.com/office/drawing/2014/main" id="{58FEBA7C-7356-4206-AA52-F9116A41C8D1}"/>
+              </a:ext>
+            </a:extLst>
+          </p:cNvPr>
+          <p:cNvCxnSpPr>
+            <a:cxnSpLocks/>
+          </p:cNvCxnSpPr>
+          <p:nvPr/>
+        </p:nvCxnSpPr>
+        <p:spPr>
+          <a:xfrm flipH="1">
+            <a:off x="2563000" y="2140894"/>
+            <a:ext cx="3359715" cy="0"/>
+          </a:xfrm>
+          <a:prstGeom prst="straightConnector1">
+            <a:avLst/>
+          </a:prstGeom>
+          <a:ln>
+            <a:tailEnd type="triangle"/>
+          </a:ln>
+        </p:spPr>
+        <p:style>
+          <a:lnRef idx="1">
+            <a:schemeClr val="accent1"/>
+          </a:lnRef>
+          <a:fillRef idx="0">
+            <a:schemeClr val="accent1"/>
+          </a:fillRef>
+          <a:effectRef idx="0">
+            <a:schemeClr val="accent1"/>
+          </a:effectRef>
+          <a:fontRef idx="minor">
+            <a:schemeClr val="tx1"/>
+          </a:fontRef>
+        </p:style>
+      </p:cxnSp>
+      <p:grpSp>
+        <p:nvGrpSpPr>
+          <p:cNvPr id="118" name="Group 117">
+            <a:extLst>
+              <a:ext uri="{FF2B5EF4-FFF2-40B4-BE49-F238E27FC236}">
+                <a16:creationId xmlns:a16="http://schemas.microsoft.com/office/drawing/2014/main" id="{5AD48EC0-E17F-40DA-B39F-FD73D4679917}"/>
+              </a:ext>
+            </a:extLst>
+          </p:cNvPr>
+          <p:cNvGrpSpPr/>
+          <p:nvPr/>
+        </p:nvGrpSpPr>
+        <p:grpSpPr>
+          <a:xfrm>
+            <a:off x="8072563" y="644396"/>
+            <a:ext cx="1458136" cy="543437"/>
+            <a:chOff x="4441224" y="358243"/>
+            <a:chExt cx="1458136" cy="543437"/>
+          </a:xfrm>
+        </p:grpSpPr>
+        <p:pic>
+          <p:nvPicPr>
+            <p:cNvPr id="1044" name="Picture 20" descr="See the source image">
+              <a:extLst>
+                <a:ext uri="{FF2B5EF4-FFF2-40B4-BE49-F238E27FC236}">
+                  <a16:creationId xmlns:a16="http://schemas.microsoft.com/office/drawing/2014/main" id="{642512C5-E240-40AD-9E97-6A7B5AE4D95E}"/>
+                </a:ext>
+              </a:extLst>
+            </p:cNvPr>
+            <p:cNvPicPr>
+              <a:picLocks noChangeAspect="1" noChangeArrowheads="1"/>
+            </p:cNvPicPr>
+            <p:nvPr/>
+          </p:nvPicPr>
+          <p:blipFill rotWithShape="1">
+            <a:blip r:embed="rId7">
+              <a:extLst>
+                <a:ext uri="{28A0092B-C50C-407E-A947-70E740481C1C}">
+                  <a14:useLocalDpi xmlns:a14="http://schemas.microsoft.com/office/drawing/2010/main" val="0"/>
+                </a:ext>
+              </a:extLst>
+            </a:blip>
+            <a:srcRect l="6123" r="62635"/>
+            <a:stretch/>
+          </p:blipFill>
+          <p:spPr bwMode="auto">
+            <a:xfrm>
+              <a:off x="4441224" y="358243"/>
+              <a:ext cx="561472" cy="543437"/>
+            </a:xfrm>
+            <a:prstGeom prst="rect">
+              <a:avLst/>
+            </a:prstGeom>
+            <a:noFill/>
+            <a:extLst>
+              <a:ext uri="{909E8E84-426E-40DD-AFC4-6F175D3DCCD1}">
+                <a14:hiddenFill xmlns:a14="http://schemas.microsoft.com/office/drawing/2010/main">
+                  <a:solidFill>
+                    <a:srgbClr val="FFFFFF"/>
+                  </a:solidFill>
+                </a14:hiddenFill>
+              </a:ext>
+            </a:extLst>
+          </p:spPr>
+        </p:pic>
+        <p:sp>
+          <p:nvSpPr>
+            <p:cNvPr id="116" name="TextBox 115">
+              <a:extLst>
+                <a:ext uri="{FF2B5EF4-FFF2-40B4-BE49-F238E27FC236}">
+                  <a16:creationId xmlns:a16="http://schemas.microsoft.com/office/drawing/2014/main" id="{793721C3-602F-4139-B2D3-C05133142935}"/>
+                </a:ext>
+              </a:extLst>
+            </p:cNvPr>
+            <p:cNvSpPr txBox="1"/>
+            <p:nvPr/>
+          </p:nvSpPr>
+          <p:spPr>
+            <a:xfrm>
+              <a:off x="4901971" y="445933"/>
+              <a:ext cx="997389" cy="400110"/>
+            </a:xfrm>
+            <a:prstGeom prst="rect">
+              <a:avLst/>
+            </a:prstGeom>
+            <a:noFill/>
+          </p:spPr>
+          <p:txBody>
+            <a:bodyPr wrap="none" rtlCol="0">
+              <a:spAutoFit/>
+            </a:bodyPr>
+            <a:lstStyle/>
+            <a:p>
+              <a:r>
+                <a:rPr lang="en-US" sz="1000" dirty="0">
+                  <a:latin typeface="Arial Nova Cond" panose="020B0506020202020204" pitchFamily="34" charset="0"/>
+                </a:rPr>
+                <a:t>Azure </a:t>
+              </a:r>
+              <a:br>
+                <a:rPr lang="en-US" sz="1000" dirty="0">
+                  <a:latin typeface="Arial Nova Cond" panose="020B0506020202020204" pitchFamily="34" charset="0"/>
+                </a:rPr>
+              </a:br>
+              <a:r>
+                <a:rPr lang="en-US" sz="1000" dirty="0">
+                  <a:latin typeface="Arial Nova Cond" panose="020B0506020202020204" pitchFamily="34" charset="0"/>
+                </a:rPr>
+                <a:t>Active Directory</a:t>
+              </a:r>
+            </a:p>
+          </p:txBody>
+        </p:sp>
+      </p:grpSp>
+      <p:cxnSp>
+        <p:nvCxnSpPr>
+          <p:cNvPr id="120" name="Connector: Elbow 119">
+            <a:extLst>
+              <a:ext uri="{FF2B5EF4-FFF2-40B4-BE49-F238E27FC236}">
+                <a16:creationId xmlns:a16="http://schemas.microsoft.com/office/drawing/2014/main" id="{BA30DD14-653D-4781-808D-170AE61C2995}"/>
+              </a:ext>
+            </a:extLst>
+          </p:cNvPr>
+          <p:cNvCxnSpPr>
+            <a:cxnSpLocks/>
+            <a:stCxn id="1030" idx="2"/>
+          </p:cNvCxnSpPr>
+          <p:nvPr/>
+        </p:nvCxnSpPr>
+        <p:spPr>
+          <a:xfrm rot="16200000" flipH="1">
+            <a:off x="5421525" y="1204572"/>
+            <a:ext cx="820623" cy="812923"/>
+          </a:xfrm>
+          <a:prstGeom prst="bentConnector3">
+            <a:avLst>
+              <a:gd name="adj1" fmla="val 50000"/>
+            </a:avLst>
+          </a:prstGeom>
+          <a:ln>
+            <a:tailEnd type="triangle"/>
+          </a:ln>
+        </p:spPr>
+        <p:style>
+          <a:lnRef idx="1">
+            <a:schemeClr val="accent1"/>
+          </a:lnRef>
+          <a:fillRef idx="0">
+            <a:schemeClr val="accent1"/>
+          </a:fillRef>
+          <a:effectRef idx="0">
+            <a:schemeClr val="accent1"/>
+          </a:effectRef>
+          <a:fontRef idx="minor">
+            <a:schemeClr val="tx1"/>
+          </a:fontRef>
+        </p:style>
+      </p:cxnSp>
+      <p:sp>
+        <p:nvSpPr>
+          <p:cNvPr id="5" name="TextBox 4">
+            <a:extLst>
+              <a:ext uri="{FF2B5EF4-FFF2-40B4-BE49-F238E27FC236}">
+                <a16:creationId xmlns:a16="http://schemas.microsoft.com/office/drawing/2014/main" id="{0254268D-6166-4529-B134-DA207A20F5DF}"/>
+              </a:ext>
+            </a:extLst>
+          </p:cNvPr>
+          <p:cNvSpPr txBox="1"/>
+          <p:nvPr/>
+        </p:nvSpPr>
+        <p:spPr>
+          <a:xfrm>
+            <a:off x="4574194" y="1200721"/>
+            <a:ext cx="901482" cy="400110"/>
+          </a:xfrm>
+          <a:prstGeom prst="rect">
+            <a:avLst/>
+          </a:prstGeom>
+          <a:noFill/>
+        </p:spPr>
+        <p:txBody>
+          <a:bodyPr wrap="square">
+            <a:spAutoFit/>
+          </a:bodyPr>
+          <a:lstStyle>
+            <a:defPPr>
+              <a:defRPr lang="en-US"/>
+            </a:defPPr>
+            <a:lvl1pPr algn="ctr">
+              <a:defRPr sz="1000"/>
+            </a:lvl1pPr>
+          </a:lstStyle>
+          <a:p>
+            <a:pPr algn="r"/>
+            <a:r>
+              <a:rPr lang="en-US" dirty="0">
+                <a:latin typeface="Arial Nova Cond" panose="020B0506020202020204" pitchFamily="34" charset="0"/>
+              </a:rPr>
+              <a:t>APP IMAGE PULL</a:t>
+            </a:r>
+          </a:p>
+        </p:txBody>
+      </p:sp>
+      <p:cxnSp>
+        <p:nvCxnSpPr>
+          <p:cNvPr id="2" name="Connector: Elbow 1">
+            <a:extLst>
+              <a:ext uri="{FF2B5EF4-FFF2-40B4-BE49-F238E27FC236}">
+                <a16:creationId xmlns:a16="http://schemas.microsoft.com/office/drawing/2014/main" id="{9FABF8EA-A0B1-4B1E-AB68-3A9895C3F009}"/>
+              </a:ext>
+            </a:extLst>
+          </p:cNvPr>
+          <p:cNvCxnSpPr>
+            <a:cxnSpLocks/>
+            <a:endCxn id="1036" idx="1"/>
+          </p:cNvCxnSpPr>
+          <p:nvPr/>
+        </p:nvCxnSpPr>
+        <p:spPr>
+          <a:xfrm>
+            <a:off x="7463560" y="2572738"/>
+            <a:ext cx="1343145" cy="461369"/>
+          </a:xfrm>
+          <a:prstGeom prst="bentConnector3">
+            <a:avLst>
+              <a:gd name="adj1" fmla="val 50000"/>
+            </a:avLst>
+          </a:prstGeom>
+          <a:ln>
+            <a:tailEnd type="triangle"/>
+          </a:ln>
+        </p:spPr>
+        <p:style>
+          <a:lnRef idx="1">
+            <a:schemeClr val="accent1"/>
+          </a:lnRef>
+          <a:fillRef idx="0">
+            <a:schemeClr val="accent1"/>
+          </a:fillRef>
+          <a:effectRef idx="0">
+            <a:schemeClr val="accent1"/>
+          </a:effectRef>
+          <a:fontRef idx="minor">
+            <a:schemeClr val="tx1"/>
+          </a:fontRef>
+        </p:style>
+      </p:cxnSp>
+      <p:grpSp>
+        <p:nvGrpSpPr>
+          <p:cNvPr id="40" name="Group 39">
+            <a:extLst>
+              <a:ext uri="{FF2B5EF4-FFF2-40B4-BE49-F238E27FC236}">
+                <a16:creationId xmlns:a16="http://schemas.microsoft.com/office/drawing/2014/main" id="{22CE497F-9CBA-4588-A3F3-812EAE5F16B5}"/>
+              </a:ext>
+            </a:extLst>
+          </p:cNvPr>
+          <p:cNvGrpSpPr/>
+          <p:nvPr/>
+        </p:nvGrpSpPr>
+        <p:grpSpPr>
+          <a:xfrm>
+            <a:off x="6351808" y="1831836"/>
+            <a:ext cx="1304851" cy="309058"/>
+            <a:chOff x="9891239" y="2672994"/>
+            <a:chExt cx="1304851" cy="309058"/>
+          </a:xfrm>
+        </p:grpSpPr>
+        <p:sp>
+          <p:nvSpPr>
+            <p:cNvPr id="73" name="TextBox 72">
+              <a:extLst>
+                <a:ext uri="{FF2B5EF4-FFF2-40B4-BE49-F238E27FC236}">
+                  <a16:creationId xmlns:a16="http://schemas.microsoft.com/office/drawing/2014/main" id="{9123938A-CC83-4815-AAFE-2EEB2D9A0FED}"/>
+                </a:ext>
+              </a:extLst>
+            </p:cNvPr>
+            <p:cNvSpPr txBox="1"/>
+            <p:nvPr/>
+          </p:nvSpPr>
+          <p:spPr>
+            <a:xfrm>
+              <a:off x="9891239" y="2683553"/>
+              <a:ext cx="1032994" cy="215444"/>
+            </a:xfrm>
+            <a:prstGeom prst="rect">
+              <a:avLst/>
+            </a:prstGeom>
+            <a:noFill/>
+          </p:spPr>
+          <p:txBody>
+            <a:bodyPr wrap="square" rtlCol="0">
+              <a:spAutoFit/>
+            </a:bodyPr>
+            <a:lstStyle>
+              <a:defPPr>
+                <a:defRPr lang="en-US"/>
+              </a:defPPr>
+              <a:lvl1pPr>
+                <a:defRPr sz="1000"/>
+              </a:lvl1pPr>
+            </a:lstStyle>
+            <a:p>
+              <a:pPr algn="r"/>
+              <a:r>
+                <a:rPr lang="en-US" sz="800" dirty="0">
+                  <a:latin typeface="Arial Nova Cond" panose="020B0506020202020204" pitchFamily="34" charset="0"/>
+                </a:rPr>
+                <a:t>Service Principal</a:t>
+              </a:r>
+            </a:p>
+          </p:txBody>
+        </p:sp>
+        <p:pic>
+          <p:nvPicPr>
+            <p:cNvPr id="37" name="Picture 36">
+              <a:extLst>
+                <a:ext uri="{FF2B5EF4-FFF2-40B4-BE49-F238E27FC236}">
+                  <a16:creationId xmlns:a16="http://schemas.microsoft.com/office/drawing/2014/main" id="{0FE0D012-38B4-4F64-826A-10B63FE206B9}"/>
+                </a:ext>
+              </a:extLst>
+            </p:cNvPr>
+            <p:cNvPicPr>
+              <a:picLocks noChangeAspect="1"/>
+            </p:cNvPicPr>
+            <p:nvPr/>
+          </p:nvPicPr>
+          <p:blipFill rotWithShape="1">
+            <a:blip r:embed="rId8"/>
+            <a:srcRect b="7712"/>
+            <a:stretch/>
+          </p:blipFill>
+          <p:spPr>
+            <a:xfrm>
+              <a:off x="10853037" y="2672994"/>
+              <a:ext cx="343053" cy="309058"/>
+            </a:xfrm>
+            <a:prstGeom prst="rect">
+              <a:avLst/>
+            </a:prstGeom>
+          </p:spPr>
+        </p:pic>
+      </p:grpSp>
+      <p:cxnSp>
+        <p:nvCxnSpPr>
+          <p:cNvPr id="43" name="Connector: Elbow 42">
+            <a:extLst>
+              <a:ext uri="{FF2B5EF4-FFF2-40B4-BE49-F238E27FC236}">
+                <a16:creationId xmlns:a16="http://schemas.microsoft.com/office/drawing/2014/main" id="{85812B80-F87B-4D13-85CE-4D773FA65B15}"/>
+              </a:ext>
+            </a:extLst>
+          </p:cNvPr>
+          <p:cNvCxnSpPr>
+            <a:cxnSpLocks/>
+            <a:stCxn id="37" idx="0"/>
+            <a:endCxn id="1030" idx="3"/>
+          </p:cNvCxnSpPr>
+          <p:nvPr/>
+        </p:nvCxnSpPr>
+        <p:spPr>
+          <a:xfrm rot="16200000" flipV="1">
+            <a:off x="6157914" y="504616"/>
+            <a:ext cx="870721" cy="1783719"/>
+          </a:xfrm>
+          <a:prstGeom prst="bentConnector2">
+            <a:avLst/>
+          </a:prstGeom>
+          <a:ln w="9525">
+            <a:prstDash val="lgDashDot"/>
+            <a:headEnd type="triangle"/>
+            <a:tailEnd type="triangle"/>
+          </a:ln>
+        </p:spPr>
+        <p:style>
+          <a:lnRef idx="1">
+            <a:schemeClr val="accent6"/>
+          </a:lnRef>
+          <a:fillRef idx="0">
+            <a:schemeClr val="accent6"/>
+          </a:fillRef>
+          <a:effectRef idx="0">
+            <a:schemeClr val="accent6"/>
+          </a:effectRef>
+          <a:fontRef idx="minor">
+            <a:schemeClr val="tx1"/>
+          </a:fontRef>
+        </p:style>
+      </p:cxnSp>
+      <p:sp>
+        <p:nvSpPr>
+          <p:cNvPr id="49" name="TextBox 48">
+            <a:extLst>
+              <a:ext uri="{FF2B5EF4-FFF2-40B4-BE49-F238E27FC236}">
+                <a16:creationId xmlns:a16="http://schemas.microsoft.com/office/drawing/2014/main" id="{0787A1DF-D659-4A42-A7BD-C539F9891149}"/>
+              </a:ext>
+            </a:extLst>
+          </p:cNvPr>
+          <p:cNvSpPr txBox="1"/>
+          <p:nvPr/>
+        </p:nvSpPr>
+        <p:spPr>
+          <a:xfrm>
+            <a:off x="6156261" y="729048"/>
+            <a:ext cx="782587" cy="246221"/>
+          </a:xfrm>
+          <a:prstGeom prst="rect">
+            <a:avLst/>
+          </a:prstGeom>
+          <a:noFill/>
+        </p:spPr>
+        <p:txBody>
+          <a:bodyPr wrap="none" rtlCol="0">
+            <a:spAutoFit/>
+          </a:bodyPr>
+          <a:lstStyle>
+            <a:defPPr>
+              <a:defRPr lang="en-US"/>
+            </a:defPPr>
+            <a:lvl1pPr>
+              <a:defRPr sz="1000"/>
+            </a:lvl1pPr>
+          </a:lstStyle>
+          <a:p>
+            <a:r>
+              <a:rPr lang="en-US" dirty="0" err="1">
+                <a:latin typeface="Arial Nova Cond" panose="020B0506020202020204" pitchFamily="34" charset="0"/>
+              </a:rPr>
+              <a:t>AcrPull</a:t>
+            </a:r>
+            <a:r>
+              <a:rPr lang="en-US" dirty="0">
+                <a:latin typeface="Arial Nova Cond" panose="020B0506020202020204" pitchFamily="34" charset="0"/>
+              </a:rPr>
+              <a:t> role</a:t>
+            </a:r>
+          </a:p>
+        </p:txBody>
+      </p:sp>
+      <p:grpSp>
+        <p:nvGrpSpPr>
+          <p:cNvPr id="67" name="Group 66">
+            <a:extLst>
+              <a:ext uri="{FF2B5EF4-FFF2-40B4-BE49-F238E27FC236}">
+                <a16:creationId xmlns:a16="http://schemas.microsoft.com/office/drawing/2014/main" id="{B54AD928-993B-494D-967D-A7B0BA2DEB1D}"/>
+              </a:ext>
+            </a:extLst>
+          </p:cNvPr>
+          <p:cNvGrpSpPr/>
+          <p:nvPr/>
+        </p:nvGrpSpPr>
+        <p:grpSpPr>
+          <a:xfrm>
+            <a:off x="5588099" y="2456576"/>
+            <a:ext cx="2068560" cy="612189"/>
+            <a:chOff x="6629364" y="753871"/>
+            <a:chExt cx="2068560" cy="612189"/>
+          </a:xfrm>
+        </p:grpSpPr>
+        <p:pic>
+          <p:nvPicPr>
+            <p:cNvPr id="68" name="Picture 67">
+              <a:extLst>
+                <a:ext uri="{FF2B5EF4-FFF2-40B4-BE49-F238E27FC236}">
+                  <a16:creationId xmlns:a16="http://schemas.microsoft.com/office/drawing/2014/main" id="{0144E38D-537F-4D85-B89A-AF08EBD37A2A}"/>
+                </a:ext>
+              </a:extLst>
+            </p:cNvPr>
+            <p:cNvPicPr>
+              <a:picLocks noChangeAspect="1"/>
+            </p:cNvPicPr>
+            <p:nvPr/>
+          </p:nvPicPr>
+          <p:blipFill>
+            <a:blip r:embed="rId9">
+              <a:clrChange>
+                <a:clrFrom>
+                  <a:srgbClr val="FFFFFF"/>
+                </a:clrFrom>
+                <a:clrTo>
+                  <a:srgbClr val="FFFFFF">
+                    <a:alpha val="0"/>
+                  </a:srgbClr>
+                </a:clrTo>
+              </a:clrChange>
+            </a:blip>
+            <a:stretch>
+              <a:fillRect/>
+            </a:stretch>
+          </p:blipFill>
+          <p:spPr>
+            <a:xfrm>
+              <a:off x="6629364" y="753871"/>
+              <a:ext cx="659280" cy="612189"/>
+            </a:xfrm>
+            <a:prstGeom prst="rect">
+              <a:avLst/>
+            </a:prstGeom>
+          </p:spPr>
+        </p:pic>
+        <p:sp>
+          <p:nvSpPr>
+            <p:cNvPr id="69" name="TextBox 68">
+              <a:extLst>
+                <a:ext uri="{FF2B5EF4-FFF2-40B4-BE49-F238E27FC236}">
+                  <a16:creationId xmlns:a16="http://schemas.microsoft.com/office/drawing/2014/main" id="{0B4C5FC4-B034-45C3-8083-21E419B9FA1B}"/>
+                </a:ext>
+              </a:extLst>
+            </p:cNvPr>
+            <p:cNvSpPr txBox="1"/>
+            <p:nvPr/>
+          </p:nvSpPr>
+          <p:spPr>
+            <a:xfrm>
+              <a:off x="7081362" y="1084529"/>
+              <a:ext cx="1616562" cy="246221"/>
+            </a:xfrm>
+            <a:prstGeom prst="rect">
+              <a:avLst/>
+            </a:prstGeom>
+            <a:noFill/>
+          </p:spPr>
+          <p:txBody>
+            <a:bodyPr wrap="square" rtlCol="0">
+              <a:spAutoFit/>
+            </a:bodyPr>
+            <a:lstStyle/>
+            <a:p>
+              <a:r>
+                <a:rPr lang="en-US" sz="1000" dirty="0">
+                  <a:latin typeface="Arial Nova Cond" panose="020B0506020202020204" pitchFamily="34" charset="0"/>
+                </a:rPr>
+                <a:t>Azure Container Apps</a:t>
+              </a:r>
+            </a:p>
+          </p:txBody>
+        </p:sp>
+      </p:grpSp>
+      <p:sp>
+        <p:nvSpPr>
+          <p:cNvPr id="72" name="TextBox 71">
+            <a:extLst>
+              <a:ext uri="{FF2B5EF4-FFF2-40B4-BE49-F238E27FC236}">
+                <a16:creationId xmlns:a16="http://schemas.microsoft.com/office/drawing/2014/main" id="{5B4098B0-34C3-4339-A20B-46D9DF20065A}"/>
+              </a:ext>
+            </a:extLst>
+          </p:cNvPr>
+          <p:cNvSpPr txBox="1"/>
+          <p:nvPr/>
+        </p:nvSpPr>
+        <p:spPr>
+          <a:xfrm>
+            <a:off x="5951914" y="2267068"/>
+            <a:ext cx="1489738" cy="276999"/>
+          </a:xfrm>
+          <a:prstGeom prst="rect">
+            <a:avLst/>
+          </a:prstGeom>
+          <a:noFill/>
+        </p:spPr>
+        <p:txBody>
+          <a:bodyPr wrap="square">
+            <a:spAutoFit/>
+          </a:bodyPr>
+          <a:lstStyle/>
+          <a:p>
+            <a:pPr algn="ctr"/>
+            <a:r>
+              <a:rPr lang="en-US" sz="1200" dirty="0" err="1">
+                <a:latin typeface="Arial Nova Cond" panose="020B0506020202020204" pitchFamily="34" charset="0"/>
+              </a:rPr>
+              <a:t>SecretDeliveryApp</a:t>
+            </a:r>
+            <a:endParaRPr lang="en-US" sz="1200" dirty="0">
+              <a:latin typeface="Arial Nova Cond" panose="020B0506020202020204" pitchFamily="34" charset="0"/>
+            </a:endParaRPr>
+          </a:p>
+        </p:txBody>
+      </p:sp>
+      <p:cxnSp>
+        <p:nvCxnSpPr>
+          <p:cNvPr id="74" name="Connector: Elbow 73">
+            <a:extLst>
+              <a:ext uri="{FF2B5EF4-FFF2-40B4-BE49-F238E27FC236}">
+                <a16:creationId xmlns:a16="http://schemas.microsoft.com/office/drawing/2014/main" id="{3FCC4A0C-A699-403A-B571-D7C26546D649}"/>
+              </a:ext>
+            </a:extLst>
+          </p:cNvPr>
+          <p:cNvCxnSpPr>
+            <a:cxnSpLocks/>
+            <a:stCxn id="37" idx="3"/>
+            <a:endCxn id="1028" idx="0"/>
+          </p:cNvCxnSpPr>
+          <p:nvPr/>
+        </p:nvCxnSpPr>
+        <p:spPr>
+          <a:xfrm>
+            <a:off x="7656659" y="1986365"/>
+            <a:ext cx="1408896" cy="179488"/>
+          </a:xfrm>
+          <a:prstGeom prst="bentConnector2">
+            <a:avLst/>
+          </a:prstGeom>
+          <a:ln w="9525">
+            <a:prstDash val="lgDashDot"/>
+            <a:headEnd type="triangle"/>
+            <a:tailEnd type="triangle"/>
+          </a:ln>
+        </p:spPr>
+        <p:style>
+          <a:lnRef idx="1">
+            <a:schemeClr val="accent6"/>
+          </a:lnRef>
+          <a:fillRef idx="0">
+            <a:schemeClr val="accent6"/>
+          </a:fillRef>
+          <a:effectRef idx="0">
+            <a:schemeClr val="accent6"/>
+          </a:effectRef>
+          <a:fontRef idx="minor">
+            <a:schemeClr val="tx1"/>
+          </a:fontRef>
+        </p:style>
+      </p:cxnSp>
+      <p:sp>
+        <p:nvSpPr>
+          <p:cNvPr id="82" name="TextBox 81">
+            <a:extLst>
+              <a:ext uri="{FF2B5EF4-FFF2-40B4-BE49-F238E27FC236}">
+                <a16:creationId xmlns:a16="http://schemas.microsoft.com/office/drawing/2014/main" id="{24D51C3F-C7E9-4AA4-B71E-51AC03D7EF0A}"/>
+              </a:ext>
+            </a:extLst>
+          </p:cNvPr>
+          <p:cNvSpPr txBox="1"/>
+          <p:nvPr/>
+        </p:nvSpPr>
+        <p:spPr>
+          <a:xfrm>
+            <a:off x="8200630" y="1771225"/>
+            <a:ext cx="380232" cy="246221"/>
+          </a:xfrm>
+          <a:prstGeom prst="rect">
+            <a:avLst/>
+          </a:prstGeom>
+          <a:noFill/>
+        </p:spPr>
+        <p:txBody>
+          <a:bodyPr wrap="none" rtlCol="0">
+            <a:spAutoFit/>
+          </a:bodyPr>
+          <a:lstStyle>
+            <a:defPPr>
+              <a:defRPr lang="en-US"/>
+            </a:defPPr>
+            <a:lvl1pPr>
+              <a:defRPr sz="1000"/>
+            </a:lvl1pPr>
+          </a:lstStyle>
+          <a:p>
+            <a:r>
+              <a:rPr lang="en-US" dirty="0">
+                <a:latin typeface="Arial Nova Cond" panose="020B0506020202020204" pitchFamily="34" charset="0"/>
+              </a:rPr>
+              <a:t>role</a:t>
+            </a:r>
+          </a:p>
+        </p:txBody>
+      </p:sp>
+      <p:cxnSp>
+        <p:nvCxnSpPr>
+          <p:cNvPr id="1033" name="Straight Arrow Connector 1032">
+            <a:extLst>
+              <a:ext uri="{FF2B5EF4-FFF2-40B4-BE49-F238E27FC236}">
+                <a16:creationId xmlns:a16="http://schemas.microsoft.com/office/drawing/2014/main" id="{B50947AE-8B6B-4779-BFBA-4A9845D4B9D8}"/>
+              </a:ext>
+            </a:extLst>
+          </p:cNvPr>
+          <p:cNvCxnSpPr/>
+          <p:nvPr/>
+        </p:nvCxnSpPr>
+        <p:spPr>
+          <a:xfrm flipH="1">
+            <a:off x="7597942" y="1127219"/>
+            <a:ext cx="602688" cy="704617"/>
+          </a:xfrm>
+          <a:prstGeom prst="straightConnector1">
+            <a:avLst/>
+          </a:prstGeom>
+          <a:ln w="9525">
+            <a:prstDash val="lgDashDot"/>
+            <a:headEnd type="triangle"/>
+            <a:tailEnd type="triangle"/>
+          </a:ln>
+        </p:spPr>
+        <p:style>
+          <a:lnRef idx="1">
+            <a:schemeClr val="accent6"/>
+          </a:lnRef>
+          <a:fillRef idx="0">
+            <a:schemeClr val="accent6"/>
+          </a:fillRef>
+          <a:effectRef idx="0">
+            <a:schemeClr val="accent6"/>
+          </a:effectRef>
+          <a:fontRef idx="minor">
+            <a:schemeClr val="tx1"/>
+          </a:fontRef>
+        </p:style>
+      </p:cxnSp>
+      <p:sp>
+        <p:nvSpPr>
+          <p:cNvPr id="19" name="TextBox 18">
+            <a:extLst>
+              <a:ext uri="{FF2B5EF4-FFF2-40B4-BE49-F238E27FC236}">
+                <a16:creationId xmlns:a16="http://schemas.microsoft.com/office/drawing/2014/main" id="{E16425E3-E197-4017-898D-8EBCC66D4619}"/>
+              </a:ext>
+            </a:extLst>
+          </p:cNvPr>
+          <p:cNvSpPr txBox="1"/>
+          <p:nvPr/>
+        </p:nvSpPr>
+        <p:spPr>
+          <a:xfrm>
+            <a:off x="3960294" y="399100"/>
+            <a:ext cx="1801834" cy="276999"/>
+          </a:xfrm>
+          <a:prstGeom prst="rect">
+            <a:avLst/>
+          </a:prstGeom>
+          <a:noFill/>
+        </p:spPr>
+        <p:txBody>
+          <a:bodyPr wrap="square">
+            <a:spAutoFit/>
+          </a:bodyPr>
+          <a:lstStyle/>
+          <a:p>
+            <a:r>
+              <a:rPr lang="en-US" sz="1200" dirty="0">
+                <a:solidFill>
+                  <a:srgbClr val="FF0000"/>
+                </a:solidFill>
+              </a:rPr>
+              <a:t>PRE-REQUISITE</a:t>
+            </a:r>
+          </a:p>
+        </p:txBody>
+      </p:sp>
+      <p:sp>
+        <p:nvSpPr>
+          <p:cNvPr id="8" name="TextBox 7">
+            <a:extLst>
+              <a:ext uri="{FF2B5EF4-FFF2-40B4-BE49-F238E27FC236}">
+                <a16:creationId xmlns:a16="http://schemas.microsoft.com/office/drawing/2014/main" id="{84160849-CF3A-4E2E-A8D5-F42BD87E8E51}"/>
+              </a:ext>
+            </a:extLst>
+          </p:cNvPr>
+          <p:cNvSpPr txBox="1"/>
+          <p:nvPr/>
+        </p:nvSpPr>
+        <p:spPr>
+          <a:xfrm>
+            <a:off x="1721148" y="1665900"/>
+            <a:ext cx="1224769" cy="246221"/>
+          </a:xfrm>
+          <a:prstGeom prst="rect">
+            <a:avLst/>
+          </a:prstGeom>
+          <a:noFill/>
+        </p:spPr>
+        <p:txBody>
+          <a:bodyPr wrap="square">
+            <a:spAutoFit/>
+          </a:bodyPr>
+          <a:lstStyle>
+            <a:defPPr>
+              <a:defRPr lang="en-US"/>
+            </a:defPPr>
+            <a:lvl1pPr algn="ctr">
+              <a:defRPr sz="1000"/>
+            </a:lvl1pPr>
+          </a:lstStyle>
+          <a:p>
+            <a:pPr algn="l"/>
+            <a:r>
+              <a:rPr lang="en-US" dirty="0">
+                <a:solidFill>
+                  <a:srgbClr val="FF0000"/>
+                </a:solidFill>
+              </a:rPr>
+              <a:t>[RG NAME]</a:t>
+            </a:r>
+          </a:p>
+        </p:txBody>
+      </p:sp>
+      <p:sp>
+        <p:nvSpPr>
+          <p:cNvPr id="9" name="TextBox 8">
+            <a:extLst>
+              <a:ext uri="{FF2B5EF4-FFF2-40B4-BE49-F238E27FC236}">
+                <a16:creationId xmlns:a16="http://schemas.microsoft.com/office/drawing/2014/main" id="{851ED6AB-5E24-434A-92CA-11700F86E1D5}"/>
+              </a:ext>
+            </a:extLst>
+          </p:cNvPr>
+          <p:cNvSpPr txBox="1"/>
+          <p:nvPr/>
+        </p:nvSpPr>
+        <p:spPr>
+          <a:xfrm>
+            <a:off x="2594521" y="699444"/>
+            <a:ext cx="1507400" cy="400110"/>
+          </a:xfrm>
+          <a:prstGeom prst="rect">
+            <a:avLst/>
+          </a:prstGeom>
+          <a:noFill/>
+        </p:spPr>
+        <p:txBody>
+          <a:bodyPr wrap="square">
+            <a:spAutoFit/>
+          </a:bodyPr>
+          <a:lstStyle>
+            <a:defPPr>
+              <a:defRPr lang="en-US"/>
+            </a:defPPr>
+            <a:lvl1pPr algn="ctr">
+              <a:defRPr sz="1000"/>
+            </a:lvl1pPr>
+          </a:lstStyle>
+          <a:p>
+            <a:pPr algn="r"/>
+            <a:r>
+              <a:rPr lang="en-US" dirty="0">
+                <a:solidFill>
+                  <a:srgbClr val="FF0000"/>
+                </a:solidFill>
+              </a:rPr>
+              <a:t>[CONTAINER REGISTRY]</a:t>
+            </a:r>
+          </a:p>
+          <a:p>
+            <a:pPr algn="r"/>
+            <a:r>
+              <a:rPr lang="en-US" dirty="0">
+                <a:solidFill>
+                  <a:srgbClr val="FF0000"/>
+                </a:solidFill>
+              </a:rPr>
+              <a:t>[IMAGE URI]</a:t>
+            </a:r>
+          </a:p>
+        </p:txBody>
+      </p:sp>
+      <p:sp>
+        <p:nvSpPr>
+          <p:cNvPr id="16" name="TextBox 15">
+            <a:extLst>
+              <a:ext uri="{FF2B5EF4-FFF2-40B4-BE49-F238E27FC236}">
+                <a16:creationId xmlns:a16="http://schemas.microsoft.com/office/drawing/2014/main" id="{F33BB5E9-CDB4-4E8B-8585-A85CB3ABF8A1}"/>
+              </a:ext>
+            </a:extLst>
+          </p:cNvPr>
+          <p:cNvSpPr txBox="1"/>
+          <p:nvPr/>
+        </p:nvSpPr>
+        <p:spPr>
+          <a:xfrm>
+            <a:off x="9437070" y="613117"/>
+            <a:ext cx="1507400" cy="553998"/>
+          </a:xfrm>
+          <a:prstGeom prst="rect">
+            <a:avLst/>
+          </a:prstGeom>
+          <a:noFill/>
+        </p:spPr>
+        <p:txBody>
+          <a:bodyPr wrap="square">
+            <a:spAutoFit/>
+          </a:bodyPr>
+          <a:lstStyle>
+            <a:defPPr>
+              <a:defRPr lang="en-US"/>
+            </a:defPPr>
+            <a:lvl1pPr algn="ctr">
+              <a:defRPr sz="1000"/>
+            </a:lvl1pPr>
+          </a:lstStyle>
+          <a:p>
+            <a:pPr algn="l"/>
+            <a:r>
+              <a:rPr lang="en-US" dirty="0">
+                <a:solidFill>
+                  <a:srgbClr val="FF0000"/>
+                </a:solidFill>
+              </a:rPr>
+              <a:t>[TENANT ID]</a:t>
+            </a:r>
+            <a:br>
+              <a:rPr lang="en-US" dirty="0">
+                <a:solidFill>
+                  <a:srgbClr val="FF0000"/>
+                </a:solidFill>
+              </a:rPr>
+            </a:br>
+            <a:r>
+              <a:rPr lang="en-US" dirty="0">
+                <a:solidFill>
+                  <a:srgbClr val="FF0000"/>
+                </a:solidFill>
+              </a:rPr>
+              <a:t>[APP CLIENT ID]</a:t>
+            </a:r>
+            <a:br>
+              <a:rPr lang="en-US" dirty="0">
+                <a:solidFill>
+                  <a:srgbClr val="FF0000"/>
+                </a:solidFill>
+              </a:rPr>
+            </a:br>
+            <a:r>
+              <a:rPr lang="en-US" dirty="0">
+                <a:solidFill>
+                  <a:srgbClr val="FF0000"/>
+                </a:solidFill>
+              </a:rPr>
+              <a:t>[APP PASSWORD]</a:t>
+            </a:r>
+          </a:p>
+        </p:txBody>
+      </p:sp>
+      <p:sp>
+        <p:nvSpPr>
+          <p:cNvPr id="20" name="Rectangle 1">
+            <a:extLst>
+              <a:ext uri="{FF2B5EF4-FFF2-40B4-BE49-F238E27FC236}">
+                <a16:creationId xmlns:a16="http://schemas.microsoft.com/office/drawing/2014/main" id="{56252E25-C25B-4EAD-B9F5-7C314D5CDD2D}"/>
+              </a:ext>
+            </a:extLst>
+          </p:cNvPr>
+          <p:cNvSpPr>
+            <a:spLocks noChangeArrowheads="1"/>
+          </p:cNvSpPr>
+          <p:nvPr/>
+        </p:nvSpPr>
+        <p:spPr bwMode="auto">
+          <a:xfrm>
+            <a:off x="6122485" y="3010469"/>
+            <a:ext cx="1204521" cy="246221"/>
+          </a:xfrm>
+          <a:prstGeom prst="rect">
+            <a:avLst/>
+          </a:prstGeom>
+          <a:noFill/>
+        </p:spPr>
+        <p:txBody>
+          <a:bodyPr wrap="square">
+            <a:spAutoFit/>
+          </a:bodyPr>
+          <a:lstStyle/>
+          <a:p>
+            <a:r>
+              <a:rPr lang="en-US" altLang="en-US" sz="1000" dirty="0">
+                <a:solidFill>
+                  <a:srgbClr val="FF0000"/>
+                </a:solidFill>
+              </a:rPr>
+              <a:t>[</a:t>
+            </a:r>
+            <a:r>
+              <a:rPr lang="en-US" altLang="en-US" sz="1000" dirty="0" err="1">
+                <a:solidFill>
+                  <a:srgbClr val="FF0000"/>
+                </a:solidFill>
+              </a:rPr>
+              <a:t>WebHook</a:t>
+            </a:r>
+            <a:r>
+              <a:rPr lang="en-US" altLang="en-US" sz="1000" dirty="0">
+                <a:solidFill>
+                  <a:srgbClr val="FF0000"/>
+                </a:solidFill>
+              </a:rPr>
+              <a:t> API Key] </a:t>
+            </a:r>
+          </a:p>
+        </p:txBody>
+      </p:sp>
+    </p:spTree>
+    <p:extLst>
+      <p:ext uri="{BB962C8B-B14F-4D97-AF65-F5344CB8AC3E}">
+        <p14:creationId xmlns:p14="http://schemas.microsoft.com/office/powerpoint/2010/main" val="3716395659"/>
+      </p:ext>
+    </p:extLst>
+  </p:cSld>
+  <p:clrMapOvr>
+    <a:masterClrMapping/>
+  </p:clrMapOvr>
+</p:sld>
+</file>
+
+<file path=ppt/slides/slide8.xml><?xml version="1.0" encoding="utf-8"?>
+<p:sld xmlns:a="http://schemas.openxmlformats.org/drawingml/2006/main" xmlns:r="http://schemas.openxmlformats.org/officeDocument/2006/relationships" xmlns:p="http://schemas.openxmlformats.org/presentationml/2006/main">
+  <p:cSld>
+    <p:spTree>
+      <p:nvGrpSpPr>
+        <p:cNvPr id="1" name=""/>
+        <p:cNvGrpSpPr/>
+        <p:nvPr/>
+      </p:nvGrpSpPr>
+      <p:grpSpPr>
+        <a:xfrm>
+          <a:off x="0" y="0"/>
+          <a:ext cx="0" cy="0"/>
+          <a:chOff x="0" y="0"/>
+          <a:chExt cx="0" cy="0"/>
+        </a:xfrm>
+      </p:grpSpPr>
+      <p:sp>
+        <p:nvSpPr>
           <p:cNvPr id="2" name="Rectangle: Rounded Corners 1">
             <a:extLst>
               <a:ext uri="{FF2B5EF4-FFF2-40B4-BE49-F238E27FC236}">

--- a/docs/drawings.pptx
+++ b/docs/drawings.pptx
@@ -274,7 +274,7 @@
           <a:p>
             <a:fld id="{EEB5A699-4281-42A6-A7CC-966666C96966}" type="datetimeFigureOut">
               <a:rPr lang="en-US" smtClean="0"/>
-              <a:t>2/4/2022</a:t>
+              <a:t>2/9/2022</a:t>
             </a:fld>
             <a:endParaRPr lang="en-US"/>
           </a:p>
@@ -472,7 +472,7 @@
           <a:p>
             <a:fld id="{EEB5A699-4281-42A6-A7CC-966666C96966}" type="datetimeFigureOut">
               <a:rPr lang="en-US" smtClean="0"/>
-              <a:t>2/4/2022</a:t>
+              <a:t>2/9/2022</a:t>
             </a:fld>
             <a:endParaRPr lang="en-US"/>
           </a:p>
@@ -680,7 +680,7 @@
           <a:p>
             <a:fld id="{EEB5A699-4281-42A6-A7CC-966666C96966}" type="datetimeFigureOut">
               <a:rPr lang="en-US" smtClean="0"/>
-              <a:t>2/4/2022</a:t>
+              <a:t>2/9/2022</a:t>
             </a:fld>
             <a:endParaRPr lang="en-US"/>
           </a:p>
@@ -878,7 +878,7 @@
           <a:p>
             <a:fld id="{EEB5A699-4281-42A6-A7CC-966666C96966}" type="datetimeFigureOut">
               <a:rPr lang="en-US" smtClean="0"/>
-              <a:t>2/4/2022</a:t>
+              <a:t>2/9/2022</a:t>
             </a:fld>
             <a:endParaRPr lang="en-US"/>
           </a:p>
@@ -1153,7 +1153,7 @@
           <a:p>
             <a:fld id="{EEB5A699-4281-42A6-A7CC-966666C96966}" type="datetimeFigureOut">
               <a:rPr lang="en-US" smtClean="0"/>
-              <a:t>2/4/2022</a:t>
+              <a:t>2/9/2022</a:t>
             </a:fld>
             <a:endParaRPr lang="en-US"/>
           </a:p>
@@ -1418,7 +1418,7 @@
           <a:p>
             <a:fld id="{EEB5A699-4281-42A6-A7CC-966666C96966}" type="datetimeFigureOut">
               <a:rPr lang="en-US" smtClean="0"/>
-              <a:t>2/4/2022</a:t>
+              <a:t>2/9/2022</a:t>
             </a:fld>
             <a:endParaRPr lang="en-US"/>
           </a:p>
@@ -1830,7 +1830,7 @@
           <a:p>
             <a:fld id="{EEB5A699-4281-42A6-A7CC-966666C96966}" type="datetimeFigureOut">
               <a:rPr lang="en-US" smtClean="0"/>
-              <a:t>2/4/2022</a:t>
+              <a:t>2/9/2022</a:t>
             </a:fld>
             <a:endParaRPr lang="en-US"/>
           </a:p>
@@ -1971,7 +1971,7 @@
           <a:p>
             <a:fld id="{EEB5A699-4281-42A6-A7CC-966666C96966}" type="datetimeFigureOut">
               <a:rPr lang="en-US" smtClean="0"/>
-              <a:t>2/4/2022</a:t>
+              <a:t>2/9/2022</a:t>
             </a:fld>
             <a:endParaRPr lang="en-US"/>
           </a:p>
@@ -2084,7 +2084,7 @@
           <a:p>
             <a:fld id="{EEB5A699-4281-42A6-A7CC-966666C96966}" type="datetimeFigureOut">
               <a:rPr lang="en-US" smtClean="0"/>
-              <a:t>2/4/2022</a:t>
+              <a:t>2/9/2022</a:t>
             </a:fld>
             <a:endParaRPr lang="en-US"/>
           </a:p>
@@ -2395,7 +2395,7 @@
           <a:p>
             <a:fld id="{EEB5A699-4281-42A6-A7CC-966666C96966}" type="datetimeFigureOut">
               <a:rPr lang="en-US" smtClean="0"/>
-              <a:t>2/4/2022</a:t>
+              <a:t>2/9/2022</a:t>
             </a:fld>
             <a:endParaRPr lang="en-US"/>
           </a:p>
@@ -2683,7 +2683,7 @@
           <a:p>
             <a:fld id="{EEB5A699-4281-42A6-A7CC-966666C96966}" type="datetimeFigureOut">
               <a:rPr lang="en-US" smtClean="0"/>
-              <a:t>2/4/2022</a:t>
+              <a:t>2/9/2022</a:t>
             </a:fld>
             <a:endParaRPr lang="en-US"/>
           </a:p>
@@ -2924,7 +2924,7 @@
           <a:p>
             <a:fld id="{EEB5A699-4281-42A6-A7CC-966666C96966}" type="datetimeFigureOut">
               <a:rPr lang="en-US" smtClean="0"/>
-              <a:t>2/4/2022</a:t>
+              <a:t>2/9/2022</a:t>
             </a:fld>
             <a:endParaRPr lang="en-US"/>
           </a:p>
@@ -7344,7 +7344,7 @@
         </p:nvSpPr>
         <p:spPr>
           <a:xfrm>
-            <a:off x="1798685" y="6297614"/>
+            <a:off x="1784599" y="6242571"/>
             <a:ext cx="8162580" cy="554063"/>
           </a:xfrm>
           <a:prstGeom prst="roundRect">
@@ -7438,7 +7438,7 @@
         </p:nvSpPr>
         <p:spPr>
           <a:xfrm>
-            <a:off x="7030862" y="3956210"/>
+            <a:off x="10104185" y="4015354"/>
             <a:ext cx="1721853" cy="932195"/>
           </a:xfrm>
           <a:prstGeom prst="rect">
@@ -8342,9 +8342,9 @@
           <p:nvPr/>
         </p:nvCxnSpPr>
         <p:spPr>
-          <a:xfrm>
-            <a:off x="4620071" y="4530669"/>
-            <a:ext cx="2585800" cy="10036"/>
+          <a:xfrm flipV="1">
+            <a:off x="4614638" y="4508681"/>
+            <a:ext cx="5489547" cy="25984"/>
           </a:xfrm>
           <a:prstGeom prst="straightConnector1">
             <a:avLst/>
@@ -8874,7 +8874,7 @@
           <a:p>
             <a:pPr algn="ctr"/>
             <a:r>
-              <a:rPr lang="en-US" sz="1000" dirty="0" err="1">
+              <a:rPr lang="en-US" sz="1000" dirty="0">
                 <a:solidFill>
                   <a:srgbClr val="569CD6"/>
                 </a:solidFill>
@@ -9121,37 +9121,21 @@
           </a:lstStyle>
           <a:p>
             <a:r>
-              <a:rPr lang="en-US" sz="800" dirty="0" err="1"/>
-              <a:t>dbPassword</a:t>
-            </a:r>
-            <a:r>
               <a:rPr lang="en-US" sz="800" dirty="0"/>
-              <a:t> = await </a:t>
-            </a:r>
-          </a:p>
-          <a:p>
-            <a:r>
-              <a:rPr lang="en-US" sz="800" dirty="0" err="1"/>
-              <a:t>secretManagerClient.GetSecretValueAsync</a:t>
-            </a:r>
+              <a:t>dbPassword = await </a:t>
+            </a:r>
+          </a:p>
+          <a:p>
             <a:r>
               <a:rPr lang="en-US" sz="800" dirty="0"/>
-              <a:t>(</a:t>
+              <a:t>secretManagerClient.GetSecretValueAsync(</a:t>
             </a:r>
             <a:br>
               <a:rPr lang="en-US" sz="800" dirty="0"/>
             </a:br>
             <a:r>
               <a:rPr lang="en-US" sz="800" dirty="0"/>
-              <a:t>“</a:t>
-            </a:r>
-            <a:r>
-              <a:rPr lang="en-US" sz="800" dirty="0" err="1"/>
-              <a:t>InfluxDbPassword</a:t>
-            </a:r>
-            <a:r>
-              <a:rPr lang="en-US" sz="800" dirty="0"/>
-              <a:t>“, …)</a:t>
+              <a:t>“InfluxDbPassword“, …)</a:t>
             </a:r>
           </a:p>
         </p:txBody>
@@ -9250,29 +9234,7 @@
                 <a:latin typeface="Cascadia Code" panose="020B0609020000020004" pitchFamily="49" charset="0"/>
                 <a:cs typeface="Cascadia Code" panose="020B0609020000020004" pitchFamily="49" charset="0"/>
               </a:rPr>
-              <a:t>, username, </a:t>
-            </a:r>
-            <a:r>
-              <a:rPr lang="en-US" sz="800" b="0" dirty="0" err="1">
-                <a:solidFill>
-                  <a:srgbClr val="569CD6"/>
-                </a:solidFill>
-                <a:effectLst/>
-                <a:latin typeface="Cascadia Code" panose="020B0609020000020004" pitchFamily="49" charset="0"/>
-                <a:cs typeface="Cascadia Code" panose="020B0609020000020004" pitchFamily="49" charset="0"/>
-              </a:rPr>
-              <a:t>dbPassword</a:t>
-            </a:r>
-            <a:r>
-              <a:rPr lang="en-US" sz="800" b="0" dirty="0">
-                <a:solidFill>
-                  <a:srgbClr val="569CD6"/>
-                </a:solidFill>
-                <a:effectLst/>
-                <a:latin typeface="Cascadia Code" panose="020B0609020000020004" pitchFamily="49" charset="0"/>
-                <a:cs typeface="Cascadia Code" panose="020B0609020000020004" pitchFamily="49" charset="0"/>
-              </a:rPr>
-              <a:t>);</a:t>
+              <a:t>, username, dbPassword);</a:t>
             </a:r>
             <a:endParaRPr lang="en-US" sz="800" b="0" dirty="0">
               <a:solidFill>
@@ -9323,7 +9285,7 @@
               <a:rPr lang="en-US" sz="1100" dirty="0" err="1">
                 <a:latin typeface="Arial Nova Cond" panose="020B0506020202020204" pitchFamily="34" charset="0"/>
               </a:rPr>
-              <a:t>sampleApp</a:t>
+              <a:t>SecretManager</a:t>
             </a:r>
             <a:r>
               <a:rPr lang="en-US" sz="1100" dirty="0">
@@ -9595,7 +9557,7 @@
         </p:blipFill>
         <p:spPr bwMode="auto">
           <a:xfrm>
-            <a:off x="7241524" y="4368988"/>
+            <a:off x="10243320" y="4368988"/>
             <a:ext cx="1443582" cy="354394"/>
           </a:xfrm>
           <a:prstGeom prst="rect">
@@ -9615,58 +9577,6 @@
       </p:pic>
       <p:sp>
         <p:nvSpPr>
-          <p:cNvPr id="16" name="TextBox 15">
-            <a:extLst>
-              <a:ext uri="{FF2B5EF4-FFF2-40B4-BE49-F238E27FC236}">
-                <a16:creationId xmlns:a16="http://schemas.microsoft.com/office/drawing/2014/main" id="{150664F6-D638-4BBA-B82E-64EF9BCA251F}"/>
-              </a:ext>
-            </a:extLst>
-          </p:cNvPr>
-          <p:cNvSpPr txBox="1"/>
-          <p:nvPr/>
-        </p:nvSpPr>
-        <p:spPr>
-          <a:xfrm>
-            <a:off x="6968821" y="3710506"/>
-            <a:ext cx="1832810" cy="261610"/>
-          </a:xfrm>
-          <a:prstGeom prst="rect">
-            <a:avLst/>
-          </a:prstGeom>
-          <a:noFill/>
-        </p:spPr>
-        <p:txBody>
-          <a:bodyPr wrap="square">
-            <a:spAutoFit/>
-          </a:bodyPr>
-          <a:lstStyle>
-            <a:defPPr>
-              <a:defRPr lang="en-US"/>
-            </a:defPPr>
-            <a:lvl1pPr>
-              <a:defRPr sz="1100">
-                <a:latin typeface="Arial Nova Cond" panose="020B0506020202020204" pitchFamily="34" charset="0"/>
-              </a:defRPr>
-            </a:lvl1pPr>
-          </a:lstStyle>
-          <a:p>
-            <a:r>
-              <a:rPr lang="en-US" dirty="0"/>
-              <a:t>“</a:t>
-            </a:r>
-            <a:r>
-              <a:rPr lang="en-US" dirty="0" err="1"/>
-              <a:t>influxdb</a:t>
-            </a:r>
-            <a:r>
-              <a:rPr lang="en-US" dirty="0"/>
-              <a:t>” module</a:t>
-            </a:r>
-          </a:p>
-        </p:txBody>
-      </p:sp>
-      <p:sp>
-        <p:nvSpPr>
           <p:cNvPr id="20" name="TextBox 19">
             <a:extLst>
               <a:ext uri="{FF2B5EF4-FFF2-40B4-BE49-F238E27FC236}">
@@ -9703,7 +9613,7 @@
               <a:rPr lang="en-US" sz="1100" dirty="0" err="1">
                 <a:latin typeface="Arial Nova Cond" panose="020B0506020202020204" pitchFamily="34" charset="0"/>
               </a:rPr>
-              <a:t>deployment.influxdb.template.json</a:t>
+              <a:t>deployment.template.json</a:t>
             </a:r>
             <a:r>
               <a:rPr lang="en-US" sz="1100" dirty="0">
@@ -10823,14 +10733,11 @@
             <a:p>
               <a:pPr algn="ctr"/>
               <a:r>
-                <a:rPr lang="en-US" sz="1200" dirty="0" err="1">
+                <a:rPr lang="en-US" sz="1200" dirty="0">
                   <a:latin typeface="Arial Nova Cond" panose="020B0506020202020204" pitchFamily="34" charset="0"/>
                 </a:rPr>
                 <a:t>SecretManagerClient</a:t>
               </a:r>
-              <a:endParaRPr lang="en-US" sz="1200" dirty="0">
-                <a:latin typeface="Arial Nova Cond" panose="020B0506020202020204" pitchFamily="34" charset="0"/>
-              </a:endParaRPr>
             </a:p>
           </p:txBody>
         </p:sp>
@@ -16853,7 +16760,7 @@
         <p:spPr>
           <a:xfrm>
             <a:off x="1820694" y="1922535"/>
-            <a:ext cx="8162580" cy="2308041"/>
+            <a:ext cx="8164400" cy="2308041"/>
           </a:xfrm>
           <a:prstGeom prst="roundRect">
             <a:avLst>
@@ -16899,7 +16806,7 @@
         </p:nvSpPr>
         <p:spPr>
           <a:xfrm>
-            <a:off x="7066957" y="2223663"/>
+            <a:off x="5674136" y="654639"/>
             <a:ext cx="1721853" cy="932195"/>
           </a:xfrm>
           <a:prstGeom prst="rect">
@@ -16997,48 +16904,6 @@
           <a:xfrm flipV="1">
             <a:off x="4658574" y="3788135"/>
             <a:ext cx="2442349" cy="13506"/>
-          </a:xfrm>
-          <a:prstGeom prst="straightConnector1">
-            <a:avLst/>
-          </a:prstGeom>
-          <a:ln>
-            <a:headEnd type="triangle"/>
-            <a:tailEnd type="triangle"/>
-          </a:ln>
-        </p:spPr>
-        <p:style>
-          <a:lnRef idx="1">
-            <a:schemeClr val="accent1"/>
-          </a:lnRef>
-          <a:fillRef idx="0">
-            <a:schemeClr val="accent1"/>
-          </a:fillRef>
-          <a:effectRef idx="0">
-            <a:schemeClr val="accent1"/>
-          </a:effectRef>
-          <a:fontRef idx="minor">
-            <a:schemeClr val="tx1"/>
-          </a:fontRef>
-        </p:style>
-      </p:cxnSp>
-      <p:cxnSp>
-        <p:nvCxnSpPr>
-          <p:cNvPr id="7" name="Straight Arrow Connector 6">
-            <a:extLst>
-              <a:ext uri="{FF2B5EF4-FFF2-40B4-BE49-F238E27FC236}">
-                <a16:creationId xmlns:a16="http://schemas.microsoft.com/office/drawing/2014/main" id="{BC1D7DA0-1498-4661-96CF-6059EB9D76D3}"/>
-              </a:ext>
-            </a:extLst>
-          </p:cNvPr>
-          <p:cNvCxnSpPr>
-            <a:cxnSpLocks/>
-          </p:cNvCxnSpPr>
-          <p:nvPr/>
-        </p:nvCxnSpPr>
-        <p:spPr>
-          <a:xfrm>
-            <a:off x="4656166" y="2798122"/>
-            <a:ext cx="2585800" cy="10036"/>
           </a:xfrm>
           <a:prstGeom prst="straightConnector1">
             <a:avLst/>
@@ -17279,7 +17144,7 @@
           <a:p>
             <a:pPr algn="ctr"/>
             <a:r>
-              <a:rPr lang="en-US" sz="1000" dirty="0" err="1">
+              <a:rPr lang="en-US" sz="1000" dirty="0">
                 <a:solidFill>
                   <a:srgbClr val="569CD6"/>
                 </a:solidFill>
@@ -17441,37 +17306,21 @@
           </a:lstStyle>
           <a:p>
             <a:r>
-              <a:rPr lang="en-US" sz="800" dirty="0" err="1"/>
-              <a:t>dbPassword</a:t>
-            </a:r>
-            <a:r>
               <a:rPr lang="en-US" sz="800" dirty="0"/>
-              <a:t> = await </a:t>
-            </a:r>
-          </a:p>
-          <a:p>
-            <a:r>
-              <a:rPr lang="en-US" sz="800" dirty="0" err="1"/>
-              <a:t>secretManagerClient.GetSecretValueAsync</a:t>
-            </a:r>
+              <a:t>dbPassword = await </a:t>
+            </a:r>
+          </a:p>
+          <a:p>
             <a:r>
               <a:rPr lang="en-US" sz="800" dirty="0"/>
-              <a:t>(</a:t>
+              <a:t>secretManagerClient.GetSecretValueAsync(</a:t>
             </a:r>
             <a:br>
               <a:rPr lang="en-US" sz="800" dirty="0"/>
             </a:br>
             <a:r>
               <a:rPr lang="en-US" sz="800" dirty="0"/>
-              <a:t>“</a:t>
-            </a:r>
-            <a:r>
-              <a:rPr lang="en-US" sz="800" dirty="0" err="1"/>
-              <a:t>InfluxDbPassword</a:t>
-            </a:r>
-            <a:r>
-              <a:rPr lang="en-US" sz="800" dirty="0"/>
-              <a:t>“, …)</a:t>
+              <a:t>“InfluxDbPassword“, …)</a:t>
             </a:r>
           </a:p>
         </p:txBody>
@@ -17490,7 +17339,7 @@
         </p:nvSpPr>
         <p:spPr>
           <a:xfrm>
-            <a:off x="4650733" y="2267957"/>
+            <a:off x="4647726" y="2189647"/>
             <a:ext cx="2416224" cy="461665"/>
           </a:xfrm>
           <a:prstGeom prst="rect">
@@ -17570,29 +17419,7 @@
                 <a:latin typeface="Cascadia Code" panose="020B0609020000020004" pitchFamily="49" charset="0"/>
                 <a:cs typeface="Cascadia Code" panose="020B0609020000020004" pitchFamily="49" charset="0"/>
               </a:rPr>
-              <a:t>, username, </a:t>
-            </a:r>
-            <a:r>
-              <a:rPr lang="en-US" sz="800" b="0" dirty="0" err="1">
-                <a:solidFill>
-                  <a:srgbClr val="569CD6"/>
-                </a:solidFill>
-                <a:effectLst/>
-                <a:latin typeface="Cascadia Code" panose="020B0609020000020004" pitchFamily="49" charset="0"/>
-                <a:cs typeface="Cascadia Code" panose="020B0609020000020004" pitchFamily="49" charset="0"/>
-              </a:rPr>
-              <a:t>dbPassword</a:t>
-            </a:r>
-            <a:r>
-              <a:rPr lang="en-US" sz="800" b="0" dirty="0">
-                <a:solidFill>
-                  <a:srgbClr val="569CD6"/>
-                </a:solidFill>
-                <a:effectLst/>
-                <a:latin typeface="Cascadia Code" panose="020B0609020000020004" pitchFamily="49" charset="0"/>
-                <a:cs typeface="Cascadia Code" panose="020B0609020000020004" pitchFamily="49" charset="0"/>
-              </a:rPr>
-              <a:t>);</a:t>
+              <a:t>, username, dbPassword);</a:t>
             </a:r>
             <a:endParaRPr lang="en-US" sz="800" b="0" dirty="0">
               <a:solidFill>
@@ -17643,7 +17470,7 @@
               <a:rPr lang="en-US" sz="1100" dirty="0" err="1">
                 <a:latin typeface="Arial Nova Cond" panose="020B0506020202020204" pitchFamily="34" charset="0"/>
               </a:rPr>
-              <a:t>sampleApp</a:t>
+              <a:t>SecretManager</a:t>
             </a:r>
             <a:r>
               <a:rPr lang="en-US" sz="1100" dirty="0">
@@ -17681,7 +17508,7 @@
         </p:blipFill>
         <p:spPr bwMode="auto">
           <a:xfrm>
-            <a:off x="7277619" y="2636441"/>
+            <a:off x="5753619" y="987679"/>
             <a:ext cx="1443582" cy="354394"/>
           </a:xfrm>
           <a:prstGeom prst="rect">
@@ -17701,58 +17528,6 @@
       </p:pic>
       <p:sp>
         <p:nvSpPr>
-          <p:cNvPr id="25" name="TextBox 24">
-            <a:extLst>
-              <a:ext uri="{FF2B5EF4-FFF2-40B4-BE49-F238E27FC236}">
-                <a16:creationId xmlns:a16="http://schemas.microsoft.com/office/drawing/2014/main" id="{00EA9D5A-6CC9-45EE-8E7D-503405961671}"/>
-              </a:ext>
-            </a:extLst>
-          </p:cNvPr>
-          <p:cNvSpPr txBox="1"/>
-          <p:nvPr/>
-        </p:nvSpPr>
-        <p:spPr>
-          <a:xfrm>
-            <a:off x="7004916" y="1977959"/>
-            <a:ext cx="1832810" cy="261610"/>
-          </a:xfrm>
-          <a:prstGeom prst="rect">
-            <a:avLst/>
-          </a:prstGeom>
-          <a:noFill/>
-        </p:spPr>
-        <p:txBody>
-          <a:bodyPr wrap="square">
-            <a:spAutoFit/>
-          </a:bodyPr>
-          <a:lstStyle>
-            <a:defPPr>
-              <a:defRPr lang="en-US"/>
-            </a:defPPr>
-            <a:lvl1pPr>
-              <a:defRPr sz="1100">
-                <a:latin typeface="Arial Nova Cond" panose="020B0506020202020204" pitchFamily="34" charset="0"/>
-              </a:defRPr>
-            </a:lvl1pPr>
-          </a:lstStyle>
-          <a:p>
-            <a:r>
-              <a:rPr lang="en-US" dirty="0"/>
-              <a:t>“</a:t>
-            </a:r>
-            <a:r>
-              <a:rPr lang="en-US" dirty="0" err="1"/>
-              <a:t>influxdb</a:t>
-            </a:r>
-            <a:r>
-              <a:rPr lang="en-US" dirty="0"/>
-              <a:t>” module</a:t>
-            </a:r>
-          </a:p>
-        </p:txBody>
-      </p:sp>
-      <p:sp>
-        <p:nvSpPr>
           <p:cNvPr id="29" name="TextBox 28">
             <a:extLst>
               <a:ext uri="{FF2B5EF4-FFF2-40B4-BE49-F238E27FC236}">
@@ -17789,7 +17564,7 @@
               <a:rPr lang="en-US" sz="1100" dirty="0" err="1">
                 <a:latin typeface="Arial Nova Cond" panose="020B0506020202020204" pitchFamily="34" charset="0"/>
               </a:rPr>
-              <a:t>deployment.influxdb.template.json</a:t>
+              <a:t>deployment.template.json</a:t>
             </a:r>
             <a:r>
               <a:rPr lang="en-US" sz="1100" dirty="0">
@@ -17800,6 +17575,169 @@
           </a:p>
         </p:txBody>
       </p:sp>
+      <p:sp>
+        <p:nvSpPr>
+          <p:cNvPr id="3" name="Rectangle 1">
+            <a:extLst>
+              <a:ext uri="{FF2B5EF4-FFF2-40B4-BE49-F238E27FC236}">
+                <a16:creationId xmlns:a16="http://schemas.microsoft.com/office/drawing/2014/main" id="{A948BF30-2D5C-4894-A3BB-20105CB92923}"/>
+              </a:ext>
+            </a:extLst>
+          </p:cNvPr>
+          <p:cNvSpPr>
+            <a:spLocks noChangeArrowheads="1"/>
+          </p:cNvSpPr>
+          <p:nvPr/>
+        </p:nvSpPr>
+        <p:spPr bwMode="auto">
+          <a:xfrm>
+            <a:off x="0" y="0"/>
+            <a:ext cx="12192000" cy="0"/>
+          </a:xfrm>
+          <a:prstGeom prst="rect">
+            <a:avLst/>
+          </a:prstGeom>
+          <a:noFill/>
+          <a:ln>
+            <a:noFill/>
+          </a:ln>
+          <a:effectLst/>
+          <a:extLst>
+            <a:ext uri="{909E8E84-426E-40DD-AFC4-6F175D3DCCD1}">
+              <a14:hiddenFill xmlns:a14="http://schemas.microsoft.com/office/drawing/2010/main">
+                <a:solidFill>
+                  <a:schemeClr val="accent1"/>
+                </a:solidFill>
+              </a14:hiddenFill>
+            </a:ext>
+            <a:ext uri="{91240B29-F687-4F45-9708-019B960494DF}">
+              <a14:hiddenLine xmlns:a14="http://schemas.microsoft.com/office/drawing/2010/main" w="9525">
+                <a:solidFill>
+                  <a:schemeClr val="tx1"/>
+                </a:solidFill>
+                <a:miter lim="800000"/>
+                <a:headEnd/>
+                <a:tailEnd/>
+              </a14:hiddenLine>
+            </a:ext>
+            <a:ext uri="{AF507438-7753-43E0-B8FC-AC1667EBCBE1}">
+              <a14:hiddenEffects xmlns:a14="http://schemas.microsoft.com/office/drawing/2010/main">
+                <a:effectLst>
+                  <a:outerShdw dist="35921" dir="2700000" algn="ctr" rotWithShape="0">
+                    <a:schemeClr val="bg2"/>
+                  </a:outerShdw>
+                </a:effectLst>
+              </a14:hiddenEffects>
+            </a:ext>
+          </a:extLst>
+        </p:spPr>
+        <p:txBody>
+          <a:bodyPr vert="horz" wrap="none" lIns="91440" tIns="45720" rIns="91440" bIns="45720" numCol="1" anchor="ctr" anchorCtr="0" compatLnSpc="1">
+            <a:prstTxWarp prst="textNoShape">
+              <a:avLst/>
+            </a:prstTxWarp>
+            <a:spAutoFit/>
+          </a:bodyPr>
+          <a:lstStyle/>
+          <a:p>
+            <a:pPr marL="0" marR="0" lvl="0" indent="0" algn="l" defTabSz="914400" rtl="0" eaLnBrk="0" fontAlgn="base" latinLnBrk="0" hangingPunct="0">
+              <a:lnSpc>
+                <a:spcPct val="100000"/>
+              </a:lnSpc>
+              <a:spcBef>
+                <a:spcPct val="0"/>
+              </a:spcBef>
+              <a:spcAft>
+                <a:spcPct val="0"/>
+              </a:spcAft>
+              <a:buClrTx/>
+              <a:buSzTx/>
+              <a:buFontTx/>
+              <a:buNone/>
+              <a:tabLst/>
+            </a:pPr>
+            <a:r>
+              <a:rPr kumimoji="0" lang="en-DE" altLang="en-DE" sz="1200" b="0" i="0" u="none" strike="noStrike" cap="none" normalizeH="0" baseline="0">
+                <a:ln>
+                  <a:noFill/>
+                </a:ln>
+                <a:solidFill>
+                  <a:srgbClr val="333333"/>
+                </a:solidFill>
+                <a:effectLst/>
+                <a:latin typeface="Open Sans" panose="020B0606030504020204" pitchFamily="34" charset="0"/>
+                <a:cs typeface="Open Sans" panose="020B0606030504020204" pitchFamily="34" charset="0"/>
+              </a:rPr>
+              <a:t>SecretManager</a:t>
+            </a:r>
+            <a:r>
+              <a:rPr kumimoji="0" lang="en-DE" altLang="en-DE" sz="300" b="0" i="0" u="none" strike="noStrike" cap="none" normalizeH="0" baseline="0">
+                <a:ln>
+                  <a:noFill/>
+                </a:ln>
+                <a:solidFill>
+                  <a:schemeClr val="tx1"/>
+                </a:solidFill>
+                <a:effectLst/>
+              </a:rPr>
+              <a:t> </a:t>
+            </a:r>
+            <a:endParaRPr kumimoji="0" lang="en-DE" altLang="en-DE" sz="1800" b="0" i="0" u="none" strike="noStrike" cap="none" normalizeH="0" baseline="0">
+              <a:ln>
+                <a:noFill/>
+              </a:ln>
+              <a:solidFill>
+                <a:schemeClr val="tx1"/>
+              </a:solidFill>
+              <a:effectLst/>
+              <a:latin typeface="Arial" panose="020B0604020202020204" pitchFamily="34" charset="0"/>
+            </a:endParaRPr>
+          </a:p>
+        </p:txBody>
+      </p:sp>
+      <p:cxnSp>
+        <p:nvCxnSpPr>
+          <p:cNvPr id="16" name="Connector: Elbow 15">
+            <a:extLst>
+              <a:ext uri="{FF2B5EF4-FFF2-40B4-BE49-F238E27FC236}">
+                <a16:creationId xmlns:a16="http://schemas.microsoft.com/office/drawing/2014/main" id="{A8D84721-4326-4F39-861C-423BFF58E925}"/>
+              </a:ext>
+            </a:extLst>
+          </p:cNvPr>
+          <p:cNvCxnSpPr>
+            <a:cxnSpLocks/>
+            <a:stCxn id="13" idx="3"/>
+            <a:endCxn id="4" idx="2"/>
+          </p:cNvCxnSpPr>
+          <p:nvPr/>
+        </p:nvCxnSpPr>
+        <p:spPr>
+          <a:xfrm flipV="1">
+            <a:off x="4650733" y="1586834"/>
+            <a:ext cx="1884330" cy="1049608"/>
+          </a:xfrm>
+          <a:prstGeom prst="bentConnector2">
+            <a:avLst/>
+          </a:prstGeom>
+          <a:ln>
+            <a:tailEnd type="triangle"/>
+          </a:ln>
+        </p:spPr>
+        <p:style>
+          <a:lnRef idx="1">
+            <a:schemeClr val="accent1"/>
+          </a:lnRef>
+          <a:fillRef idx="0">
+            <a:schemeClr val="accent1"/>
+          </a:fillRef>
+          <a:effectRef idx="0">
+            <a:schemeClr val="accent1"/>
+          </a:effectRef>
+          <a:fontRef idx="minor">
+            <a:schemeClr val="tx1"/>
+          </a:fontRef>
+        </p:style>
+      </p:cxnSp>
     </p:spTree>
     <p:extLst>
       <p:ext uri="{BB962C8B-B14F-4D97-AF65-F5344CB8AC3E}">
